--- a/MULTIVARIJANTNA I DUBINSKA ANALIZA PODATAKA.pptx
+++ b/MULTIVARIJANTNA I DUBINSKA ANALIZA PODATAKA.pptx
@@ -13,8 +13,8 @@
   <p:sldIdLst>
     <p:sldId id="436" r:id="rId5"/>
     <p:sldId id="437" r:id="rId6"/>
-    <p:sldId id="438" r:id="rId7"/>
-    <p:sldId id="452" r:id="rId8"/>
+    <p:sldId id="452" r:id="rId7"/>
+    <p:sldId id="438" r:id="rId8"/>
     <p:sldId id="440" r:id="rId9"/>
     <p:sldId id="448" r:id="rId10"/>
     <p:sldId id="449" r:id="rId11"/>
@@ -232,7 +232,7 @@
           <a:p>
             <a:fld id="{2DC5A369-CA0E-4FC6-90EE-5FA969A08EF8}" type="datetimeFigureOut">
               <a:rPr lang="en-US" smtClean="0"/>
-              <a:t>5/5/2024</a:t>
+              <a:t>5/6/2024</a:t>
             </a:fld>
             <a:endParaRPr lang="en-US" dirty="0"/>
           </a:p>
@@ -409,7 +409,7 @@
           <a:p>
             <a:fld id="{334AB06A-EEDC-421C-B5A0-5E9E5241A8E5}" type="datetimeFigureOut">
               <a:rPr lang="en-US" smtClean="0"/>
-              <a:t>5/5/2024</a:t>
+              <a:t>5/6/2024</a:t>
             </a:fld>
             <a:endParaRPr lang="en-US" dirty="0"/>
           </a:p>
@@ -1674,7 +1674,7 @@
     </p:spTree>
     <p:extLst>
       <p:ext uri="{BB962C8B-B14F-4D97-AF65-F5344CB8AC3E}">
-        <p14:creationId xmlns:p14="http://schemas.microsoft.com/office/powerpoint/2010/main" val="1601957038"/>
+        <p14:creationId xmlns:p14="http://schemas.microsoft.com/office/powerpoint/2010/main" val="740556472"/>
       </p:ext>
     </p:extLst>
   </p:cSld>
@@ -1758,7 +1758,7 @@
     </p:spTree>
     <p:extLst>
       <p:ext uri="{BB962C8B-B14F-4D97-AF65-F5344CB8AC3E}">
-        <p14:creationId xmlns:p14="http://schemas.microsoft.com/office/powerpoint/2010/main" val="740556472"/>
+        <p14:creationId xmlns:p14="http://schemas.microsoft.com/office/powerpoint/2010/main" val="1601957038"/>
       </p:ext>
     </p:extLst>
   </p:cSld>
@@ -13696,13 +13696,13 @@
   <p:clrMapOvr>
     <a:masterClrMapping/>
   </p:clrMapOvr>
-  <mc:AlternateContent xmlns:mc="http://schemas.openxmlformats.org/markup-compatibility/2006">
-    <mc:Choice xmlns:p14="http://schemas.microsoft.com/office/powerpoint/2010/main" Requires="p14">
+  <mc:AlternateContent xmlns:mc="http://schemas.openxmlformats.org/markup-compatibility/2006" xmlns:p14="http://schemas.microsoft.com/office/powerpoint/2010/main">
+    <mc:Choice Requires="p14">
       <p:transition p14:dur="350">
         <p:push dir="u"/>
       </p:transition>
     </mc:Choice>
-    <mc:Fallback>
+    <mc:Fallback xmlns="">
       <p:transition>
         <p:push dir="u"/>
       </p:transition>
@@ -14256,7 +14256,7 @@
         </p:nvSpPr>
         <p:spPr>
           <a:xfrm>
-            <a:off x="498231" y="706000"/>
+            <a:off x="498231" y="686950"/>
             <a:ext cx="5080697" cy="2253343"/>
           </a:xfrm>
           <a:prstGeom prst="rect">
@@ -14350,13 +14350,13 @@
   <p:clrMapOvr>
     <a:masterClrMapping/>
   </p:clrMapOvr>
-  <mc:AlternateContent xmlns:mc="http://schemas.openxmlformats.org/markup-compatibility/2006">
-    <mc:Choice xmlns:p14="http://schemas.microsoft.com/office/powerpoint/2010/main" Requires="p14">
+  <mc:AlternateContent xmlns:mc="http://schemas.openxmlformats.org/markup-compatibility/2006" xmlns:p14="http://schemas.microsoft.com/office/powerpoint/2010/main">
+    <mc:Choice Requires="p14">
       <p:transition p14:dur="350">
         <p:push dir="u"/>
       </p:transition>
     </mc:Choice>
-    <mc:Fallback>
+    <mc:Fallback xmlns="">
       <p:transition>
         <p:push dir="u"/>
       </p:transition>
@@ -14503,13 +14503,13 @@
   <p:clrMapOvr>
     <a:masterClrMapping/>
   </p:clrMapOvr>
-  <mc:AlternateContent xmlns:mc="http://schemas.openxmlformats.org/markup-compatibility/2006">
-    <mc:Choice xmlns:p14="http://schemas.microsoft.com/office/powerpoint/2010/main" Requires="p14">
+  <mc:AlternateContent xmlns:mc="http://schemas.openxmlformats.org/markup-compatibility/2006" xmlns:p14="http://schemas.microsoft.com/office/powerpoint/2010/main">
+    <mc:Choice Requires="p14">
       <p:transition p14:dur="350">
         <p:push dir="u"/>
       </p:transition>
     </mc:Choice>
-    <mc:Fallback>
+    <mc:Fallback xmlns="">
       <p:transition>
         <p:push dir="u"/>
       </p:transition>
@@ -14683,13 +14683,13 @@
   <p:clrMapOvr>
     <a:masterClrMapping/>
   </p:clrMapOvr>
-  <mc:AlternateContent xmlns:mc="http://schemas.openxmlformats.org/markup-compatibility/2006">
-    <mc:Choice xmlns:p14="http://schemas.microsoft.com/office/powerpoint/2010/main" Requires="p14">
+  <mc:AlternateContent xmlns:mc="http://schemas.openxmlformats.org/markup-compatibility/2006" xmlns:p14="http://schemas.microsoft.com/office/powerpoint/2010/main">
+    <mc:Choice Requires="p14">
       <p:transition p14:dur="350">
         <p:push dir="u"/>
       </p:transition>
     </mc:Choice>
-    <mc:Fallback>
+    <mc:Fallback xmlns="">
       <p:transition>
         <p:push dir="u"/>
       </p:transition>
@@ -14875,13 +14875,13 @@
   <p:clrMapOvr>
     <a:masterClrMapping/>
   </p:clrMapOvr>
-  <mc:AlternateContent xmlns:mc="http://schemas.openxmlformats.org/markup-compatibility/2006">
-    <mc:Choice xmlns:p14="http://schemas.microsoft.com/office/powerpoint/2010/main" Requires="p14">
+  <mc:AlternateContent xmlns:mc="http://schemas.openxmlformats.org/markup-compatibility/2006" xmlns:p14="http://schemas.microsoft.com/office/powerpoint/2010/main">
+    <mc:Choice Requires="p14">
       <p:transition p14:dur="350">
         <p:push dir="u"/>
       </p:transition>
     </mc:Choice>
-    <mc:Fallback>
+    <mc:Fallback xmlns="">
       <p:transition>
         <p:push dir="u"/>
       </p:transition>
@@ -15050,13 +15050,13 @@
   <p:clrMapOvr>
     <a:masterClrMapping/>
   </p:clrMapOvr>
-  <mc:AlternateContent xmlns:mc="http://schemas.openxmlformats.org/markup-compatibility/2006">
-    <mc:Choice xmlns:p14="http://schemas.microsoft.com/office/powerpoint/2010/main" Requires="p14">
+  <mc:AlternateContent xmlns:mc="http://schemas.openxmlformats.org/markup-compatibility/2006" xmlns:p14="http://schemas.microsoft.com/office/powerpoint/2010/main">
+    <mc:Choice Requires="p14">
       <p:transition p14:dur="350">
         <p:push dir="u"/>
       </p:transition>
     </mc:Choice>
-    <mc:Fallback>
+    <mc:Fallback xmlns="">
       <p:transition>
         <p:push dir="u"/>
       </p:transition>
@@ -15979,13 +15979,13 @@
   <p:clrMapOvr>
     <a:masterClrMapping/>
   </p:clrMapOvr>
-  <mc:AlternateContent xmlns:mc="http://schemas.openxmlformats.org/markup-compatibility/2006">
-    <mc:Choice xmlns:p14="http://schemas.microsoft.com/office/powerpoint/2010/main" Requires="p14">
+  <mc:AlternateContent xmlns:mc="http://schemas.openxmlformats.org/markup-compatibility/2006" xmlns:p14="http://schemas.microsoft.com/office/powerpoint/2010/main">
+    <mc:Choice Requires="p14">
       <p:transition p14:dur="350">
         <p:push dir="u"/>
       </p:transition>
     </mc:Choice>
-    <mc:Fallback>
+    <mc:Fallback xmlns="">
       <p:transition>
         <p:push dir="u"/>
       </p:transition>
@@ -16171,13 +16171,13 @@
   <p:clrMapOvr>
     <a:masterClrMapping/>
   </p:clrMapOvr>
-  <mc:AlternateContent xmlns:mc="http://schemas.openxmlformats.org/markup-compatibility/2006">
-    <mc:Choice xmlns:p14="http://schemas.microsoft.com/office/powerpoint/2010/main" Requires="p14">
+  <mc:AlternateContent xmlns:mc="http://schemas.openxmlformats.org/markup-compatibility/2006" xmlns:p14="http://schemas.microsoft.com/office/powerpoint/2010/main">
+    <mc:Choice Requires="p14">
       <p:transition p14:dur="350">
         <p:push dir="u"/>
       </p:transition>
     </mc:Choice>
-    <mc:Fallback>
+    <mc:Fallback xmlns="">
       <p:transition>
         <p:push dir="u"/>
       </p:transition>
@@ -17077,13 +17077,13 @@
   <p:clrMapOvr>
     <a:masterClrMapping/>
   </p:clrMapOvr>
-  <mc:AlternateContent xmlns:mc="http://schemas.openxmlformats.org/markup-compatibility/2006">
-    <mc:Choice xmlns:p14="http://schemas.microsoft.com/office/powerpoint/2010/main" Requires="p14">
+  <mc:AlternateContent xmlns:mc="http://schemas.openxmlformats.org/markup-compatibility/2006" xmlns:p14="http://schemas.microsoft.com/office/powerpoint/2010/main">
+    <mc:Choice Requires="p14">
       <p:transition p14:dur="350">
         <p:push dir="u"/>
       </p:transition>
     </mc:Choice>
-    <mc:Fallback>
+    <mc:Fallback xmlns="">
       <p:transition>
         <p:push dir="u"/>
       </p:transition>
@@ -17201,13 +17201,13 @@
   <p:clrMapOvr>
     <a:masterClrMapping/>
   </p:clrMapOvr>
-  <mc:AlternateContent xmlns:mc="http://schemas.openxmlformats.org/markup-compatibility/2006">
-    <mc:Choice xmlns:p14="http://schemas.microsoft.com/office/powerpoint/2010/main" Requires="p14">
+  <mc:AlternateContent xmlns:mc="http://schemas.openxmlformats.org/markup-compatibility/2006" xmlns:p14="http://schemas.microsoft.com/office/powerpoint/2010/main">
+    <mc:Choice Requires="p14">
       <p:transition p14:dur="350">
         <p:push dir="u"/>
       </p:transition>
     </mc:Choice>
-    <mc:Fallback>
+    <mc:Fallback xmlns="">
       <p:transition>
         <p:push dir="u"/>
       </p:transition>
@@ -18548,13 +18548,13 @@
   <p:clrMapOvr>
     <a:masterClrMapping/>
   </p:clrMapOvr>
-  <mc:AlternateContent xmlns:mc="http://schemas.openxmlformats.org/markup-compatibility/2006">
-    <mc:Choice xmlns:p14="http://schemas.microsoft.com/office/powerpoint/2010/main" Requires="p14">
+  <mc:AlternateContent xmlns:mc="http://schemas.openxmlformats.org/markup-compatibility/2006" xmlns:p14="http://schemas.microsoft.com/office/powerpoint/2010/main">
+    <mc:Choice Requires="p14">
       <p:transition p14:dur="350">
         <p:push dir="u"/>
       </p:transition>
     </mc:Choice>
-    <mc:Fallback>
+    <mc:Fallback xmlns="">
       <p:transition>
         <p:push dir="u"/>
       </p:transition>
@@ -19233,7 +19233,7 @@
           <a:bodyPr/>
           <a:lstStyle/>
           <a:p>
-            <a:endParaRPr lang="en-US">
+            <a:endParaRPr lang="en-US" sz="2400" dirty="0">
               <a:solidFill>
                 <a:schemeClr val="bg1"/>
               </a:solidFill>
@@ -19243,1443 +19243,26 @@
       </p:sp>
       <p:sp>
         <p:nvSpPr>
-          <p:cNvPr id="7" name="TextBox 6">
+          <p:cNvPr id="17" name="Title 2">
             <a:extLst>
               <a:ext uri="{FF2B5EF4-FFF2-40B4-BE49-F238E27FC236}">
-                <a16:creationId xmlns:a16="http://schemas.microsoft.com/office/drawing/2014/main" id="{902D1A1D-C829-1AB2-E39F-5E0D7BAEA895}"/>
+                <a16:creationId xmlns:a16="http://schemas.microsoft.com/office/drawing/2014/main" id="{E8C7484A-84C9-475F-A75A-6C1D3A0F7774}"/>
               </a:ext>
             </a:extLst>
           </p:cNvPr>
-          <p:cNvSpPr txBox="1"/>
+          <p:cNvSpPr txBox="1">
+            <a:spLocks/>
+          </p:cNvSpPr>
           <p:nvPr/>
         </p:nvSpPr>
         <p:spPr>
           <a:xfrm>
-            <a:off x="6705932" y="1288765"/>
-            <a:ext cx="5486068" cy="4770537"/>
+            <a:off x="603735" y="1127187"/>
+            <a:ext cx="5080697" cy="2253343"/>
           </a:xfrm>
           <a:prstGeom prst="rect">
             <a:avLst/>
           </a:prstGeom>
-          <a:noFill/>
-        </p:spPr>
-        <p:txBody>
-          <a:bodyPr wrap="square">
-            <a:spAutoFit/>
-          </a:bodyPr>
-          <a:lstStyle/>
-          <a:p>
-            <a:r>
-              <a:rPr lang="en-US" sz="1600" b="0" dirty="0">
-                <a:solidFill>
-                  <a:srgbClr val="9CDCFE"/>
-                </a:solidFill>
-                <a:effectLst/>
-                <a:latin typeface="Consolas" panose="020B0609020204030204" pitchFamily="49" charset="0"/>
-              </a:rPr>
-              <a:t>data</a:t>
-            </a:r>
-            <a:r>
-              <a:rPr lang="en-US" sz="1600" b="0" dirty="0">
-                <a:solidFill>
-                  <a:srgbClr val="CCCCCC"/>
-                </a:solidFill>
-                <a:effectLst/>
-                <a:latin typeface="Consolas" panose="020B0609020204030204" pitchFamily="49" charset="0"/>
-              </a:rPr>
-              <a:t> </a:t>
-            </a:r>
-            <a:r>
-              <a:rPr lang="en-US" sz="1600" b="0" dirty="0">
-                <a:solidFill>
-                  <a:srgbClr val="D4D4D4"/>
-                </a:solidFill>
-                <a:effectLst/>
-                <a:latin typeface="Consolas" panose="020B0609020204030204" pitchFamily="49" charset="0"/>
-              </a:rPr>
-              <a:t>=</a:t>
-            </a:r>
-            <a:r>
-              <a:rPr lang="hr-HR" sz="1600" b="0" dirty="0">
-                <a:solidFill>
-                  <a:srgbClr val="D4D4D4"/>
-                </a:solidFill>
-                <a:effectLst/>
-                <a:latin typeface="Consolas" panose="020B0609020204030204" pitchFamily="49" charset="0"/>
-              </a:rPr>
-              <a:t> </a:t>
-            </a:r>
-            <a:r>
-              <a:rPr lang="en-US" sz="1600" b="0" dirty="0" err="1">
-                <a:solidFill>
-                  <a:srgbClr val="4EC9B0"/>
-                </a:solidFill>
-                <a:effectLst/>
-                <a:latin typeface="Consolas" panose="020B0609020204030204" pitchFamily="49" charset="0"/>
-              </a:rPr>
-              <a:t>pd</a:t>
-            </a:r>
-            <a:r>
-              <a:rPr lang="en-US" sz="1600" b="0" dirty="0" err="1">
-                <a:solidFill>
-                  <a:srgbClr val="CCCCCC"/>
-                </a:solidFill>
-                <a:effectLst/>
-                <a:latin typeface="Consolas" panose="020B0609020204030204" pitchFamily="49" charset="0"/>
-              </a:rPr>
-              <a:t>.</a:t>
-            </a:r>
-            <a:r>
-              <a:rPr lang="en-US" sz="1600" b="0" dirty="0" err="1">
-                <a:solidFill>
-                  <a:srgbClr val="DCDCAA"/>
-                </a:solidFill>
-                <a:effectLst/>
-                <a:latin typeface="Consolas" panose="020B0609020204030204" pitchFamily="49" charset="0"/>
-              </a:rPr>
-              <a:t>read_csv</a:t>
-            </a:r>
-            <a:r>
-              <a:rPr lang="en-US" sz="1600" b="0" dirty="0">
-                <a:solidFill>
-                  <a:srgbClr val="CCCCCC"/>
-                </a:solidFill>
-                <a:effectLst/>
-                <a:latin typeface="Consolas" panose="020B0609020204030204" pitchFamily="49" charset="0"/>
-              </a:rPr>
-              <a:t>(</a:t>
-            </a:r>
-            <a:r>
-              <a:rPr lang="en-US" sz="1600" b="0" dirty="0">
-                <a:solidFill>
-                  <a:srgbClr val="CE9178"/>
-                </a:solidFill>
-                <a:effectLst/>
-                <a:latin typeface="Consolas" panose="020B0609020204030204" pitchFamily="49" charset="0"/>
-              </a:rPr>
-              <a:t>"</a:t>
-            </a:r>
-            <a:r>
-              <a:rPr lang="en-US" sz="1600" b="0" dirty="0" err="1">
-                <a:solidFill>
-                  <a:srgbClr val="CE9178"/>
-                </a:solidFill>
-                <a:effectLst/>
-                <a:latin typeface="Consolas" panose="020B0609020204030204" pitchFamily="49" charset="0"/>
-              </a:rPr>
-              <a:t>diabetes_binary</a:t>
-            </a:r>
-            <a:r>
-              <a:rPr lang="en-US" sz="1600" b="0" dirty="0">
-                <a:solidFill>
-                  <a:srgbClr val="CE9178"/>
-                </a:solidFill>
-                <a:effectLst/>
-                <a:latin typeface="Consolas" panose="020B0609020204030204" pitchFamily="49" charset="0"/>
-              </a:rPr>
-              <a:t>_</a:t>
-            </a:r>
-            <a:endParaRPr lang="hr-HR" sz="1600" b="0" dirty="0">
-              <a:solidFill>
-                <a:srgbClr val="CE9178"/>
-              </a:solidFill>
-              <a:effectLst/>
-              <a:latin typeface="Consolas" panose="020B0609020204030204" pitchFamily="49" charset="0"/>
-            </a:endParaRPr>
-          </a:p>
-          <a:p>
-            <a:r>
-              <a:rPr lang="hr-HR" sz="1600" b="0" dirty="0">
-                <a:solidFill>
-                  <a:srgbClr val="CE9178"/>
-                </a:solidFill>
-                <a:effectLst/>
-                <a:latin typeface="Consolas" panose="020B0609020204030204" pitchFamily="49" charset="0"/>
-              </a:rPr>
-              <a:t>    </a:t>
-            </a:r>
-            <a:r>
-              <a:rPr lang="en-US" sz="1600" b="0" dirty="0">
-                <a:solidFill>
-                  <a:srgbClr val="CE9178"/>
-                </a:solidFill>
-                <a:effectLst/>
-                <a:latin typeface="Consolas" panose="020B0609020204030204" pitchFamily="49" charset="0"/>
-              </a:rPr>
-              <a:t>5050split_health_indicators_BRFSS2015.csv"</a:t>
-            </a:r>
-            <a:r>
-              <a:rPr lang="en-US" sz="1600" b="0" dirty="0">
-                <a:solidFill>
-                  <a:srgbClr val="CCCCCC"/>
-                </a:solidFill>
-                <a:effectLst/>
-                <a:latin typeface="Consolas" panose="020B0609020204030204" pitchFamily="49" charset="0"/>
-              </a:rPr>
-              <a:t>)</a:t>
-            </a:r>
-            <a:endParaRPr lang="hr-HR" sz="1600" b="0" dirty="0">
-              <a:solidFill>
-                <a:srgbClr val="CCCCCC"/>
-              </a:solidFill>
-              <a:effectLst/>
-              <a:latin typeface="Consolas" panose="020B0609020204030204" pitchFamily="49" charset="0"/>
-            </a:endParaRPr>
-          </a:p>
-          <a:p>
-            <a:br>
-              <a:rPr lang="en-US" sz="1600" b="0" dirty="0">
-                <a:solidFill>
-                  <a:srgbClr val="CCCCCC"/>
-                </a:solidFill>
-                <a:effectLst/>
-                <a:latin typeface="Consolas" panose="020B0609020204030204" pitchFamily="49" charset="0"/>
-              </a:rPr>
-            </a:br>
-            <a:r>
-              <a:rPr lang="en-US" sz="1600" b="0" dirty="0">
-                <a:solidFill>
-                  <a:srgbClr val="9CDCFE"/>
-                </a:solidFill>
-                <a:effectLst/>
-                <a:latin typeface="Consolas" panose="020B0609020204030204" pitchFamily="49" charset="0"/>
-              </a:rPr>
-              <a:t>diabetes_0</a:t>
-            </a:r>
-            <a:r>
-              <a:rPr lang="en-US" sz="1600" b="0" dirty="0">
-                <a:solidFill>
-                  <a:srgbClr val="CCCCCC"/>
-                </a:solidFill>
-                <a:effectLst/>
-                <a:latin typeface="Consolas" panose="020B0609020204030204" pitchFamily="49" charset="0"/>
-              </a:rPr>
-              <a:t> </a:t>
-            </a:r>
-            <a:r>
-              <a:rPr lang="en-US" sz="1600" b="0" dirty="0">
-                <a:solidFill>
-                  <a:srgbClr val="D4D4D4"/>
-                </a:solidFill>
-                <a:effectLst/>
-                <a:latin typeface="Consolas" panose="020B0609020204030204" pitchFamily="49" charset="0"/>
-              </a:rPr>
-              <a:t>=</a:t>
-            </a:r>
-            <a:r>
-              <a:rPr lang="en-US" sz="1600" b="0" dirty="0">
-                <a:solidFill>
-                  <a:srgbClr val="CCCCCC"/>
-                </a:solidFill>
-                <a:effectLst/>
-                <a:latin typeface="Consolas" panose="020B0609020204030204" pitchFamily="49" charset="0"/>
-              </a:rPr>
-              <a:t> </a:t>
-            </a:r>
-            <a:r>
-              <a:rPr lang="en-US" sz="1600" b="0" dirty="0">
-                <a:solidFill>
-                  <a:srgbClr val="9CDCFE"/>
-                </a:solidFill>
-                <a:effectLst/>
-                <a:latin typeface="Consolas" panose="020B0609020204030204" pitchFamily="49" charset="0"/>
-              </a:rPr>
-              <a:t>data</a:t>
-            </a:r>
-            <a:r>
-              <a:rPr lang="en-US" sz="1600" b="0" dirty="0">
-                <a:solidFill>
-                  <a:srgbClr val="CCCCCC"/>
-                </a:solidFill>
-                <a:effectLst/>
-                <a:latin typeface="Consolas" panose="020B0609020204030204" pitchFamily="49" charset="0"/>
-              </a:rPr>
-              <a:t>[</a:t>
-            </a:r>
-            <a:r>
-              <a:rPr lang="en-US" sz="1600" b="0" dirty="0">
-                <a:solidFill>
-                  <a:srgbClr val="9CDCFE"/>
-                </a:solidFill>
-                <a:effectLst/>
-                <a:latin typeface="Consolas" panose="020B0609020204030204" pitchFamily="49" charset="0"/>
-              </a:rPr>
-              <a:t>data</a:t>
-            </a:r>
-            <a:r>
-              <a:rPr lang="en-US" sz="1600" b="0" dirty="0">
-                <a:solidFill>
-                  <a:srgbClr val="CCCCCC"/>
-                </a:solidFill>
-                <a:effectLst/>
-                <a:latin typeface="Consolas" panose="020B0609020204030204" pitchFamily="49" charset="0"/>
-              </a:rPr>
-              <a:t>[</a:t>
-            </a:r>
-            <a:r>
-              <a:rPr lang="en-US" sz="1600" b="0" dirty="0">
-                <a:solidFill>
-                  <a:srgbClr val="CE9178"/>
-                </a:solidFill>
-                <a:effectLst/>
-                <a:latin typeface="Consolas" panose="020B0609020204030204" pitchFamily="49" charset="0"/>
-              </a:rPr>
-              <a:t>'</a:t>
-            </a:r>
-            <a:r>
-              <a:rPr lang="en-US" sz="1600" b="0" dirty="0" err="1">
-                <a:solidFill>
-                  <a:srgbClr val="CE9178"/>
-                </a:solidFill>
-                <a:effectLst/>
-                <a:latin typeface="Consolas" panose="020B0609020204030204" pitchFamily="49" charset="0"/>
-              </a:rPr>
-              <a:t>Diabetes_binary</a:t>
-            </a:r>
-            <a:r>
-              <a:rPr lang="en-US" sz="1600" b="0" dirty="0">
-                <a:solidFill>
-                  <a:srgbClr val="CE9178"/>
-                </a:solidFill>
-                <a:effectLst/>
-                <a:latin typeface="Consolas" panose="020B0609020204030204" pitchFamily="49" charset="0"/>
-              </a:rPr>
-              <a:t>'</a:t>
-            </a:r>
-            <a:r>
-              <a:rPr lang="en-US" sz="1600" b="0" dirty="0">
-                <a:solidFill>
-                  <a:srgbClr val="CCCCCC"/>
-                </a:solidFill>
-                <a:effectLst/>
-                <a:latin typeface="Consolas" panose="020B0609020204030204" pitchFamily="49" charset="0"/>
-              </a:rPr>
-              <a:t>] </a:t>
-            </a:r>
-            <a:r>
-              <a:rPr lang="en-US" sz="1600" b="0" dirty="0">
-                <a:solidFill>
-                  <a:srgbClr val="DCDCAA"/>
-                </a:solidFill>
-                <a:effectLst/>
-                <a:latin typeface="Consolas" panose="020B0609020204030204" pitchFamily="49" charset="0"/>
-              </a:rPr>
-              <a:t>==</a:t>
-            </a:r>
-            <a:r>
-              <a:rPr lang="en-US" sz="1600" b="0" dirty="0">
-                <a:solidFill>
-                  <a:srgbClr val="CCCCCC"/>
-                </a:solidFill>
-                <a:effectLst/>
-                <a:latin typeface="Consolas" panose="020B0609020204030204" pitchFamily="49" charset="0"/>
-              </a:rPr>
-              <a:t> </a:t>
-            </a:r>
-            <a:r>
-              <a:rPr lang="en-US" sz="1600" b="0" dirty="0">
-                <a:solidFill>
-                  <a:srgbClr val="B5CEA8"/>
-                </a:solidFill>
-                <a:effectLst/>
-                <a:latin typeface="Consolas" panose="020B0609020204030204" pitchFamily="49" charset="0"/>
-              </a:rPr>
-              <a:t>0</a:t>
-            </a:r>
-            <a:r>
-              <a:rPr lang="en-US" sz="1600" b="0" dirty="0">
-                <a:solidFill>
-                  <a:srgbClr val="CCCCCC"/>
-                </a:solidFill>
-                <a:effectLst/>
-                <a:latin typeface="Consolas" panose="020B0609020204030204" pitchFamily="49" charset="0"/>
-              </a:rPr>
-              <a:t>]</a:t>
-            </a:r>
-          </a:p>
-          <a:p>
-            <a:r>
-              <a:rPr lang="en-US" sz="1600" b="0" dirty="0">
-                <a:solidFill>
-                  <a:srgbClr val="9CDCFE"/>
-                </a:solidFill>
-                <a:effectLst/>
-                <a:latin typeface="Consolas" panose="020B0609020204030204" pitchFamily="49" charset="0"/>
-              </a:rPr>
-              <a:t>diabetes_1</a:t>
-            </a:r>
-            <a:r>
-              <a:rPr lang="en-US" sz="1600" b="0" dirty="0">
-                <a:solidFill>
-                  <a:srgbClr val="CCCCCC"/>
-                </a:solidFill>
-                <a:effectLst/>
-                <a:latin typeface="Consolas" panose="020B0609020204030204" pitchFamily="49" charset="0"/>
-              </a:rPr>
-              <a:t> </a:t>
-            </a:r>
-            <a:r>
-              <a:rPr lang="en-US" sz="1600" b="0" dirty="0">
-                <a:solidFill>
-                  <a:srgbClr val="D4D4D4"/>
-                </a:solidFill>
-                <a:effectLst/>
-                <a:latin typeface="Consolas" panose="020B0609020204030204" pitchFamily="49" charset="0"/>
-              </a:rPr>
-              <a:t>=</a:t>
-            </a:r>
-            <a:r>
-              <a:rPr lang="en-US" sz="1600" b="0" dirty="0">
-                <a:solidFill>
-                  <a:srgbClr val="CCCCCC"/>
-                </a:solidFill>
-                <a:effectLst/>
-                <a:latin typeface="Consolas" panose="020B0609020204030204" pitchFamily="49" charset="0"/>
-              </a:rPr>
-              <a:t> </a:t>
-            </a:r>
-            <a:r>
-              <a:rPr lang="en-US" sz="1600" b="0" dirty="0">
-                <a:solidFill>
-                  <a:srgbClr val="9CDCFE"/>
-                </a:solidFill>
-                <a:effectLst/>
-                <a:latin typeface="Consolas" panose="020B0609020204030204" pitchFamily="49" charset="0"/>
-              </a:rPr>
-              <a:t>data</a:t>
-            </a:r>
-            <a:r>
-              <a:rPr lang="en-US" sz="1600" b="0" dirty="0">
-                <a:solidFill>
-                  <a:srgbClr val="CCCCCC"/>
-                </a:solidFill>
-                <a:effectLst/>
-                <a:latin typeface="Consolas" panose="020B0609020204030204" pitchFamily="49" charset="0"/>
-              </a:rPr>
-              <a:t>[</a:t>
-            </a:r>
-            <a:r>
-              <a:rPr lang="en-US" sz="1600" b="0" dirty="0">
-                <a:solidFill>
-                  <a:srgbClr val="9CDCFE"/>
-                </a:solidFill>
-                <a:effectLst/>
-                <a:latin typeface="Consolas" panose="020B0609020204030204" pitchFamily="49" charset="0"/>
-              </a:rPr>
-              <a:t>data</a:t>
-            </a:r>
-            <a:r>
-              <a:rPr lang="en-US" sz="1600" b="0" dirty="0">
-                <a:solidFill>
-                  <a:srgbClr val="CCCCCC"/>
-                </a:solidFill>
-                <a:effectLst/>
-                <a:latin typeface="Consolas" panose="020B0609020204030204" pitchFamily="49" charset="0"/>
-              </a:rPr>
-              <a:t>[</a:t>
-            </a:r>
-            <a:r>
-              <a:rPr lang="en-US" sz="1600" b="0" dirty="0">
-                <a:solidFill>
-                  <a:srgbClr val="CE9178"/>
-                </a:solidFill>
-                <a:effectLst/>
-                <a:latin typeface="Consolas" panose="020B0609020204030204" pitchFamily="49" charset="0"/>
-              </a:rPr>
-              <a:t>'</a:t>
-            </a:r>
-            <a:r>
-              <a:rPr lang="en-US" sz="1600" b="0" dirty="0" err="1">
-                <a:solidFill>
-                  <a:srgbClr val="CE9178"/>
-                </a:solidFill>
-                <a:effectLst/>
-                <a:latin typeface="Consolas" panose="020B0609020204030204" pitchFamily="49" charset="0"/>
-              </a:rPr>
-              <a:t>Diabetes_binary</a:t>
-            </a:r>
-            <a:r>
-              <a:rPr lang="en-US" sz="1600" b="0" dirty="0">
-                <a:solidFill>
-                  <a:srgbClr val="CE9178"/>
-                </a:solidFill>
-                <a:effectLst/>
-                <a:latin typeface="Consolas" panose="020B0609020204030204" pitchFamily="49" charset="0"/>
-              </a:rPr>
-              <a:t>'</a:t>
-            </a:r>
-            <a:r>
-              <a:rPr lang="en-US" sz="1600" b="0" dirty="0">
-                <a:solidFill>
-                  <a:srgbClr val="CCCCCC"/>
-                </a:solidFill>
-                <a:effectLst/>
-                <a:latin typeface="Consolas" panose="020B0609020204030204" pitchFamily="49" charset="0"/>
-              </a:rPr>
-              <a:t>] </a:t>
-            </a:r>
-            <a:r>
-              <a:rPr lang="en-US" sz="1600" b="0" dirty="0">
-                <a:solidFill>
-                  <a:srgbClr val="DCDCAA"/>
-                </a:solidFill>
-                <a:effectLst/>
-                <a:latin typeface="Consolas" panose="020B0609020204030204" pitchFamily="49" charset="0"/>
-              </a:rPr>
-              <a:t>==</a:t>
-            </a:r>
-            <a:r>
-              <a:rPr lang="en-US" sz="1600" b="0" dirty="0">
-                <a:solidFill>
-                  <a:srgbClr val="CCCCCC"/>
-                </a:solidFill>
-                <a:effectLst/>
-                <a:latin typeface="Consolas" panose="020B0609020204030204" pitchFamily="49" charset="0"/>
-              </a:rPr>
-              <a:t> </a:t>
-            </a:r>
-            <a:r>
-              <a:rPr lang="en-US" sz="1600" b="0" dirty="0">
-                <a:solidFill>
-                  <a:srgbClr val="B5CEA8"/>
-                </a:solidFill>
-                <a:effectLst/>
-                <a:latin typeface="Consolas" panose="020B0609020204030204" pitchFamily="49" charset="0"/>
-              </a:rPr>
-              <a:t>1</a:t>
-            </a:r>
-            <a:r>
-              <a:rPr lang="en-US" sz="1600" b="0" dirty="0">
-                <a:solidFill>
-                  <a:srgbClr val="CCCCCC"/>
-                </a:solidFill>
-                <a:effectLst/>
-                <a:latin typeface="Consolas" panose="020B0609020204030204" pitchFamily="49" charset="0"/>
-              </a:rPr>
-              <a:t>]</a:t>
-            </a:r>
-          </a:p>
-          <a:p>
-            <a:br>
-              <a:rPr lang="en-US" sz="1600" b="0" dirty="0">
-                <a:solidFill>
-                  <a:srgbClr val="CCCCCC"/>
-                </a:solidFill>
-                <a:effectLst/>
-                <a:latin typeface="Consolas" panose="020B0609020204030204" pitchFamily="49" charset="0"/>
-              </a:rPr>
-            </a:br>
-            <a:r>
-              <a:rPr lang="en-US" sz="1600" b="0" dirty="0" err="1">
-                <a:solidFill>
-                  <a:srgbClr val="9CDCFE"/>
-                </a:solidFill>
-                <a:effectLst/>
-                <a:latin typeface="Consolas" panose="020B0609020204030204" pitchFamily="49" charset="0"/>
-              </a:rPr>
-              <a:t>num_per_class</a:t>
-            </a:r>
-            <a:r>
-              <a:rPr lang="en-US" sz="1600" b="0" dirty="0">
-                <a:solidFill>
-                  <a:srgbClr val="CCCCCC"/>
-                </a:solidFill>
-                <a:effectLst/>
-                <a:latin typeface="Consolas" panose="020B0609020204030204" pitchFamily="49" charset="0"/>
-              </a:rPr>
-              <a:t> </a:t>
-            </a:r>
-            <a:r>
-              <a:rPr lang="en-US" sz="1600" b="0" dirty="0">
-                <a:solidFill>
-                  <a:srgbClr val="D4D4D4"/>
-                </a:solidFill>
-                <a:effectLst/>
-                <a:latin typeface="Consolas" panose="020B0609020204030204" pitchFamily="49" charset="0"/>
-              </a:rPr>
-              <a:t>=</a:t>
-            </a:r>
-            <a:r>
-              <a:rPr lang="en-US" sz="1600" b="0" dirty="0">
-                <a:solidFill>
-                  <a:srgbClr val="CCCCCC"/>
-                </a:solidFill>
-                <a:effectLst/>
-                <a:latin typeface="Consolas" panose="020B0609020204030204" pitchFamily="49" charset="0"/>
-              </a:rPr>
-              <a:t> </a:t>
-            </a:r>
-            <a:r>
-              <a:rPr lang="en-US" sz="1600" b="0" dirty="0">
-                <a:solidFill>
-                  <a:srgbClr val="B5CEA8"/>
-                </a:solidFill>
-                <a:effectLst/>
-                <a:latin typeface="Consolas" panose="020B0609020204030204" pitchFamily="49" charset="0"/>
-              </a:rPr>
-              <a:t>2000</a:t>
-            </a:r>
-            <a:r>
-              <a:rPr lang="en-US" sz="1600" b="0" dirty="0">
-                <a:solidFill>
-                  <a:srgbClr val="CCCCCC"/>
-                </a:solidFill>
-                <a:effectLst/>
-                <a:latin typeface="Consolas" panose="020B0609020204030204" pitchFamily="49" charset="0"/>
-              </a:rPr>
-              <a:t> </a:t>
-            </a:r>
-            <a:r>
-              <a:rPr lang="en-US" sz="1600" b="0" dirty="0">
-                <a:solidFill>
-                  <a:srgbClr val="D4D4D4"/>
-                </a:solidFill>
-                <a:effectLst/>
-                <a:latin typeface="Consolas" panose="020B0609020204030204" pitchFamily="49" charset="0"/>
-              </a:rPr>
-              <a:t>//</a:t>
-            </a:r>
-            <a:r>
-              <a:rPr lang="en-US" sz="1600" b="0" dirty="0">
-                <a:solidFill>
-                  <a:srgbClr val="CCCCCC"/>
-                </a:solidFill>
-                <a:effectLst/>
-                <a:latin typeface="Consolas" panose="020B0609020204030204" pitchFamily="49" charset="0"/>
-              </a:rPr>
-              <a:t> </a:t>
-            </a:r>
-            <a:r>
-              <a:rPr lang="en-US" sz="1600" b="0" dirty="0">
-                <a:solidFill>
-                  <a:srgbClr val="B5CEA8"/>
-                </a:solidFill>
-                <a:effectLst/>
-                <a:latin typeface="Consolas" panose="020B0609020204030204" pitchFamily="49" charset="0"/>
-              </a:rPr>
-              <a:t>2</a:t>
-            </a:r>
-            <a:endParaRPr lang="en-US" sz="1600" b="0" dirty="0">
-              <a:solidFill>
-                <a:srgbClr val="CCCCCC"/>
-              </a:solidFill>
-              <a:effectLst/>
-              <a:latin typeface="Consolas" panose="020B0609020204030204" pitchFamily="49" charset="0"/>
-            </a:endParaRPr>
-          </a:p>
-          <a:p>
-            <a:br>
-              <a:rPr lang="en-US" sz="1600" b="0" dirty="0">
-                <a:solidFill>
-                  <a:srgbClr val="CCCCCC"/>
-                </a:solidFill>
-                <a:effectLst/>
-                <a:latin typeface="Consolas" panose="020B0609020204030204" pitchFamily="49" charset="0"/>
-              </a:rPr>
-            </a:br>
-            <a:r>
-              <a:rPr lang="en-US" sz="1600" b="0" dirty="0">
-                <a:solidFill>
-                  <a:srgbClr val="9CDCFE"/>
-                </a:solidFill>
-                <a:effectLst/>
-                <a:latin typeface="Consolas" panose="020B0609020204030204" pitchFamily="49" charset="0"/>
-              </a:rPr>
-              <a:t>selected_0</a:t>
-            </a:r>
-            <a:r>
-              <a:rPr lang="en-US" sz="1600" b="0" dirty="0">
-                <a:solidFill>
-                  <a:srgbClr val="CCCCCC"/>
-                </a:solidFill>
-                <a:effectLst/>
-                <a:latin typeface="Consolas" panose="020B0609020204030204" pitchFamily="49" charset="0"/>
-              </a:rPr>
-              <a:t> </a:t>
-            </a:r>
-            <a:r>
-              <a:rPr lang="en-US" sz="1600" b="0" dirty="0">
-                <a:solidFill>
-                  <a:srgbClr val="D4D4D4"/>
-                </a:solidFill>
-                <a:effectLst/>
-                <a:latin typeface="Consolas" panose="020B0609020204030204" pitchFamily="49" charset="0"/>
-              </a:rPr>
-              <a:t>=</a:t>
-            </a:r>
-            <a:r>
-              <a:rPr lang="en-US" sz="1600" b="0" dirty="0">
-                <a:solidFill>
-                  <a:srgbClr val="CCCCCC"/>
-                </a:solidFill>
-                <a:effectLst/>
-                <a:latin typeface="Consolas" panose="020B0609020204030204" pitchFamily="49" charset="0"/>
-              </a:rPr>
-              <a:t> </a:t>
-            </a:r>
-            <a:r>
-              <a:rPr lang="en-US" sz="1600" b="0" dirty="0">
-                <a:solidFill>
-                  <a:srgbClr val="9CDCFE"/>
-                </a:solidFill>
-                <a:effectLst/>
-                <a:latin typeface="Consolas" panose="020B0609020204030204" pitchFamily="49" charset="0"/>
-              </a:rPr>
-              <a:t>diabetes_0</a:t>
-            </a:r>
-            <a:r>
-              <a:rPr lang="en-US" sz="1600" b="0" dirty="0">
-                <a:solidFill>
-                  <a:srgbClr val="CCCCCC"/>
-                </a:solidFill>
-                <a:effectLst/>
-                <a:latin typeface="Consolas" panose="020B0609020204030204" pitchFamily="49" charset="0"/>
-              </a:rPr>
-              <a:t>.</a:t>
-            </a:r>
-            <a:r>
-              <a:rPr lang="en-US" sz="1600" b="0" dirty="0">
-                <a:solidFill>
-                  <a:srgbClr val="DCDCAA"/>
-                </a:solidFill>
-                <a:effectLst/>
-                <a:latin typeface="Consolas" panose="020B0609020204030204" pitchFamily="49" charset="0"/>
-              </a:rPr>
-              <a:t>sample</a:t>
-            </a:r>
-            <a:r>
-              <a:rPr lang="en-US" sz="1600" b="0" dirty="0">
-                <a:solidFill>
-                  <a:srgbClr val="CCCCCC"/>
-                </a:solidFill>
-                <a:effectLst/>
-                <a:latin typeface="Consolas" panose="020B0609020204030204" pitchFamily="49" charset="0"/>
-              </a:rPr>
-              <a:t>(</a:t>
-            </a:r>
-            <a:r>
-              <a:rPr lang="en-US" sz="1600" b="0" dirty="0" err="1">
-                <a:solidFill>
-                  <a:srgbClr val="9CDCFE"/>
-                </a:solidFill>
-                <a:effectLst/>
-                <a:latin typeface="Consolas" panose="020B0609020204030204" pitchFamily="49" charset="0"/>
-              </a:rPr>
-              <a:t>num_per_class</a:t>
-            </a:r>
-            <a:r>
-              <a:rPr lang="en-US" sz="1600" b="0" dirty="0">
-                <a:solidFill>
-                  <a:srgbClr val="CCCCCC"/>
-                </a:solidFill>
-                <a:effectLst/>
-                <a:latin typeface="Consolas" panose="020B0609020204030204" pitchFamily="49" charset="0"/>
-              </a:rPr>
-              <a:t>)</a:t>
-            </a:r>
-          </a:p>
-          <a:p>
-            <a:r>
-              <a:rPr lang="en-US" sz="1600" b="0" dirty="0">
-                <a:solidFill>
-                  <a:srgbClr val="9CDCFE"/>
-                </a:solidFill>
-                <a:effectLst/>
-                <a:latin typeface="Consolas" panose="020B0609020204030204" pitchFamily="49" charset="0"/>
-              </a:rPr>
-              <a:t>selected_1</a:t>
-            </a:r>
-            <a:r>
-              <a:rPr lang="en-US" sz="1600" b="0" dirty="0">
-                <a:solidFill>
-                  <a:srgbClr val="CCCCCC"/>
-                </a:solidFill>
-                <a:effectLst/>
-                <a:latin typeface="Consolas" panose="020B0609020204030204" pitchFamily="49" charset="0"/>
-              </a:rPr>
-              <a:t> </a:t>
-            </a:r>
-            <a:r>
-              <a:rPr lang="en-US" sz="1600" b="0" dirty="0">
-                <a:solidFill>
-                  <a:srgbClr val="D4D4D4"/>
-                </a:solidFill>
-                <a:effectLst/>
-                <a:latin typeface="Consolas" panose="020B0609020204030204" pitchFamily="49" charset="0"/>
-              </a:rPr>
-              <a:t>=</a:t>
-            </a:r>
-            <a:r>
-              <a:rPr lang="en-US" sz="1600" b="0" dirty="0">
-                <a:solidFill>
-                  <a:srgbClr val="CCCCCC"/>
-                </a:solidFill>
-                <a:effectLst/>
-                <a:latin typeface="Consolas" panose="020B0609020204030204" pitchFamily="49" charset="0"/>
-              </a:rPr>
-              <a:t> </a:t>
-            </a:r>
-            <a:r>
-              <a:rPr lang="en-US" sz="1600" b="0" dirty="0">
-                <a:solidFill>
-                  <a:srgbClr val="9CDCFE"/>
-                </a:solidFill>
-                <a:effectLst/>
-                <a:latin typeface="Consolas" panose="020B0609020204030204" pitchFamily="49" charset="0"/>
-              </a:rPr>
-              <a:t>diabetes_1</a:t>
-            </a:r>
-            <a:r>
-              <a:rPr lang="en-US" sz="1600" b="0" dirty="0">
-                <a:solidFill>
-                  <a:srgbClr val="CCCCCC"/>
-                </a:solidFill>
-                <a:effectLst/>
-                <a:latin typeface="Consolas" panose="020B0609020204030204" pitchFamily="49" charset="0"/>
-              </a:rPr>
-              <a:t>.</a:t>
-            </a:r>
-            <a:r>
-              <a:rPr lang="en-US" sz="1600" b="0" dirty="0">
-                <a:solidFill>
-                  <a:srgbClr val="DCDCAA"/>
-                </a:solidFill>
-                <a:effectLst/>
-                <a:latin typeface="Consolas" panose="020B0609020204030204" pitchFamily="49" charset="0"/>
-              </a:rPr>
-              <a:t>sample</a:t>
-            </a:r>
-            <a:r>
-              <a:rPr lang="en-US" sz="1600" b="0" dirty="0">
-                <a:solidFill>
-                  <a:srgbClr val="CCCCCC"/>
-                </a:solidFill>
-                <a:effectLst/>
-                <a:latin typeface="Consolas" panose="020B0609020204030204" pitchFamily="49" charset="0"/>
-              </a:rPr>
-              <a:t>(</a:t>
-            </a:r>
-            <a:r>
-              <a:rPr lang="en-US" sz="1600" b="0" dirty="0" err="1">
-                <a:solidFill>
-                  <a:srgbClr val="9CDCFE"/>
-                </a:solidFill>
-                <a:effectLst/>
-                <a:latin typeface="Consolas" panose="020B0609020204030204" pitchFamily="49" charset="0"/>
-              </a:rPr>
-              <a:t>num_per_class</a:t>
-            </a:r>
-            <a:r>
-              <a:rPr lang="en-US" sz="1600" b="0" dirty="0">
-                <a:solidFill>
-                  <a:srgbClr val="CCCCCC"/>
-                </a:solidFill>
-                <a:effectLst/>
-                <a:latin typeface="Consolas" panose="020B0609020204030204" pitchFamily="49" charset="0"/>
-              </a:rPr>
-              <a:t>)</a:t>
-            </a:r>
-          </a:p>
-          <a:p>
-            <a:br>
-              <a:rPr lang="en-US" sz="1600" b="0" dirty="0">
-                <a:solidFill>
-                  <a:srgbClr val="CCCCCC"/>
-                </a:solidFill>
-                <a:effectLst/>
-                <a:latin typeface="Consolas" panose="020B0609020204030204" pitchFamily="49" charset="0"/>
-              </a:rPr>
-            </a:br>
-            <a:r>
-              <a:rPr lang="en-US" sz="1600" b="0" dirty="0" err="1">
-                <a:solidFill>
-                  <a:srgbClr val="9CDCFE"/>
-                </a:solidFill>
-                <a:effectLst/>
-                <a:latin typeface="Consolas" panose="020B0609020204030204" pitchFamily="49" charset="0"/>
-              </a:rPr>
-              <a:t>selected_data</a:t>
-            </a:r>
-            <a:r>
-              <a:rPr lang="en-US" sz="1600" b="0" dirty="0">
-                <a:solidFill>
-                  <a:srgbClr val="CCCCCC"/>
-                </a:solidFill>
-                <a:effectLst/>
-                <a:latin typeface="Consolas" panose="020B0609020204030204" pitchFamily="49" charset="0"/>
-              </a:rPr>
-              <a:t> </a:t>
-            </a:r>
-            <a:r>
-              <a:rPr lang="en-US" sz="1600" b="0" dirty="0">
-                <a:solidFill>
-                  <a:srgbClr val="D4D4D4"/>
-                </a:solidFill>
-                <a:effectLst/>
-                <a:latin typeface="Consolas" panose="020B0609020204030204" pitchFamily="49" charset="0"/>
-              </a:rPr>
-              <a:t>=</a:t>
-            </a:r>
-            <a:r>
-              <a:rPr lang="en-US" sz="1600" b="0" dirty="0">
-                <a:solidFill>
-                  <a:srgbClr val="CCCCCC"/>
-                </a:solidFill>
-                <a:effectLst/>
-                <a:latin typeface="Consolas" panose="020B0609020204030204" pitchFamily="49" charset="0"/>
-              </a:rPr>
-              <a:t> </a:t>
-            </a:r>
-            <a:r>
-              <a:rPr lang="en-US" sz="1600" b="0" dirty="0" err="1">
-                <a:solidFill>
-                  <a:srgbClr val="4EC9B0"/>
-                </a:solidFill>
-                <a:effectLst/>
-                <a:latin typeface="Consolas" panose="020B0609020204030204" pitchFamily="49" charset="0"/>
-              </a:rPr>
-              <a:t>pd</a:t>
-            </a:r>
-            <a:r>
-              <a:rPr lang="en-US" sz="1600" b="0" dirty="0" err="1">
-                <a:solidFill>
-                  <a:srgbClr val="CCCCCC"/>
-                </a:solidFill>
-                <a:effectLst/>
-                <a:latin typeface="Consolas" panose="020B0609020204030204" pitchFamily="49" charset="0"/>
-              </a:rPr>
-              <a:t>.</a:t>
-            </a:r>
-            <a:r>
-              <a:rPr lang="en-US" sz="1600" b="0" dirty="0" err="1">
-                <a:solidFill>
-                  <a:srgbClr val="DCDCAA"/>
-                </a:solidFill>
-                <a:effectLst/>
-                <a:latin typeface="Consolas" panose="020B0609020204030204" pitchFamily="49" charset="0"/>
-              </a:rPr>
-              <a:t>concat</a:t>
-            </a:r>
-            <a:r>
-              <a:rPr lang="en-US" sz="1600" b="0" dirty="0">
-                <a:solidFill>
-                  <a:srgbClr val="CCCCCC"/>
-                </a:solidFill>
-                <a:effectLst/>
-                <a:latin typeface="Consolas" panose="020B0609020204030204" pitchFamily="49" charset="0"/>
-              </a:rPr>
-              <a:t>(</a:t>
-            </a:r>
-            <a:endParaRPr lang="hr-HR" sz="1600" b="0" dirty="0">
-              <a:solidFill>
-                <a:srgbClr val="CCCCCC"/>
-              </a:solidFill>
-              <a:effectLst/>
-              <a:latin typeface="Consolas" panose="020B0609020204030204" pitchFamily="49" charset="0"/>
-            </a:endParaRPr>
-          </a:p>
-          <a:p>
-            <a:r>
-              <a:rPr lang="hr-HR" sz="1600" dirty="0">
-                <a:solidFill>
-                  <a:srgbClr val="CCCCCC"/>
-                </a:solidFill>
-                <a:latin typeface="Consolas" panose="020B0609020204030204" pitchFamily="49" charset="0"/>
-              </a:rPr>
-              <a:t>    </a:t>
-            </a:r>
-            <a:r>
-              <a:rPr lang="en-US" sz="1600" b="0" dirty="0">
-                <a:solidFill>
-                  <a:srgbClr val="CCCCCC"/>
-                </a:solidFill>
-                <a:effectLst/>
-                <a:latin typeface="Consolas" panose="020B0609020204030204" pitchFamily="49" charset="0"/>
-              </a:rPr>
-              <a:t>[</a:t>
-            </a:r>
-            <a:r>
-              <a:rPr lang="en-US" sz="1600" b="0" dirty="0">
-                <a:solidFill>
-                  <a:srgbClr val="9CDCFE"/>
-                </a:solidFill>
-                <a:effectLst/>
-                <a:latin typeface="Consolas" panose="020B0609020204030204" pitchFamily="49" charset="0"/>
-              </a:rPr>
-              <a:t>selected_0</a:t>
-            </a:r>
-            <a:r>
-              <a:rPr lang="en-US" sz="1600" b="0" dirty="0">
-                <a:solidFill>
-                  <a:srgbClr val="CCCCCC"/>
-                </a:solidFill>
-                <a:effectLst/>
-                <a:latin typeface="Consolas" panose="020B0609020204030204" pitchFamily="49" charset="0"/>
-              </a:rPr>
-              <a:t>,</a:t>
-            </a:r>
-            <a:r>
-              <a:rPr lang="hr-HR" sz="1600" b="0" dirty="0">
-                <a:solidFill>
-                  <a:srgbClr val="CCCCCC"/>
-                </a:solidFill>
-                <a:effectLst/>
-                <a:latin typeface="Consolas" panose="020B0609020204030204" pitchFamily="49" charset="0"/>
-              </a:rPr>
-              <a:t> </a:t>
-            </a:r>
-            <a:r>
-              <a:rPr lang="en-US" sz="1600" b="0" dirty="0">
-                <a:solidFill>
-                  <a:srgbClr val="9CDCFE"/>
-                </a:solidFill>
-                <a:effectLst/>
-                <a:latin typeface="Consolas" panose="020B0609020204030204" pitchFamily="49" charset="0"/>
-              </a:rPr>
-              <a:t>selected_1</a:t>
-            </a:r>
-            <a:r>
-              <a:rPr lang="en-US" sz="1600" b="0" dirty="0">
-                <a:solidFill>
-                  <a:srgbClr val="CCCCCC"/>
-                </a:solidFill>
-                <a:effectLst/>
-                <a:latin typeface="Consolas" panose="020B0609020204030204" pitchFamily="49" charset="0"/>
-              </a:rPr>
-              <a:t>])</a:t>
-            </a:r>
-          </a:p>
-          <a:p>
-            <a:br>
-              <a:rPr lang="en-US" sz="1600" b="0" dirty="0">
-                <a:solidFill>
-                  <a:srgbClr val="CCCCCC"/>
-                </a:solidFill>
-                <a:effectLst/>
-                <a:latin typeface="Consolas" panose="020B0609020204030204" pitchFamily="49" charset="0"/>
-              </a:rPr>
-            </a:br>
-            <a:r>
-              <a:rPr lang="en-US" sz="1600" b="0" dirty="0" err="1">
-                <a:solidFill>
-                  <a:srgbClr val="9CDCFE"/>
-                </a:solidFill>
-                <a:effectLst/>
-                <a:latin typeface="Consolas" panose="020B0609020204030204" pitchFamily="49" charset="0"/>
-              </a:rPr>
-              <a:t>selected_data</a:t>
-            </a:r>
-            <a:r>
-              <a:rPr lang="en-US" sz="1600" b="0" dirty="0">
-                <a:solidFill>
-                  <a:srgbClr val="CCCCCC"/>
-                </a:solidFill>
-                <a:effectLst/>
-                <a:latin typeface="Consolas" panose="020B0609020204030204" pitchFamily="49" charset="0"/>
-              </a:rPr>
-              <a:t> </a:t>
-            </a:r>
-            <a:r>
-              <a:rPr lang="en-US" sz="1600" b="0" dirty="0">
-                <a:solidFill>
-                  <a:srgbClr val="D4D4D4"/>
-                </a:solidFill>
-                <a:effectLst/>
-                <a:latin typeface="Consolas" panose="020B0609020204030204" pitchFamily="49" charset="0"/>
-              </a:rPr>
-              <a:t>=</a:t>
-            </a:r>
-            <a:r>
-              <a:rPr lang="en-US" sz="1600" b="0" dirty="0">
-                <a:solidFill>
-                  <a:srgbClr val="CCCCCC"/>
-                </a:solidFill>
-                <a:effectLst/>
-                <a:latin typeface="Consolas" panose="020B0609020204030204" pitchFamily="49" charset="0"/>
-              </a:rPr>
-              <a:t> </a:t>
-            </a:r>
-            <a:r>
-              <a:rPr lang="en-US" sz="1600" b="0" dirty="0" err="1">
-                <a:solidFill>
-                  <a:srgbClr val="9CDCFE"/>
-                </a:solidFill>
-                <a:effectLst/>
-                <a:latin typeface="Consolas" panose="020B0609020204030204" pitchFamily="49" charset="0"/>
-              </a:rPr>
-              <a:t>selected_data</a:t>
-            </a:r>
-            <a:r>
-              <a:rPr lang="en-US" sz="1600" b="0" dirty="0" err="1">
-                <a:solidFill>
-                  <a:srgbClr val="CCCCCC"/>
-                </a:solidFill>
-                <a:effectLst/>
-                <a:latin typeface="Consolas" panose="020B0609020204030204" pitchFamily="49" charset="0"/>
-              </a:rPr>
-              <a:t>.</a:t>
-            </a:r>
-            <a:r>
-              <a:rPr lang="en-US" sz="1600" b="0" dirty="0" err="1">
-                <a:solidFill>
-                  <a:srgbClr val="DCDCAA"/>
-                </a:solidFill>
-                <a:effectLst/>
-                <a:latin typeface="Consolas" panose="020B0609020204030204" pitchFamily="49" charset="0"/>
-              </a:rPr>
-              <a:t>sample</a:t>
-            </a:r>
-            <a:r>
-              <a:rPr lang="en-US" sz="1600" b="0" dirty="0">
-                <a:solidFill>
-                  <a:srgbClr val="CCCCCC"/>
-                </a:solidFill>
-                <a:effectLst/>
-                <a:latin typeface="Consolas" panose="020B0609020204030204" pitchFamily="49" charset="0"/>
-              </a:rPr>
-              <a:t>(</a:t>
-            </a:r>
-            <a:endParaRPr lang="hr-HR" sz="1600" b="0" dirty="0">
-              <a:solidFill>
-                <a:srgbClr val="CCCCCC"/>
-              </a:solidFill>
-              <a:effectLst/>
-              <a:latin typeface="Consolas" panose="020B0609020204030204" pitchFamily="49" charset="0"/>
-            </a:endParaRPr>
-          </a:p>
-          <a:p>
-            <a:r>
-              <a:rPr lang="hr-HR" sz="1600" dirty="0">
-                <a:solidFill>
-                  <a:srgbClr val="CCCCCC"/>
-                </a:solidFill>
-                <a:latin typeface="Consolas" panose="020B0609020204030204" pitchFamily="49" charset="0"/>
-              </a:rPr>
-              <a:t>    </a:t>
-            </a:r>
-            <a:r>
-              <a:rPr lang="en-US" sz="1600" b="0" dirty="0">
-                <a:solidFill>
-                  <a:srgbClr val="9CDCFE"/>
-                </a:solidFill>
-                <a:effectLst/>
-                <a:latin typeface="Consolas" panose="020B0609020204030204" pitchFamily="49" charset="0"/>
-              </a:rPr>
-              <a:t>frac</a:t>
-            </a:r>
-            <a:r>
-              <a:rPr lang="en-US" sz="1600" b="0" dirty="0">
-                <a:solidFill>
-                  <a:srgbClr val="CCCCCC"/>
-                </a:solidFill>
-                <a:effectLst/>
-                <a:latin typeface="Consolas" panose="020B0609020204030204" pitchFamily="49" charset="0"/>
-              </a:rPr>
-              <a:t> </a:t>
-            </a:r>
-            <a:r>
-              <a:rPr lang="en-US" sz="1600" b="0" dirty="0">
-                <a:solidFill>
-                  <a:srgbClr val="D4D4D4"/>
-                </a:solidFill>
-                <a:effectLst/>
-                <a:latin typeface="Consolas" panose="020B0609020204030204" pitchFamily="49" charset="0"/>
-              </a:rPr>
-              <a:t>=</a:t>
-            </a:r>
-            <a:r>
-              <a:rPr lang="en-US" sz="1600" b="0" dirty="0">
-                <a:solidFill>
-                  <a:srgbClr val="CCCCCC"/>
-                </a:solidFill>
-                <a:effectLst/>
-                <a:latin typeface="Consolas" panose="020B0609020204030204" pitchFamily="49" charset="0"/>
-              </a:rPr>
-              <a:t> </a:t>
-            </a:r>
-            <a:r>
-              <a:rPr lang="en-US" sz="1600" b="0" dirty="0">
-                <a:solidFill>
-                  <a:srgbClr val="B5CEA8"/>
-                </a:solidFill>
-                <a:effectLst/>
-                <a:latin typeface="Consolas" panose="020B0609020204030204" pitchFamily="49" charset="0"/>
-              </a:rPr>
-              <a:t>1</a:t>
-            </a:r>
-            <a:r>
-              <a:rPr lang="en-US" sz="1600" b="0" dirty="0">
-                <a:solidFill>
-                  <a:srgbClr val="CCCCCC"/>
-                </a:solidFill>
-                <a:effectLst/>
-                <a:latin typeface="Consolas" panose="020B0609020204030204" pitchFamily="49" charset="0"/>
-              </a:rPr>
-              <a:t>).</a:t>
-            </a:r>
-            <a:r>
-              <a:rPr lang="en-US" sz="1600" b="0" dirty="0" err="1">
-                <a:solidFill>
-                  <a:srgbClr val="DCDCAA"/>
-                </a:solidFill>
-                <a:effectLst/>
-                <a:latin typeface="Consolas" panose="020B0609020204030204" pitchFamily="49" charset="0"/>
-              </a:rPr>
-              <a:t>reset_index</a:t>
-            </a:r>
-            <a:r>
-              <a:rPr lang="en-US" sz="1600" b="0" dirty="0">
-                <a:solidFill>
-                  <a:srgbClr val="CCCCCC"/>
-                </a:solidFill>
-                <a:effectLst/>
-                <a:latin typeface="Consolas" panose="020B0609020204030204" pitchFamily="49" charset="0"/>
-              </a:rPr>
-              <a:t>(</a:t>
-            </a:r>
-            <a:r>
-              <a:rPr lang="en-US" sz="1600" b="0" dirty="0">
-                <a:solidFill>
-                  <a:srgbClr val="9CDCFE"/>
-                </a:solidFill>
-                <a:effectLst/>
-                <a:latin typeface="Consolas" panose="020B0609020204030204" pitchFamily="49" charset="0"/>
-              </a:rPr>
-              <a:t>drop</a:t>
-            </a:r>
-            <a:r>
-              <a:rPr lang="en-US" sz="1600" b="0" dirty="0">
-                <a:solidFill>
-                  <a:srgbClr val="CCCCCC"/>
-                </a:solidFill>
-                <a:effectLst/>
-                <a:latin typeface="Consolas" panose="020B0609020204030204" pitchFamily="49" charset="0"/>
-              </a:rPr>
-              <a:t> </a:t>
-            </a:r>
-            <a:r>
-              <a:rPr lang="en-US" sz="1600" b="0" dirty="0">
-                <a:solidFill>
-                  <a:srgbClr val="D4D4D4"/>
-                </a:solidFill>
-                <a:effectLst/>
-                <a:latin typeface="Consolas" panose="020B0609020204030204" pitchFamily="49" charset="0"/>
-              </a:rPr>
-              <a:t>=</a:t>
-            </a:r>
-            <a:r>
-              <a:rPr lang="en-US" sz="1600" b="0" dirty="0">
-                <a:solidFill>
-                  <a:srgbClr val="CCCCCC"/>
-                </a:solidFill>
-                <a:effectLst/>
-                <a:latin typeface="Consolas" panose="020B0609020204030204" pitchFamily="49" charset="0"/>
-              </a:rPr>
-              <a:t> </a:t>
-            </a:r>
-            <a:r>
-              <a:rPr lang="en-US" sz="1600" b="0" dirty="0">
-                <a:solidFill>
-                  <a:srgbClr val="4FC1FF"/>
-                </a:solidFill>
-                <a:effectLst/>
-                <a:latin typeface="Consolas" panose="020B0609020204030204" pitchFamily="49" charset="0"/>
-              </a:rPr>
-              <a:t>True</a:t>
-            </a:r>
-            <a:r>
-              <a:rPr lang="en-US" sz="1600" b="0" dirty="0">
-                <a:solidFill>
-                  <a:srgbClr val="CCCCCC"/>
-                </a:solidFill>
-                <a:effectLst/>
-                <a:latin typeface="Consolas" panose="020B0609020204030204" pitchFamily="49" charset="0"/>
-              </a:rPr>
-              <a:t>)</a:t>
-            </a:r>
-          </a:p>
-          <a:p>
-            <a:br>
-              <a:rPr lang="en-US" sz="1600" b="0" dirty="0">
-                <a:solidFill>
-                  <a:srgbClr val="CCCCCC"/>
-                </a:solidFill>
-                <a:effectLst/>
-                <a:latin typeface="Consolas" panose="020B0609020204030204" pitchFamily="49" charset="0"/>
-              </a:rPr>
-            </a:br>
-            <a:r>
-              <a:rPr lang="en-US" sz="1600" b="0" dirty="0" err="1">
-                <a:solidFill>
-                  <a:srgbClr val="9CDCFE"/>
-                </a:solidFill>
-                <a:effectLst/>
-                <a:latin typeface="Consolas" panose="020B0609020204030204" pitchFamily="49" charset="0"/>
-              </a:rPr>
-              <a:t>selected_data</a:t>
-            </a:r>
-            <a:r>
-              <a:rPr lang="en-US" sz="1600" b="0" dirty="0" err="1">
-                <a:solidFill>
-                  <a:srgbClr val="CCCCCC"/>
-                </a:solidFill>
-                <a:effectLst/>
-                <a:latin typeface="Consolas" panose="020B0609020204030204" pitchFamily="49" charset="0"/>
-              </a:rPr>
-              <a:t>.</a:t>
-            </a:r>
-            <a:r>
-              <a:rPr lang="en-US" sz="1600" b="0" dirty="0" err="1">
-                <a:solidFill>
-                  <a:srgbClr val="DCDCAA"/>
-                </a:solidFill>
-                <a:effectLst/>
-                <a:latin typeface="Consolas" panose="020B0609020204030204" pitchFamily="49" charset="0"/>
-              </a:rPr>
-              <a:t>to_csv</a:t>
-            </a:r>
-            <a:r>
-              <a:rPr lang="en-US" sz="1600" b="0" dirty="0">
-                <a:solidFill>
-                  <a:srgbClr val="CCCCCC"/>
-                </a:solidFill>
-                <a:effectLst/>
-                <a:latin typeface="Consolas" panose="020B0609020204030204" pitchFamily="49" charset="0"/>
-              </a:rPr>
-              <a:t>(</a:t>
-            </a:r>
-            <a:endParaRPr lang="hr-HR" sz="1600" b="0" dirty="0">
-              <a:solidFill>
-                <a:srgbClr val="CCCCCC"/>
-              </a:solidFill>
-              <a:effectLst/>
-              <a:latin typeface="Consolas" panose="020B0609020204030204" pitchFamily="49" charset="0"/>
-            </a:endParaRPr>
-          </a:p>
-          <a:p>
-            <a:r>
-              <a:rPr lang="hr-HR" sz="1600" dirty="0">
-                <a:solidFill>
-                  <a:srgbClr val="CCCCCC"/>
-                </a:solidFill>
-                <a:latin typeface="Consolas" panose="020B0609020204030204" pitchFamily="49" charset="0"/>
-              </a:rPr>
-              <a:t>    </a:t>
-            </a:r>
-            <a:r>
-              <a:rPr lang="en-US" sz="1600" b="0" dirty="0">
-                <a:solidFill>
-                  <a:srgbClr val="CE9178"/>
-                </a:solidFill>
-                <a:effectLst/>
-                <a:latin typeface="Consolas" panose="020B0609020204030204" pitchFamily="49" charset="0"/>
-              </a:rPr>
-              <a:t>"selected_data.csv"</a:t>
-            </a:r>
-            <a:r>
-              <a:rPr lang="en-US" sz="1600" b="0" dirty="0">
-                <a:solidFill>
-                  <a:srgbClr val="CCCCCC"/>
-                </a:solidFill>
-                <a:effectLst/>
-                <a:latin typeface="Consolas" panose="020B0609020204030204" pitchFamily="49" charset="0"/>
-              </a:rPr>
-              <a:t>,</a:t>
-            </a:r>
-            <a:r>
-              <a:rPr lang="hr-HR" sz="1600" b="0" dirty="0">
-                <a:solidFill>
-                  <a:srgbClr val="CCCCCC"/>
-                </a:solidFill>
-                <a:effectLst/>
-                <a:latin typeface="Consolas" panose="020B0609020204030204" pitchFamily="49" charset="0"/>
-              </a:rPr>
-              <a:t> </a:t>
-            </a:r>
-            <a:r>
-              <a:rPr lang="en-US" sz="1600" b="0" dirty="0">
-                <a:solidFill>
-                  <a:srgbClr val="9CDCFE"/>
-                </a:solidFill>
-                <a:effectLst/>
-                <a:latin typeface="Consolas" panose="020B0609020204030204" pitchFamily="49" charset="0"/>
-              </a:rPr>
-              <a:t>index</a:t>
-            </a:r>
-            <a:r>
-              <a:rPr lang="en-US" sz="1600" b="0" dirty="0">
-                <a:solidFill>
-                  <a:srgbClr val="CCCCCC"/>
-                </a:solidFill>
-                <a:effectLst/>
-                <a:latin typeface="Consolas" panose="020B0609020204030204" pitchFamily="49" charset="0"/>
-              </a:rPr>
-              <a:t> </a:t>
-            </a:r>
-            <a:r>
-              <a:rPr lang="en-US" sz="1600" b="0" dirty="0">
-                <a:solidFill>
-                  <a:srgbClr val="D4D4D4"/>
-                </a:solidFill>
-                <a:effectLst/>
-                <a:latin typeface="Consolas" panose="020B0609020204030204" pitchFamily="49" charset="0"/>
-              </a:rPr>
-              <a:t>=</a:t>
-            </a:r>
-            <a:r>
-              <a:rPr lang="en-US" sz="1600" b="0" dirty="0">
-                <a:solidFill>
-                  <a:srgbClr val="CCCCCC"/>
-                </a:solidFill>
-                <a:effectLst/>
-                <a:latin typeface="Consolas" panose="020B0609020204030204" pitchFamily="49" charset="0"/>
-              </a:rPr>
-              <a:t> </a:t>
-            </a:r>
-            <a:r>
-              <a:rPr lang="en-US" sz="1600" b="0" dirty="0">
-                <a:solidFill>
-                  <a:srgbClr val="4FC1FF"/>
-                </a:solidFill>
-                <a:effectLst/>
-                <a:latin typeface="Consolas" panose="020B0609020204030204" pitchFamily="49" charset="0"/>
-              </a:rPr>
-              <a:t>False</a:t>
-            </a:r>
-            <a:r>
-              <a:rPr lang="en-US" sz="1600" b="0" dirty="0">
-                <a:solidFill>
-                  <a:srgbClr val="CCCCCC"/>
-                </a:solidFill>
-                <a:effectLst/>
-                <a:latin typeface="Consolas" panose="020B0609020204030204" pitchFamily="49" charset="0"/>
-              </a:rPr>
-              <a:t>)</a:t>
-            </a:r>
-          </a:p>
-        </p:txBody>
-      </p:sp>
-      <p:sp>
-        <p:nvSpPr>
-          <p:cNvPr id="15" name="Title 2">
-            <a:extLst>
-              <a:ext uri="{FF2B5EF4-FFF2-40B4-BE49-F238E27FC236}">
-                <a16:creationId xmlns:a16="http://schemas.microsoft.com/office/drawing/2014/main" id="{66272AF0-1C15-2EC5-37C3-695128D40F68}"/>
-              </a:ext>
-            </a:extLst>
-          </p:cNvPr>
-          <p:cNvSpPr>
-            <a:spLocks noGrp="1"/>
-          </p:cNvSpPr>
-          <p:nvPr>
-            <p:ph type="title"/>
-          </p:nvPr>
-        </p:nvSpPr>
-        <p:spPr>
-          <a:xfrm>
-            <a:off x="536331" y="1127187"/>
-            <a:ext cx="5080697" cy="2253343"/>
-          </a:xfrm>
           <a:effectLst>
             <a:outerShdw blurRad="76200" dir="13500000" sy="23000" kx="1200000" algn="br" rotWithShape="0">
               <a:prstClr val="black">
@@ -20689,19 +19272,56 @@
           </a:effectLst>
         </p:spPr>
         <p:txBody>
-          <a:bodyPr anchor="t">
-            <a:normAutofit/>
+          <a:bodyPr vert="horz" lIns="91440" tIns="45720" rIns="91440" bIns="45720" rtlCol="0" anchor="t">
+            <a:normAutofit lnSpcReduction="10000"/>
           </a:bodyPr>
-          <a:lstStyle/>
-          <a:p>
-            <a:pPr algn="ctr"/>
-            <a:r>
-              <a:rPr lang="hr-HR" sz="7200" dirty="0">
-                <a:solidFill>
-                  <a:schemeClr val="accent2">
+          <a:lstStyle>
+            <a:lvl1pPr algn="l" defTabSz="914400" rtl="0" eaLnBrk="1" latinLnBrk="0" hangingPunct="1">
+              <a:lnSpc>
+                <a:spcPct val="90000"/>
+              </a:lnSpc>
+              <a:spcBef>
+                <a:spcPct val="0"/>
+              </a:spcBef>
+              <a:buNone/>
+              <a:defRPr sz="3600" kern="1200">
+                <a:solidFill>
+                  <a:schemeClr val="bg2"/>
+                </a:solidFill>
+                <a:latin typeface="+mj-lt"/>
+                <a:ea typeface="+mj-ea"/>
+                <a:cs typeface="+mj-cs"/>
+              </a:defRPr>
+            </a:lvl1pPr>
+          </a:lstStyle>
+          <a:p>
+            <a:pPr marL="0" marR="0" lvl="0" indent="0" algn="ctr" defTabSz="914400" rtl="0" eaLnBrk="1" fontAlgn="auto" latinLnBrk="0" hangingPunct="1">
+              <a:lnSpc>
+                <a:spcPct val="100000"/>
+              </a:lnSpc>
+              <a:spcBef>
+                <a:spcPts val="0"/>
+              </a:spcBef>
+              <a:spcAft>
+                <a:spcPts val="0"/>
+              </a:spcAft>
+              <a:buClrTx/>
+              <a:buSzTx/>
+              <a:buFontTx/>
+              <a:buNone/>
+              <a:tabLst/>
+              <a:defRPr/>
+            </a:pPr>
+            <a:r>
+              <a:rPr kumimoji="0" lang="en-US" sz="7600" b="0" i="0" u="none" strike="noStrike" kern="1200" cap="none" spc="0" normalizeH="0" baseline="0" noProof="0" dirty="0">
+                <a:ln>
+                  <a:noFill/>
+                </a:ln>
+                <a:solidFill>
+                  <a:srgbClr val="18818C">
                     <a:lumMod val="20000"/>
                     <a:lumOff val="80000"/>
-                  </a:schemeClr>
+                  </a:srgbClr>
                 </a:solidFill>
                 <a:effectLst>
                   <a:outerShdw blurRad="50800" dist="38100" algn="l" rotWithShape="0">
@@ -20710,12 +19330,25 @@
                     </a:prstClr>
                   </a:outerShdw>
                 </a:effectLst>
+                <a:uLnTx/>
+                <a:uFillTx/>
                 <a:latin typeface="Boucherie Block" panose="02000506000000020004" pitchFamily="2" charset="0"/>
-              </a:rPr>
-              <a:t>Priprema</a:t>
-            </a:r>
-            <a:r>
-              <a:rPr lang="hr-HR" sz="7200" dirty="0">
+                <a:ea typeface="+mn-ea"/>
+                <a:cs typeface="+mn-cs"/>
+              </a:rPr>
+              <a:t>PODACI O</a:t>
+            </a:r>
+            <a:r>
+              <a:rPr kumimoji="0" lang="en-US" sz="7200" b="0" i="0" u="none" strike="noStrike" kern="1200" cap="none" spc="0" normalizeH="0" baseline="0" noProof="0" dirty="0">
+                <a:ln>
+                  <a:noFill/>
+                </a:ln>
+                <a:solidFill>
+                  <a:srgbClr val="18818C">
+                    <a:lumMod val="20000"/>
+                    <a:lumOff val="80000"/>
+                  </a:srgbClr>
+                </a:solidFill>
                 <a:effectLst>
                   <a:outerShdw blurRad="50800" dist="38100" algn="l" rotWithShape="0">
                     <a:prstClr val="black">
@@ -20723,20 +19356,34 @@
                     </a:prstClr>
                   </a:outerShdw>
                 </a:effectLst>
+                <a:uLnTx/>
+                <a:uFillTx/>
                 <a:latin typeface="Boucherie Block" panose="02000506000000020004" pitchFamily="2" charset="0"/>
-              </a:rPr>
-              <a:t> podataka</a:t>
-            </a:r>
-            <a:endParaRPr lang="en-US" sz="7200" dirty="0">
-              <a:effectLst>
-                <a:outerShdw blurRad="50800" dist="38100" algn="l" rotWithShape="0">
-                  <a:prstClr val="black">
-                    <a:alpha val="40000"/>
-                  </a:prstClr>
-                </a:outerShdw>
-              </a:effectLst>
-              <a:latin typeface="Boucherie Block" panose="02000506000000020004" pitchFamily="2" charset="0"/>
-            </a:endParaRPr>
+                <a:ea typeface="+mn-ea"/>
+                <a:cs typeface="+mn-cs"/>
+              </a:rPr>
+              <a:t> </a:t>
+            </a:r>
+            <a:r>
+              <a:rPr kumimoji="0" lang="en-US" sz="7200" b="0" i="0" u="none" strike="noStrike" kern="1200" cap="none" spc="0" normalizeH="0" baseline="0" noProof="0" dirty="0">
+                <a:ln>
+                  <a:noFill/>
+                </a:ln>
+                <a:effectLst>
+                  <a:outerShdw blurRad="50800" dist="38100" algn="l" rotWithShape="0">
+                    <a:prstClr val="black">
+                      <a:alpha val="40000"/>
+                    </a:prstClr>
+                  </a:outerShdw>
+                </a:effectLst>
+                <a:uLnTx/>
+                <a:uFillTx/>
+                <a:latin typeface="Boucherie Block" panose="02000506000000020004" pitchFamily="2" charset="0"/>
+                <a:ea typeface="+mn-ea"/>
+                <a:cs typeface="+mn-cs"/>
+              </a:rPr>
+              <a:t>DATASETU</a:t>
+            </a:r>
           </a:p>
         </p:txBody>
       </p:sp>
@@ -20756,8 +19403,8 @@
         </p:nvSpPr>
         <p:spPr>
           <a:xfrm>
-            <a:off x="1057607" y="3214065"/>
-            <a:ext cx="4559422" cy="3071590"/>
+            <a:off x="1057606" y="3214065"/>
+            <a:ext cx="5080697" cy="3274658"/>
           </a:xfrm>
           <a:prstGeom prst="rect">
             <a:avLst/>
@@ -20948,7 +19595,7 @@
           </a:lstStyle>
           <a:p>
             <a:r>
-              <a:rPr lang="en-US" sz="2000" b="1" dirty="0">
+              <a:rPr lang="en-US" sz="1900" b="1" dirty="0">
                 <a:solidFill>
                   <a:schemeClr val="accent5">
                     <a:lumMod val="60000"/>
@@ -20956,10 +19603,10 @@
                   </a:schemeClr>
                 </a:solidFill>
               </a:rPr>
-              <a:t>diabetes_binary_5050split_health_indicators_BRFSS2015</a:t>
-            </a:r>
-            <a:r>
-              <a:rPr lang="hr-HR" sz="2000" b="1" dirty="0">
+              <a:t>Behavioral risk factor surveillance system (BRFSS) – </a:t>
+            </a:r>
+            <a:r>
+              <a:rPr lang="hr-HR" sz="1900" b="1" dirty="0">
                 <a:solidFill>
                   <a:schemeClr val="accent5">
                     <a:lumMod val="60000"/>
@@ -20967,168 +19614,138 @@
                   </a:schemeClr>
                 </a:solidFill>
               </a:rPr>
-              <a:t>.</a:t>
-            </a:r>
-            <a:r>
-              <a:rPr lang="hr-HR" sz="2000" b="1" dirty="0" err="1">
-                <a:solidFill>
-                  <a:schemeClr val="accent5">
-                    <a:lumMod val="60000"/>
-                    <a:lumOff val="40000"/>
+              <a:t>godišnja anketa CDC-a preko telefona</a:t>
+            </a:r>
+          </a:p>
+          <a:p>
+            <a:r>
+              <a:rPr lang="hr-HR" sz="1900" b="1" dirty="0">
+                <a:solidFill>
+                  <a:schemeClr val="accent2">
+                    <a:lumMod val="20000"/>
+                    <a:lumOff val="80000"/>
                   </a:schemeClr>
                 </a:solidFill>
               </a:rPr>
-              <a:t>csv</a:t>
-            </a:r>
-            <a:endParaRPr lang="hr-HR" sz="2000" b="1" dirty="0">
+              <a:t>70,692 pojedinaca odgovorilo</a:t>
+            </a:r>
+          </a:p>
+          <a:p>
+            <a:pPr lvl="1"/>
+            <a:r>
+              <a:rPr lang="hr-HR" sz="1700" b="1" dirty="0">
+                <a:solidFill>
+                  <a:schemeClr val="accent2">
+                    <a:lumMod val="20000"/>
+                    <a:lumOff val="80000"/>
+                  </a:schemeClr>
+                </a:solidFill>
+              </a:rPr>
+              <a:t>21 varijabli </a:t>
+            </a:r>
+            <a:r>
+              <a:rPr lang="hr-HR" sz="1700" b="1" dirty="0">
+                <a:solidFill>
+                  <a:schemeClr val="bg2"/>
+                </a:solidFill>
+              </a:rPr>
+              <a:t>(podaci su odgovori ili izračunati obzirom na odgovore)</a:t>
+            </a:r>
+          </a:p>
+          <a:p>
+            <a:pPr lvl="1"/>
+            <a:r>
+              <a:rPr lang="hr-HR" sz="1700" b="1" dirty="0">
+                <a:solidFill>
+                  <a:schemeClr val="accent2">
+                    <a:lumMod val="20000"/>
+                    <a:lumOff val="80000"/>
+                  </a:schemeClr>
+                </a:solidFill>
+              </a:rPr>
+              <a:t>50% nema dijabetes</a:t>
+            </a:r>
+          </a:p>
+          <a:p>
+            <a:r>
+              <a:rPr lang="hr-HR" sz="1900" b="1" dirty="0" err="1">
+                <a:solidFill>
+                  <a:schemeClr val="bg1"/>
+                </a:solidFill>
+              </a:rPr>
+              <a:t>Diabetes_binary</a:t>
+            </a:r>
+            <a:endParaRPr lang="hr-HR" sz="1900" b="1" dirty="0">
               <a:solidFill>
-                <a:schemeClr val="accent5">
-                  <a:lumMod val="60000"/>
-                  <a:lumOff val="40000"/>
-                </a:schemeClr>
+                <a:schemeClr val="bg1"/>
               </a:solidFill>
             </a:endParaRPr>
           </a:p>
           <a:p>
-            <a:r>
-              <a:rPr lang="hr-HR" b="1" dirty="0">
+            <a:pPr lvl="1"/>
+            <a:r>
+              <a:rPr lang="hr-HR" sz="1700" b="1" dirty="0">
+                <a:solidFill>
+                  <a:schemeClr val="accent2">
+                    <a:lumMod val="20000"/>
+                    <a:lumOff val="80000"/>
+                  </a:schemeClr>
+                </a:solidFill>
+              </a:rPr>
+              <a:t>0</a:t>
+            </a:r>
+            <a:r>
+              <a:rPr lang="hr-HR" sz="1700" b="1" dirty="0">
                 <a:solidFill>
                   <a:schemeClr val="bg2"/>
                 </a:solidFill>
               </a:rPr>
-              <a:t>70.000+ opservacija</a:t>
-            </a:r>
-            <a:endParaRPr lang="hr-HR" sz="2000" b="1" dirty="0">
-              <a:solidFill>
-                <a:schemeClr val="bg2"/>
-              </a:solidFill>
-            </a:endParaRPr>
-          </a:p>
-          <a:p>
-            <a:r>
-              <a:rPr lang="hr-HR" sz="2000" b="1" dirty="0">
+              <a:t> nema, </a:t>
+            </a:r>
+            <a:r>
+              <a:rPr lang="hr-HR" sz="1700" b="1" dirty="0">
+                <a:solidFill>
+                  <a:schemeClr val="accent2">
+                    <a:lumMod val="20000"/>
+                    <a:lumOff val="80000"/>
+                  </a:schemeClr>
+                </a:solidFill>
+              </a:rPr>
+              <a:t>1</a:t>
+            </a:r>
+            <a:r>
+              <a:rPr lang="hr-HR" sz="1700" b="1" dirty="0">
                 <a:solidFill>
                   <a:schemeClr val="bg2"/>
                 </a:solidFill>
               </a:rPr>
-              <a:t>Python skripta</a:t>
-            </a:r>
-          </a:p>
-          <a:p>
-            <a:pPr lvl="1"/>
-            <a:r>
-              <a:rPr lang="hr-HR" b="1" dirty="0">
+              <a:t> ima </a:t>
+            </a:r>
+            <a:r>
+              <a:rPr lang="hr-HR" sz="1700" b="1" dirty="0" err="1">
                 <a:solidFill>
                   <a:schemeClr val="bg2"/>
                 </a:solidFill>
               </a:rPr>
-              <a:t>Odabir 2.000 opservacija na nasumičan način</a:t>
-            </a:r>
-          </a:p>
-          <a:p>
-            <a:pPr lvl="1"/>
-            <a:r>
-              <a:rPr lang="pt-BR" b="1" dirty="0">
+              <a:t>preddijabetes</a:t>
+            </a:r>
+            <a:r>
+              <a:rPr lang="hr-HR" sz="1700" b="1" dirty="0">
                 <a:solidFill>
                   <a:schemeClr val="bg2"/>
                 </a:solidFill>
               </a:rPr>
-              <a:t>50% </a:t>
-            </a:r>
-            <a:r>
-              <a:rPr lang="pt-BR" b="1" dirty="0" err="1">
-                <a:solidFill>
-                  <a:schemeClr val="bg2"/>
-                </a:solidFill>
-              </a:rPr>
-              <a:t>ispitanika</a:t>
-            </a:r>
-            <a:r>
-              <a:rPr lang="hr-HR" b="1" dirty="0">
-                <a:solidFill>
-                  <a:schemeClr val="bg2"/>
-                </a:solidFill>
-              </a:rPr>
-              <a:t> </a:t>
-            </a:r>
-            <a:r>
-              <a:rPr lang="pt-BR" b="1" dirty="0" err="1">
-                <a:solidFill>
-                  <a:schemeClr val="bg2"/>
-                </a:solidFill>
-              </a:rPr>
-              <a:t>nema</a:t>
-            </a:r>
-            <a:r>
-              <a:rPr lang="pt-BR" b="1" dirty="0">
-                <a:solidFill>
-                  <a:schemeClr val="bg2"/>
-                </a:solidFill>
-              </a:rPr>
-              <a:t> </a:t>
-            </a:r>
-            <a:r>
-              <a:rPr lang="pt-BR" b="1" dirty="0" err="1">
-                <a:solidFill>
-                  <a:schemeClr val="bg2"/>
-                </a:solidFill>
-              </a:rPr>
-              <a:t>dijabetes</a:t>
-            </a:r>
-            <a:r>
-              <a:rPr lang="pt-BR" b="1" dirty="0">
-                <a:solidFill>
-                  <a:schemeClr val="bg2"/>
-                </a:solidFill>
-              </a:rPr>
-              <a:t> (0) i 50% ima</a:t>
-            </a:r>
-            <a:r>
-              <a:rPr lang="hr-HR" b="1" dirty="0">
-                <a:solidFill>
-                  <a:schemeClr val="bg2"/>
-                </a:solidFill>
-              </a:rPr>
-              <a:t> </a:t>
-            </a:r>
-            <a:r>
-              <a:rPr lang="hr-HR" b="1" dirty="0" err="1">
-                <a:solidFill>
-                  <a:schemeClr val="bg2"/>
-                </a:solidFill>
-              </a:rPr>
-              <a:t>predijabetes</a:t>
-            </a:r>
-            <a:r>
-              <a:rPr lang="hr-HR" b="1" dirty="0">
-                <a:solidFill>
-                  <a:schemeClr val="bg2"/>
-                </a:solidFill>
-              </a:rPr>
-              <a:t> ili dijabetes </a:t>
-            </a:r>
-            <a:r>
-              <a:rPr lang="pt-BR" b="1" dirty="0">
-                <a:solidFill>
-                  <a:schemeClr val="bg2"/>
-                </a:solidFill>
-              </a:rPr>
-              <a:t>(1)</a:t>
-            </a:r>
-            <a:endParaRPr lang="hr-HR" b="1" dirty="0">
-              <a:solidFill>
-                <a:schemeClr val="bg2"/>
-              </a:solidFill>
-            </a:endParaRPr>
+              <a:t> ili dijabetes</a:t>
+            </a:r>
           </a:p>
         </p:txBody>
       </p:sp>
       <p:sp>
         <p:nvSpPr>
-          <p:cNvPr id="17" name="Title 2">
+          <p:cNvPr id="6" name="Title 2">
             <a:extLst>
               <a:ext uri="{FF2B5EF4-FFF2-40B4-BE49-F238E27FC236}">
-                <a16:creationId xmlns:a16="http://schemas.microsoft.com/office/drawing/2014/main" id="{E8C7484A-84C9-475F-A75A-6C1D3A0F7774}"/>
+                <a16:creationId xmlns:a16="http://schemas.microsoft.com/office/drawing/2014/main" id="{9EB16F7D-4B36-9497-2A84-6E0285EB9A8D}"/>
               </a:ext>
             </a:extLst>
           </p:cNvPr>
@@ -21139,8 +19756,8 @@
         </p:nvSpPr>
         <p:spPr>
           <a:xfrm>
-            <a:off x="498231" y="1127187"/>
-            <a:ext cx="5080697" cy="2253343"/>
+            <a:off x="571504" y="1102281"/>
+            <a:ext cx="5080696" cy="2253343"/>
           </a:xfrm>
           <a:prstGeom prst="rect">
             <a:avLst/>
@@ -21179,7 +19796,7 @@
           <a:p>
             <a:pPr algn="ctr"/>
             <a:r>
-              <a:rPr lang="hr-HR" sz="7200">
+              <a:rPr lang="en-US" sz="7600" dirty="0">
                 <a:solidFill>
                   <a:schemeClr val="accent2">
                     <a:lumMod val="20000"/>
@@ -21195,10 +19812,16 @@
                 </a:effectLst>
                 <a:latin typeface="Boucherie Block" panose="02000506000000020004" pitchFamily="2" charset="0"/>
               </a:rPr>
-              <a:t>Priprema</a:t>
-            </a:r>
-            <a:r>
-              <a:rPr lang="hr-HR" sz="7200">
+              <a:t>PODACI O</a:t>
+            </a:r>
+            <a:r>
+              <a:rPr lang="en-US" sz="7200" dirty="0">
+                <a:solidFill>
+                  <a:schemeClr val="accent2">
+                    <a:lumMod val="20000"/>
+                    <a:lumOff val="80000"/>
+                  </a:schemeClr>
+                </a:solidFill>
                 <a:effectLst>
                   <a:outerShdw blurRad="50800" dist="38100" algn="l" rotWithShape="0">
                     <a:prstClr val="black">
@@ -21208,38 +19831,1049 @@
                 </a:effectLst>
                 <a:latin typeface="Boucherie Block" panose="02000506000000020004" pitchFamily="2" charset="0"/>
               </a:rPr>
-              <a:t> podataka</a:t>
-            </a:r>
-            <a:endParaRPr lang="en-US" sz="7200" dirty="0">
-              <a:effectLst>
-                <a:outerShdw blurRad="50800" dist="38100" algn="l" rotWithShape="0">
-                  <a:prstClr val="black">
-                    <a:alpha val="40000"/>
-                  </a:prstClr>
-                </a:outerShdw>
-              </a:effectLst>
-              <a:latin typeface="Boucherie Block" panose="02000506000000020004" pitchFamily="2" charset="0"/>
+              <a:t> </a:t>
+            </a:r>
+            <a:r>
+              <a:rPr lang="en-US" sz="7200" dirty="0">
+                <a:effectLst>
+                  <a:outerShdw blurRad="50800" dist="38100" algn="l" rotWithShape="0">
+                    <a:prstClr val="black">
+                      <a:alpha val="40000"/>
+                    </a:prstClr>
+                  </a:outerShdw>
+                </a:effectLst>
+                <a:latin typeface="Boucherie Block" panose="02000506000000020004" pitchFamily="2" charset="0"/>
+              </a:rPr>
+              <a:t>DATASETU</a:t>
+            </a:r>
+          </a:p>
+        </p:txBody>
+      </p:sp>
+      <p:sp>
+        <p:nvSpPr>
+          <p:cNvPr id="5" name="TextBox 4">
+            <a:extLst>
+              <a:ext uri="{FF2B5EF4-FFF2-40B4-BE49-F238E27FC236}">
+                <a16:creationId xmlns:a16="http://schemas.microsoft.com/office/drawing/2014/main" id="{EB9245DF-B1D9-BC32-92E2-F6E4D1966ABE}"/>
+              </a:ext>
+            </a:extLst>
+          </p:cNvPr>
+          <p:cNvSpPr txBox="1"/>
+          <p:nvPr/>
+        </p:nvSpPr>
+        <p:spPr>
+          <a:xfrm>
+            <a:off x="7063154" y="792834"/>
+            <a:ext cx="4982308" cy="461665"/>
+          </a:xfrm>
+          <a:prstGeom prst="rect">
+            <a:avLst/>
+          </a:prstGeom>
+          <a:noFill/>
+        </p:spPr>
+        <p:txBody>
+          <a:bodyPr wrap="square">
+            <a:spAutoFit/>
+          </a:bodyPr>
+          <a:lstStyle/>
+          <a:p>
+            <a:pPr algn="ctr"/>
+            <a:r>
+              <a:rPr lang="hr-HR" sz="2400" b="1" dirty="0">
+                <a:solidFill>
+                  <a:schemeClr val="accent5">
+                    <a:lumMod val="60000"/>
+                    <a:lumOff val="40000"/>
+                  </a:schemeClr>
+                </a:solidFill>
+              </a:rPr>
+              <a:t>Varijable koje ćemo analizirati</a:t>
+            </a:r>
+            <a:endParaRPr lang="en-US" sz="2400" b="1" dirty="0">
+              <a:solidFill>
+                <a:schemeClr val="accent5">
+                  <a:lumMod val="60000"/>
+                  <a:lumOff val="40000"/>
+                </a:schemeClr>
+              </a:solidFill>
             </a:endParaRPr>
           </a:p>
         </p:txBody>
       </p:sp>
+      <p:graphicFrame>
+        <p:nvGraphicFramePr>
+          <p:cNvPr id="9" name="Table 8">
+            <a:extLst>
+              <a:ext uri="{FF2B5EF4-FFF2-40B4-BE49-F238E27FC236}">
+                <a16:creationId xmlns:a16="http://schemas.microsoft.com/office/drawing/2014/main" id="{7F39B266-5C6D-E8DB-FF41-B39612E61FB1}"/>
+              </a:ext>
+            </a:extLst>
+          </p:cNvPr>
+          <p:cNvGraphicFramePr>
+            <a:graphicFrameLocks noGrp="1"/>
+          </p:cNvGraphicFramePr>
+          <p:nvPr>
+            <p:extLst>
+              <p:ext uri="{D42A27DB-BD31-4B8C-83A1-F6EECF244321}">
+                <p14:modId xmlns:p14="http://schemas.microsoft.com/office/powerpoint/2010/main" val="2411547777"/>
+              </p:ext>
+            </p:extLst>
+          </p:nvPr>
+        </p:nvGraphicFramePr>
+        <p:xfrm>
+          <a:off x="6478978" y="1959713"/>
+          <a:ext cx="5233768" cy="4079240"/>
+        </p:xfrm>
+        <a:graphic>
+          <a:graphicData uri="http://schemas.openxmlformats.org/drawingml/2006/table">
+            <a:tbl>
+              <a:tblPr firstRow="1" bandRow="1">
+                <a:tableStyleId>{0E3FDE45-AF77-4B5C-9715-49D594BDF05E}</a:tableStyleId>
+              </a:tblPr>
+              <a:tblGrid>
+                <a:gridCol w="2440305">
+                  <a:extLst>
+                    <a:ext uri="{9D8B030D-6E8A-4147-A177-3AD203B41FA5}">
+                      <a16:colId xmlns:a16="http://schemas.microsoft.com/office/drawing/2014/main" val="2231459869"/>
+                    </a:ext>
+                  </a:extLst>
+                </a:gridCol>
+                <a:gridCol w="1314963">
+                  <a:extLst>
+                    <a:ext uri="{9D8B030D-6E8A-4147-A177-3AD203B41FA5}">
+                      <a16:colId xmlns:a16="http://schemas.microsoft.com/office/drawing/2014/main" val="1100011103"/>
+                    </a:ext>
+                  </a:extLst>
+                </a:gridCol>
+                <a:gridCol w="1478500">
+                  <a:extLst>
+                    <a:ext uri="{9D8B030D-6E8A-4147-A177-3AD203B41FA5}">
+                      <a16:colId xmlns:a16="http://schemas.microsoft.com/office/drawing/2014/main" val="1425641421"/>
+                    </a:ext>
+                  </a:extLst>
+                </a:gridCol>
+              </a:tblGrid>
+              <a:tr h="370840">
+                <a:tc>
+                  <a:txBody>
+                    <a:bodyPr/>
+                    <a:lstStyle/>
+                    <a:p>
+                      <a:r>
+                        <a:rPr lang="hr-HR" b="1" dirty="0">
+                          <a:solidFill>
+                            <a:schemeClr val="accent5">
+                              <a:lumMod val="60000"/>
+                              <a:lumOff val="40000"/>
+                            </a:schemeClr>
+                          </a:solidFill>
+                          <a:latin typeface="Consolas" panose="020B0609020204030204" pitchFamily="49" charset="0"/>
+                        </a:rPr>
+                        <a:t>Varijabla</a:t>
+                      </a:r>
+                      <a:endParaRPr lang="en-US" b="1" dirty="0">
+                        <a:solidFill>
+                          <a:schemeClr val="accent5">
+                            <a:lumMod val="60000"/>
+                            <a:lumOff val="40000"/>
+                          </a:schemeClr>
+                        </a:solidFill>
+                        <a:latin typeface="Consolas" panose="020B0609020204030204" pitchFamily="49" charset="0"/>
+                      </a:endParaRPr>
+                    </a:p>
+                  </a:txBody>
+                  <a:tcPr/>
+                </a:tc>
+                <a:tc>
+                  <a:txBody>
+                    <a:bodyPr/>
+                    <a:lstStyle/>
+                    <a:p>
+                      <a:r>
+                        <a:rPr lang="hr-HR" dirty="0">
+                          <a:solidFill>
+                            <a:schemeClr val="accent5">
+                              <a:lumMod val="60000"/>
+                              <a:lumOff val="40000"/>
+                            </a:schemeClr>
+                          </a:solidFill>
+                          <a:latin typeface="Consolas" panose="020B0609020204030204" pitchFamily="49" charset="0"/>
+                        </a:rPr>
+                        <a:t>Dok 0</a:t>
+                      </a:r>
+                      <a:endParaRPr lang="en-US" dirty="0">
+                        <a:solidFill>
+                          <a:schemeClr val="accent5">
+                            <a:lumMod val="60000"/>
+                            <a:lumOff val="40000"/>
+                          </a:schemeClr>
+                        </a:solidFill>
+                        <a:latin typeface="Consolas" panose="020B0609020204030204" pitchFamily="49" charset="0"/>
+                      </a:endParaRPr>
+                    </a:p>
+                  </a:txBody>
+                  <a:tcPr/>
+                </a:tc>
+                <a:tc>
+                  <a:txBody>
+                    <a:bodyPr/>
+                    <a:lstStyle/>
+                    <a:p>
+                      <a:r>
+                        <a:rPr lang="hr-HR" dirty="0">
+                          <a:solidFill>
+                            <a:schemeClr val="accent5">
+                              <a:lumMod val="60000"/>
+                              <a:lumOff val="40000"/>
+                            </a:schemeClr>
+                          </a:solidFill>
+                          <a:latin typeface="Consolas" panose="020B0609020204030204" pitchFamily="49" charset="0"/>
+                        </a:rPr>
+                        <a:t>Dok 1</a:t>
+                      </a:r>
+                      <a:endParaRPr lang="en-US" dirty="0">
+                        <a:solidFill>
+                          <a:schemeClr val="accent5">
+                            <a:lumMod val="60000"/>
+                            <a:lumOff val="40000"/>
+                          </a:schemeClr>
+                        </a:solidFill>
+                        <a:latin typeface="Consolas" panose="020B0609020204030204" pitchFamily="49" charset="0"/>
+                      </a:endParaRPr>
+                    </a:p>
+                  </a:txBody>
+                  <a:tcPr/>
+                </a:tc>
+                <a:extLst>
+                  <a:ext uri="{0D108BD9-81ED-4DB2-BD59-A6C34878D82A}">
+                    <a16:rowId xmlns:a16="http://schemas.microsoft.com/office/drawing/2014/main" val="2610600896"/>
+                  </a:ext>
+                </a:extLst>
+              </a:tr>
+              <a:tr h="370840">
+                <a:tc>
+                  <a:txBody>
+                    <a:bodyPr/>
+                    <a:lstStyle/>
+                    <a:p>
+                      <a:r>
+                        <a:rPr lang="hr-HR" b="0" dirty="0" err="1">
+                          <a:solidFill>
+                            <a:schemeClr val="accent2">
+                              <a:lumMod val="20000"/>
+                              <a:lumOff val="80000"/>
+                            </a:schemeClr>
+                          </a:solidFill>
+                          <a:latin typeface="Consolas" panose="020B0609020204030204" pitchFamily="49" charset="0"/>
+                        </a:rPr>
+                        <a:t>HighChol</a:t>
+                      </a:r>
+                      <a:endParaRPr lang="en-US" b="0" dirty="0">
+                        <a:solidFill>
+                          <a:schemeClr val="accent2">
+                            <a:lumMod val="20000"/>
+                            <a:lumOff val="80000"/>
+                          </a:schemeClr>
+                        </a:solidFill>
+                        <a:latin typeface="Consolas" panose="020B0609020204030204" pitchFamily="49" charset="0"/>
+                      </a:endParaRPr>
+                    </a:p>
+                  </a:txBody>
+                  <a:tcPr/>
+                </a:tc>
+                <a:tc>
+                  <a:txBody>
+                    <a:bodyPr/>
+                    <a:lstStyle/>
+                    <a:p>
+                      <a:r>
+                        <a:rPr lang="hr-HR" dirty="0">
+                          <a:solidFill>
+                            <a:schemeClr val="bg1"/>
+                          </a:solidFill>
+                          <a:latin typeface="Consolas" panose="020B0609020204030204" pitchFamily="49" charset="0"/>
+                        </a:rPr>
+                        <a:t>Nije</a:t>
+                      </a:r>
+                      <a:endParaRPr lang="en-US" dirty="0">
+                        <a:solidFill>
+                          <a:schemeClr val="bg1"/>
+                        </a:solidFill>
+                        <a:latin typeface="Consolas" panose="020B0609020204030204" pitchFamily="49" charset="0"/>
+                      </a:endParaRPr>
+                    </a:p>
+                  </a:txBody>
+                  <a:tcPr/>
+                </a:tc>
+                <a:tc>
+                  <a:txBody>
+                    <a:bodyPr/>
+                    <a:lstStyle/>
+                    <a:p>
+                      <a:r>
+                        <a:rPr lang="hr-HR" dirty="0">
+                          <a:solidFill>
+                            <a:schemeClr val="bg1"/>
+                          </a:solidFill>
+                          <a:latin typeface="Consolas" panose="020B0609020204030204" pitchFamily="49" charset="0"/>
+                        </a:rPr>
+                        <a:t>Je</a:t>
+                      </a:r>
+                      <a:endParaRPr lang="en-US" dirty="0">
+                        <a:solidFill>
+                          <a:schemeClr val="bg1"/>
+                        </a:solidFill>
+                        <a:latin typeface="Consolas" panose="020B0609020204030204" pitchFamily="49" charset="0"/>
+                      </a:endParaRPr>
+                    </a:p>
+                  </a:txBody>
+                  <a:tcPr/>
+                </a:tc>
+                <a:extLst>
+                  <a:ext uri="{0D108BD9-81ED-4DB2-BD59-A6C34878D82A}">
+                    <a16:rowId xmlns:a16="http://schemas.microsoft.com/office/drawing/2014/main" val="1725269232"/>
+                  </a:ext>
+                </a:extLst>
+              </a:tr>
+              <a:tr h="370840">
+                <a:tc>
+                  <a:txBody>
+                    <a:bodyPr/>
+                    <a:lstStyle/>
+                    <a:p>
+                      <a:r>
+                        <a:rPr lang="hr-HR" b="0" dirty="0" err="1">
+                          <a:solidFill>
+                            <a:schemeClr val="accent2">
+                              <a:lumMod val="20000"/>
+                              <a:lumOff val="80000"/>
+                            </a:schemeClr>
+                          </a:solidFill>
+                          <a:latin typeface="Consolas" panose="020B0609020204030204" pitchFamily="49" charset="0"/>
+                        </a:rPr>
+                        <a:t>CholCheck</a:t>
+                      </a:r>
+                      <a:endParaRPr lang="en-US" b="0" dirty="0">
+                        <a:solidFill>
+                          <a:schemeClr val="accent2">
+                            <a:lumMod val="20000"/>
+                            <a:lumOff val="80000"/>
+                          </a:schemeClr>
+                        </a:solidFill>
+                        <a:latin typeface="Consolas" panose="020B0609020204030204" pitchFamily="49" charset="0"/>
+                      </a:endParaRPr>
+                    </a:p>
+                  </a:txBody>
+                  <a:tcPr/>
+                </a:tc>
+                <a:tc>
+                  <a:txBody>
+                    <a:bodyPr/>
+                    <a:lstStyle/>
+                    <a:p>
+                      <a:endParaRPr lang="en-US" dirty="0">
+                        <a:solidFill>
+                          <a:schemeClr val="bg1"/>
+                        </a:solidFill>
+                        <a:latin typeface="Consolas" panose="020B0609020204030204" pitchFamily="49" charset="0"/>
+                      </a:endParaRPr>
+                    </a:p>
+                  </a:txBody>
+                  <a:tcPr/>
+                </a:tc>
+                <a:tc>
+                  <a:txBody>
+                    <a:bodyPr/>
+                    <a:lstStyle/>
+                    <a:p>
+                      <a:endParaRPr lang="en-US" dirty="0">
+                        <a:solidFill>
+                          <a:schemeClr val="bg1"/>
+                        </a:solidFill>
+                        <a:latin typeface="Consolas" panose="020B0609020204030204" pitchFamily="49" charset="0"/>
+                      </a:endParaRPr>
+                    </a:p>
+                  </a:txBody>
+                  <a:tcPr/>
+                </a:tc>
+                <a:extLst>
+                  <a:ext uri="{0D108BD9-81ED-4DB2-BD59-A6C34878D82A}">
+                    <a16:rowId xmlns:a16="http://schemas.microsoft.com/office/drawing/2014/main" val="2240883439"/>
+                  </a:ext>
+                </a:extLst>
+              </a:tr>
+              <a:tr h="370840">
+                <a:tc>
+                  <a:txBody>
+                    <a:bodyPr/>
+                    <a:lstStyle/>
+                    <a:p>
+                      <a:r>
+                        <a:rPr lang="hr-HR" b="0" dirty="0" err="1">
+                          <a:solidFill>
+                            <a:schemeClr val="accent2">
+                              <a:lumMod val="20000"/>
+                              <a:lumOff val="80000"/>
+                            </a:schemeClr>
+                          </a:solidFill>
+                          <a:latin typeface="Consolas" panose="020B0609020204030204" pitchFamily="49" charset="0"/>
+                        </a:rPr>
+                        <a:t>BMI_Group</a:t>
+                      </a:r>
+                      <a:endParaRPr lang="en-US" b="0" dirty="0">
+                        <a:solidFill>
+                          <a:schemeClr val="accent2">
+                            <a:lumMod val="20000"/>
+                            <a:lumOff val="80000"/>
+                          </a:schemeClr>
+                        </a:solidFill>
+                        <a:latin typeface="Consolas" panose="020B0609020204030204" pitchFamily="49" charset="0"/>
+                      </a:endParaRPr>
+                    </a:p>
+                  </a:txBody>
+                  <a:tcPr/>
+                </a:tc>
+                <a:tc>
+                  <a:txBody>
+                    <a:bodyPr/>
+                    <a:lstStyle/>
+                    <a:p>
+                      <a:endParaRPr lang="en-US">
+                        <a:solidFill>
+                          <a:schemeClr val="bg1"/>
+                        </a:solidFill>
+                        <a:latin typeface="Consolas" panose="020B0609020204030204" pitchFamily="49" charset="0"/>
+                      </a:endParaRPr>
+                    </a:p>
+                  </a:txBody>
+                  <a:tcPr/>
+                </a:tc>
+                <a:tc>
+                  <a:txBody>
+                    <a:bodyPr/>
+                    <a:lstStyle/>
+                    <a:p>
+                      <a:endParaRPr lang="en-US" dirty="0">
+                        <a:solidFill>
+                          <a:schemeClr val="bg1"/>
+                        </a:solidFill>
+                        <a:latin typeface="Consolas" panose="020B0609020204030204" pitchFamily="49" charset="0"/>
+                      </a:endParaRPr>
+                    </a:p>
+                  </a:txBody>
+                  <a:tcPr/>
+                </a:tc>
+                <a:extLst>
+                  <a:ext uri="{0D108BD9-81ED-4DB2-BD59-A6C34878D82A}">
+                    <a16:rowId xmlns:a16="http://schemas.microsoft.com/office/drawing/2014/main" val="1560354739"/>
+                  </a:ext>
+                </a:extLst>
+              </a:tr>
+              <a:tr h="370840">
+                <a:tc>
+                  <a:txBody>
+                    <a:bodyPr/>
+                    <a:lstStyle/>
+                    <a:p>
+                      <a:r>
+                        <a:rPr lang="hr-HR" b="0" dirty="0" err="1">
+                          <a:solidFill>
+                            <a:schemeClr val="accent2">
+                              <a:lumMod val="20000"/>
+                              <a:lumOff val="80000"/>
+                            </a:schemeClr>
+                          </a:solidFill>
+                          <a:latin typeface="Consolas" panose="020B0609020204030204" pitchFamily="49" charset="0"/>
+                        </a:rPr>
+                        <a:t>HvyAlcoholConsump</a:t>
+                      </a:r>
+                      <a:endParaRPr lang="en-US" b="0" dirty="0">
+                        <a:solidFill>
+                          <a:schemeClr val="accent2">
+                            <a:lumMod val="20000"/>
+                            <a:lumOff val="80000"/>
+                          </a:schemeClr>
+                        </a:solidFill>
+                        <a:latin typeface="Consolas" panose="020B0609020204030204" pitchFamily="49" charset="0"/>
+                      </a:endParaRPr>
+                    </a:p>
+                  </a:txBody>
+                  <a:tcPr/>
+                </a:tc>
+                <a:tc>
+                  <a:txBody>
+                    <a:bodyPr/>
+                    <a:lstStyle/>
+                    <a:p>
+                      <a:endParaRPr lang="en-US" dirty="0">
+                        <a:solidFill>
+                          <a:schemeClr val="bg1"/>
+                        </a:solidFill>
+                        <a:latin typeface="Consolas" panose="020B0609020204030204" pitchFamily="49" charset="0"/>
+                      </a:endParaRPr>
+                    </a:p>
+                  </a:txBody>
+                  <a:tcPr/>
+                </a:tc>
+                <a:tc>
+                  <a:txBody>
+                    <a:bodyPr/>
+                    <a:lstStyle/>
+                    <a:p>
+                      <a:endParaRPr lang="en-US" dirty="0">
+                        <a:solidFill>
+                          <a:schemeClr val="bg1"/>
+                        </a:solidFill>
+                        <a:latin typeface="Consolas" panose="020B0609020204030204" pitchFamily="49" charset="0"/>
+                      </a:endParaRPr>
+                    </a:p>
+                  </a:txBody>
+                  <a:tcPr/>
+                </a:tc>
+                <a:extLst>
+                  <a:ext uri="{0D108BD9-81ED-4DB2-BD59-A6C34878D82A}">
+                    <a16:rowId xmlns:a16="http://schemas.microsoft.com/office/drawing/2014/main" val="118314908"/>
+                  </a:ext>
+                </a:extLst>
+              </a:tr>
+              <a:tr h="370840">
+                <a:tc>
+                  <a:txBody>
+                    <a:bodyPr/>
+                    <a:lstStyle/>
+                    <a:p>
+                      <a:r>
+                        <a:rPr lang="hr-HR" b="0" dirty="0" err="1">
+                          <a:solidFill>
+                            <a:schemeClr val="accent2">
+                              <a:lumMod val="20000"/>
+                              <a:lumOff val="80000"/>
+                            </a:schemeClr>
+                          </a:solidFill>
+                          <a:latin typeface="Consolas" panose="020B0609020204030204" pitchFamily="49" charset="0"/>
+                        </a:rPr>
+                        <a:t>AnyHealthcare</a:t>
+                      </a:r>
+                      <a:endParaRPr lang="en-US" b="0" dirty="0">
+                        <a:solidFill>
+                          <a:schemeClr val="accent2">
+                            <a:lumMod val="20000"/>
+                            <a:lumOff val="80000"/>
+                          </a:schemeClr>
+                        </a:solidFill>
+                        <a:latin typeface="Consolas" panose="020B0609020204030204" pitchFamily="49" charset="0"/>
+                      </a:endParaRPr>
+                    </a:p>
+                  </a:txBody>
+                  <a:tcPr/>
+                </a:tc>
+                <a:tc>
+                  <a:txBody>
+                    <a:bodyPr/>
+                    <a:lstStyle/>
+                    <a:p>
+                      <a:endParaRPr lang="en-US" dirty="0">
+                        <a:solidFill>
+                          <a:schemeClr val="bg1"/>
+                        </a:solidFill>
+                        <a:latin typeface="Consolas" panose="020B0609020204030204" pitchFamily="49" charset="0"/>
+                      </a:endParaRPr>
+                    </a:p>
+                  </a:txBody>
+                  <a:tcPr/>
+                </a:tc>
+                <a:tc>
+                  <a:txBody>
+                    <a:bodyPr/>
+                    <a:lstStyle/>
+                    <a:p>
+                      <a:endParaRPr lang="en-US" dirty="0">
+                        <a:solidFill>
+                          <a:schemeClr val="bg1"/>
+                        </a:solidFill>
+                        <a:latin typeface="Consolas" panose="020B0609020204030204" pitchFamily="49" charset="0"/>
+                      </a:endParaRPr>
+                    </a:p>
+                  </a:txBody>
+                  <a:tcPr/>
+                </a:tc>
+                <a:extLst>
+                  <a:ext uri="{0D108BD9-81ED-4DB2-BD59-A6C34878D82A}">
+                    <a16:rowId xmlns:a16="http://schemas.microsoft.com/office/drawing/2014/main" val="1575990506"/>
+                  </a:ext>
+                </a:extLst>
+              </a:tr>
+              <a:tr h="370840">
+                <a:tc>
+                  <a:txBody>
+                    <a:bodyPr/>
+                    <a:lstStyle/>
+                    <a:p>
+                      <a:pPr marL="0" marR="0" lvl="0" indent="0" algn="l" defTabSz="914400" rtl="0" eaLnBrk="1" fontAlgn="auto" latinLnBrk="0" hangingPunct="1">
+                        <a:lnSpc>
+                          <a:spcPct val="100000"/>
+                        </a:lnSpc>
+                        <a:spcBef>
+                          <a:spcPts val="0"/>
+                        </a:spcBef>
+                        <a:spcAft>
+                          <a:spcPts val="0"/>
+                        </a:spcAft>
+                        <a:buClrTx/>
+                        <a:buSzTx/>
+                        <a:buFontTx/>
+                        <a:buNone/>
+                        <a:tabLst/>
+                        <a:defRPr/>
+                      </a:pPr>
+                      <a:r>
+                        <a:rPr lang="en-US" b="0" dirty="0" err="1">
+                          <a:solidFill>
+                            <a:schemeClr val="accent2">
+                              <a:lumMod val="20000"/>
+                              <a:lumOff val="80000"/>
+                            </a:schemeClr>
+                          </a:solidFill>
+                          <a:latin typeface="Consolas" panose="020B0609020204030204" pitchFamily="49" charset="0"/>
+                        </a:rPr>
+                        <a:t>NoDocbcCost</a:t>
+                      </a:r>
+                      <a:endParaRPr lang="en-US" b="0" dirty="0">
+                        <a:solidFill>
+                          <a:schemeClr val="accent2">
+                            <a:lumMod val="20000"/>
+                            <a:lumOff val="80000"/>
+                          </a:schemeClr>
+                        </a:solidFill>
+                        <a:latin typeface="Consolas" panose="020B0609020204030204" pitchFamily="49" charset="0"/>
+                      </a:endParaRPr>
+                    </a:p>
+                  </a:txBody>
+                  <a:tcPr/>
+                </a:tc>
+                <a:tc>
+                  <a:txBody>
+                    <a:bodyPr/>
+                    <a:lstStyle/>
+                    <a:p>
+                      <a:endParaRPr lang="en-US" dirty="0">
+                        <a:solidFill>
+                          <a:schemeClr val="bg1"/>
+                        </a:solidFill>
+                        <a:latin typeface="Consolas" panose="020B0609020204030204" pitchFamily="49" charset="0"/>
+                      </a:endParaRPr>
+                    </a:p>
+                  </a:txBody>
+                  <a:tcPr/>
+                </a:tc>
+                <a:tc>
+                  <a:txBody>
+                    <a:bodyPr/>
+                    <a:lstStyle/>
+                    <a:p>
+                      <a:endParaRPr lang="en-US" dirty="0">
+                        <a:solidFill>
+                          <a:schemeClr val="bg1"/>
+                        </a:solidFill>
+                        <a:latin typeface="Consolas" panose="020B0609020204030204" pitchFamily="49" charset="0"/>
+                      </a:endParaRPr>
+                    </a:p>
+                  </a:txBody>
+                  <a:tcPr/>
+                </a:tc>
+                <a:extLst>
+                  <a:ext uri="{0D108BD9-81ED-4DB2-BD59-A6C34878D82A}">
+                    <a16:rowId xmlns:a16="http://schemas.microsoft.com/office/drawing/2014/main" val="2793863395"/>
+                  </a:ext>
+                </a:extLst>
+              </a:tr>
+              <a:tr h="370840">
+                <a:tc>
+                  <a:txBody>
+                    <a:bodyPr/>
+                    <a:lstStyle/>
+                    <a:p>
+                      <a:pPr marL="0" marR="0" lvl="0" indent="0" algn="l" defTabSz="914400" rtl="0" eaLnBrk="1" fontAlgn="auto" latinLnBrk="0" hangingPunct="1">
+                        <a:lnSpc>
+                          <a:spcPct val="100000"/>
+                        </a:lnSpc>
+                        <a:spcBef>
+                          <a:spcPts val="0"/>
+                        </a:spcBef>
+                        <a:spcAft>
+                          <a:spcPts val="0"/>
+                        </a:spcAft>
+                        <a:buClrTx/>
+                        <a:buSzTx/>
+                        <a:buFontTx/>
+                        <a:buNone/>
+                        <a:tabLst/>
+                        <a:defRPr/>
+                      </a:pPr>
+                      <a:r>
+                        <a:rPr kumimoji="0" lang="en-US" sz="1800" b="0" i="0" u="none" strike="noStrike" kern="1200" cap="none" spc="0" normalizeH="0" baseline="0" noProof="0" dirty="0">
+                          <a:ln>
+                            <a:noFill/>
+                          </a:ln>
+                          <a:solidFill>
+                            <a:schemeClr val="accent2">
+                              <a:lumMod val="20000"/>
+                              <a:lumOff val="80000"/>
+                            </a:schemeClr>
+                          </a:solidFill>
+                          <a:effectLst/>
+                          <a:uLnTx/>
+                          <a:uFillTx/>
+                          <a:latin typeface="Consolas" panose="020B0609020204030204" pitchFamily="49" charset="0"/>
+                          <a:ea typeface="+mn-ea"/>
+                          <a:cs typeface="+mn-cs"/>
+                        </a:rPr>
+                        <a:t>Sex</a:t>
+                      </a:r>
+                    </a:p>
+                  </a:txBody>
+                  <a:tcPr/>
+                </a:tc>
+                <a:tc>
+                  <a:txBody>
+                    <a:bodyPr/>
+                    <a:lstStyle/>
+                    <a:p>
+                      <a:endParaRPr lang="en-US" dirty="0">
+                        <a:solidFill>
+                          <a:schemeClr val="bg1"/>
+                        </a:solidFill>
+                        <a:latin typeface="Consolas" panose="020B0609020204030204" pitchFamily="49" charset="0"/>
+                      </a:endParaRPr>
+                    </a:p>
+                  </a:txBody>
+                  <a:tcPr/>
+                </a:tc>
+                <a:tc>
+                  <a:txBody>
+                    <a:bodyPr/>
+                    <a:lstStyle/>
+                    <a:p>
+                      <a:endParaRPr lang="en-US">
+                        <a:solidFill>
+                          <a:schemeClr val="bg1"/>
+                        </a:solidFill>
+                        <a:latin typeface="Consolas" panose="020B0609020204030204" pitchFamily="49" charset="0"/>
+                      </a:endParaRPr>
+                    </a:p>
+                  </a:txBody>
+                  <a:tcPr/>
+                </a:tc>
+                <a:extLst>
+                  <a:ext uri="{0D108BD9-81ED-4DB2-BD59-A6C34878D82A}">
+                    <a16:rowId xmlns:a16="http://schemas.microsoft.com/office/drawing/2014/main" val="4087553230"/>
+                  </a:ext>
+                </a:extLst>
+              </a:tr>
+              <a:tr h="370840">
+                <a:tc>
+                  <a:txBody>
+                    <a:bodyPr/>
+                    <a:lstStyle/>
+                    <a:p>
+                      <a:pPr marL="0" marR="0" lvl="0" indent="0" algn="l" defTabSz="914400" rtl="0" eaLnBrk="1" fontAlgn="auto" latinLnBrk="0" hangingPunct="1">
+                        <a:lnSpc>
+                          <a:spcPct val="100000"/>
+                        </a:lnSpc>
+                        <a:spcBef>
+                          <a:spcPts val="0"/>
+                        </a:spcBef>
+                        <a:spcAft>
+                          <a:spcPts val="0"/>
+                        </a:spcAft>
+                        <a:buClrTx/>
+                        <a:buSzTx/>
+                        <a:buFontTx/>
+                        <a:buNone/>
+                        <a:tabLst/>
+                        <a:defRPr/>
+                      </a:pPr>
+                      <a:r>
+                        <a:rPr kumimoji="0" lang="en-US" sz="1800" b="0" i="0" u="none" strike="noStrike" kern="1200" cap="none" spc="0" normalizeH="0" baseline="0" noProof="0" dirty="0" err="1">
+                          <a:ln>
+                            <a:noFill/>
+                          </a:ln>
+                          <a:solidFill>
+                            <a:schemeClr val="accent2">
+                              <a:lumMod val="20000"/>
+                              <a:lumOff val="80000"/>
+                            </a:schemeClr>
+                          </a:solidFill>
+                          <a:effectLst/>
+                          <a:uLnTx/>
+                          <a:uFillTx/>
+                          <a:latin typeface="Consolas" panose="020B0609020204030204" pitchFamily="49" charset="0"/>
+                          <a:ea typeface="+mn-ea"/>
+                          <a:cs typeface="+mn-cs"/>
+                        </a:rPr>
+                        <a:t>Age_Group</a:t>
+                      </a:r>
+                      <a:endParaRPr kumimoji="0" lang="en-US" sz="1800" b="0" i="0" u="none" strike="noStrike" kern="1200" cap="none" spc="0" normalizeH="0" baseline="0" noProof="0" dirty="0">
+                        <a:ln>
+                          <a:noFill/>
+                        </a:ln>
+                        <a:solidFill>
+                          <a:schemeClr val="accent2">
+                            <a:lumMod val="20000"/>
+                            <a:lumOff val="80000"/>
+                          </a:schemeClr>
+                        </a:solidFill>
+                        <a:effectLst/>
+                        <a:uLnTx/>
+                        <a:uFillTx/>
+                        <a:latin typeface="Consolas" panose="020B0609020204030204" pitchFamily="49" charset="0"/>
+                        <a:ea typeface="+mn-ea"/>
+                        <a:cs typeface="+mn-cs"/>
+                      </a:endParaRPr>
+                    </a:p>
+                  </a:txBody>
+                  <a:tcPr/>
+                </a:tc>
+                <a:tc>
+                  <a:txBody>
+                    <a:bodyPr/>
+                    <a:lstStyle/>
+                    <a:p>
+                      <a:endParaRPr lang="en-US" dirty="0">
+                        <a:solidFill>
+                          <a:schemeClr val="bg1"/>
+                        </a:solidFill>
+                        <a:latin typeface="Consolas" panose="020B0609020204030204" pitchFamily="49" charset="0"/>
+                      </a:endParaRPr>
+                    </a:p>
+                  </a:txBody>
+                  <a:tcPr/>
+                </a:tc>
+                <a:tc>
+                  <a:txBody>
+                    <a:bodyPr/>
+                    <a:lstStyle/>
+                    <a:p>
+                      <a:endParaRPr lang="en-US" dirty="0">
+                        <a:solidFill>
+                          <a:schemeClr val="bg1"/>
+                        </a:solidFill>
+                        <a:latin typeface="Consolas" panose="020B0609020204030204" pitchFamily="49" charset="0"/>
+                      </a:endParaRPr>
+                    </a:p>
+                  </a:txBody>
+                  <a:tcPr/>
+                </a:tc>
+                <a:extLst>
+                  <a:ext uri="{0D108BD9-81ED-4DB2-BD59-A6C34878D82A}">
+                    <a16:rowId xmlns:a16="http://schemas.microsoft.com/office/drawing/2014/main" val="4019377302"/>
+                  </a:ext>
+                </a:extLst>
+              </a:tr>
+              <a:tr h="370840">
+                <a:tc>
+                  <a:txBody>
+                    <a:bodyPr/>
+                    <a:lstStyle/>
+                    <a:p>
+                      <a:pPr marL="0" marR="0" lvl="0" indent="0" algn="l" defTabSz="914400" rtl="0" eaLnBrk="1" fontAlgn="auto" latinLnBrk="0" hangingPunct="1">
+                        <a:lnSpc>
+                          <a:spcPct val="100000"/>
+                        </a:lnSpc>
+                        <a:spcBef>
+                          <a:spcPts val="0"/>
+                        </a:spcBef>
+                        <a:spcAft>
+                          <a:spcPts val="0"/>
+                        </a:spcAft>
+                        <a:buClrTx/>
+                        <a:buSzTx/>
+                        <a:buFontTx/>
+                        <a:buNone/>
+                        <a:tabLst/>
+                        <a:defRPr/>
+                      </a:pPr>
+                      <a:r>
+                        <a:rPr kumimoji="0" lang="en-US" sz="1800" b="0" i="0" u="none" strike="noStrike" kern="1200" cap="none" spc="0" normalizeH="0" baseline="0" noProof="0" dirty="0" err="1">
+                          <a:ln>
+                            <a:noFill/>
+                          </a:ln>
+                          <a:solidFill>
+                            <a:schemeClr val="accent2">
+                              <a:lumMod val="20000"/>
+                              <a:lumOff val="80000"/>
+                            </a:schemeClr>
+                          </a:solidFill>
+                          <a:effectLst/>
+                          <a:uLnTx/>
+                          <a:uFillTx/>
+                          <a:latin typeface="Consolas" panose="020B0609020204030204" pitchFamily="49" charset="0"/>
+                          <a:ea typeface="+mn-ea"/>
+                          <a:cs typeface="+mn-cs"/>
+                        </a:rPr>
+                        <a:t>Education_Group</a:t>
+                      </a:r>
+                      <a:endParaRPr kumimoji="0" lang="en-US" sz="1800" b="0" i="0" u="none" strike="noStrike" kern="1200" cap="none" spc="0" normalizeH="0" baseline="0" noProof="0" dirty="0">
+                        <a:ln>
+                          <a:noFill/>
+                        </a:ln>
+                        <a:solidFill>
+                          <a:schemeClr val="accent2">
+                            <a:lumMod val="20000"/>
+                            <a:lumOff val="80000"/>
+                          </a:schemeClr>
+                        </a:solidFill>
+                        <a:effectLst/>
+                        <a:uLnTx/>
+                        <a:uFillTx/>
+                        <a:latin typeface="Consolas" panose="020B0609020204030204" pitchFamily="49" charset="0"/>
+                        <a:ea typeface="+mn-ea"/>
+                        <a:cs typeface="+mn-cs"/>
+                      </a:endParaRPr>
+                    </a:p>
+                  </a:txBody>
+                  <a:tcPr/>
+                </a:tc>
+                <a:tc>
+                  <a:txBody>
+                    <a:bodyPr/>
+                    <a:lstStyle/>
+                    <a:p>
+                      <a:endParaRPr lang="en-US">
+                        <a:solidFill>
+                          <a:schemeClr val="bg1"/>
+                        </a:solidFill>
+                        <a:latin typeface="Consolas" panose="020B0609020204030204" pitchFamily="49" charset="0"/>
+                      </a:endParaRPr>
+                    </a:p>
+                  </a:txBody>
+                  <a:tcPr/>
+                </a:tc>
+                <a:tc>
+                  <a:txBody>
+                    <a:bodyPr/>
+                    <a:lstStyle/>
+                    <a:p>
+                      <a:endParaRPr lang="en-US" dirty="0">
+                        <a:solidFill>
+                          <a:schemeClr val="bg1"/>
+                        </a:solidFill>
+                        <a:latin typeface="Consolas" panose="020B0609020204030204" pitchFamily="49" charset="0"/>
+                      </a:endParaRPr>
+                    </a:p>
+                  </a:txBody>
+                  <a:tcPr/>
+                </a:tc>
+                <a:extLst>
+                  <a:ext uri="{0D108BD9-81ED-4DB2-BD59-A6C34878D82A}">
+                    <a16:rowId xmlns:a16="http://schemas.microsoft.com/office/drawing/2014/main" val="3947661361"/>
+                  </a:ext>
+                </a:extLst>
+              </a:tr>
+              <a:tr h="370840">
+                <a:tc>
+                  <a:txBody>
+                    <a:bodyPr/>
+                    <a:lstStyle/>
+                    <a:p>
+                      <a:pPr marL="0" marR="0" lvl="0" indent="0" algn="l" defTabSz="914400" rtl="0" eaLnBrk="1" fontAlgn="auto" latinLnBrk="0" hangingPunct="1">
+                        <a:lnSpc>
+                          <a:spcPct val="100000"/>
+                        </a:lnSpc>
+                        <a:spcBef>
+                          <a:spcPts val="0"/>
+                        </a:spcBef>
+                        <a:spcAft>
+                          <a:spcPts val="0"/>
+                        </a:spcAft>
+                        <a:buClrTx/>
+                        <a:buSzTx/>
+                        <a:buFontTx/>
+                        <a:buNone/>
+                        <a:tabLst/>
+                        <a:defRPr/>
+                      </a:pPr>
+                      <a:r>
+                        <a:rPr kumimoji="0" lang="en-US" sz="1800" b="0" i="0" u="none" strike="noStrike" kern="1200" cap="none" spc="0" normalizeH="0" baseline="0" noProof="0" dirty="0">
+                          <a:ln>
+                            <a:noFill/>
+                          </a:ln>
+                          <a:solidFill>
+                            <a:schemeClr val="accent2">
+                              <a:lumMod val="20000"/>
+                              <a:lumOff val="80000"/>
+                            </a:schemeClr>
+                          </a:solidFill>
+                          <a:effectLst/>
+                          <a:uLnTx/>
+                          <a:uFillTx/>
+                          <a:latin typeface="Consolas" panose="020B0609020204030204" pitchFamily="49" charset="0"/>
+                          <a:ea typeface="+mn-ea"/>
+                          <a:cs typeface="+mn-cs"/>
+                        </a:rPr>
+                        <a:t>Income</a:t>
+                      </a:r>
+                    </a:p>
+                  </a:txBody>
+                  <a:tcPr/>
+                </a:tc>
+                <a:tc>
+                  <a:txBody>
+                    <a:bodyPr/>
+                    <a:lstStyle/>
+                    <a:p>
+                      <a:endParaRPr lang="en-US">
+                        <a:solidFill>
+                          <a:schemeClr val="bg1"/>
+                        </a:solidFill>
+                        <a:latin typeface="Consolas" panose="020B0609020204030204" pitchFamily="49" charset="0"/>
+                      </a:endParaRPr>
+                    </a:p>
+                  </a:txBody>
+                  <a:tcPr/>
+                </a:tc>
+                <a:tc>
+                  <a:txBody>
+                    <a:bodyPr/>
+                    <a:lstStyle/>
+                    <a:p>
+                      <a:endParaRPr lang="en-US" dirty="0">
+                        <a:solidFill>
+                          <a:schemeClr val="bg1"/>
+                        </a:solidFill>
+                        <a:latin typeface="Consolas" panose="020B0609020204030204" pitchFamily="49" charset="0"/>
+                      </a:endParaRPr>
+                    </a:p>
+                  </a:txBody>
+                  <a:tcPr/>
+                </a:tc>
+                <a:extLst>
+                  <a:ext uri="{0D108BD9-81ED-4DB2-BD59-A6C34878D82A}">
+                    <a16:rowId xmlns:a16="http://schemas.microsoft.com/office/drawing/2014/main" val="3821223320"/>
+                  </a:ext>
+                </a:extLst>
+              </a:tr>
+            </a:tbl>
+          </a:graphicData>
+        </a:graphic>
+      </p:graphicFrame>
     </p:spTree>
     <p:extLst>
       <p:ext uri="{BB962C8B-B14F-4D97-AF65-F5344CB8AC3E}">
-        <p14:creationId xmlns:p14="http://schemas.microsoft.com/office/powerpoint/2010/main" val="3124175302"/>
+        <p14:creationId xmlns:p14="http://schemas.microsoft.com/office/powerpoint/2010/main" val="1725067987"/>
       </p:ext>
     </p:extLst>
   </p:cSld>
   <p:clrMapOvr>
     <a:masterClrMapping/>
   </p:clrMapOvr>
-  <mc:AlternateContent xmlns:mc="http://schemas.openxmlformats.org/markup-compatibility/2006">
-    <mc:Choice xmlns:p14="http://schemas.microsoft.com/office/powerpoint/2010/main" Requires="p14">
+  <mc:AlternateContent xmlns:mc="http://schemas.openxmlformats.org/markup-compatibility/2006" xmlns:p14="http://schemas.microsoft.com/office/powerpoint/2010/main">
+    <mc:Choice Requires="p14">
       <p:transition p14:dur="350">
         <p:push dir="u"/>
       </p:transition>
     </mc:Choice>
-    <mc:Fallback>
+    <mc:Fallback xmlns="">
       <p:transition>
         <p:push dir="u"/>
       </p:transition>
@@ -21941,7 +21575,7 @@
         <p:spPr>
           <a:xfrm>
             <a:off x="6705932" y="1288765"/>
-            <a:ext cx="5486068" cy="338554"/>
+            <a:ext cx="5486068" cy="4770537"/>
           </a:xfrm>
           <a:prstGeom prst="rect">
             <a:avLst/>
@@ -21955,19 +21589,19 @@
           <a:lstStyle/>
           <a:p>
             <a:r>
-              <a:rPr lang="en-US" sz="1600" b="0" dirty="0" err="1">
+              <a:rPr lang="en-US" sz="1600" b="0" dirty="0">
                 <a:solidFill>
                   <a:srgbClr val="9CDCFE"/>
                 </a:solidFill>
                 <a:effectLst/>
                 <a:latin typeface="Consolas" panose="020B0609020204030204" pitchFamily="49" charset="0"/>
               </a:rPr>
-              <a:t>Podaci</a:t>
+              <a:t>data</a:t>
             </a:r>
             <a:r>
               <a:rPr lang="en-US" sz="1600" b="0" dirty="0">
                 <a:solidFill>
-                  <a:srgbClr val="9CDCFE"/>
+                  <a:srgbClr val="CCCCCC"/>
                 </a:solidFill>
                 <a:effectLst/>
                 <a:latin typeface="Consolas" panose="020B0609020204030204" pitchFamily="49" charset="0"/>
@@ -21975,32 +21609,574 @@
               <a:t> </a:t>
             </a:r>
             <a:r>
-              <a:rPr lang="en-US" sz="1600" b="0" dirty="0" err="1">
-                <a:solidFill>
-                  <a:srgbClr val="9CDCFE"/>
+              <a:rPr lang="en-US" sz="1600" b="0" dirty="0">
+                <a:solidFill>
+                  <a:srgbClr val="D4D4D4"/>
                 </a:solidFill>
                 <a:effectLst/>
                 <a:latin typeface="Consolas" panose="020B0609020204030204" pitchFamily="49" charset="0"/>
               </a:rPr>
-              <a:t>mo</a:t>
-            </a:r>
-            <a:r>
-              <a:rPr lang="hr-HR" sz="1600" dirty="0" err="1">
+              <a:t>=</a:t>
+            </a:r>
+            <a:r>
+              <a:rPr lang="hr-HR" sz="1600" b="0" dirty="0">
+                <a:solidFill>
+                  <a:srgbClr val="D4D4D4"/>
+                </a:solidFill>
+                <a:effectLst/>
+                <a:latin typeface="Consolas" panose="020B0609020204030204" pitchFamily="49" charset="0"/>
+              </a:rPr>
+              <a:t> </a:t>
+            </a:r>
+            <a:r>
+              <a:rPr lang="en-US" sz="1600" b="0" dirty="0" err="1">
+                <a:solidFill>
+                  <a:srgbClr val="4EC9B0"/>
+                </a:solidFill>
+                <a:effectLst/>
+                <a:latin typeface="Consolas" panose="020B0609020204030204" pitchFamily="49" charset="0"/>
+              </a:rPr>
+              <a:t>pd</a:t>
+            </a:r>
+            <a:r>
+              <a:rPr lang="en-US" sz="1600" b="0" dirty="0" err="1">
+                <a:solidFill>
+                  <a:srgbClr val="CCCCCC"/>
+                </a:solidFill>
+                <a:effectLst/>
+                <a:latin typeface="Consolas" panose="020B0609020204030204" pitchFamily="49" charset="0"/>
+              </a:rPr>
+              <a:t>.</a:t>
+            </a:r>
+            <a:r>
+              <a:rPr lang="en-US" sz="1600" b="0" dirty="0" err="1">
+                <a:solidFill>
+                  <a:srgbClr val="DCDCAA"/>
+                </a:solidFill>
+                <a:effectLst/>
+                <a:latin typeface="Consolas" panose="020B0609020204030204" pitchFamily="49" charset="0"/>
+              </a:rPr>
+              <a:t>read_csv</a:t>
+            </a:r>
+            <a:r>
+              <a:rPr lang="en-US" sz="1600" b="0" dirty="0">
+                <a:solidFill>
+                  <a:srgbClr val="CCCCCC"/>
+                </a:solidFill>
+                <a:effectLst/>
+                <a:latin typeface="Consolas" panose="020B0609020204030204" pitchFamily="49" charset="0"/>
+              </a:rPr>
+              <a:t>(</a:t>
+            </a:r>
+            <a:r>
+              <a:rPr lang="en-US" sz="1600" b="0" dirty="0">
+                <a:solidFill>
+                  <a:srgbClr val="CE9178"/>
+                </a:solidFill>
+                <a:effectLst/>
+                <a:latin typeface="Consolas" panose="020B0609020204030204" pitchFamily="49" charset="0"/>
+              </a:rPr>
+              <a:t>"</a:t>
+            </a:r>
+            <a:r>
+              <a:rPr lang="en-US" sz="1600" b="0" dirty="0" err="1">
+                <a:solidFill>
+                  <a:srgbClr val="CE9178"/>
+                </a:solidFill>
+                <a:effectLst/>
+                <a:latin typeface="Consolas" panose="020B0609020204030204" pitchFamily="49" charset="0"/>
+              </a:rPr>
+              <a:t>diabetes_binary</a:t>
+            </a:r>
+            <a:r>
+              <a:rPr lang="en-US" sz="1600" b="0" dirty="0">
+                <a:solidFill>
+                  <a:srgbClr val="CE9178"/>
+                </a:solidFill>
+                <a:effectLst/>
+                <a:latin typeface="Consolas" panose="020B0609020204030204" pitchFamily="49" charset="0"/>
+              </a:rPr>
+              <a:t>_</a:t>
+            </a:r>
+            <a:endParaRPr lang="hr-HR" sz="1600" b="0" dirty="0">
+              <a:solidFill>
+                <a:srgbClr val="CE9178"/>
+              </a:solidFill>
+              <a:effectLst/>
+              <a:latin typeface="Consolas" panose="020B0609020204030204" pitchFamily="49" charset="0"/>
+            </a:endParaRPr>
+          </a:p>
+          <a:p>
+            <a:r>
+              <a:rPr lang="hr-HR" sz="1600" b="0" dirty="0">
+                <a:solidFill>
+                  <a:srgbClr val="CE9178"/>
+                </a:solidFill>
+                <a:effectLst/>
+                <a:latin typeface="Consolas" panose="020B0609020204030204" pitchFamily="49" charset="0"/>
+              </a:rPr>
+              <a:t>    </a:t>
+            </a:r>
+            <a:r>
+              <a:rPr lang="en-US" sz="1600" b="0" dirty="0">
+                <a:solidFill>
+                  <a:srgbClr val="CE9178"/>
+                </a:solidFill>
+                <a:effectLst/>
+                <a:latin typeface="Consolas" panose="020B0609020204030204" pitchFamily="49" charset="0"/>
+              </a:rPr>
+              <a:t>5050split_health_indicators_BRFSS2015.csv"</a:t>
+            </a:r>
+            <a:r>
+              <a:rPr lang="en-US" sz="1600" b="0" dirty="0">
+                <a:solidFill>
+                  <a:srgbClr val="CCCCCC"/>
+                </a:solidFill>
+                <a:effectLst/>
+                <a:latin typeface="Consolas" panose="020B0609020204030204" pitchFamily="49" charset="0"/>
+              </a:rPr>
+              <a:t>)</a:t>
+            </a:r>
+            <a:endParaRPr lang="hr-HR" sz="1600" b="0" dirty="0">
+              <a:solidFill>
+                <a:srgbClr val="CCCCCC"/>
+              </a:solidFill>
+              <a:effectLst/>
+              <a:latin typeface="Consolas" panose="020B0609020204030204" pitchFamily="49" charset="0"/>
+            </a:endParaRPr>
+          </a:p>
+          <a:p>
+            <a:br>
+              <a:rPr lang="en-US" sz="1600" b="0" dirty="0">
+                <a:solidFill>
+                  <a:srgbClr val="CCCCCC"/>
+                </a:solidFill>
+                <a:effectLst/>
+                <a:latin typeface="Consolas" panose="020B0609020204030204" pitchFamily="49" charset="0"/>
+              </a:rPr>
+            </a:br>
+            <a:r>
+              <a:rPr lang="en-US" sz="1600" b="0" dirty="0">
                 <a:solidFill>
                   <a:srgbClr val="9CDCFE"/>
                 </a:solidFill>
+                <a:effectLst/>
                 <a:latin typeface="Consolas" panose="020B0609020204030204" pitchFamily="49" charset="0"/>
               </a:rPr>
-              <a:t>žda</a:t>
-            </a:r>
-            <a:r>
-              <a:rPr lang="hr-HR" sz="1600" dirty="0">
+              <a:t>diabetes_0</a:t>
+            </a:r>
+            <a:r>
+              <a:rPr lang="en-US" sz="1600" b="0" dirty="0">
+                <a:solidFill>
+                  <a:srgbClr val="CCCCCC"/>
+                </a:solidFill>
+                <a:effectLst/>
+                <a:latin typeface="Consolas" panose="020B0609020204030204" pitchFamily="49" charset="0"/>
+              </a:rPr>
+              <a:t> </a:t>
+            </a:r>
+            <a:r>
+              <a:rPr lang="en-US" sz="1600" b="0" dirty="0">
+                <a:solidFill>
+                  <a:srgbClr val="D4D4D4"/>
+                </a:solidFill>
+                <a:effectLst/>
+                <a:latin typeface="Consolas" panose="020B0609020204030204" pitchFamily="49" charset="0"/>
+              </a:rPr>
+              <a:t>=</a:t>
+            </a:r>
+            <a:r>
+              <a:rPr lang="en-US" sz="1600" b="0" dirty="0">
+                <a:solidFill>
+                  <a:srgbClr val="CCCCCC"/>
+                </a:solidFill>
+                <a:effectLst/>
+                <a:latin typeface="Consolas" panose="020B0609020204030204" pitchFamily="49" charset="0"/>
+              </a:rPr>
+              <a:t> </a:t>
+            </a:r>
+            <a:r>
+              <a:rPr lang="en-US" sz="1600" b="0" dirty="0">
                 <a:solidFill>
                   <a:srgbClr val="9CDCFE"/>
                 </a:solidFill>
+                <a:effectLst/>
                 <a:latin typeface="Consolas" panose="020B0609020204030204" pitchFamily="49" charset="0"/>
               </a:rPr>
-              <a:t>, planiranje u tijeku…</a:t>
+              <a:t>data</a:t>
+            </a:r>
+            <a:r>
+              <a:rPr lang="en-US" sz="1600" b="0" dirty="0">
+                <a:solidFill>
+                  <a:srgbClr val="CCCCCC"/>
+                </a:solidFill>
+                <a:effectLst/>
+                <a:latin typeface="Consolas" panose="020B0609020204030204" pitchFamily="49" charset="0"/>
+              </a:rPr>
+              <a:t>[</a:t>
+            </a:r>
+            <a:r>
+              <a:rPr lang="en-US" sz="1600" b="0" dirty="0">
+                <a:solidFill>
+                  <a:srgbClr val="9CDCFE"/>
+                </a:solidFill>
+                <a:effectLst/>
+                <a:latin typeface="Consolas" panose="020B0609020204030204" pitchFamily="49" charset="0"/>
+              </a:rPr>
+              <a:t>data</a:t>
+            </a:r>
+            <a:r>
+              <a:rPr lang="en-US" sz="1600" b="0" dirty="0">
+                <a:solidFill>
+                  <a:srgbClr val="CCCCCC"/>
+                </a:solidFill>
+                <a:effectLst/>
+                <a:latin typeface="Consolas" panose="020B0609020204030204" pitchFamily="49" charset="0"/>
+              </a:rPr>
+              <a:t>[</a:t>
+            </a:r>
+            <a:r>
+              <a:rPr lang="en-US" sz="1600" b="0" dirty="0">
+                <a:solidFill>
+                  <a:srgbClr val="CE9178"/>
+                </a:solidFill>
+                <a:effectLst/>
+                <a:latin typeface="Consolas" panose="020B0609020204030204" pitchFamily="49" charset="0"/>
+              </a:rPr>
+              <a:t>'</a:t>
+            </a:r>
+            <a:r>
+              <a:rPr lang="en-US" sz="1600" b="0" dirty="0" err="1">
+                <a:solidFill>
+                  <a:srgbClr val="CE9178"/>
+                </a:solidFill>
+                <a:effectLst/>
+                <a:latin typeface="Consolas" panose="020B0609020204030204" pitchFamily="49" charset="0"/>
+              </a:rPr>
+              <a:t>Diabetes_binary</a:t>
+            </a:r>
+            <a:r>
+              <a:rPr lang="en-US" sz="1600" b="0" dirty="0">
+                <a:solidFill>
+                  <a:srgbClr val="CE9178"/>
+                </a:solidFill>
+                <a:effectLst/>
+                <a:latin typeface="Consolas" panose="020B0609020204030204" pitchFamily="49" charset="0"/>
+              </a:rPr>
+              <a:t>'</a:t>
+            </a:r>
+            <a:r>
+              <a:rPr lang="en-US" sz="1600" b="0" dirty="0">
+                <a:solidFill>
+                  <a:srgbClr val="CCCCCC"/>
+                </a:solidFill>
+                <a:effectLst/>
+                <a:latin typeface="Consolas" panose="020B0609020204030204" pitchFamily="49" charset="0"/>
+              </a:rPr>
+              <a:t>] </a:t>
+            </a:r>
+            <a:r>
+              <a:rPr lang="en-US" sz="1600" b="0" dirty="0">
+                <a:solidFill>
+                  <a:srgbClr val="DCDCAA"/>
+                </a:solidFill>
+                <a:effectLst/>
+                <a:latin typeface="Consolas" panose="020B0609020204030204" pitchFamily="49" charset="0"/>
+              </a:rPr>
+              <a:t>==</a:t>
+            </a:r>
+            <a:r>
+              <a:rPr lang="en-US" sz="1600" b="0" dirty="0">
+                <a:solidFill>
+                  <a:srgbClr val="CCCCCC"/>
+                </a:solidFill>
+                <a:effectLst/>
+                <a:latin typeface="Consolas" panose="020B0609020204030204" pitchFamily="49" charset="0"/>
+              </a:rPr>
+              <a:t> </a:t>
+            </a:r>
+            <a:r>
+              <a:rPr lang="en-US" sz="1600" b="0" dirty="0">
+                <a:solidFill>
+                  <a:srgbClr val="B5CEA8"/>
+                </a:solidFill>
+                <a:effectLst/>
+                <a:latin typeface="Consolas" panose="020B0609020204030204" pitchFamily="49" charset="0"/>
+              </a:rPr>
+              <a:t>0</a:t>
+            </a:r>
+            <a:r>
+              <a:rPr lang="en-US" sz="1600" b="0" dirty="0">
+                <a:solidFill>
+                  <a:srgbClr val="CCCCCC"/>
+                </a:solidFill>
+                <a:effectLst/>
+                <a:latin typeface="Consolas" panose="020B0609020204030204" pitchFamily="49" charset="0"/>
+              </a:rPr>
+              <a:t>]</a:t>
+            </a:r>
+          </a:p>
+          <a:p>
+            <a:r>
+              <a:rPr lang="en-US" sz="1600" b="0" dirty="0">
+                <a:solidFill>
+                  <a:srgbClr val="9CDCFE"/>
+                </a:solidFill>
+                <a:effectLst/>
+                <a:latin typeface="Consolas" panose="020B0609020204030204" pitchFamily="49" charset="0"/>
+              </a:rPr>
+              <a:t>diabetes_1</a:t>
+            </a:r>
+            <a:r>
+              <a:rPr lang="en-US" sz="1600" b="0" dirty="0">
+                <a:solidFill>
+                  <a:srgbClr val="CCCCCC"/>
+                </a:solidFill>
+                <a:effectLst/>
+                <a:latin typeface="Consolas" panose="020B0609020204030204" pitchFamily="49" charset="0"/>
+              </a:rPr>
+              <a:t> </a:t>
+            </a:r>
+            <a:r>
+              <a:rPr lang="en-US" sz="1600" b="0" dirty="0">
+                <a:solidFill>
+                  <a:srgbClr val="D4D4D4"/>
+                </a:solidFill>
+                <a:effectLst/>
+                <a:latin typeface="Consolas" panose="020B0609020204030204" pitchFamily="49" charset="0"/>
+              </a:rPr>
+              <a:t>=</a:t>
+            </a:r>
+            <a:r>
+              <a:rPr lang="en-US" sz="1600" b="0" dirty="0">
+                <a:solidFill>
+                  <a:srgbClr val="CCCCCC"/>
+                </a:solidFill>
+                <a:effectLst/>
+                <a:latin typeface="Consolas" panose="020B0609020204030204" pitchFamily="49" charset="0"/>
+              </a:rPr>
+              <a:t> </a:t>
+            </a:r>
+            <a:r>
+              <a:rPr lang="en-US" sz="1600" b="0" dirty="0">
+                <a:solidFill>
+                  <a:srgbClr val="9CDCFE"/>
+                </a:solidFill>
+                <a:effectLst/>
+                <a:latin typeface="Consolas" panose="020B0609020204030204" pitchFamily="49" charset="0"/>
+              </a:rPr>
+              <a:t>data</a:t>
+            </a:r>
+            <a:r>
+              <a:rPr lang="en-US" sz="1600" b="0" dirty="0">
+                <a:solidFill>
+                  <a:srgbClr val="CCCCCC"/>
+                </a:solidFill>
+                <a:effectLst/>
+                <a:latin typeface="Consolas" panose="020B0609020204030204" pitchFamily="49" charset="0"/>
+              </a:rPr>
+              <a:t>[</a:t>
+            </a:r>
+            <a:r>
+              <a:rPr lang="en-US" sz="1600" b="0" dirty="0">
+                <a:solidFill>
+                  <a:srgbClr val="9CDCFE"/>
+                </a:solidFill>
+                <a:effectLst/>
+                <a:latin typeface="Consolas" panose="020B0609020204030204" pitchFamily="49" charset="0"/>
+              </a:rPr>
+              <a:t>data</a:t>
+            </a:r>
+            <a:r>
+              <a:rPr lang="en-US" sz="1600" b="0" dirty="0">
+                <a:solidFill>
+                  <a:srgbClr val="CCCCCC"/>
+                </a:solidFill>
+                <a:effectLst/>
+                <a:latin typeface="Consolas" panose="020B0609020204030204" pitchFamily="49" charset="0"/>
+              </a:rPr>
+              <a:t>[</a:t>
+            </a:r>
+            <a:r>
+              <a:rPr lang="en-US" sz="1600" b="0" dirty="0">
+                <a:solidFill>
+                  <a:srgbClr val="CE9178"/>
+                </a:solidFill>
+                <a:effectLst/>
+                <a:latin typeface="Consolas" panose="020B0609020204030204" pitchFamily="49" charset="0"/>
+              </a:rPr>
+              <a:t>'</a:t>
+            </a:r>
+            <a:r>
+              <a:rPr lang="en-US" sz="1600" b="0" dirty="0" err="1">
+                <a:solidFill>
+                  <a:srgbClr val="CE9178"/>
+                </a:solidFill>
+                <a:effectLst/>
+                <a:latin typeface="Consolas" panose="020B0609020204030204" pitchFamily="49" charset="0"/>
+              </a:rPr>
+              <a:t>Diabetes_binary</a:t>
+            </a:r>
+            <a:r>
+              <a:rPr lang="en-US" sz="1600" b="0" dirty="0">
+                <a:solidFill>
+                  <a:srgbClr val="CE9178"/>
+                </a:solidFill>
+                <a:effectLst/>
+                <a:latin typeface="Consolas" panose="020B0609020204030204" pitchFamily="49" charset="0"/>
+              </a:rPr>
+              <a:t>'</a:t>
+            </a:r>
+            <a:r>
+              <a:rPr lang="en-US" sz="1600" b="0" dirty="0">
+                <a:solidFill>
+                  <a:srgbClr val="CCCCCC"/>
+                </a:solidFill>
+                <a:effectLst/>
+                <a:latin typeface="Consolas" panose="020B0609020204030204" pitchFamily="49" charset="0"/>
+              </a:rPr>
+              <a:t>] </a:t>
+            </a:r>
+            <a:r>
+              <a:rPr lang="en-US" sz="1600" b="0" dirty="0">
+                <a:solidFill>
+                  <a:srgbClr val="DCDCAA"/>
+                </a:solidFill>
+                <a:effectLst/>
+                <a:latin typeface="Consolas" panose="020B0609020204030204" pitchFamily="49" charset="0"/>
+              </a:rPr>
+              <a:t>==</a:t>
+            </a:r>
+            <a:r>
+              <a:rPr lang="en-US" sz="1600" b="0" dirty="0">
+                <a:solidFill>
+                  <a:srgbClr val="CCCCCC"/>
+                </a:solidFill>
+                <a:effectLst/>
+                <a:latin typeface="Consolas" panose="020B0609020204030204" pitchFamily="49" charset="0"/>
+              </a:rPr>
+              <a:t> </a:t>
+            </a:r>
+            <a:r>
+              <a:rPr lang="en-US" sz="1600" b="0" dirty="0">
+                <a:solidFill>
+                  <a:srgbClr val="B5CEA8"/>
+                </a:solidFill>
+                <a:effectLst/>
+                <a:latin typeface="Consolas" panose="020B0609020204030204" pitchFamily="49" charset="0"/>
+              </a:rPr>
+              <a:t>1</a:t>
+            </a:r>
+            <a:r>
+              <a:rPr lang="en-US" sz="1600" b="0" dirty="0">
+                <a:solidFill>
+                  <a:srgbClr val="CCCCCC"/>
+                </a:solidFill>
+                <a:effectLst/>
+                <a:latin typeface="Consolas" panose="020B0609020204030204" pitchFamily="49" charset="0"/>
+              </a:rPr>
+              <a:t>]</a:t>
+            </a:r>
+          </a:p>
+          <a:p>
+            <a:br>
+              <a:rPr lang="en-US" sz="1600" b="0" dirty="0">
+                <a:solidFill>
+                  <a:srgbClr val="CCCCCC"/>
+                </a:solidFill>
+                <a:effectLst/>
+                <a:latin typeface="Consolas" panose="020B0609020204030204" pitchFamily="49" charset="0"/>
+              </a:rPr>
+            </a:br>
+            <a:r>
+              <a:rPr lang="en-US" sz="1600" b="0" dirty="0" err="1">
+                <a:solidFill>
+                  <a:srgbClr val="9CDCFE"/>
+                </a:solidFill>
+                <a:effectLst/>
+                <a:latin typeface="Consolas" panose="020B0609020204030204" pitchFamily="49" charset="0"/>
+              </a:rPr>
+              <a:t>num_per_class</a:t>
+            </a:r>
+            <a:r>
+              <a:rPr lang="en-US" sz="1600" b="0" dirty="0">
+                <a:solidFill>
+                  <a:srgbClr val="CCCCCC"/>
+                </a:solidFill>
+                <a:effectLst/>
+                <a:latin typeface="Consolas" panose="020B0609020204030204" pitchFamily="49" charset="0"/>
+              </a:rPr>
+              <a:t> </a:t>
+            </a:r>
+            <a:r>
+              <a:rPr lang="en-US" sz="1600" b="0" dirty="0">
+                <a:solidFill>
+                  <a:srgbClr val="D4D4D4"/>
+                </a:solidFill>
+                <a:effectLst/>
+                <a:latin typeface="Consolas" panose="020B0609020204030204" pitchFamily="49" charset="0"/>
+              </a:rPr>
+              <a:t>=</a:t>
+            </a:r>
+            <a:r>
+              <a:rPr lang="en-US" sz="1600" b="0" dirty="0">
+                <a:solidFill>
+                  <a:srgbClr val="CCCCCC"/>
+                </a:solidFill>
+                <a:effectLst/>
+                <a:latin typeface="Consolas" panose="020B0609020204030204" pitchFamily="49" charset="0"/>
+              </a:rPr>
+              <a:t> </a:t>
+            </a:r>
+            <a:r>
+              <a:rPr lang="en-US" sz="1600" b="0" dirty="0">
+                <a:solidFill>
+                  <a:srgbClr val="B5CEA8"/>
+                </a:solidFill>
+                <a:effectLst/>
+                <a:latin typeface="Consolas" panose="020B0609020204030204" pitchFamily="49" charset="0"/>
+              </a:rPr>
+              <a:t>2000</a:t>
+            </a:r>
+            <a:r>
+              <a:rPr lang="en-US" sz="1600" b="0" dirty="0">
+                <a:solidFill>
+                  <a:srgbClr val="CCCCCC"/>
+                </a:solidFill>
+                <a:effectLst/>
+                <a:latin typeface="Consolas" panose="020B0609020204030204" pitchFamily="49" charset="0"/>
+              </a:rPr>
+              <a:t> </a:t>
+            </a:r>
+            <a:r>
+              <a:rPr lang="en-US" sz="1600" b="0" dirty="0">
+                <a:solidFill>
+                  <a:srgbClr val="D4D4D4"/>
+                </a:solidFill>
+                <a:effectLst/>
+                <a:latin typeface="Consolas" panose="020B0609020204030204" pitchFamily="49" charset="0"/>
+              </a:rPr>
+              <a:t>//</a:t>
+            </a:r>
+            <a:r>
+              <a:rPr lang="en-US" sz="1600" b="0" dirty="0">
+                <a:solidFill>
+                  <a:srgbClr val="CCCCCC"/>
+                </a:solidFill>
+                <a:effectLst/>
+                <a:latin typeface="Consolas" panose="020B0609020204030204" pitchFamily="49" charset="0"/>
+              </a:rPr>
+              <a:t> </a:t>
+            </a:r>
+            <a:r>
+              <a:rPr lang="en-US" sz="1600" b="0" dirty="0">
+                <a:solidFill>
+                  <a:srgbClr val="B5CEA8"/>
+                </a:solidFill>
+                <a:effectLst/>
+                <a:latin typeface="Consolas" panose="020B0609020204030204" pitchFamily="49" charset="0"/>
+              </a:rPr>
+              <a:t>2</a:t>
             </a:r>
             <a:endParaRPr lang="en-US" sz="1600" b="0" dirty="0">
               <a:solidFill>
@@ -22010,14 +22186,885 @@
               <a:latin typeface="Consolas" panose="020B0609020204030204" pitchFamily="49" charset="0"/>
             </a:endParaRPr>
           </a:p>
+          <a:p>
+            <a:br>
+              <a:rPr lang="en-US" sz="1600" b="0" dirty="0">
+                <a:solidFill>
+                  <a:srgbClr val="CCCCCC"/>
+                </a:solidFill>
+                <a:effectLst/>
+                <a:latin typeface="Consolas" panose="020B0609020204030204" pitchFamily="49" charset="0"/>
+              </a:rPr>
+            </a:br>
+            <a:r>
+              <a:rPr lang="en-US" sz="1600" b="0" dirty="0">
+                <a:solidFill>
+                  <a:srgbClr val="9CDCFE"/>
+                </a:solidFill>
+                <a:effectLst/>
+                <a:latin typeface="Consolas" panose="020B0609020204030204" pitchFamily="49" charset="0"/>
+              </a:rPr>
+              <a:t>selected_0</a:t>
+            </a:r>
+            <a:r>
+              <a:rPr lang="en-US" sz="1600" b="0" dirty="0">
+                <a:solidFill>
+                  <a:srgbClr val="CCCCCC"/>
+                </a:solidFill>
+                <a:effectLst/>
+                <a:latin typeface="Consolas" panose="020B0609020204030204" pitchFamily="49" charset="0"/>
+              </a:rPr>
+              <a:t> </a:t>
+            </a:r>
+            <a:r>
+              <a:rPr lang="en-US" sz="1600" b="0" dirty="0">
+                <a:solidFill>
+                  <a:srgbClr val="D4D4D4"/>
+                </a:solidFill>
+                <a:effectLst/>
+                <a:latin typeface="Consolas" panose="020B0609020204030204" pitchFamily="49" charset="0"/>
+              </a:rPr>
+              <a:t>=</a:t>
+            </a:r>
+            <a:r>
+              <a:rPr lang="en-US" sz="1600" b="0" dirty="0">
+                <a:solidFill>
+                  <a:srgbClr val="CCCCCC"/>
+                </a:solidFill>
+                <a:effectLst/>
+                <a:latin typeface="Consolas" panose="020B0609020204030204" pitchFamily="49" charset="0"/>
+              </a:rPr>
+              <a:t> </a:t>
+            </a:r>
+            <a:r>
+              <a:rPr lang="en-US" sz="1600" b="0" dirty="0">
+                <a:solidFill>
+                  <a:srgbClr val="9CDCFE"/>
+                </a:solidFill>
+                <a:effectLst/>
+                <a:latin typeface="Consolas" panose="020B0609020204030204" pitchFamily="49" charset="0"/>
+              </a:rPr>
+              <a:t>diabetes_0</a:t>
+            </a:r>
+            <a:r>
+              <a:rPr lang="en-US" sz="1600" b="0" dirty="0">
+                <a:solidFill>
+                  <a:srgbClr val="CCCCCC"/>
+                </a:solidFill>
+                <a:effectLst/>
+                <a:latin typeface="Consolas" panose="020B0609020204030204" pitchFamily="49" charset="0"/>
+              </a:rPr>
+              <a:t>.</a:t>
+            </a:r>
+            <a:r>
+              <a:rPr lang="en-US" sz="1600" b="0" dirty="0">
+                <a:solidFill>
+                  <a:srgbClr val="DCDCAA"/>
+                </a:solidFill>
+                <a:effectLst/>
+                <a:latin typeface="Consolas" panose="020B0609020204030204" pitchFamily="49" charset="0"/>
+              </a:rPr>
+              <a:t>sample</a:t>
+            </a:r>
+            <a:r>
+              <a:rPr lang="en-US" sz="1600" b="0" dirty="0">
+                <a:solidFill>
+                  <a:srgbClr val="CCCCCC"/>
+                </a:solidFill>
+                <a:effectLst/>
+                <a:latin typeface="Consolas" panose="020B0609020204030204" pitchFamily="49" charset="0"/>
+              </a:rPr>
+              <a:t>(</a:t>
+            </a:r>
+            <a:r>
+              <a:rPr lang="en-US" sz="1600" b="0" dirty="0" err="1">
+                <a:solidFill>
+                  <a:srgbClr val="9CDCFE"/>
+                </a:solidFill>
+                <a:effectLst/>
+                <a:latin typeface="Consolas" panose="020B0609020204030204" pitchFamily="49" charset="0"/>
+              </a:rPr>
+              <a:t>num_per_class</a:t>
+            </a:r>
+            <a:r>
+              <a:rPr lang="en-US" sz="1600" b="0" dirty="0">
+                <a:solidFill>
+                  <a:srgbClr val="CCCCCC"/>
+                </a:solidFill>
+                <a:effectLst/>
+                <a:latin typeface="Consolas" panose="020B0609020204030204" pitchFamily="49" charset="0"/>
+              </a:rPr>
+              <a:t>)</a:t>
+            </a:r>
+          </a:p>
+          <a:p>
+            <a:r>
+              <a:rPr lang="en-US" sz="1600" b="0" dirty="0">
+                <a:solidFill>
+                  <a:srgbClr val="9CDCFE"/>
+                </a:solidFill>
+                <a:effectLst/>
+                <a:latin typeface="Consolas" panose="020B0609020204030204" pitchFamily="49" charset="0"/>
+              </a:rPr>
+              <a:t>selected_1</a:t>
+            </a:r>
+            <a:r>
+              <a:rPr lang="en-US" sz="1600" b="0" dirty="0">
+                <a:solidFill>
+                  <a:srgbClr val="CCCCCC"/>
+                </a:solidFill>
+                <a:effectLst/>
+                <a:latin typeface="Consolas" panose="020B0609020204030204" pitchFamily="49" charset="0"/>
+              </a:rPr>
+              <a:t> </a:t>
+            </a:r>
+            <a:r>
+              <a:rPr lang="en-US" sz="1600" b="0" dirty="0">
+                <a:solidFill>
+                  <a:srgbClr val="D4D4D4"/>
+                </a:solidFill>
+                <a:effectLst/>
+                <a:latin typeface="Consolas" panose="020B0609020204030204" pitchFamily="49" charset="0"/>
+              </a:rPr>
+              <a:t>=</a:t>
+            </a:r>
+            <a:r>
+              <a:rPr lang="en-US" sz="1600" b="0" dirty="0">
+                <a:solidFill>
+                  <a:srgbClr val="CCCCCC"/>
+                </a:solidFill>
+                <a:effectLst/>
+                <a:latin typeface="Consolas" panose="020B0609020204030204" pitchFamily="49" charset="0"/>
+              </a:rPr>
+              <a:t> </a:t>
+            </a:r>
+            <a:r>
+              <a:rPr lang="en-US" sz="1600" b="0" dirty="0">
+                <a:solidFill>
+                  <a:srgbClr val="9CDCFE"/>
+                </a:solidFill>
+                <a:effectLst/>
+                <a:latin typeface="Consolas" panose="020B0609020204030204" pitchFamily="49" charset="0"/>
+              </a:rPr>
+              <a:t>diabetes_1</a:t>
+            </a:r>
+            <a:r>
+              <a:rPr lang="en-US" sz="1600" b="0" dirty="0">
+                <a:solidFill>
+                  <a:srgbClr val="CCCCCC"/>
+                </a:solidFill>
+                <a:effectLst/>
+                <a:latin typeface="Consolas" panose="020B0609020204030204" pitchFamily="49" charset="0"/>
+              </a:rPr>
+              <a:t>.</a:t>
+            </a:r>
+            <a:r>
+              <a:rPr lang="en-US" sz="1600" b="0" dirty="0">
+                <a:solidFill>
+                  <a:srgbClr val="DCDCAA"/>
+                </a:solidFill>
+                <a:effectLst/>
+                <a:latin typeface="Consolas" panose="020B0609020204030204" pitchFamily="49" charset="0"/>
+              </a:rPr>
+              <a:t>sample</a:t>
+            </a:r>
+            <a:r>
+              <a:rPr lang="en-US" sz="1600" b="0" dirty="0">
+                <a:solidFill>
+                  <a:srgbClr val="CCCCCC"/>
+                </a:solidFill>
+                <a:effectLst/>
+                <a:latin typeface="Consolas" panose="020B0609020204030204" pitchFamily="49" charset="0"/>
+              </a:rPr>
+              <a:t>(</a:t>
+            </a:r>
+            <a:r>
+              <a:rPr lang="en-US" sz="1600" b="0" dirty="0" err="1">
+                <a:solidFill>
+                  <a:srgbClr val="9CDCFE"/>
+                </a:solidFill>
+                <a:effectLst/>
+                <a:latin typeface="Consolas" panose="020B0609020204030204" pitchFamily="49" charset="0"/>
+              </a:rPr>
+              <a:t>num_per_class</a:t>
+            </a:r>
+            <a:r>
+              <a:rPr lang="en-US" sz="1600" b="0" dirty="0">
+                <a:solidFill>
+                  <a:srgbClr val="CCCCCC"/>
+                </a:solidFill>
+                <a:effectLst/>
+                <a:latin typeface="Consolas" panose="020B0609020204030204" pitchFamily="49" charset="0"/>
+              </a:rPr>
+              <a:t>)</a:t>
+            </a:r>
+          </a:p>
+          <a:p>
+            <a:br>
+              <a:rPr lang="en-US" sz="1600" b="0" dirty="0">
+                <a:solidFill>
+                  <a:srgbClr val="CCCCCC"/>
+                </a:solidFill>
+                <a:effectLst/>
+                <a:latin typeface="Consolas" panose="020B0609020204030204" pitchFamily="49" charset="0"/>
+              </a:rPr>
+            </a:br>
+            <a:r>
+              <a:rPr lang="en-US" sz="1600" b="0" dirty="0" err="1">
+                <a:solidFill>
+                  <a:srgbClr val="9CDCFE"/>
+                </a:solidFill>
+                <a:effectLst/>
+                <a:latin typeface="Consolas" panose="020B0609020204030204" pitchFamily="49" charset="0"/>
+              </a:rPr>
+              <a:t>selected_data</a:t>
+            </a:r>
+            <a:r>
+              <a:rPr lang="en-US" sz="1600" b="0" dirty="0">
+                <a:solidFill>
+                  <a:srgbClr val="CCCCCC"/>
+                </a:solidFill>
+                <a:effectLst/>
+                <a:latin typeface="Consolas" panose="020B0609020204030204" pitchFamily="49" charset="0"/>
+              </a:rPr>
+              <a:t> </a:t>
+            </a:r>
+            <a:r>
+              <a:rPr lang="en-US" sz="1600" b="0" dirty="0">
+                <a:solidFill>
+                  <a:srgbClr val="D4D4D4"/>
+                </a:solidFill>
+                <a:effectLst/>
+                <a:latin typeface="Consolas" panose="020B0609020204030204" pitchFamily="49" charset="0"/>
+              </a:rPr>
+              <a:t>=</a:t>
+            </a:r>
+            <a:r>
+              <a:rPr lang="en-US" sz="1600" b="0" dirty="0">
+                <a:solidFill>
+                  <a:srgbClr val="CCCCCC"/>
+                </a:solidFill>
+                <a:effectLst/>
+                <a:latin typeface="Consolas" panose="020B0609020204030204" pitchFamily="49" charset="0"/>
+              </a:rPr>
+              <a:t> </a:t>
+            </a:r>
+            <a:r>
+              <a:rPr lang="en-US" sz="1600" b="0" dirty="0" err="1">
+                <a:solidFill>
+                  <a:srgbClr val="4EC9B0"/>
+                </a:solidFill>
+                <a:effectLst/>
+                <a:latin typeface="Consolas" panose="020B0609020204030204" pitchFamily="49" charset="0"/>
+              </a:rPr>
+              <a:t>pd</a:t>
+            </a:r>
+            <a:r>
+              <a:rPr lang="en-US" sz="1600" b="0" dirty="0" err="1">
+                <a:solidFill>
+                  <a:srgbClr val="CCCCCC"/>
+                </a:solidFill>
+                <a:effectLst/>
+                <a:latin typeface="Consolas" panose="020B0609020204030204" pitchFamily="49" charset="0"/>
+              </a:rPr>
+              <a:t>.</a:t>
+            </a:r>
+            <a:r>
+              <a:rPr lang="en-US" sz="1600" b="0" dirty="0" err="1">
+                <a:solidFill>
+                  <a:srgbClr val="DCDCAA"/>
+                </a:solidFill>
+                <a:effectLst/>
+                <a:latin typeface="Consolas" panose="020B0609020204030204" pitchFamily="49" charset="0"/>
+              </a:rPr>
+              <a:t>concat</a:t>
+            </a:r>
+            <a:r>
+              <a:rPr lang="en-US" sz="1600" b="0" dirty="0">
+                <a:solidFill>
+                  <a:srgbClr val="CCCCCC"/>
+                </a:solidFill>
+                <a:effectLst/>
+                <a:latin typeface="Consolas" panose="020B0609020204030204" pitchFamily="49" charset="0"/>
+              </a:rPr>
+              <a:t>(</a:t>
+            </a:r>
+            <a:endParaRPr lang="hr-HR" sz="1600" b="0" dirty="0">
+              <a:solidFill>
+                <a:srgbClr val="CCCCCC"/>
+              </a:solidFill>
+              <a:effectLst/>
+              <a:latin typeface="Consolas" panose="020B0609020204030204" pitchFamily="49" charset="0"/>
+            </a:endParaRPr>
+          </a:p>
+          <a:p>
+            <a:r>
+              <a:rPr lang="hr-HR" sz="1600" dirty="0">
+                <a:solidFill>
+                  <a:srgbClr val="CCCCCC"/>
+                </a:solidFill>
+                <a:latin typeface="Consolas" panose="020B0609020204030204" pitchFamily="49" charset="0"/>
+              </a:rPr>
+              <a:t>    </a:t>
+            </a:r>
+            <a:r>
+              <a:rPr lang="en-US" sz="1600" b="0" dirty="0">
+                <a:solidFill>
+                  <a:srgbClr val="CCCCCC"/>
+                </a:solidFill>
+                <a:effectLst/>
+                <a:latin typeface="Consolas" panose="020B0609020204030204" pitchFamily="49" charset="0"/>
+              </a:rPr>
+              <a:t>[</a:t>
+            </a:r>
+            <a:r>
+              <a:rPr lang="en-US" sz="1600" b="0" dirty="0">
+                <a:solidFill>
+                  <a:srgbClr val="9CDCFE"/>
+                </a:solidFill>
+                <a:effectLst/>
+                <a:latin typeface="Consolas" panose="020B0609020204030204" pitchFamily="49" charset="0"/>
+              </a:rPr>
+              <a:t>selected_0</a:t>
+            </a:r>
+            <a:r>
+              <a:rPr lang="en-US" sz="1600" b="0" dirty="0">
+                <a:solidFill>
+                  <a:srgbClr val="CCCCCC"/>
+                </a:solidFill>
+                <a:effectLst/>
+                <a:latin typeface="Consolas" panose="020B0609020204030204" pitchFamily="49" charset="0"/>
+              </a:rPr>
+              <a:t>,</a:t>
+            </a:r>
+            <a:r>
+              <a:rPr lang="hr-HR" sz="1600" b="0" dirty="0">
+                <a:solidFill>
+                  <a:srgbClr val="CCCCCC"/>
+                </a:solidFill>
+                <a:effectLst/>
+                <a:latin typeface="Consolas" panose="020B0609020204030204" pitchFamily="49" charset="0"/>
+              </a:rPr>
+              <a:t> </a:t>
+            </a:r>
+            <a:r>
+              <a:rPr lang="en-US" sz="1600" b="0" dirty="0">
+                <a:solidFill>
+                  <a:srgbClr val="9CDCFE"/>
+                </a:solidFill>
+                <a:effectLst/>
+                <a:latin typeface="Consolas" panose="020B0609020204030204" pitchFamily="49" charset="0"/>
+              </a:rPr>
+              <a:t>selected_1</a:t>
+            </a:r>
+            <a:r>
+              <a:rPr lang="en-US" sz="1600" b="0" dirty="0">
+                <a:solidFill>
+                  <a:srgbClr val="CCCCCC"/>
+                </a:solidFill>
+                <a:effectLst/>
+                <a:latin typeface="Consolas" panose="020B0609020204030204" pitchFamily="49" charset="0"/>
+              </a:rPr>
+              <a:t>])</a:t>
+            </a:r>
+          </a:p>
+          <a:p>
+            <a:br>
+              <a:rPr lang="en-US" sz="1600" b="0" dirty="0">
+                <a:solidFill>
+                  <a:srgbClr val="CCCCCC"/>
+                </a:solidFill>
+                <a:effectLst/>
+                <a:latin typeface="Consolas" panose="020B0609020204030204" pitchFamily="49" charset="0"/>
+              </a:rPr>
+            </a:br>
+            <a:r>
+              <a:rPr lang="en-US" sz="1600" b="0" dirty="0" err="1">
+                <a:solidFill>
+                  <a:srgbClr val="9CDCFE"/>
+                </a:solidFill>
+                <a:effectLst/>
+                <a:latin typeface="Consolas" panose="020B0609020204030204" pitchFamily="49" charset="0"/>
+              </a:rPr>
+              <a:t>selected_data</a:t>
+            </a:r>
+            <a:r>
+              <a:rPr lang="en-US" sz="1600" b="0" dirty="0">
+                <a:solidFill>
+                  <a:srgbClr val="CCCCCC"/>
+                </a:solidFill>
+                <a:effectLst/>
+                <a:latin typeface="Consolas" panose="020B0609020204030204" pitchFamily="49" charset="0"/>
+              </a:rPr>
+              <a:t> </a:t>
+            </a:r>
+            <a:r>
+              <a:rPr lang="en-US" sz="1600" b="0" dirty="0">
+                <a:solidFill>
+                  <a:srgbClr val="D4D4D4"/>
+                </a:solidFill>
+                <a:effectLst/>
+                <a:latin typeface="Consolas" panose="020B0609020204030204" pitchFamily="49" charset="0"/>
+              </a:rPr>
+              <a:t>=</a:t>
+            </a:r>
+            <a:r>
+              <a:rPr lang="en-US" sz="1600" b="0" dirty="0">
+                <a:solidFill>
+                  <a:srgbClr val="CCCCCC"/>
+                </a:solidFill>
+                <a:effectLst/>
+                <a:latin typeface="Consolas" panose="020B0609020204030204" pitchFamily="49" charset="0"/>
+              </a:rPr>
+              <a:t> </a:t>
+            </a:r>
+            <a:r>
+              <a:rPr lang="en-US" sz="1600" b="0" dirty="0" err="1">
+                <a:solidFill>
+                  <a:srgbClr val="9CDCFE"/>
+                </a:solidFill>
+                <a:effectLst/>
+                <a:latin typeface="Consolas" panose="020B0609020204030204" pitchFamily="49" charset="0"/>
+              </a:rPr>
+              <a:t>selected_data</a:t>
+            </a:r>
+            <a:r>
+              <a:rPr lang="en-US" sz="1600" b="0" dirty="0" err="1">
+                <a:solidFill>
+                  <a:srgbClr val="CCCCCC"/>
+                </a:solidFill>
+                <a:effectLst/>
+                <a:latin typeface="Consolas" panose="020B0609020204030204" pitchFamily="49" charset="0"/>
+              </a:rPr>
+              <a:t>.</a:t>
+            </a:r>
+            <a:r>
+              <a:rPr lang="en-US" sz="1600" b="0" dirty="0" err="1">
+                <a:solidFill>
+                  <a:srgbClr val="DCDCAA"/>
+                </a:solidFill>
+                <a:effectLst/>
+                <a:latin typeface="Consolas" panose="020B0609020204030204" pitchFamily="49" charset="0"/>
+              </a:rPr>
+              <a:t>sample</a:t>
+            </a:r>
+            <a:r>
+              <a:rPr lang="en-US" sz="1600" b="0" dirty="0">
+                <a:solidFill>
+                  <a:srgbClr val="CCCCCC"/>
+                </a:solidFill>
+                <a:effectLst/>
+                <a:latin typeface="Consolas" panose="020B0609020204030204" pitchFamily="49" charset="0"/>
+              </a:rPr>
+              <a:t>(</a:t>
+            </a:r>
+            <a:endParaRPr lang="hr-HR" sz="1600" b="0" dirty="0">
+              <a:solidFill>
+                <a:srgbClr val="CCCCCC"/>
+              </a:solidFill>
+              <a:effectLst/>
+              <a:latin typeface="Consolas" panose="020B0609020204030204" pitchFamily="49" charset="0"/>
+            </a:endParaRPr>
+          </a:p>
+          <a:p>
+            <a:r>
+              <a:rPr lang="hr-HR" sz="1600" dirty="0">
+                <a:solidFill>
+                  <a:srgbClr val="CCCCCC"/>
+                </a:solidFill>
+                <a:latin typeface="Consolas" panose="020B0609020204030204" pitchFamily="49" charset="0"/>
+              </a:rPr>
+              <a:t>    </a:t>
+            </a:r>
+            <a:r>
+              <a:rPr lang="en-US" sz="1600" b="0" dirty="0">
+                <a:solidFill>
+                  <a:srgbClr val="9CDCFE"/>
+                </a:solidFill>
+                <a:effectLst/>
+                <a:latin typeface="Consolas" panose="020B0609020204030204" pitchFamily="49" charset="0"/>
+              </a:rPr>
+              <a:t>frac</a:t>
+            </a:r>
+            <a:r>
+              <a:rPr lang="en-US" sz="1600" b="0" dirty="0">
+                <a:solidFill>
+                  <a:srgbClr val="CCCCCC"/>
+                </a:solidFill>
+                <a:effectLst/>
+                <a:latin typeface="Consolas" panose="020B0609020204030204" pitchFamily="49" charset="0"/>
+              </a:rPr>
+              <a:t> </a:t>
+            </a:r>
+            <a:r>
+              <a:rPr lang="en-US" sz="1600" b="0" dirty="0">
+                <a:solidFill>
+                  <a:srgbClr val="D4D4D4"/>
+                </a:solidFill>
+                <a:effectLst/>
+                <a:latin typeface="Consolas" panose="020B0609020204030204" pitchFamily="49" charset="0"/>
+              </a:rPr>
+              <a:t>=</a:t>
+            </a:r>
+            <a:r>
+              <a:rPr lang="en-US" sz="1600" b="0" dirty="0">
+                <a:solidFill>
+                  <a:srgbClr val="CCCCCC"/>
+                </a:solidFill>
+                <a:effectLst/>
+                <a:latin typeface="Consolas" panose="020B0609020204030204" pitchFamily="49" charset="0"/>
+              </a:rPr>
+              <a:t> </a:t>
+            </a:r>
+            <a:r>
+              <a:rPr lang="en-US" sz="1600" b="0" dirty="0">
+                <a:solidFill>
+                  <a:srgbClr val="B5CEA8"/>
+                </a:solidFill>
+                <a:effectLst/>
+                <a:latin typeface="Consolas" panose="020B0609020204030204" pitchFamily="49" charset="0"/>
+              </a:rPr>
+              <a:t>1</a:t>
+            </a:r>
+            <a:r>
+              <a:rPr lang="en-US" sz="1600" b="0" dirty="0">
+                <a:solidFill>
+                  <a:srgbClr val="CCCCCC"/>
+                </a:solidFill>
+                <a:effectLst/>
+                <a:latin typeface="Consolas" panose="020B0609020204030204" pitchFamily="49" charset="0"/>
+              </a:rPr>
+              <a:t>).</a:t>
+            </a:r>
+            <a:r>
+              <a:rPr lang="en-US" sz="1600" b="0" dirty="0" err="1">
+                <a:solidFill>
+                  <a:srgbClr val="DCDCAA"/>
+                </a:solidFill>
+                <a:effectLst/>
+                <a:latin typeface="Consolas" panose="020B0609020204030204" pitchFamily="49" charset="0"/>
+              </a:rPr>
+              <a:t>reset_index</a:t>
+            </a:r>
+            <a:r>
+              <a:rPr lang="en-US" sz="1600" b="0" dirty="0">
+                <a:solidFill>
+                  <a:srgbClr val="CCCCCC"/>
+                </a:solidFill>
+                <a:effectLst/>
+                <a:latin typeface="Consolas" panose="020B0609020204030204" pitchFamily="49" charset="0"/>
+              </a:rPr>
+              <a:t>(</a:t>
+            </a:r>
+            <a:r>
+              <a:rPr lang="en-US" sz="1600" b="0" dirty="0">
+                <a:solidFill>
+                  <a:srgbClr val="9CDCFE"/>
+                </a:solidFill>
+                <a:effectLst/>
+                <a:latin typeface="Consolas" panose="020B0609020204030204" pitchFamily="49" charset="0"/>
+              </a:rPr>
+              <a:t>drop</a:t>
+            </a:r>
+            <a:r>
+              <a:rPr lang="en-US" sz="1600" b="0" dirty="0">
+                <a:solidFill>
+                  <a:srgbClr val="CCCCCC"/>
+                </a:solidFill>
+                <a:effectLst/>
+                <a:latin typeface="Consolas" panose="020B0609020204030204" pitchFamily="49" charset="0"/>
+              </a:rPr>
+              <a:t> </a:t>
+            </a:r>
+            <a:r>
+              <a:rPr lang="en-US" sz="1600" b="0" dirty="0">
+                <a:solidFill>
+                  <a:srgbClr val="D4D4D4"/>
+                </a:solidFill>
+                <a:effectLst/>
+                <a:latin typeface="Consolas" panose="020B0609020204030204" pitchFamily="49" charset="0"/>
+              </a:rPr>
+              <a:t>=</a:t>
+            </a:r>
+            <a:r>
+              <a:rPr lang="en-US" sz="1600" b="0" dirty="0">
+                <a:solidFill>
+                  <a:srgbClr val="CCCCCC"/>
+                </a:solidFill>
+                <a:effectLst/>
+                <a:latin typeface="Consolas" panose="020B0609020204030204" pitchFamily="49" charset="0"/>
+              </a:rPr>
+              <a:t> </a:t>
+            </a:r>
+            <a:r>
+              <a:rPr lang="en-US" sz="1600" b="0" dirty="0">
+                <a:solidFill>
+                  <a:srgbClr val="4FC1FF"/>
+                </a:solidFill>
+                <a:effectLst/>
+                <a:latin typeface="Consolas" panose="020B0609020204030204" pitchFamily="49" charset="0"/>
+              </a:rPr>
+              <a:t>True</a:t>
+            </a:r>
+            <a:r>
+              <a:rPr lang="en-US" sz="1600" b="0" dirty="0">
+                <a:solidFill>
+                  <a:srgbClr val="CCCCCC"/>
+                </a:solidFill>
+                <a:effectLst/>
+                <a:latin typeface="Consolas" panose="020B0609020204030204" pitchFamily="49" charset="0"/>
+              </a:rPr>
+              <a:t>)</a:t>
+            </a:r>
+          </a:p>
+          <a:p>
+            <a:br>
+              <a:rPr lang="en-US" sz="1600" b="0" dirty="0">
+                <a:solidFill>
+                  <a:srgbClr val="CCCCCC"/>
+                </a:solidFill>
+                <a:effectLst/>
+                <a:latin typeface="Consolas" panose="020B0609020204030204" pitchFamily="49" charset="0"/>
+              </a:rPr>
+            </a:br>
+            <a:r>
+              <a:rPr lang="en-US" sz="1600" b="0" dirty="0" err="1">
+                <a:solidFill>
+                  <a:srgbClr val="9CDCFE"/>
+                </a:solidFill>
+                <a:effectLst/>
+                <a:latin typeface="Consolas" panose="020B0609020204030204" pitchFamily="49" charset="0"/>
+              </a:rPr>
+              <a:t>selected_data</a:t>
+            </a:r>
+            <a:r>
+              <a:rPr lang="en-US" sz="1600" b="0" dirty="0" err="1">
+                <a:solidFill>
+                  <a:srgbClr val="CCCCCC"/>
+                </a:solidFill>
+                <a:effectLst/>
+                <a:latin typeface="Consolas" panose="020B0609020204030204" pitchFamily="49" charset="0"/>
+              </a:rPr>
+              <a:t>.</a:t>
+            </a:r>
+            <a:r>
+              <a:rPr lang="en-US" sz="1600" b="0" dirty="0" err="1">
+                <a:solidFill>
+                  <a:srgbClr val="DCDCAA"/>
+                </a:solidFill>
+                <a:effectLst/>
+                <a:latin typeface="Consolas" panose="020B0609020204030204" pitchFamily="49" charset="0"/>
+              </a:rPr>
+              <a:t>to_csv</a:t>
+            </a:r>
+            <a:r>
+              <a:rPr lang="en-US" sz="1600" b="0" dirty="0">
+                <a:solidFill>
+                  <a:srgbClr val="CCCCCC"/>
+                </a:solidFill>
+                <a:effectLst/>
+                <a:latin typeface="Consolas" panose="020B0609020204030204" pitchFamily="49" charset="0"/>
+              </a:rPr>
+              <a:t>(</a:t>
+            </a:r>
+            <a:endParaRPr lang="hr-HR" sz="1600" b="0" dirty="0">
+              <a:solidFill>
+                <a:srgbClr val="CCCCCC"/>
+              </a:solidFill>
+              <a:effectLst/>
+              <a:latin typeface="Consolas" panose="020B0609020204030204" pitchFamily="49" charset="0"/>
+            </a:endParaRPr>
+          </a:p>
+          <a:p>
+            <a:r>
+              <a:rPr lang="hr-HR" sz="1600" dirty="0">
+                <a:solidFill>
+                  <a:srgbClr val="CCCCCC"/>
+                </a:solidFill>
+                <a:latin typeface="Consolas" panose="020B0609020204030204" pitchFamily="49" charset="0"/>
+              </a:rPr>
+              <a:t>    </a:t>
+            </a:r>
+            <a:r>
+              <a:rPr lang="en-US" sz="1600" b="0" dirty="0">
+                <a:solidFill>
+                  <a:srgbClr val="CE9178"/>
+                </a:solidFill>
+                <a:effectLst/>
+                <a:latin typeface="Consolas" panose="020B0609020204030204" pitchFamily="49" charset="0"/>
+              </a:rPr>
+              <a:t>"selected_data.csv"</a:t>
+            </a:r>
+            <a:r>
+              <a:rPr lang="en-US" sz="1600" b="0" dirty="0">
+                <a:solidFill>
+                  <a:srgbClr val="CCCCCC"/>
+                </a:solidFill>
+                <a:effectLst/>
+                <a:latin typeface="Consolas" panose="020B0609020204030204" pitchFamily="49" charset="0"/>
+              </a:rPr>
+              <a:t>,</a:t>
+            </a:r>
+            <a:r>
+              <a:rPr lang="hr-HR" sz="1600" b="0" dirty="0">
+                <a:solidFill>
+                  <a:srgbClr val="CCCCCC"/>
+                </a:solidFill>
+                <a:effectLst/>
+                <a:latin typeface="Consolas" panose="020B0609020204030204" pitchFamily="49" charset="0"/>
+              </a:rPr>
+              <a:t> </a:t>
+            </a:r>
+            <a:r>
+              <a:rPr lang="en-US" sz="1600" b="0" dirty="0">
+                <a:solidFill>
+                  <a:srgbClr val="9CDCFE"/>
+                </a:solidFill>
+                <a:effectLst/>
+                <a:latin typeface="Consolas" panose="020B0609020204030204" pitchFamily="49" charset="0"/>
+              </a:rPr>
+              <a:t>index</a:t>
+            </a:r>
+            <a:r>
+              <a:rPr lang="en-US" sz="1600" b="0" dirty="0">
+                <a:solidFill>
+                  <a:srgbClr val="CCCCCC"/>
+                </a:solidFill>
+                <a:effectLst/>
+                <a:latin typeface="Consolas" panose="020B0609020204030204" pitchFamily="49" charset="0"/>
+              </a:rPr>
+              <a:t> </a:t>
+            </a:r>
+            <a:r>
+              <a:rPr lang="en-US" sz="1600" b="0" dirty="0">
+                <a:solidFill>
+                  <a:srgbClr val="D4D4D4"/>
+                </a:solidFill>
+                <a:effectLst/>
+                <a:latin typeface="Consolas" panose="020B0609020204030204" pitchFamily="49" charset="0"/>
+              </a:rPr>
+              <a:t>=</a:t>
+            </a:r>
+            <a:r>
+              <a:rPr lang="en-US" sz="1600" b="0" dirty="0">
+                <a:solidFill>
+                  <a:srgbClr val="CCCCCC"/>
+                </a:solidFill>
+                <a:effectLst/>
+                <a:latin typeface="Consolas" panose="020B0609020204030204" pitchFamily="49" charset="0"/>
+              </a:rPr>
+              <a:t> </a:t>
+            </a:r>
+            <a:r>
+              <a:rPr lang="en-US" sz="1600" b="0" dirty="0">
+                <a:solidFill>
+                  <a:srgbClr val="4FC1FF"/>
+                </a:solidFill>
+                <a:effectLst/>
+                <a:latin typeface="Consolas" panose="020B0609020204030204" pitchFamily="49" charset="0"/>
+              </a:rPr>
+              <a:t>False</a:t>
+            </a:r>
+            <a:r>
+              <a:rPr lang="en-US" sz="1600" b="0" dirty="0">
+                <a:solidFill>
+                  <a:srgbClr val="CCCCCC"/>
+                </a:solidFill>
+                <a:effectLst/>
+                <a:latin typeface="Consolas" panose="020B0609020204030204" pitchFamily="49" charset="0"/>
+              </a:rPr>
+              <a:t>)</a:t>
+            </a:r>
+          </a:p>
         </p:txBody>
       </p:sp>
       <p:sp>
         <p:nvSpPr>
-          <p:cNvPr id="17" name="Title 2">
+          <p:cNvPr id="15" name="Title 2">
             <a:extLst>
               <a:ext uri="{FF2B5EF4-FFF2-40B4-BE49-F238E27FC236}">
-                <a16:creationId xmlns:a16="http://schemas.microsoft.com/office/drawing/2014/main" id="{E8C7484A-84C9-475F-A75A-6C1D3A0F7774}"/>
+                <a16:creationId xmlns:a16="http://schemas.microsoft.com/office/drawing/2014/main" id="{66272AF0-1C15-2EC5-37C3-695128D40F68}"/>
+              </a:ext>
+            </a:extLst>
+          </p:cNvPr>
+          <p:cNvSpPr>
+            <a:spLocks noGrp="1"/>
+          </p:cNvSpPr>
+          <p:nvPr>
+            <p:ph type="title"/>
+          </p:nvPr>
+        </p:nvSpPr>
+        <p:spPr>
+          <a:xfrm>
+            <a:off x="536331" y="1127187"/>
+            <a:ext cx="5080697" cy="2253343"/>
+          </a:xfrm>
+          <a:effectLst>
+            <a:outerShdw blurRad="76200" dir="13500000" sy="23000" kx="1200000" algn="br" rotWithShape="0">
+              <a:prstClr val="black">
+                <a:alpha val="20000"/>
+              </a:prstClr>
+            </a:outerShdw>
+          </a:effectLst>
+        </p:spPr>
+        <p:txBody>
+          <a:bodyPr anchor="t">
+            <a:normAutofit/>
+          </a:bodyPr>
+          <a:lstStyle/>
+          <a:p>
+            <a:pPr algn="ctr"/>
+            <a:r>
+              <a:rPr lang="hr-HR" sz="7200" dirty="0">
+                <a:solidFill>
+                  <a:schemeClr val="accent2">
+                    <a:lumMod val="20000"/>
+                    <a:lumOff val="80000"/>
+                  </a:schemeClr>
+                </a:solidFill>
+                <a:effectLst>
+                  <a:outerShdw blurRad="50800" dist="38100" algn="l" rotWithShape="0">
+                    <a:prstClr val="black">
+                      <a:alpha val="40000"/>
+                    </a:prstClr>
+                  </a:outerShdw>
+                </a:effectLst>
+                <a:latin typeface="Boucherie Block" panose="02000506000000020004" pitchFamily="2" charset="0"/>
+              </a:rPr>
+              <a:t>Priprema</a:t>
+            </a:r>
+            <a:r>
+              <a:rPr lang="hr-HR" sz="7200" dirty="0">
+                <a:effectLst>
+                  <a:outerShdw blurRad="50800" dist="38100" algn="l" rotWithShape="0">
+                    <a:prstClr val="black">
+                      <a:alpha val="40000"/>
+                    </a:prstClr>
+                  </a:outerShdw>
+                </a:effectLst>
+                <a:latin typeface="Boucherie Block" panose="02000506000000020004" pitchFamily="2" charset="0"/>
+              </a:rPr>
+              <a:t> podataka</a:t>
+            </a:r>
+            <a:endParaRPr lang="en-US" sz="7200" dirty="0">
+              <a:effectLst>
+                <a:outerShdw blurRad="50800" dist="38100" algn="l" rotWithShape="0">
+                  <a:prstClr val="black">
+                    <a:alpha val="40000"/>
+                  </a:prstClr>
+                </a:outerShdw>
+              </a:effectLst>
+              <a:latin typeface="Boucherie Block" panose="02000506000000020004" pitchFamily="2" charset="0"/>
+            </a:endParaRPr>
+          </a:p>
+        </p:txBody>
+      </p:sp>
+      <p:sp>
+        <p:nvSpPr>
+          <p:cNvPr id="16" name="Content Placeholder 15">
+            <a:extLst>
+              <a:ext uri="{FF2B5EF4-FFF2-40B4-BE49-F238E27FC236}">
+                <a16:creationId xmlns:a16="http://schemas.microsoft.com/office/drawing/2014/main" id="{5F193CA1-6A14-2595-A9C5-EEBB32A09603}"/>
               </a:ext>
             </a:extLst>
           </p:cNvPr>
@@ -22028,7 +23075,393 @@
         </p:nvSpPr>
         <p:spPr>
           <a:xfrm>
-            <a:off x="603735" y="1127187"/>
+            <a:off x="1057607" y="3214065"/>
+            <a:ext cx="4559422" cy="3071590"/>
+          </a:xfrm>
+          <a:prstGeom prst="rect">
+            <a:avLst/>
+          </a:prstGeom>
+        </p:spPr>
+        <p:txBody>
+          <a:bodyPr>
+            <a:normAutofit fontScale="92500" lnSpcReduction="10000"/>
+          </a:bodyPr>
+          <a:lstStyle>
+            <a:lvl1pPr marL="228600" indent="-228600" algn="l" defTabSz="914400" rtl="0" eaLnBrk="1" latinLnBrk="0" hangingPunct="1">
+              <a:lnSpc>
+                <a:spcPct val="120000"/>
+              </a:lnSpc>
+              <a:spcBef>
+                <a:spcPts val="1000"/>
+              </a:spcBef>
+              <a:buClr>
+                <a:schemeClr val="accent5"/>
+              </a:buClr>
+              <a:buFont typeface="Arial" panose="020B0604020202020204" pitchFamily="34" charset="0"/>
+              <a:buChar char="•"/>
+              <a:defRPr sz="2000" kern="1200">
+                <a:solidFill>
+                  <a:schemeClr val="tx2"/>
+                </a:solidFill>
+                <a:latin typeface="+mn-lt"/>
+                <a:ea typeface="+mn-ea"/>
+                <a:cs typeface="+mn-cs"/>
+              </a:defRPr>
+            </a:lvl1pPr>
+            <a:lvl2pPr marL="685800" indent="-228600" algn="l" defTabSz="914400" rtl="0" eaLnBrk="1" latinLnBrk="0" hangingPunct="1">
+              <a:lnSpc>
+                <a:spcPct val="120000"/>
+              </a:lnSpc>
+              <a:spcBef>
+                <a:spcPts val="500"/>
+              </a:spcBef>
+              <a:buClr>
+                <a:schemeClr val="accent5"/>
+              </a:buClr>
+              <a:buFont typeface="Arial" panose="020B0604020202020204" pitchFamily="34" charset="0"/>
+              <a:buChar char="•"/>
+              <a:defRPr sz="1800" kern="1200">
+                <a:solidFill>
+                  <a:schemeClr val="tx2"/>
+                </a:solidFill>
+                <a:latin typeface="+mn-lt"/>
+                <a:ea typeface="+mn-ea"/>
+                <a:cs typeface="+mn-cs"/>
+              </a:defRPr>
+            </a:lvl2pPr>
+            <a:lvl3pPr marL="1143000" indent="-228600" algn="l" defTabSz="914400" rtl="0" eaLnBrk="1" latinLnBrk="0" hangingPunct="1">
+              <a:lnSpc>
+                <a:spcPct val="120000"/>
+              </a:lnSpc>
+              <a:spcBef>
+                <a:spcPts val="500"/>
+              </a:spcBef>
+              <a:buClr>
+                <a:schemeClr val="accent5"/>
+              </a:buClr>
+              <a:buFont typeface="Arial" panose="020B0604020202020204" pitchFamily="34" charset="0"/>
+              <a:buChar char="•"/>
+              <a:defRPr sz="1600" kern="1200">
+                <a:solidFill>
+                  <a:schemeClr val="tx2"/>
+                </a:solidFill>
+                <a:latin typeface="+mn-lt"/>
+                <a:ea typeface="+mn-ea"/>
+                <a:cs typeface="+mn-cs"/>
+              </a:defRPr>
+            </a:lvl3pPr>
+            <a:lvl4pPr marL="1600200" indent="-228600" algn="l" defTabSz="914400" rtl="0" eaLnBrk="1" latinLnBrk="0" hangingPunct="1">
+              <a:lnSpc>
+                <a:spcPct val="120000"/>
+              </a:lnSpc>
+              <a:spcBef>
+                <a:spcPts val="500"/>
+              </a:spcBef>
+              <a:buClr>
+                <a:schemeClr val="accent5"/>
+              </a:buClr>
+              <a:buFont typeface="Arial" panose="020B0604020202020204" pitchFamily="34" charset="0"/>
+              <a:buChar char="•"/>
+              <a:defRPr sz="1400" kern="1200">
+                <a:solidFill>
+                  <a:schemeClr val="tx2"/>
+                </a:solidFill>
+                <a:latin typeface="+mn-lt"/>
+                <a:ea typeface="+mn-ea"/>
+                <a:cs typeface="+mn-cs"/>
+              </a:defRPr>
+            </a:lvl4pPr>
+            <a:lvl5pPr marL="2057400" indent="-228600" algn="l" defTabSz="914400" rtl="0" eaLnBrk="1" latinLnBrk="0" hangingPunct="1">
+              <a:lnSpc>
+                <a:spcPct val="120000"/>
+              </a:lnSpc>
+              <a:spcBef>
+                <a:spcPts val="500"/>
+              </a:spcBef>
+              <a:buClr>
+                <a:schemeClr val="accent5"/>
+              </a:buClr>
+              <a:buFont typeface="Arial" panose="020B0604020202020204" pitchFamily="34" charset="0"/>
+              <a:buChar char="•"/>
+              <a:defRPr sz="1400" kern="1200">
+                <a:solidFill>
+                  <a:schemeClr val="tx2"/>
+                </a:solidFill>
+                <a:latin typeface="+mn-lt"/>
+                <a:ea typeface="+mn-ea"/>
+                <a:cs typeface="+mn-cs"/>
+              </a:defRPr>
+            </a:lvl5pPr>
+            <a:lvl6pPr marL="2514600" indent="-228600" algn="l" defTabSz="914400" rtl="0" eaLnBrk="1" latinLnBrk="0" hangingPunct="1">
+              <a:lnSpc>
+                <a:spcPct val="90000"/>
+              </a:lnSpc>
+              <a:spcBef>
+                <a:spcPts val="500"/>
+              </a:spcBef>
+              <a:buFont typeface="Arial" panose="020B0604020202020204" pitchFamily="34" charset="0"/>
+              <a:buChar char="•"/>
+              <a:defRPr sz="1800" kern="1200">
+                <a:solidFill>
+                  <a:schemeClr val="tx1"/>
+                </a:solidFill>
+                <a:latin typeface="+mn-lt"/>
+                <a:ea typeface="+mn-ea"/>
+                <a:cs typeface="+mn-cs"/>
+              </a:defRPr>
+            </a:lvl6pPr>
+            <a:lvl7pPr marL="2971800" indent="-228600" algn="l" defTabSz="914400" rtl="0" eaLnBrk="1" latinLnBrk="0" hangingPunct="1">
+              <a:lnSpc>
+                <a:spcPct val="90000"/>
+              </a:lnSpc>
+              <a:spcBef>
+                <a:spcPts val="500"/>
+              </a:spcBef>
+              <a:buFont typeface="Arial" panose="020B0604020202020204" pitchFamily="34" charset="0"/>
+              <a:buChar char="•"/>
+              <a:defRPr sz="1800" kern="1200">
+                <a:solidFill>
+                  <a:schemeClr val="tx1"/>
+                </a:solidFill>
+                <a:latin typeface="+mn-lt"/>
+                <a:ea typeface="+mn-ea"/>
+                <a:cs typeface="+mn-cs"/>
+              </a:defRPr>
+            </a:lvl7pPr>
+            <a:lvl8pPr marL="3429000" indent="-228600" algn="l" defTabSz="914400" rtl="0" eaLnBrk="1" latinLnBrk="0" hangingPunct="1">
+              <a:lnSpc>
+                <a:spcPct val="90000"/>
+              </a:lnSpc>
+              <a:spcBef>
+                <a:spcPts val="500"/>
+              </a:spcBef>
+              <a:buFont typeface="Arial" panose="020B0604020202020204" pitchFamily="34" charset="0"/>
+              <a:buChar char="•"/>
+              <a:defRPr sz="1800" kern="1200">
+                <a:solidFill>
+                  <a:schemeClr val="tx1"/>
+                </a:solidFill>
+                <a:latin typeface="+mn-lt"/>
+                <a:ea typeface="+mn-ea"/>
+                <a:cs typeface="+mn-cs"/>
+              </a:defRPr>
+            </a:lvl8pPr>
+            <a:lvl9pPr marL="3886200" indent="-228600" algn="l" defTabSz="914400" rtl="0" eaLnBrk="1" latinLnBrk="0" hangingPunct="1">
+              <a:lnSpc>
+                <a:spcPct val="90000"/>
+              </a:lnSpc>
+              <a:spcBef>
+                <a:spcPts val="500"/>
+              </a:spcBef>
+              <a:buFont typeface="Arial" panose="020B0604020202020204" pitchFamily="34" charset="0"/>
+              <a:buChar char="•"/>
+              <a:defRPr sz="1800" kern="1200">
+                <a:solidFill>
+                  <a:schemeClr val="tx1"/>
+                </a:solidFill>
+                <a:latin typeface="+mn-lt"/>
+                <a:ea typeface="+mn-ea"/>
+                <a:cs typeface="+mn-cs"/>
+              </a:defRPr>
+            </a:lvl9pPr>
+          </a:lstStyle>
+          <a:p>
+            <a:r>
+              <a:rPr lang="en-US" sz="2000" b="1" dirty="0">
+                <a:solidFill>
+                  <a:schemeClr val="accent5">
+                    <a:lumMod val="60000"/>
+                    <a:lumOff val="40000"/>
+                  </a:schemeClr>
+                </a:solidFill>
+              </a:rPr>
+              <a:t>diabetes_binary_5050split_health_indicators_BRFSS2015</a:t>
+            </a:r>
+            <a:r>
+              <a:rPr lang="hr-HR" sz="2000" b="1" dirty="0">
+                <a:solidFill>
+                  <a:schemeClr val="accent5">
+                    <a:lumMod val="60000"/>
+                    <a:lumOff val="40000"/>
+                  </a:schemeClr>
+                </a:solidFill>
+              </a:rPr>
+              <a:t>.</a:t>
+            </a:r>
+            <a:r>
+              <a:rPr lang="hr-HR" sz="2000" b="1" dirty="0" err="1">
+                <a:solidFill>
+                  <a:schemeClr val="accent5">
+                    <a:lumMod val="60000"/>
+                    <a:lumOff val="40000"/>
+                  </a:schemeClr>
+                </a:solidFill>
+              </a:rPr>
+              <a:t>csv</a:t>
+            </a:r>
+            <a:endParaRPr lang="hr-HR" sz="2000" b="1" dirty="0">
+              <a:solidFill>
+                <a:schemeClr val="accent5">
+                  <a:lumMod val="60000"/>
+                  <a:lumOff val="40000"/>
+                </a:schemeClr>
+              </a:solidFill>
+            </a:endParaRPr>
+          </a:p>
+          <a:p>
+            <a:r>
+              <a:rPr lang="hr-HR" b="1" dirty="0">
+                <a:solidFill>
+                  <a:schemeClr val="bg2"/>
+                </a:solidFill>
+              </a:rPr>
+              <a:t>70.000+ opservacija</a:t>
+            </a:r>
+            <a:endParaRPr lang="hr-HR" sz="2000" b="1" dirty="0">
+              <a:solidFill>
+                <a:schemeClr val="bg2"/>
+              </a:solidFill>
+            </a:endParaRPr>
+          </a:p>
+          <a:p>
+            <a:r>
+              <a:rPr lang="hr-HR" sz="2000" b="1" dirty="0">
+                <a:solidFill>
+                  <a:schemeClr val="accent2">
+                    <a:lumMod val="20000"/>
+                    <a:lumOff val="80000"/>
+                  </a:schemeClr>
+                </a:solidFill>
+              </a:rPr>
+              <a:t>Python skripta</a:t>
+            </a:r>
+          </a:p>
+          <a:p>
+            <a:pPr lvl="1"/>
+            <a:r>
+              <a:rPr lang="hr-HR" b="1" dirty="0">
+                <a:solidFill>
+                  <a:schemeClr val="bg2"/>
+                </a:solidFill>
+              </a:rPr>
+              <a:t>Odabir 2.000 opservacija na nasumičan način</a:t>
+            </a:r>
+          </a:p>
+          <a:p>
+            <a:pPr lvl="1"/>
+            <a:r>
+              <a:rPr lang="pt-BR" b="1" dirty="0">
+                <a:solidFill>
+                  <a:schemeClr val="bg2"/>
+                </a:solidFill>
+              </a:rPr>
+              <a:t>50% </a:t>
+            </a:r>
+            <a:r>
+              <a:rPr lang="pt-BR" b="1" dirty="0" err="1">
+                <a:solidFill>
+                  <a:schemeClr val="bg2"/>
+                </a:solidFill>
+              </a:rPr>
+              <a:t>ispitanika</a:t>
+            </a:r>
+            <a:r>
+              <a:rPr lang="hr-HR" b="1" dirty="0">
+                <a:solidFill>
+                  <a:schemeClr val="bg2"/>
+                </a:solidFill>
+              </a:rPr>
+              <a:t> </a:t>
+            </a:r>
+            <a:r>
+              <a:rPr lang="pt-BR" b="1" dirty="0" err="1">
+                <a:solidFill>
+                  <a:schemeClr val="bg2"/>
+                </a:solidFill>
+              </a:rPr>
+              <a:t>nema</a:t>
+            </a:r>
+            <a:r>
+              <a:rPr lang="pt-BR" b="1" dirty="0">
+                <a:solidFill>
+                  <a:schemeClr val="bg2"/>
+                </a:solidFill>
+              </a:rPr>
+              <a:t> </a:t>
+            </a:r>
+            <a:r>
+              <a:rPr lang="pt-BR" b="1" dirty="0" err="1">
+                <a:solidFill>
+                  <a:schemeClr val="bg2"/>
+                </a:solidFill>
+              </a:rPr>
+              <a:t>dijabetes</a:t>
+            </a:r>
+            <a:r>
+              <a:rPr lang="pt-BR" b="1" dirty="0">
+                <a:solidFill>
+                  <a:schemeClr val="bg2"/>
+                </a:solidFill>
+              </a:rPr>
+              <a:t> (0) i 50% ima</a:t>
+            </a:r>
+            <a:r>
+              <a:rPr lang="hr-HR" b="1" dirty="0">
+                <a:solidFill>
+                  <a:schemeClr val="bg2"/>
+                </a:solidFill>
+              </a:rPr>
+              <a:t> </a:t>
+            </a:r>
+            <a:r>
+              <a:rPr lang="hr-HR" b="1" dirty="0" err="1">
+                <a:solidFill>
+                  <a:schemeClr val="bg2"/>
+                </a:solidFill>
+              </a:rPr>
+              <a:t>predijabetes</a:t>
+            </a:r>
+            <a:r>
+              <a:rPr lang="hr-HR" b="1" dirty="0">
+                <a:solidFill>
+                  <a:schemeClr val="bg2"/>
+                </a:solidFill>
+              </a:rPr>
+              <a:t> ili dijabetes </a:t>
+            </a:r>
+            <a:r>
+              <a:rPr lang="pt-BR" b="1" dirty="0">
+                <a:solidFill>
+                  <a:schemeClr val="bg2"/>
+                </a:solidFill>
+              </a:rPr>
+              <a:t>(1)</a:t>
+            </a:r>
+            <a:endParaRPr lang="hr-HR" b="1" dirty="0">
+              <a:solidFill>
+                <a:schemeClr val="bg2"/>
+              </a:solidFill>
+            </a:endParaRPr>
+          </a:p>
+        </p:txBody>
+      </p:sp>
+      <p:sp>
+        <p:nvSpPr>
+          <p:cNvPr id="17" name="Title 2">
+            <a:extLst>
+              <a:ext uri="{FF2B5EF4-FFF2-40B4-BE49-F238E27FC236}">
+                <a16:creationId xmlns:a16="http://schemas.microsoft.com/office/drawing/2014/main" id="{E8C7484A-84C9-475F-A75A-6C1D3A0F7774}"/>
+              </a:ext>
+            </a:extLst>
+          </p:cNvPr>
+          <p:cNvSpPr txBox="1">
+            <a:spLocks/>
+          </p:cNvSpPr>
+          <p:nvPr/>
+        </p:nvSpPr>
+        <p:spPr>
+          <a:xfrm>
+            <a:off x="498231" y="1108137"/>
             <a:ext cx="5080697" cy="2253343"/>
           </a:xfrm>
           <a:prstGeom prst="rect">
@@ -22068,7 +23501,7 @@
           <a:p>
             <a:pPr algn="ctr"/>
             <a:r>
-              <a:rPr lang="hr-HR" sz="5400" dirty="0">
+              <a:rPr lang="hr-HR" sz="7200" dirty="0">
                 <a:solidFill>
                   <a:schemeClr val="accent2">
                     <a:lumMod val="20000"/>
@@ -22084,7 +23517,7 @@
                 </a:effectLst>
                 <a:latin typeface="Boucherie Block" panose="02000506000000020004" pitchFamily="2" charset="0"/>
               </a:rPr>
-              <a:t>DESKRIPTIVNA</a:t>
+              <a:t>Priprema</a:t>
             </a:r>
             <a:r>
               <a:rPr lang="hr-HR" sz="7200" dirty="0">
@@ -22097,7 +23530,7 @@
                 </a:effectLst>
                 <a:latin typeface="Boucherie Block" panose="02000506000000020004" pitchFamily="2" charset="0"/>
               </a:rPr>
-              <a:t> STATISTIKA</a:t>
+              <a:t> podataka</a:t>
             </a:r>
             <a:endParaRPr lang="en-US" sz="7200" dirty="0">
               <a:effectLst>
@@ -22112,349 +23545,23 @@
           </a:p>
         </p:txBody>
       </p:sp>
-      <p:sp>
-        <p:nvSpPr>
-          <p:cNvPr id="16" name="Content Placeholder 15">
-            <a:extLst>
-              <a:ext uri="{FF2B5EF4-FFF2-40B4-BE49-F238E27FC236}">
-                <a16:creationId xmlns:a16="http://schemas.microsoft.com/office/drawing/2014/main" id="{5F193CA1-6A14-2595-A9C5-EEBB32A09603}"/>
-              </a:ext>
-            </a:extLst>
-          </p:cNvPr>
-          <p:cNvSpPr txBox="1">
-            <a:spLocks/>
-          </p:cNvSpPr>
-          <p:nvPr/>
-        </p:nvSpPr>
-        <p:spPr>
-          <a:xfrm>
-            <a:off x="1057607" y="3214065"/>
-            <a:ext cx="4559422" cy="3071590"/>
-          </a:xfrm>
-          <a:prstGeom prst="rect">
-            <a:avLst/>
-          </a:prstGeom>
-        </p:spPr>
-        <p:txBody>
-          <a:bodyPr>
-            <a:normAutofit/>
-          </a:bodyPr>
-          <a:lstStyle>
-            <a:lvl1pPr marL="228600" indent="-228600" algn="l" defTabSz="914400" rtl="0" eaLnBrk="1" latinLnBrk="0" hangingPunct="1">
-              <a:lnSpc>
-                <a:spcPct val="120000"/>
-              </a:lnSpc>
-              <a:spcBef>
-                <a:spcPts val="1000"/>
-              </a:spcBef>
-              <a:buClr>
-                <a:schemeClr val="accent5"/>
-              </a:buClr>
-              <a:buFont typeface="Arial" panose="020B0604020202020204" pitchFamily="34" charset="0"/>
-              <a:buChar char="•"/>
-              <a:defRPr sz="2000" kern="1200">
-                <a:solidFill>
-                  <a:schemeClr val="tx2"/>
-                </a:solidFill>
-                <a:latin typeface="+mn-lt"/>
-                <a:ea typeface="+mn-ea"/>
-                <a:cs typeface="+mn-cs"/>
-              </a:defRPr>
-            </a:lvl1pPr>
-            <a:lvl2pPr marL="685800" indent="-228600" algn="l" defTabSz="914400" rtl="0" eaLnBrk="1" latinLnBrk="0" hangingPunct="1">
-              <a:lnSpc>
-                <a:spcPct val="120000"/>
-              </a:lnSpc>
-              <a:spcBef>
-                <a:spcPts val="500"/>
-              </a:spcBef>
-              <a:buClr>
-                <a:schemeClr val="accent5"/>
-              </a:buClr>
-              <a:buFont typeface="Arial" panose="020B0604020202020204" pitchFamily="34" charset="0"/>
-              <a:buChar char="•"/>
-              <a:defRPr sz="1800" kern="1200">
-                <a:solidFill>
-                  <a:schemeClr val="tx2"/>
-                </a:solidFill>
-                <a:latin typeface="+mn-lt"/>
-                <a:ea typeface="+mn-ea"/>
-                <a:cs typeface="+mn-cs"/>
-              </a:defRPr>
-            </a:lvl2pPr>
-            <a:lvl3pPr marL="1143000" indent="-228600" algn="l" defTabSz="914400" rtl="0" eaLnBrk="1" latinLnBrk="0" hangingPunct="1">
-              <a:lnSpc>
-                <a:spcPct val="120000"/>
-              </a:lnSpc>
-              <a:spcBef>
-                <a:spcPts val="500"/>
-              </a:spcBef>
-              <a:buClr>
-                <a:schemeClr val="accent5"/>
-              </a:buClr>
-              <a:buFont typeface="Arial" panose="020B0604020202020204" pitchFamily="34" charset="0"/>
-              <a:buChar char="•"/>
-              <a:defRPr sz="1600" kern="1200">
-                <a:solidFill>
-                  <a:schemeClr val="tx2"/>
-                </a:solidFill>
-                <a:latin typeface="+mn-lt"/>
-                <a:ea typeface="+mn-ea"/>
-                <a:cs typeface="+mn-cs"/>
-              </a:defRPr>
-            </a:lvl3pPr>
-            <a:lvl4pPr marL="1600200" indent="-228600" algn="l" defTabSz="914400" rtl="0" eaLnBrk="1" latinLnBrk="0" hangingPunct="1">
-              <a:lnSpc>
-                <a:spcPct val="120000"/>
-              </a:lnSpc>
-              <a:spcBef>
-                <a:spcPts val="500"/>
-              </a:spcBef>
-              <a:buClr>
-                <a:schemeClr val="accent5"/>
-              </a:buClr>
-              <a:buFont typeface="Arial" panose="020B0604020202020204" pitchFamily="34" charset="0"/>
-              <a:buChar char="•"/>
-              <a:defRPr sz="1400" kern="1200">
-                <a:solidFill>
-                  <a:schemeClr val="tx2"/>
-                </a:solidFill>
-                <a:latin typeface="+mn-lt"/>
-                <a:ea typeface="+mn-ea"/>
-                <a:cs typeface="+mn-cs"/>
-              </a:defRPr>
-            </a:lvl4pPr>
-            <a:lvl5pPr marL="2057400" indent="-228600" algn="l" defTabSz="914400" rtl="0" eaLnBrk="1" latinLnBrk="0" hangingPunct="1">
-              <a:lnSpc>
-                <a:spcPct val="120000"/>
-              </a:lnSpc>
-              <a:spcBef>
-                <a:spcPts val="500"/>
-              </a:spcBef>
-              <a:buClr>
-                <a:schemeClr val="accent5"/>
-              </a:buClr>
-              <a:buFont typeface="Arial" panose="020B0604020202020204" pitchFamily="34" charset="0"/>
-              <a:buChar char="•"/>
-              <a:defRPr sz="1400" kern="1200">
-                <a:solidFill>
-                  <a:schemeClr val="tx2"/>
-                </a:solidFill>
-                <a:latin typeface="+mn-lt"/>
-                <a:ea typeface="+mn-ea"/>
-                <a:cs typeface="+mn-cs"/>
-              </a:defRPr>
-            </a:lvl5pPr>
-            <a:lvl6pPr marL="2514600" indent="-228600" algn="l" defTabSz="914400" rtl="0" eaLnBrk="1" latinLnBrk="0" hangingPunct="1">
-              <a:lnSpc>
-                <a:spcPct val="90000"/>
-              </a:lnSpc>
-              <a:spcBef>
-                <a:spcPts val="500"/>
-              </a:spcBef>
-              <a:buFont typeface="Arial" panose="020B0604020202020204" pitchFamily="34" charset="0"/>
-              <a:buChar char="•"/>
-              <a:defRPr sz="1800" kern="1200">
-                <a:solidFill>
-                  <a:schemeClr val="tx1"/>
-                </a:solidFill>
-                <a:latin typeface="+mn-lt"/>
-                <a:ea typeface="+mn-ea"/>
-                <a:cs typeface="+mn-cs"/>
-              </a:defRPr>
-            </a:lvl6pPr>
-            <a:lvl7pPr marL="2971800" indent="-228600" algn="l" defTabSz="914400" rtl="0" eaLnBrk="1" latinLnBrk="0" hangingPunct="1">
-              <a:lnSpc>
-                <a:spcPct val="90000"/>
-              </a:lnSpc>
-              <a:spcBef>
-                <a:spcPts val="500"/>
-              </a:spcBef>
-              <a:buFont typeface="Arial" panose="020B0604020202020204" pitchFamily="34" charset="0"/>
-              <a:buChar char="•"/>
-              <a:defRPr sz="1800" kern="1200">
-                <a:solidFill>
-                  <a:schemeClr val="tx1"/>
-                </a:solidFill>
-                <a:latin typeface="+mn-lt"/>
-                <a:ea typeface="+mn-ea"/>
-                <a:cs typeface="+mn-cs"/>
-              </a:defRPr>
-            </a:lvl7pPr>
-            <a:lvl8pPr marL="3429000" indent="-228600" algn="l" defTabSz="914400" rtl="0" eaLnBrk="1" latinLnBrk="0" hangingPunct="1">
-              <a:lnSpc>
-                <a:spcPct val="90000"/>
-              </a:lnSpc>
-              <a:spcBef>
-                <a:spcPts val="500"/>
-              </a:spcBef>
-              <a:buFont typeface="Arial" panose="020B0604020202020204" pitchFamily="34" charset="0"/>
-              <a:buChar char="•"/>
-              <a:defRPr sz="1800" kern="1200">
-                <a:solidFill>
-                  <a:schemeClr val="tx1"/>
-                </a:solidFill>
-                <a:latin typeface="+mn-lt"/>
-                <a:ea typeface="+mn-ea"/>
-                <a:cs typeface="+mn-cs"/>
-              </a:defRPr>
-            </a:lvl8pPr>
-            <a:lvl9pPr marL="3886200" indent="-228600" algn="l" defTabSz="914400" rtl="0" eaLnBrk="1" latinLnBrk="0" hangingPunct="1">
-              <a:lnSpc>
-                <a:spcPct val="90000"/>
-              </a:lnSpc>
-              <a:spcBef>
-                <a:spcPts val="500"/>
-              </a:spcBef>
-              <a:buFont typeface="Arial" panose="020B0604020202020204" pitchFamily="34" charset="0"/>
-              <a:buChar char="•"/>
-              <a:defRPr sz="1800" kern="1200">
-                <a:solidFill>
-                  <a:schemeClr val="tx1"/>
-                </a:solidFill>
-                <a:latin typeface="+mn-lt"/>
-                <a:ea typeface="+mn-ea"/>
-                <a:cs typeface="+mn-cs"/>
-              </a:defRPr>
-            </a:lvl9pPr>
-          </a:lstStyle>
-          <a:p>
-            <a:r>
-              <a:rPr lang="en-US" sz="2000" b="1" dirty="0">
-                <a:solidFill>
-                  <a:schemeClr val="accent5">
-                    <a:lumMod val="60000"/>
-                    <a:lumOff val="40000"/>
-                  </a:schemeClr>
-                </a:solidFill>
-              </a:rPr>
-              <a:t>desc</a:t>
-            </a:r>
-            <a:endParaRPr lang="hr-HR" b="1" dirty="0">
-              <a:solidFill>
-                <a:schemeClr val="bg2"/>
-              </a:solidFill>
-            </a:endParaRPr>
-          </a:p>
-        </p:txBody>
-      </p:sp>
-      <p:sp>
-        <p:nvSpPr>
-          <p:cNvPr id="6" name="Title 2">
-            <a:extLst>
-              <a:ext uri="{FF2B5EF4-FFF2-40B4-BE49-F238E27FC236}">
-                <a16:creationId xmlns:a16="http://schemas.microsoft.com/office/drawing/2014/main" id="{9EB16F7D-4B36-9497-2A84-6E0285EB9A8D}"/>
-              </a:ext>
-            </a:extLst>
-          </p:cNvPr>
-          <p:cNvSpPr txBox="1">
-            <a:spLocks/>
-          </p:cNvSpPr>
-          <p:nvPr/>
-        </p:nvSpPr>
-        <p:spPr>
-          <a:xfrm>
-            <a:off x="571503" y="1121331"/>
-            <a:ext cx="5080697" cy="2253343"/>
-          </a:xfrm>
-          <a:prstGeom prst="rect">
-            <a:avLst/>
-          </a:prstGeom>
-          <a:effectLst>
-            <a:outerShdw blurRad="76200" dir="13500000" sy="23000" kx="1200000" algn="br" rotWithShape="0">
-              <a:prstClr val="black">
-                <a:alpha val="20000"/>
-              </a:prstClr>
-            </a:outerShdw>
-          </a:effectLst>
-        </p:spPr>
-        <p:txBody>
-          <a:bodyPr vert="horz" lIns="91440" tIns="45720" rIns="91440" bIns="45720" rtlCol="0" anchor="t">
-            <a:normAutofit/>
-          </a:bodyPr>
-          <a:lstStyle>
-            <a:lvl1pPr algn="l" defTabSz="914400" rtl="0" eaLnBrk="1" latinLnBrk="0" hangingPunct="1">
-              <a:lnSpc>
-                <a:spcPct val="90000"/>
-              </a:lnSpc>
-              <a:spcBef>
-                <a:spcPct val="0"/>
-              </a:spcBef>
-              <a:buNone/>
-              <a:defRPr sz="3600" kern="1200">
-                <a:solidFill>
-                  <a:schemeClr val="bg2"/>
-                </a:solidFill>
-                <a:latin typeface="+mj-lt"/>
-                <a:ea typeface="+mj-ea"/>
-                <a:cs typeface="+mj-cs"/>
-              </a:defRPr>
-            </a:lvl1pPr>
-          </a:lstStyle>
-          <a:p>
-            <a:pPr algn="ctr"/>
-            <a:r>
-              <a:rPr lang="hr-HR" sz="5400" dirty="0">
-                <a:solidFill>
-                  <a:schemeClr val="accent2">
-                    <a:lumMod val="20000"/>
-                    <a:lumOff val="80000"/>
-                  </a:schemeClr>
-                </a:solidFill>
-                <a:effectLst>
-                  <a:outerShdw blurRad="50800" dist="38100" algn="l" rotWithShape="0">
-                    <a:prstClr val="black">
-                      <a:alpha val="40000"/>
-                    </a:prstClr>
-                  </a:outerShdw>
-                </a:effectLst>
-                <a:latin typeface="Boucherie Block" panose="02000506000000020004" pitchFamily="2" charset="0"/>
-              </a:rPr>
-              <a:t>DESKRIPTIVNA</a:t>
-            </a:r>
-            <a:r>
-              <a:rPr lang="hr-HR" sz="7200" dirty="0">
-                <a:effectLst>
-                  <a:outerShdw blurRad="50800" dist="38100" algn="l" rotWithShape="0">
-                    <a:prstClr val="black">
-                      <a:alpha val="40000"/>
-                    </a:prstClr>
-                  </a:outerShdw>
-                </a:effectLst>
-                <a:latin typeface="Boucherie Block" panose="02000506000000020004" pitchFamily="2" charset="0"/>
-              </a:rPr>
-              <a:t> STATISTIKA</a:t>
-            </a:r>
-            <a:endParaRPr lang="en-US" sz="7200" dirty="0">
-              <a:effectLst>
-                <a:outerShdw blurRad="50800" dist="38100" algn="l" rotWithShape="0">
-                  <a:prstClr val="black">
-                    <a:alpha val="40000"/>
-                  </a:prstClr>
-                </a:outerShdw>
-              </a:effectLst>
-              <a:latin typeface="Boucherie Block" panose="02000506000000020004" pitchFamily="2" charset="0"/>
-            </a:endParaRPr>
-          </a:p>
-        </p:txBody>
-      </p:sp>
     </p:spTree>
     <p:extLst>
       <p:ext uri="{BB962C8B-B14F-4D97-AF65-F5344CB8AC3E}">
-        <p14:creationId xmlns:p14="http://schemas.microsoft.com/office/powerpoint/2010/main" val="1725067987"/>
+        <p14:creationId xmlns:p14="http://schemas.microsoft.com/office/powerpoint/2010/main" val="3124175302"/>
       </p:ext>
     </p:extLst>
   </p:cSld>
   <p:clrMapOvr>
     <a:masterClrMapping/>
   </p:clrMapOvr>
-  <mc:AlternateContent xmlns:mc="http://schemas.openxmlformats.org/markup-compatibility/2006">
-    <mc:Choice xmlns:p14="http://schemas.microsoft.com/office/powerpoint/2010/main" Requires="p14">
+  <mc:AlternateContent xmlns:mc="http://schemas.openxmlformats.org/markup-compatibility/2006" xmlns:p14="http://schemas.microsoft.com/office/powerpoint/2010/main">
+    <mc:Choice Requires="p14">
       <p:transition p14:dur="350">
         <p:push dir="u"/>
       </p:transition>
     </mc:Choice>
-    <mc:Fallback>
+    <mc:Fallback xmlns="">
       <p:transition>
         <p:push dir="u"/>
       </p:transition>
@@ -22754,13 +23861,13 @@
   <p:clrMapOvr>
     <a:masterClrMapping/>
   </p:clrMapOvr>
-  <mc:AlternateContent xmlns:mc="http://schemas.openxmlformats.org/markup-compatibility/2006">
-    <mc:Choice xmlns:p14="http://schemas.microsoft.com/office/powerpoint/2010/main" Requires="p14">
+  <mc:AlternateContent xmlns:mc="http://schemas.openxmlformats.org/markup-compatibility/2006" xmlns:p14="http://schemas.microsoft.com/office/powerpoint/2010/main">
+    <mc:Choice Requires="p14">
       <p:transition p14:dur="350">
         <p:push dir="u"/>
       </p:transition>
     </mc:Choice>
-    <mc:Fallback>
+    <mc:Fallback xmlns="">
       <p:transition>
         <p:push dir="u"/>
       </p:transition>
@@ -23688,13 +24795,13 @@
   <p:clrMapOvr>
     <a:masterClrMapping/>
   </p:clrMapOvr>
-  <mc:AlternateContent xmlns:mc="http://schemas.openxmlformats.org/markup-compatibility/2006">
-    <mc:Choice xmlns:p159="http://schemas.microsoft.com/office/powerpoint/2015/09/main" Requires="p159">
+  <mc:AlternateContent xmlns:mc="http://schemas.openxmlformats.org/markup-compatibility/2006" xmlns:p159="http://schemas.microsoft.com/office/powerpoint/2015/09/main">
+    <mc:Choice Requires="p159">
       <p:transition xmlns:p14="http://schemas.microsoft.com/office/powerpoint/2010/main" p14:dur="250">
         <p159:morph option="byObject"/>
       </p:transition>
     </mc:Choice>
-    <mc:Fallback>
+    <mc:Fallback xmlns="">
       <p:transition>
         <p:fade/>
       </p:transition>
@@ -24714,13 +25821,13 @@
   <p:clrMapOvr>
     <a:masterClrMapping/>
   </p:clrMapOvr>
-  <mc:AlternateContent xmlns:mc="http://schemas.openxmlformats.org/markup-compatibility/2006">
-    <mc:Choice xmlns:p159="http://schemas.microsoft.com/office/powerpoint/2015/09/main" Requires="p159">
+  <mc:AlternateContent xmlns:mc="http://schemas.openxmlformats.org/markup-compatibility/2006" xmlns:p159="http://schemas.microsoft.com/office/powerpoint/2015/09/main">
+    <mc:Choice Requires="p159">
       <p:transition xmlns:p14="http://schemas.microsoft.com/office/powerpoint/2010/main" p14:dur="250">
         <p159:morph option="byObject"/>
       </p:transition>
     </mc:Choice>
-    <mc:Fallback>
+    <mc:Fallback xmlns="">
       <p:transition>
         <p:fade/>
       </p:transition>
@@ -25056,13 +26163,13 @@
   <p:clrMapOvr>
     <a:masterClrMapping/>
   </p:clrMapOvr>
-  <mc:AlternateContent xmlns:mc="http://schemas.openxmlformats.org/markup-compatibility/2006">
-    <mc:Choice xmlns:p159="http://schemas.microsoft.com/office/powerpoint/2015/09/main" Requires="p159">
+  <mc:AlternateContent xmlns:mc="http://schemas.openxmlformats.org/markup-compatibility/2006" xmlns:p159="http://schemas.microsoft.com/office/powerpoint/2015/09/main">
+    <mc:Choice Requires="p159">
       <p:transition xmlns:p14="http://schemas.microsoft.com/office/powerpoint/2010/main" p14:dur="250">
         <p159:morph option="byObject"/>
       </p:transition>
     </mc:Choice>
-    <mc:Fallback>
+    <mc:Fallback xmlns="">
       <p:transition>
         <p:fade/>
       </p:transition>
@@ -25377,13 +26484,13 @@
   <p:clrMapOvr>
     <a:masterClrMapping/>
   </p:clrMapOvr>
-  <mc:AlternateContent xmlns:mc="http://schemas.openxmlformats.org/markup-compatibility/2006">
-    <mc:Choice xmlns:p159="http://schemas.microsoft.com/office/powerpoint/2015/09/main" Requires="p159">
+  <mc:AlternateContent xmlns:mc="http://schemas.openxmlformats.org/markup-compatibility/2006" xmlns:p159="http://schemas.microsoft.com/office/powerpoint/2015/09/main">
+    <mc:Choice Requires="p159">
       <p:transition xmlns:p14="http://schemas.microsoft.com/office/powerpoint/2010/main" p14:dur="250">
         <p159:morph option="byObject"/>
       </p:transition>
     </mc:Choice>
-    <mc:Fallback>
+    <mc:Fallback xmlns="">
       <p:transition>
         <p:fade/>
       </p:transition>
@@ -26184,6 +27291,15 @@
 </file>
 
 <file path=customXml/item1.xml><?xml version="1.0" encoding="utf-8"?>
+<?mso-contentType ?>
+<FormTemplates xmlns="http://schemas.microsoft.com/sharepoint/v3/contenttype/forms">
+  <Display>DocumentLibraryForm</Display>
+  <Edit>DocumentLibraryForm</Edit>
+  <New>DocumentLibraryForm</New>
+</FormTemplates>
+</file>
+
+<file path=customXml/item2.xml><?xml version="1.0" encoding="utf-8"?>
 <ct:contentTypeSchema xmlns:ct="http://schemas.microsoft.com/office/2006/metadata/contentType" xmlns:ma="http://schemas.microsoft.com/office/2006/metadata/properties/metaAttributes" ct:_="" ma:_="" ma:contentTypeName="Document" ma:contentTypeID="0x01010079F111ED35F8CC479449609E8A0923A6" ma:contentTypeVersion="28" ma:contentTypeDescription="Create a new document." ma:contentTypeScope="" ma:versionID="60f5a4f2d2b0abadcf532d48ebf9cb71">
   <xsd:schema xmlns:xsd="http://www.w3.org/2001/XMLSchema" xmlns:xs="http://www.w3.org/2001/XMLSchema" xmlns:p="http://schemas.microsoft.com/office/2006/metadata/properties" xmlns:ns1="http://schemas.microsoft.com/sharepoint/v3" xmlns:ns2="71af3243-3dd4-4a8d-8c0d-dd76da1f02a5" xmlns:ns3="16c05727-aa75-4e4a-9b5f-8a80a1165891" xmlns:ns4="230e9df3-be65-4c73-a93b-d1236ebd677e" targetNamespace="http://schemas.microsoft.com/office/2006/metadata/properties" ma:root="true" ma:fieldsID="7dd78129e6a1811f84807ad11c651531" ns1:_="" ns2:_="" ns3:_="" ns4:_="">
     <xsd:import namespace="http://schemas.microsoft.com/sharepoint/v3"/>
@@ -26495,15 +27611,6 @@
 </ct:contentTypeSchema>
 </file>
 
-<file path=customXml/item2.xml><?xml version="1.0" encoding="utf-8"?>
-<?mso-contentType ?>
-<FormTemplates xmlns="http://schemas.microsoft.com/sharepoint/v3/contenttype/forms">
-  <Display>DocumentLibraryForm</Display>
-  <Edit>DocumentLibraryForm</Edit>
-  <New>DocumentLibraryForm</New>
-</FormTemplates>
-</file>
-
 <file path=customXml/item3.xml><?xml version="1.0" encoding="utf-8"?>
 <p:properties xmlns:p="http://schemas.microsoft.com/office/2006/metadata/properties" xmlns:xsi="http://www.w3.org/2001/XMLSchema-instance" xmlns:pc="http://schemas.microsoft.com/office/infopath/2007/PartnerControls">
   <documentManagement>
@@ -26525,6 +27632,14 @@
 </file>
 
 <file path=customXml/itemProps1.xml><?xml version="1.0" encoding="utf-8"?>
+<ds:datastoreItem xmlns:ds="http://schemas.openxmlformats.org/officeDocument/2006/customXml" ds:itemID="{4C5C2001-E626-4890-B405-22B5BD1CB05A}">
+  <ds:schemaRefs>
+    <ds:schemaRef ds:uri="http://schemas.microsoft.com/sharepoint/v3/contenttype/forms"/>
+  </ds:schemaRefs>
+</ds:datastoreItem>
+</file>
+
+<file path=customXml/itemProps2.xml><?xml version="1.0" encoding="utf-8"?>
 <ds:datastoreItem xmlns:ds="http://schemas.openxmlformats.org/officeDocument/2006/customXml" ds:itemID="{55453AF4-4FB0-4B39-9296-55DED383E987}">
   <ds:schemaRefs>
     <ds:schemaRef ds:uri="http://schemas.microsoft.com/office/2006/metadata/contentType"/>
@@ -26545,14 +27660,6 @@
 </ds:datastoreItem>
 </file>
 
-<file path=customXml/itemProps2.xml><?xml version="1.0" encoding="utf-8"?>
-<ds:datastoreItem xmlns:ds="http://schemas.openxmlformats.org/officeDocument/2006/customXml" ds:itemID="{4C5C2001-E626-4890-B405-22B5BD1CB05A}">
-  <ds:schemaRefs>
-    <ds:schemaRef ds:uri="http://schemas.microsoft.com/sharepoint/v3/contenttype/forms"/>
-  </ds:schemaRefs>
-</ds:datastoreItem>
-</file>
-
 <file path=customXml/itemProps3.xml><?xml version="1.0" encoding="utf-8"?>
 <ds:datastoreItem xmlns:ds="http://schemas.openxmlformats.org/officeDocument/2006/customXml" ds:itemID="{80D7C3E5-1734-4636-9EC5-AEB06BF1FB20}">
   <ds:schemaRefs>

--- a/MULTIVARIJANTNA I DUBINSKA ANALIZA PODATAKA.pptx
+++ b/MULTIVARIJANTNA I DUBINSKA ANALIZA PODATAKA.pptx
@@ -5,30 +5,32 @@
     <p:sldMasterId id="2147483712" r:id="rId4"/>
   </p:sldMasterIdLst>
   <p:notesMasterIdLst>
-    <p:notesMasterId r:id="rId23"/>
+    <p:notesMasterId r:id="rId25"/>
   </p:notesMasterIdLst>
   <p:handoutMasterIdLst>
-    <p:handoutMasterId r:id="rId24"/>
+    <p:handoutMasterId r:id="rId26"/>
   </p:handoutMasterIdLst>
   <p:sldIdLst>
     <p:sldId id="436" r:id="rId5"/>
     <p:sldId id="437" r:id="rId6"/>
     <p:sldId id="452" r:id="rId7"/>
-    <p:sldId id="438" r:id="rId8"/>
-    <p:sldId id="440" r:id="rId9"/>
-    <p:sldId id="448" r:id="rId10"/>
-    <p:sldId id="449" r:id="rId11"/>
-    <p:sldId id="450" r:id="rId12"/>
-    <p:sldId id="451" r:id="rId13"/>
-    <p:sldId id="441" r:id="rId14"/>
-    <p:sldId id="439" r:id="rId15"/>
-    <p:sldId id="442" r:id="rId16"/>
-    <p:sldId id="443" r:id="rId17"/>
-    <p:sldId id="444" r:id="rId18"/>
-    <p:sldId id="445" r:id="rId19"/>
-    <p:sldId id="446" r:id="rId20"/>
-    <p:sldId id="447" r:id="rId21"/>
-    <p:sldId id="435" r:id="rId22"/>
+    <p:sldId id="453" r:id="rId8"/>
+    <p:sldId id="454" r:id="rId9"/>
+    <p:sldId id="438" r:id="rId10"/>
+    <p:sldId id="440" r:id="rId11"/>
+    <p:sldId id="448" r:id="rId12"/>
+    <p:sldId id="449" r:id="rId13"/>
+    <p:sldId id="450" r:id="rId14"/>
+    <p:sldId id="451" r:id="rId15"/>
+    <p:sldId id="441" r:id="rId16"/>
+    <p:sldId id="439" r:id="rId17"/>
+    <p:sldId id="442" r:id="rId18"/>
+    <p:sldId id="443" r:id="rId19"/>
+    <p:sldId id="444" r:id="rId20"/>
+    <p:sldId id="445" r:id="rId21"/>
+    <p:sldId id="446" r:id="rId22"/>
+    <p:sldId id="447" r:id="rId23"/>
+    <p:sldId id="435" r:id="rId24"/>
   </p:sldIdLst>
   <p:sldSz cx="12192000" cy="6858000"/>
   <p:notesSz cx="6858000" cy="9144000"/>
@@ -834,7 +836,7 @@
     </p:spTree>
     <p:extLst>
       <p:ext uri="{BB962C8B-B14F-4D97-AF65-F5344CB8AC3E}">
-        <p14:creationId xmlns:p14="http://schemas.microsoft.com/office/powerpoint/2010/main" val="40302582"/>
+        <p14:creationId xmlns:p14="http://schemas.microsoft.com/office/powerpoint/2010/main" val="3872175634"/>
       </p:ext>
     </p:extLst>
   </p:cSld>
@@ -918,7 +920,7 @@
     </p:spTree>
     <p:extLst>
       <p:ext uri="{BB962C8B-B14F-4D97-AF65-F5344CB8AC3E}">
-        <p14:creationId xmlns:p14="http://schemas.microsoft.com/office/powerpoint/2010/main" val="6209835"/>
+        <p14:creationId xmlns:p14="http://schemas.microsoft.com/office/powerpoint/2010/main" val="2648190735"/>
       </p:ext>
     </p:extLst>
   </p:cSld>
@@ -1002,7 +1004,7 @@
     </p:spTree>
     <p:extLst>
       <p:ext uri="{BB962C8B-B14F-4D97-AF65-F5344CB8AC3E}">
-        <p14:creationId xmlns:p14="http://schemas.microsoft.com/office/powerpoint/2010/main" val="1375002719"/>
+        <p14:creationId xmlns:p14="http://schemas.microsoft.com/office/powerpoint/2010/main" val="40302582"/>
       </p:ext>
     </p:extLst>
   </p:cSld>
@@ -1086,7 +1088,7 @@
     </p:spTree>
     <p:extLst>
       <p:ext uri="{BB962C8B-B14F-4D97-AF65-F5344CB8AC3E}">
-        <p14:creationId xmlns:p14="http://schemas.microsoft.com/office/powerpoint/2010/main" val="3689266089"/>
+        <p14:creationId xmlns:p14="http://schemas.microsoft.com/office/powerpoint/2010/main" val="6209835"/>
       </p:ext>
     </p:extLst>
   </p:cSld>
@@ -1170,7 +1172,7 @@
     </p:spTree>
     <p:extLst>
       <p:ext uri="{BB962C8B-B14F-4D97-AF65-F5344CB8AC3E}">
-        <p14:creationId xmlns:p14="http://schemas.microsoft.com/office/powerpoint/2010/main" val="1182412713"/>
+        <p14:creationId xmlns:p14="http://schemas.microsoft.com/office/powerpoint/2010/main" val="1375002719"/>
       </p:ext>
     </p:extLst>
   </p:cSld>
@@ -1254,7 +1256,7 @@
     </p:spTree>
     <p:extLst>
       <p:ext uri="{BB962C8B-B14F-4D97-AF65-F5344CB8AC3E}">
-        <p14:creationId xmlns:p14="http://schemas.microsoft.com/office/powerpoint/2010/main" val="2595483008"/>
+        <p14:creationId xmlns:p14="http://schemas.microsoft.com/office/powerpoint/2010/main" val="3689266089"/>
       </p:ext>
     </p:extLst>
   </p:cSld>
@@ -1338,7 +1340,7 @@
     </p:spTree>
     <p:extLst>
       <p:ext uri="{BB962C8B-B14F-4D97-AF65-F5344CB8AC3E}">
-        <p14:creationId xmlns:p14="http://schemas.microsoft.com/office/powerpoint/2010/main" val="3222384869"/>
+        <p14:creationId xmlns:p14="http://schemas.microsoft.com/office/powerpoint/2010/main" val="1182412713"/>
       </p:ext>
     </p:extLst>
   </p:cSld>
@@ -1422,7 +1424,7 @@
     </p:spTree>
     <p:extLst>
       <p:ext uri="{BB962C8B-B14F-4D97-AF65-F5344CB8AC3E}">
-        <p14:creationId xmlns:p14="http://schemas.microsoft.com/office/powerpoint/2010/main" val="481655112"/>
+        <p14:creationId xmlns:p14="http://schemas.microsoft.com/office/powerpoint/2010/main" val="2595483008"/>
       </p:ext>
     </p:extLst>
   </p:cSld>
@@ -1506,7 +1508,91 @@
     </p:spTree>
     <p:extLst>
       <p:ext uri="{BB962C8B-B14F-4D97-AF65-F5344CB8AC3E}">
-        <p14:creationId xmlns:p14="http://schemas.microsoft.com/office/powerpoint/2010/main" val="3284469769"/>
+        <p14:creationId xmlns:p14="http://schemas.microsoft.com/office/powerpoint/2010/main" val="3222384869"/>
+      </p:ext>
+    </p:extLst>
+  </p:cSld>
+  <p:clrMapOvr>
+    <a:masterClrMapping/>
+  </p:clrMapOvr>
+</p:notes>
+</file>
+
+<file path=ppt/notesSlides/notesSlide19.xml><?xml version="1.0" encoding="utf-8"?>
+<p:notes xmlns:a="http://schemas.openxmlformats.org/drawingml/2006/main" xmlns:r="http://schemas.openxmlformats.org/officeDocument/2006/relationships" xmlns:p="http://schemas.openxmlformats.org/presentationml/2006/main">
+  <p:cSld>
+    <p:spTree>
+      <p:nvGrpSpPr>
+        <p:cNvPr id="1" name=""/>
+        <p:cNvGrpSpPr/>
+        <p:nvPr/>
+      </p:nvGrpSpPr>
+      <p:grpSpPr>
+        <a:xfrm>
+          <a:off x="0" y="0"/>
+          <a:ext cx="0" cy="0"/>
+          <a:chOff x="0" y="0"/>
+          <a:chExt cx="0" cy="0"/>
+        </a:xfrm>
+      </p:grpSpPr>
+      <p:sp>
+        <p:nvSpPr>
+          <p:cNvPr id="2" name="Slide Image Placeholder 1"/>
+          <p:cNvSpPr>
+            <a:spLocks noGrp="1" noRot="1" noChangeAspect="1"/>
+          </p:cNvSpPr>
+          <p:nvPr>
+            <p:ph type="sldImg"/>
+          </p:nvPr>
+        </p:nvSpPr>
+        <p:spPr/>
+      </p:sp>
+      <p:sp>
+        <p:nvSpPr>
+          <p:cNvPr id="3" name="Notes Placeholder 2"/>
+          <p:cNvSpPr>
+            <a:spLocks noGrp="1"/>
+          </p:cNvSpPr>
+          <p:nvPr>
+            <p:ph type="body" idx="1"/>
+          </p:nvPr>
+        </p:nvSpPr>
+        <p:spPr/>
+        <p:txBody>
+          <a:bodyPr/>
+          <a:lstStyle/>
+          <a:p>
+            <a:endParaRPr lang="en-US" dirty="0"/>
+          </a:p>
+        </p:txBody>
+      </p:sp>
+      <p:sp>
+        <p:nvSpPr>
+          <p:cNvPr id="4" name="Slide Number Placeholder 3"/>
+          <p:cNvSpPr>
+            <a:spLocks noGrp="1"/>
+          </p:cNvSpPr>
+          <p:nvPr>
+            <p:ph type="sldNum" sz="quarter" idx="5"/>
+          </p:nvPr>
+        </p:nvSpPr>
+        <p:spPr/>
+        <p:txBody>
+          <a:bodyPr/>
+          <a:lstStyle/>
+          <a:p>
+            <a:fld id="{32BF9438-3EEF-4192-9815-F6F44770AEF7}" type="slidenum">
+              <a:rPr lang="en-US" smtClean="0"/>
+              <a:t>19</a:t>
+            </a:fld>
+            <a:endParaRPr lang="en-US" dirty="0"/>
+          </a:p>
+        </p:txBody>
+      </p:sp>
+    </p:spTree>
+    <p:extLst>
+      <p:ext uri="{BB962C8B-B14F-4D97-AF65-F5344CB8AC3E}">
+        <p14:creationId xmlns:p14="http://schemas.microsoft.com/office/powerpoint/2010/main" val="481655112"/>
       </p:ext>
     </p:extLst>
   </p:cSld>
@@ -1591,6 +1677,90 @@
     <p:extLst>
       <p:ext uri="{BB962C8B-B14F-4D97-AF65-F5344CB8AC3E}">
         <p14:creationId xmlns:p14="http://schemas.microsoft.com/office/powerpoint/2010/main" val="1244630047"/>
+      </p:ext>
+    </p:extLst>
+  </p:cSld>
+  <p:clrMapOvr>
+    <a:masterClrMapping/>
+  </p:clrMapOvr>
+</p:notes>
+</file>
+
+<file path=ppt/notesSlides/notesSlide20.xml><?xml version="1.0" encoding="utf-8"?>
+<p:notes xmlns:a="http://schemas.openxmlformats.org/drawingml/2006/main" xmlns:r="http://schemas.openxmlformats.org/officeDocument/2006/relationships" xmlns:p="http://schemas.openxmlformats.org/presentationml/2006/main">
+  <p:cSld>
+    <p:spTree>
+      <p:nvGrpSpPr>
+        <p:cNvPr id="1" name=""/>
+        <p:cNvGrpSpPr/>
+        <p:nvPr/>
+      </p:nvGrpSpPr>
+      <p:grpSpPr>
+        <a:xfrm>
+          <a:off x="0" y="0"/>
+          <a:ext cx="0" cy="0"/>
+          <a:chOff x="0" y="0"/>
+          <a:chExt cx="0" cy="0"/>
+        </a:xfrm>
+      </p:grpSpPr>
+      <p:sp>
+        <p:nvSpPr>
+          <p:cNvPr id="2" name="Slide Image Placeholder 1"/>
+          <p:cNvSpPr>
+            <a:spLocks noGrp="1" noRot="1" noChangeAspect="1"/>
+          </p:cNvSpPr>
+          <p:nvPr>
+            <p:ph type="sldImg"/>
+          </p:nvPr>
+        </p:nvSpPr>
+        <p:spPr/>
+      </p:sp>
+      <p:sp>
+        <p:nvSpPr>
+          <p:cNvPr id="3" name="Notes Placeholder 2"/>
+          <p:cNvSpPr>
+            <a:spLocks noGrp="1"/>
+          </p:cNvSpPr>
+          <p:nvPr>
+            <p:ph type="body" idx="1"/>
+          </p:nvPr>
+        </p:nvSpPr>
+        <p:spPr/>
+        <p:txBody>
+          <a:bodyPr/>
+          <a:lstStyle/>
+          <a:p>
+            <a:endParaRPr lang="en-US" dirty="0"/>
+          </a:p>
+        </p:txBody>
+      </p:sp>
+      <p:sp>
+        <p:nvSpPr>
+          <p:cNvPr id="4" name="Slide Number Placeholder 3"/>
+          <p:cNvSpPr>
+            <a:spLocks noGrp="1"/>
+          </p:cNvSpPr>
+          <p:nvPr>
+            <p:ph type="sldNum" sz="quarter" idx="5"/>
+          </p:nvPr>
+        </p:nvSpPr>
+        <p:spPr/>
+        <p:txBody>
+          <a:bodyPr/>
+          <a:lstStyle/>
+          <a:p>
+            <a:fld id="{32BF9438-3EEF-4192-9815-F6F44770AEF7}" type="slidenum">
+              <a:rPr lang="en-US" smtClean="0"/>
+              <a:t>20</a:t>
+            </a:fld>
+            <a:endParaRPr lang="en-US" dirty="0"/>
+          </a:p>
+        </p:txBody>
+      </p:sp>
+    </p:spTree>
+    <p:extLst>
+      <p:ext uri="{BB962C8B-B14F-4D97-AF65-F5344CB8AC3E}">
+        <p14:creationId xmlns:p14="http://schemas.microsoft.com/office/powerpoint/2010/main" val="3284469769"/>
       </p:ext>
     </p:extLst>
   </p:cSld>
@@ -1758,7 +1928,7 @@
     </p:spTree>
     <p:extLst>
       <p:ext uri="{BB962C8B-B14F-4D97-AF65-F5344CB8AC3E}">
-        <p14:creationId xmlns:p14="http://schemas.microsoft.com/office/powerpoint/2010/main" val="1601957038"/>
+        <p14:creationId xmlns:p14="http://schemas.microsoft.com/office/powerpoint/2010/main" val="3667353202"/>
       </p:ext>
     </p:extLst>
   </p:cSld>
@@ -1842,7 +2012,7 @@
     </p:spTree>
     <p:extLst>
       <p:ext uri="{BB962C8B-B14F-4D97-AF65-F5344CB8AC3E}">
-        <p14:creationId xmlns:p14="http://schemas.microsoft.com/office/powerpoint/2010/main" val="199377012"/>
+        <p14:creationId xmlns:p14="http://schemas.microsoft.com/office/powerpoint/2010/main" val="755499500"/>
       </p:ext>
     </p:extLst>
   </p:cSld>
@@ -1926,7 +2096,7 @@
     </p:spTree>
     <p:extLst>
       <p:ext uri="{BB962C8B-B14F-4D97-AF65-F5344CB8AC3E}">
-        <p14:creationId xmlns:p14="http://schemas.microsoft.com/office/powerpoint/2010/main" val="1262278067"/>
+        <p14:creationId xmlns:p14="http://schemas.microsoft.com/office/powerpoint/2010/main" val="1601957038"/>
       </p:ext>
     </p:extLst>
   </p:cSld>
@@ -2010,7 +2180,7 @@
     </p:spTree>
     <p:extLst>
       <p:ext uri="{BB962C8B-B14F-4D97-AF65-F5344CB8AC3E}">
-        <p14:creationId xmlns:p14="http://schemas.microsoft.com/office/powerpoint/2010/main" val="896348485"/>
+        <p14:creationId xmlns:p14="http://schemas.microsoft.com/office/powerpoint/2010/main" val="199377012"/>
       </p:ext>
     </p:extLst>
   </p:cSld>
@@ -2094,7 +2264,7 @@
     </p:spTree>
     <p:extLst>
       <p:ext uri="{BB962C8B-B14F-4D97-AF65-F5344CB8AC3E}">
-        <p14:creationId xmlns:p14="http://schemas.microsoft.com/office/powerpoint/2010/main" val="3872175634"/>
+        <p14:creationId xmlns:p14="http://schemas.microsoft.com/office/powerpoint/2010/main" val="1262278067"/>
       </p:ext>
     </p:extLst>
   </p:cSld>
@@ -2178,7 +2348,7 @@
     </p:spTree>
     <p:extLst>
       <p:ext uri="{BB962C8B-B14F-4D97-AF65-F5344CB8AC3E}">
-        <p14:creationId xmlns:p14="http://schemas.microsoft.com/office/powerpoint/2010/main" val="2648190735"/>
+        <p14:creationId xmlns:p14="http://schemas.microsoft.com/office/powerpoint/2010/main" val="896348485"/>
       </p:ext>
     </p:extLst>
   </p:cSld>
@@ -13728,6 +13898,669 @@
           <a:chExt cx="0" cy="0"/>
         </a:xfrm>
       </p:grpSpPr>
+      <p:pic>
+        <p:nvPicPr>
+          <p:cNvPr id="5" name="Picture 4">
+            <a:extLst>
+              <a:ext uri="{FF2B5EF4-FFF2-40B4-BE49-F238E27FC236}">
+                <a16:creationId xmlns:a16="http://schemas.microsoft.com/office/drawing/2014/main" id="{EF6CFF8F-5938-61C4-27CA-9A87FE0DA9A9}"/>
+              </a:ext>
+            </a:extLst>
+          </p:cNvPr>
+          <p:cNvPicPr>
+            <a:picLocks noChangeAspect="1"/>
+          </p:cNvPicPr>
+          <p:nvPr/>
+        </p:nvPicPr>
+        <p:blipFill>
+          <a:blip r:embed="rId3"/>
+          <a:stretch>
+            <a:fillRect/>
+          </a:stretch>
+        </p:blipFill>
+        <p:spPr>
+          <a:xfrm>
+            <a:off x="1131851" y="2604980"/>
+            <a:ext cx="9541436" cy="3653764"/>
+          </a:xfrm>
+          <a:prstGeom prst="rect">
+            <a:avLst/>
+          </a:prstGeom>
+        </p:spPr>
+      </p:pic>
+      <p:sp>
+        <p:nvSpPr>
+          <p:cNvPr id="3" name="Title 2">
+            <a:extLst>
+              <a:ext uri="{FF2B5EF4-FFF2-40B4-BE49-F238E27FC236}">
+                <a16:creationId xmlns:a16="http://schemas.microsoft.com/office/drawing/2014/main" id="{160027CB-3C27-FC4C-AEF9-685A21EA1B94}"/>
+              </a:ext>
+            </a:extLst>
+          </p:cNvPr>
+          <p:cNvSpPr>
+            <a:spLocks noGrp="1"/>
+          </p:cNvSpPr>
+          <p:nvPr>
+            <p:ph type="title"/>
+          </p:nvPr>
+        </p:nvSpPr>
+        <p:spPr>
+          <a:xfrm>
+            <a:off x="1381748" y="246183"/>
+            <a:ext cx="9743452" cy="1919521"/>
+          </a:xfrm>
+        </p:spPr>
+        <p:txBody>
+          <a:bodyPr/>
+          <a:lstStyle/>
+          <a:p>
+            <a:r>
+              <a:rPr lang="en-US" dirty="0">
+                <a:latin typeface="Boucherie Block" panose="02000506000000020004" pitchFamily="2" charset="0"/>
+              </a:rPr>
+              <a:t>Hi-</a:t>
+            </a:r>
+            <a:r>
+              <a:rPr lang="en-US" dirty="0" err="1">
+                <a:latin typeface="Boucherie Block" panose="02000506000000020004" pitchFamily="2" charset="0"/>
+              </a:rPr>
+              <a:t>kvadrat</a:t>
+            </a:r>
+            <a:r>
+              <a:rPr lang="en-US" dirty="0">
+                <a:latin typeface="Boucherie Block" panose="02000506000000020004" pitchFamily="2" charset="0"/>
+              </a:rPr>
+              <a:t> </a:t>
+            </a:r>
+            <a:r>
+              <a:rPr lang="en-US" dirty="0" err="1">
+                <a:latin typeface="Boucherie Block" panose="02000506000000020004" pitchFamily="2" charset="0"/>
+              </a:rPr>
+              <a:t>testovi</a:t>
+            </a:r>
+            <a:r>
+              <a:rPr lang="en-US" dirty="0">
+                <a:latin typeface="Boucherie Block" panose="02000506000000020004" pitchFamily="2" charset="0"/>
+              </a:rPr>
+              <a:t> </a:t>
+            </a:r>
+            <a:r>
+              <a:rPr lang="en-US" dirty="0" err="1">
+                <a:solidFill>
+                  <a:schemeClr val="accent2"/>
+                </a:solidFill>
+                <a:latin typeface="Boucherie Block" panose="02000506000000020004" pitchFamily="2" charset="0"/>
+              </a:rPr>
+              <a:t>spol</a:t>
+            </a:r>
+            <a:endParaRPr lang="en-US" dirty="0">
+              <a:solidFill>
+                <a:schemeClr val="accent2"/>
+              </a:solidFill>
+              <a:latin typeface="Boucherie Block" panose="02000506000000020004" pitchFamily="2" charset="0"/>
+            </a:endParaRPr>
+          </a:p>
+        </p:txBody>
+      </p:sp>
+      <p:sp>
+        <p:nvSpPr>
+          <p:cNvPr id="4" name="Content Placeholder 3">
+            <a:extLst>
+              <a:ext uri="{FF2B5EF4-FFF2-40B4-BE49-F238E27FC236}">
+                <a16:creationId xmlns:a16="http://schemas.microsoft.com/office/drawing/2014/main" id="{7B25569D-4B51-26CD-C967-65D3F4059DB9}"/>
+              </a:ext>
+            </a:extLst>
+          </p:cNvPr>
+          <p:cNvSpPr>
+            <a:spLocks noGrp="1"/>
+          </p:cNvSpPr>
+          <p:nvPr>
+            <p:ph sz="quarter" idx="10"/>
+          </p:nvPr>
+        </p:nvSpPr>
+        <p:spPr>
+          <a:xfrm>
+            <a:off x="1371600" y="1580033"/>
+            <a:ext cx="5532293" cy="918074"/>
+          </a:xfrm>
+        </p:spPr>
+        <p:txBody>
+          <a:bodyPr>
+            <a:normAutofit fontScale="85000" lnSpcReduction="10000"/>
+          </a:bodyPr>
+          <a:lstStyle/>
+          <a:p>
+            <a:r>
+              <a:rPr lang="hr-HR" dirty="0"/>
+              <a:t>Na razini signifikantnosti 1% - odbačena je </a:t>
+            </a:r>
+            <a:r>
+              <a:rPr lang="hr-HR" dirty="0" err="1"/>
+              <a:t>nul</a:t>
+            </a:r>
+            <a:r>
+              <a:rPr lang="hr-HR" dirty="0"/>
+              <a:t>-hipoteza</a:t>
+            </a:r>
+          </a:p>
+          <a:p>
+            <a:r>
+              <a:rPr lang="hr-HR" dirty="0"/>
+              <a:t>Na razini signifikantnosti 5% - muškarci imaju veću tendenciju biti dijabetičari</a:t>
+            </a:r>
+          </a:p>
+        </p:txBody>
+      </p:sp>
+      <p:sp>
+        <p:nvSpPr>
+          <p:cNvPr id="2" name="Slide Number Placeholder 1">
+            <a:extLst>
+              <a:ext uri="{FF2B5EF4-FFF2-40B4-BE49-F238E27FC236}">
+                <a16:creationId xmlns:a16="http://schemas.microsoft.com/office/drawing/2014/main" id="{616BFA23-AB5B-BA88-E233-DE14DED5A297}"/>
+              </a:ext>
+            </a:extLst>
+          </p:cNvPr>
+          <p:cNvSpPr>
+            <a:spLocks noGrp="1"/>
+          </p:cNvSpPr>
+          <p:nvPr>
+            <p:ph type="sldNum" sz="quarter" idx="4"/>
+          </p:nvPr>
+        </p:nvSpPr>
+        <p:spPr/>
+        <p:txBody>
+          <a:bodyPr/>
+          <a:lstStyle/>
+          <a:p>
+            <a:fld id="{08AB70BE-1769-45B8-85A6-0C837432C7E6}" type="slidenum">
+              <a:rPr lang="en-US" smtClean="0"/>
+              <a:pPr/>
+              <a:t>10</a:t>
+            </a:fld>
+            <a:endParaRPr lang="en-US" dirty="0"/>
+          </a:p>
+        </p:txBody>
+      </p:sp>
+      <p:pic>
+        <p:nvPicPr>
+          <p:cNvPr id="8" name="Content Placeholder 5">
+            <a:extLst>
+              <a:ext uri="{FF2B5EF4-FFF2-40B4-BE49-F238E27FC236}">
+                <a16:creationId xmlns:a16="http://schemas.microsoft.com/office/drawing/2014/main" id="{43AEAF8F-0D76-9FE5-0842-C100CAD7A387}"/>
+              </a:ext>
+            </a:extLst>
+          </p:cNvPr>
+          <p:cNvPicPr>
+            <a:picLocks noChangeAspect="1"/>
+          </p:cNvPicPr>
+          <p:nvPr/>
+        </p:nvPicPr>
+        <p:blipFill rotWithShape="1">
+          <a:blip r:embed="rId4"/>
+          <a:srcRect l="6861" t="7317" r="8995" b="15329"/>
+          <a:stretch/>
+        </p:blipFill>
+        <p:spPr>
+          <a:xfrm>
+            <a:off x="6903893" y="843231"/>
+            <a:ext cx="4468818" cy="2905353"/>
+          </a:xfrm>
+          <a:prstGeom prst="rect">
+            <a:avLst/>
+          </a:prstGeom>
+        </p:spPr>
+      </p:pic>
+      <p:sp>
+        <p:nvSpPr>
+          <p:cNvPr id="9" name="TextBox 8">
+            <a:extLst>
+              <a:ext uri="{FF2B5EF4-FFF2-40B4-BE49-F238E27FC236}">
+                <a16:creationId xmlns:a16="http://schemas.microsoft.com/office/drawing/2014/main" id="{8E7A0B7F-726A-9648-1BCB-8E2FE251FE9C}"/>
+              </a:ext>
+            </a:extLst>
+          </p:cNvPr>
+          <p:cNvSpPr txBox="1"/>
+          <p:nvPr/>
+        </p:nvSpPr>
+        <p:spPr>
+          <a:xfrm>
+            <a:off x="8234267" y="3760810"/>
+            <a:ext cx="2301849" cy="369332"/>
+          </a:xfrm>
+          <a:prstGeom prst="rect">
+            <a:avLst/>
+          </a:prstGeom>
+          <a:noFill/>
+        </p:spPr>
+        <p:txBody>
+          <a:bodyPr wrap="none" rtlCol="0">
+            <a:spAutoFit/>
+          </a:bodyPr>
+          <a:lstStyle/>
+          <a:p>
+            <a:r>
+              <a:rPr lang="en-US" i="1" dirty="0" err="1">
+                <a:solidFill>
+                  <a:schemeClr val="accent2">
+                    <a:lumMod val="50000"/>
+                  </a:schemeClr>
+                </a:solidFill>
+              </a:rPr>
+              <a:t>Slika</a:t>
+            </a:r>
+            <a:r>
+              <a:rPr lang="en-US" i="1" dirty="0">
+                <a:solidFill>
+                  <a:schemeClr val="accent2">
+                    <a:lumMod val="50000"/>
+                  </a:schemeClr>
+                </a:solidFill>
+              </a:rPr>
+              <a:t> 3. </a:t>
+            </a:r>
+            <a:r>
+              <a:rPr lang="en-US" i="1" dirty="0" err="1">
+                <a:solidFill>
+                  <a:schemeClr val="accent2">
+                    <a:lumMod val="50000"/>
+                  </a:schemeClr>
+                </a:solidFill>
+              </a:rPr>
+              <a:t>Barplot</a:t>
+            </a:r>
+            <a:r>
+              <a:rPr lang="en-US" i="1" dirty="0">
+                <a:solidFill>
+                  <a:schemeClr val="accent2">
+                    <a:lumMod val="50000"/>
+                  </a:schemeClr>
+                </a:solidFill>
+              </a:rPr>
+              <a:t> za </a:t>
+            </a:r>
+            <a:r>
+              <a:rPr lang="en-US" i="1" dirty="0" err="1">
+                <a:solidFill>
+                  <a:schemeClr val="accent2">
+                    <a:lumMod val="50000"/>
+                  </a:schemeClr>
+                </a:solidFill>
+              </a:rPr>
+              <a:t>spol</a:t>
+            </a:r>
+            <a:endParaRPr lang="en-US" i="1" dirty="0">
+              <a:solidFill>
+                <a:schemeClr val="accent2">
+                  <a:lumMod val="50000"/>
+                </a:schemeClr>
+              </a:solidFill>
+            </a:endParaRPr>
+          </a:p>
+        </p:txBody>
+      </p:sp>
+    </p:spTree>
+    <p:extLst>
+      <p:ext uri="{BB962C8B-B14F-4D97-AF65-F5344CB8AC3E}">
+        <p14:creationId xmlns:p14="http://schemas.microsoft.com/office/powerpoint/2010/main" val="1051131639"/>
+      </p:ext>
+    </p:extLst>
+  </p:cSld>
+  <p:clrMapOvr>
+    <a:masterClrMapping/>
+  </p:clrMapOvr>
+  <mc:AlternateContent xmlns:mc="http://schemas.openxmlformats.org/markup-compatibility/2006" xmlns:p159="http://schemas.microsoft.com/office/powerpoint/2015/09/main">
+    <mc:Choice Requires="p159">
+      <p:transition xmlns:p14="http://schemas.microsoft.com/office/powerpoint/2010/main" p14:dur="250">
+        <p159:morph option="byObject"/>
+      </p:transition>
+    </mc:Choice>
+    <mc:Fallback xmlns="">
+      <p:transition>
+        <p:fade/>
+      </p:transition>
+    </mc:Fallback>
+  </mc:AlternateContent>
+</p:sld>
+</file>
+
+<file path=ppt/slides/slide11.xml><?xml version="1.0" encoding="utf-8"?>
+<p:sld xmlns:a="http://schemas.openxmlformats.org/drawingml/2006/main" xmlns:r="http://schemas.openxmlformats.org/officeDocument/2006/relationships" xmlns:p="http://schemas.openxmlformats.org/presentationml/2006/main">
+  <p:cSld>
+    <p:spTree>
+      <p:nvGrpSpPr>
+        <p:cNvPr id="1" name=""/>
+        <p:cNvGrpSpPr/>
+        <p:nvPr/>
+      </p:nvGrpSpPr>
+      <p:grpSpPr>
+        <a:xfrm>
+          <a:off x="0" y="0"/>
+          <a:ext cx="0" cy="0"/>
+          <a:chOff x="0" y="0"/>
+          <a:chExt cx="0" cy="0"/>
+        </a:xfrm>
+      </p:grpSpPr>
+      <p:sp>
+        <p:nvSpPr>
+          <p:cNvPr id="3" name="Title 2">
+            <a:extLst>
+              <a:ext uri="{FF2B5EF4-FFF2-40B4-BE49-F238E27FC236}">
+                <a16:creationId xmlns:a16="http://schemas.microsoft.com/office/drawing/2014/main" id="{160027CB-3C27-FC4C-AEF9-685A21EA1B94}"/>
+              </a:ext>
+            </a:extLst>
+          </p:cNvPr>
+          <p:cNvSpPr>
+            <a:spLocks noGrp="1"/>
+          </p:cNvSpPr>
+          <p:nvPr>
+            <p:ph type="title"/>
+          </p:nvPr>
+        </p:nvSpPr>
+        <p:spPr>
+          <a:xfrm>
+            <a:off x="1381748" y="246183"/>
+            <a:ext cx="9743452" cy="1919521"/>
+          </a:xfrm>
+        </p:spPr>
+        <p:txBody>
+          <a:bodyPr/>
+          <a:lstStyle/>
+          <a:p>
+            <a:r>
+              <a:rPr lang="en-US" dirty="0">
+                <a:latin typeface="Boucherie Block" panose="02000506000000020004" pitchFamily="2" charset="0"/>
+              </a:rPr>
+              <a:t>Hi-</a:t>
+            </a:r>
+            <a:r>
+              <a:rPr lang="en-US" dirty="0" err="1">
+                <a:latin typeface="Boucherie Block" panose="02000506000000020004" pitchFamily="2" charset="0"/>
+              </a:rPr>
+              <a:t>kvadrat</a:t>
+            </a:r>
+            <a:r>
+              <a:rPr lang="en-US" dirty="0">
+                <a:latin typeface="Boucherie Block" panose="02000506000000020004" pitchFamily="2" charset="0"/>
+              </a:rPr>
+              <a:t> </a:t>
+            </a:r>
+            <a:r>
+              <a:rPr lang="en-US" dirty="0" err="1">
+                <a:latin typeface="Boucherie Block" panose="02000506000000020004" pitchFamily="2" charset="0"/>
+              </a:rPr>
+              <a:t>testovi</a:t>
+            </a:r>
+            <a:r>
+              <a:rPr lang="en-US" dirty="0">
+                <a:latin typeface="Boucherie Block" panose="02000506000000020004" pitchFamily="2" charset="0"/>
+              </a:rPr>
+              <a:t> </a:t>
+            </a:r>
+            <a:r>
+              <a:rPr lang="en-US" dirty="0" err="1">
+                <a:solidFill>
+                  <a:schemeClr val="accent2"/>
+                </a:solidFill>
+                <a:latin typeface="Boucherie Block" panose="02000506000000020004" pitchFamily="2" charset="0"/>
+              </a:rPr>
+              <a:t>zarada</a:t>
+            </a:r>
+            <a:endParaRPr lang="en-US" dirty="0">
+              <a:solidFill>
+                <a:schemeClr val="accent2"/>
+              </a:solidFill>
+              <a:latin typeface="Boucherie Block" panose="02000506000000020004" pitchFamily="2" charset="0"/>
+            </a:endParaRPr>
+          </a:p>
+        </p:txBody>
+      </p:sp>
+      <p:sp>
+        <p:nvSpPr>
+          <p:cNvPr id="2" name="Slide Number Placeholder 1">
+            <a:extLst>
+              <a:ext uri="{FF2B5EF4-FFF2-40B4-BE49-F238E27FC236}">
+                <a16:creationId xmlns:a16="http://schemas.microsoft.com/office/drawing/2014/main" id="{616BFA23-AB5B-BA88-E233-DE14DED5A297}"/>
+              </a:ext>
+            </a:extLst>
+          </p:cNvPr>
+          <p:cNvSpPr>
+            <a:spLocks noGrp="1"/>
+          </p:cNvSpPr>
+          <p:nvPr>
+            <p:ph type="sldNum" sz="quarter" idx="4"/>
+          </p:nvPr>
+        </p:nvSpPr>
+        <p:spPr/>
+        <p:txBody>
+          <a:bodyPr/>
+          <a:lstStyle/>
+          <a:p>
+            <a:fld id="{08AB70BE-1769-45B8-85A6-0C837432C7E6}" type="slidenum">
+              <a:rPr lang="en-US" smtClean="0"/>
+              <a:pPr/>
+              <a:t>11</a:t>
+            </a:fld>
+            <a:endParaRPr lang="en-US" dirty="0"/>
+          </a:p>
+        </p:txBody>
+      </p:sp>
+      <p:pic>
+        <p:nvPicPr>
+          <p:cNvPr id="8" name="Content Placeholder 5">
+            <a:extLst>
+              <a:ext uri="{FF2B5EF4-FFF2-40B4-BE49-F238E27FC236}">
+                <a16:creationId xmlns:a16="http://schemas.microsoft.com/office/drawing/2014/main" id="{43AEAF8F-0D76-9FE5-0842-C100CAD7A387}"/>
+              </a:ext>
+            </a:extLst>
+          </p:cNvPr>
+          <p:cNvPicPr>
+            <a:picLocks noChangeAspect="1"/>
+          </p:cNvPicPr>
+          <p:nvPr/>
+        </p:nvPicPr>
+        <p:blipFill rotWithShape="1">
+          <a:blip r:embed="rId3"/>
+          <a:srcRect l="5269" t="4105" r="6982" b="11673"/>
+          <a:stretch/>
+        </p:blipFill>
+        <p:spPr>
+          <a:xfrm>
+            <a:off x="1268186" y="1953087"/>
+            <a:ext cx="5219343" cy="3548189"/>
+          </a:xfrm>
+          <a:prstGeom prst="rect">
+            <a:avLst/>
+          </a:prstGeom>
+        </p:spPr>
+      </p:pic>
+      <p:sp>
+        <p:nvSpPr>
+          <p:cNvPr id="9" name="TextBox 8">
+            <a:extLst>
+              <a:ext uri="{FF2B5EF4-FFF2-40B4-BE49-F238E27FC236}">
+                <a16:creationId xmlns:a16="http://schemas.microsoft.com/office/drawing/2014/main" id="{8E7A0B7F-726A-9648-1BCB-8E2FE251FE9C}"/>
+              </a:ext>
+            </a:extLst>
+          </p:cNvPr>
+          <p:cNvSpPr txBox="1"/>
+          <p:nvPr/>
+        </p:nvSpPr>
+        <p:spPr>
+          <a:xfrm>
+            <a:off x="2687539" y="5476309"/>
+            <a:ext cx="2552558" cy="369332"/>
+          </a:xfrm>
+          <a:prstGeom prst="rect">
+            <a:avLst/>
+          </a:prstGeom>
+          <a:noFill/>
+        </p:spPr>
+        <p:txBody>
+          <a:bodyPr wrap="none" rtlCol="0">
+            <a:spAutoFit/>
+          </a:bodyPr>
+          <a:lstStyle/>
+          <a:p>
+            <a:r>
+              <a:rPr lang="en-US" i="1" dirty="0" err="1">
+                <a:solidFill>
+                  <a:schemeClr val="accent2">
+                    <a:lumMod val="50000"/>
+                  </a:schemeClr>
+                </a:solidFill>
+              </a:rPr>
+              <a:t>Slika</a:t>
+            </a:r>
+            <a:r>
+              <a:rPr lang="en-US" i="1" dirty="0">
+                <a:solidFill>
+                  <a:schemeClr val="accent2">
+                    <a:lumMod val="50000"/>
+                  </a:schemeClr>
+                </a:solidFill>
+              </a:rPr>
+              <a:t> 3. </a:t>
+            </a:r>
+            <a:r>
+              <a:rPr lang="en-US" i="1" dirty="0" err="1">
+                <a:solidFill>
+                  <a:schemeClr val="accent2">
+                    <a:lumMod val="50000"/>
+                  </a:schemeClr>
+                </a:solidFill>
+              </a:rPr>
+              <a:t>Barplot</a:t>
+            </a:r>
+            <a:r>
+              <a:rPr lang="en-US" i="1" dirty="0">
+                <a:solidFill>
+                  <a:schemeClr val="accent2">
+                    <a:lumMod val="50000"/>
+                  </a:schemeClr>
+                </a:solidFill>
+              </a:rPr>
+              <a:t> za </a:t>
+            </a:r>
+            <a:r>
+              <a:rPr lang="en-US" i="1" dirty="0" err="1">
+                <a:solidFill>
+                  <a:schemeClr val="accent2">
+                    <a:lumMod val="50000"/>
+                  </a:schemeClr>
+                </a:solidFill>
+              </a:rPr>
+              <a:t>zaradu</a:t>
+            </a:r>
+            <a:endParaRPr lang="en-US" i="1" dirty="0">
+              <a:solidFill>
+                <a:schemeClr val="accent2">
+                  <a:lumMod val="50000"/>
+                </a:schemeClr>
+              </a:solidFill>
+            </a:endParaRPr>
+          </a:p>
+        </p:txBody>
+      </p:sp>
+      <p:pic>
+        <p:nvPicPr>
+          <p:cNvPr id="12" name="Picture 11">
+            <a:extLst>
+              <a:ext uri="{FF2B5EF4-FFF2-40B4-BE49-F238E27FC236}">
+                <a16:creationId xmlns:a16="http://schemas.microsoft.com/office/drawing/2014/main" id="{7DE414C5-8D58-C86F-5C27-EC63DACC2ABE}"/>
+              </a:ext>
+            </a:extLst>
+          </p:cNvPr>
+          <p:cNvPicPr>
+            <a:picLocks noChangeAspect="1"/>
+          </p:cNvPicPr>
+          <p:nvPr/>
+        </p:nvPicPr>
+        <p:blipFill rotWithShape="1">
+          <a:blip r:embed="rId4"/>
+          <a:srcRect l="66041"/>
+          <a:stretch/>
+        </p:blipFill>
+        <p:spPr>
+          <a:xfrm>
+            <a:off x="7764933" y="3167070"/>
+            <a:ext cx="2658668" cy="1368327"/>
+          </a:xfrm>
+          <a:prstGeom prst="rect">
+            <a:avLst/>
+          </a:prstGeom>
+        </p:spPr>
+      </p:pic>
+      <p:pic>
+        <p:nvPicPr>
+          <p:cNvPr id="13" name="Picture 12">
+            <a:extLst>
+              <a:ext uri="{FF2B5EF4-FFF2-40B4-BE49-F238E27FC236}">
+                <a16:creationId xmlns:a16="http://schemas.microsoft.com/office/drawing/2014/main" id="{068C5F1D-35AA-E523-88C8-8140E76A39F3}"/>
+              </a:ext>
+            </a:extLst>
+          </p:cNvPr>
+          <p:cNvPicPr>
+            <a:picLocks noChangeAspect="1"/>
+          </p:cNvPicPr>
+          <p:nvPr/>
+        </p:nvPicPr>
+        <p:blipFill rotWithShape="1">
+          <a:blip r:embed="rId4"/>
+          <a:srcRect r="34179"/>
+          <a:stretch/>
+        </p:blipFill>
+        <p:spPr>
+          <a:xfrm>
+            <a:off x="6729507" y="2951625"/>
+            <a:ext cx="5153080" cy="1368327"/>
+          </a:xfrm>
+          <a:prstGeom prst="rect">
+            <a:avLst/>
+          </a:prstGeom>
+        </p:spPr>
+      </p:pic>
+    </p:spTree>
+    <p:extLst>
+      <p:ext uri="{BB962C8B-B14F-4D97-AF65-F5344CB8AC3E}">
+        <p14:creationId xmlns:p14="http://schemas.microsoft.com/office/powerpoint/2010/main" val="996602895"/>
+      </p:ext>
+    </p:extLst>
+  </p:cSld>
+  <p:clrMapOvr>
+    <a:masterClrMapping/>
+  </p:clrMapOvr>
+  <mc:AlternateContent xmlns:mc="http://schemas.openxmlformats.org/markup-compatibility/2006" xmlns:p159="http://schemas.microsoft.com/office/powerpoint/2015/09/main">
+    <mc:Choice Requires="p159">
+      <p:transition xmlns:p14="http://schemas.microsoft.com/office/powerpoint/2010/main" p14:dur="250">
+        <p159:morph option="byObject"/>
+      </p:transition>
+    </mc:Choice>
+    <mc:Fallback xmlns="">
+      <p:transition>
+        <p:fade/>
+      </p:transition>
+    </mc:Fallback>
+  </mc:AlternateContent>
+</p:sld>
+</file>
+
+<file path=ppt/slides/slide12.xml><?xml version="1.0" encoding="utf-8"?>
+<p:sld xmlns:a="http://schemas.openxmlformats.org/drawingml/2006/main" xmlns:r="http://schemas.openxmlformats.org/officeDocument/2006/relationships" xmlns:p="http://schemas.openxmlformats.org/presentationml/2006/main">
+  <p:cSld>
+    <p:spTree>
+      <p:nvGrpSpPr>
+        <p:cNvPr id="1" name=""/>
+        <p:cNvGrpSpPr/>
+        <p:nvPr/>
+      </p:nvGrpSpPr>
+      <p:grpSpPr>
+        <a:xfrm>
+          <a:off x="0" y="0"/>
+          <a:ext cx="0" cy="0"/>
+          <a:chOff x="0" y="0"/>
+          <a:chExt cx="0" cy="0"/>
+        </a:xfrm>
+      </p:grpSpPr>
       <p:sp>
         <p:nvSpPr>
           <p:cNvPr id="2" name="Slide Number Placeholder 1">
@@ -13752,7 +14585,7 @@
             <a:fld id="{08AB70BE-1769-45B8-85A6-0C837432C7E6}" type="slidenum">
               <a:rPr lang="en-US" smtClean="0"/>
               <a:pPr/>
-              <a:t>10</a:t>
+              <a:t>12</a:t>
             </a:fld>
             <a:endParaRPr lang="en-US" dirty="0"/>
           </a:p>
@@ -14344,339 +15177,6 @@
     <p:extLst>
       <p:ext uri="{BB962C8B-B14F-4D97-AF65-F5344CB8AC3E}">
         <p14:creationId xmlns:p14="http://schemas.microsoft.com/office/powerpoint/2010/main" val="2470345671"/>
-      </p:ext>
-    </p:extLst>
-  </p:cSld>
-  <p:clrMapOvr>
-    <a:masterClrMapping/>
-  </p:clrMapOvr>
-  <mc:AlternateContent xmlns:mc="http://schemas.openxmlformats.org/markup-compatibility/2006" xmlns:p14="http://schemas.microsoft.com/office/powerpoint/2010/main">
-    <mc:Choice Requires="p14">
-      <p:transition p14:dur="350">
-        <p:push dir="u"/>
-      </p:transition>
-    </mc:Choice>
-    <mc:Fallback xmlns="">
-      <p:transition>
-        <p:push dir="u"/>
-      </p:transition>
-    </mc:Fallback>
-  </mc:AlternateContent>
-</p:sld>
-</file>
-
-<file path=ppt/slides/slide11.xml><?xml version="1.0" encoding="utf-8"?>
-<p:sld xmlns:a="http://schemas.openxmlformats.org/drawingml/2006/main" xmlns:r="http://schemas.openxmlformats.org/officeDocument/2006/relationships" xmlns:p="http://schemas.openxmlformats.org/presentationml/2006/main">
-  <p:cSld>
-    <p:spTree>
-      <p:nvGrpSpPr>
-        <p:cNvPr id="1" name=""/>
-        <p:cNvGrpSpPr/>
-        <p:nvPr/>
-      </p:nvGrpSpPr>
-      <p:grpSpPr>
-        <a:xfrm>
-          <a:off x="0" y="0"/>
-          <a:ext cx="0" cy="0"/>
-          <a:chOff x="0" y="0"/>
-          <a:chExt cx="0" cy="0"/>
-        </a:xfrm>
-      </p:grpSpPr>
-      <p:sp>
-        <p:nvSpPr>
-          <p:cNvPr id="15" name="Title 14">
-            <a:extLst>
-              <a:ext uri="{FF2B5EF4-FFF2-40B4-BE49-F238E27FC236}">
-                <a16:creationId xmlns:a16="http://schemas.microsoft.com/office/drawing/2014/main" id="{37F92FBB-F1A6-DCA3-4B03-5EA99AE4B0DD}"/>
-              </a:ext>
-            </a:extLst>
-          </p:cNvPr>
-          <p:cNvSpPr>
-            <a:spLocks noGrp="1"/>
-          </p:cNvSpPr>
-          <p:nvPr>
-            <p:ph type="title"/>
-          </p:nvPr>
-        </p:nvSpPr>
-        <p:spPr/>
-        <p:txBody>
-          <a:bodyPr/>
-          <a:lstStyle/>
-          <a:p>
-            <a:r>
-              <a:rPr lang="en-US" dirty="0"/>
-              <a:t>Product overview</a:t>
-            </a:r>
-          </a:p>
-        </p:txBody>
-      </p:sp>
-      <p:pic>
-        <p:nvPicPr>
-          <p:cNvPr id="24" name="Picture Placeholder 23" descr="Green lights in the sky">
-            <a:extLst>
-              <a:ext uri="{FF2B5EF4-FFF2-40B4-BE49-F238E27FC236}">
-                <a16:creationId xmlns:a16="http://schemas.microsoft.com/office/drawing/2014/main" id="{61357E36-869D-B6D4-3E6E-ED43A227E59C}"/>
-              </a:ext>
-            </a:extLst>
-          </p:cNvPr>
-          <p:cNvPicPr>
-            <a:picLocks noGrp="1" noChangeAspect="1"/>
-          </p:cNvPicPr>
-          <p:nvPr>
-            <p:ph type="pic" sz="quarter" idx="11"/>
-          </p:nvPr>
-        </p:nvPicPr>
-        <p:blipFill>
-          <a:blip r:embed="rId3"/>
-          <a:srcRect t="37" b="37"/>
-          <a:stretch/>
-        </p:blipFill>
-        <p:spPr/>
-      </p:pic>
-      <p:sp>
-        <p:nvSpPr>
-          <p:cNvPr id="16" name="Content Placeholder 15">
-            <a:extLst>
-              <a:ext uri="{FF2B5EF4-FFF2-40B4-BE49-F238E27FC236}">
-                <a16:creationId xmlns:a16="http://schemas.microsoft.com/office/drawing/2014/main" id="{43E47AC3-3E43-6A30-A709-127578992F3E}"/>
-              </a:ext>
-            </a:extLst>
-          </p:cNvPr>
-          <p:cNvSpPr>
-            <a:spLocks noGrp="1"/>
-          </p:cNvSpPr>
-          <p:nvPr>
-            <p:ph sz="quarter" idx="10"/>
-          </p:nvPr>
-        </p:nvSpPr>
-        <p:spPr/>
-        <p:txBody>
-          <a:bodyPr>
-            <a:normAutofit/>
-          </a:bodyPr>
-          <a:lstStyle/>
-          <a:p>
-            <a:r>
-              <a:rPr lang="en-US" dirty="0"/>
-              <a:t>First beautifully designed product that's both stylish and functional</a:t>
-            </a:r>
-          </a:p>
-        </p:txBody>
-      </p:sp>
-      <p:sp>
-        <p:nvSpPr>
-          <p:cNvPr id="2" name="Slide Number Placeholder 1">
-            <a:extLst>
-              <a:ext uri="{FF2B5EF4-FFF2-40B4-BE49-F238E27FC236}">
-                <a16:creationId xmlns:a16="http://schemas.microsoft.com/office/drawing/2014/main" id="{06BE44FC-E43E-3153-168E-0A84BD9E6516}"/>
-              </a:ext>
-            </a:extLst>
-          </p:cNvPr>
-          <p:cNvSpPr>
-            <a:spLocks noGrp="1"/>
-          </p:cNvSpPr>
-          <p:nvPr>
-            <p:ph type="sldNum" sz="quarter" idx="4"/>
-          </p:nvPr>
-        </p:nvSpPr>
-        <p:spPr/>
-        <p:txBody>
-          <a:bodyPr/>
-          <a:lstStyle/>
-          <a:p>
-            <a:fld id="{08AB70BE-1769-45B8-85A6-0C837432C7E6}" type="slidenum">
-              <a:rPr lang="en-US" smtClean="0"/>
-              <a:pPr/>
-              <a:t>11</a:t>
-            </a:fld>
-            <a:endParaRPr lang="en-US" dirty="0"/>
-          </a:p>
-        </p:txBody>
-      </p:sp>
-    </p:spTree>
-    <p:extLst>
-      <p:ext uri="{BB962C8B-B14F-4D97-AF65-F5344CB8AC3E}">
-        <p14:creationId xmlns:p14="http://schemas.microsoft.com/office/powerpoint/2010/main" val="2701710032"/>
-      </p:ext>
-    </p:extLst>
-  </p:cSld>
-  <p:clrMapOvr>
-    <a:masterClrMapping/>
-  </p:clrMapOvr>
-  <mc:AlternateContent xmlns:mc="http://schemas.openxmlformats.org/markup-compatibility/2006" xmlns:p14="http://schemas.microsoft.com/office/powerpoint/2010/main">
-    <mc:Choice Requires="p14">
-      <p:transition p14:dur="350">
-        <p:push dir="u"/>
-      </p:transition>
-    </mc:Choice>
-    <mc:Fallback xmlns="">
-      <p:transition>
-        <p:push dir="u"/>
-      </p:transition>
-    </mc:Fallback>
-  </mc:AlternateContent>
-</p:sld>
-</file>
-
-<file path=ppt/slides/slide12.xml><?xml version="1.0" encoding="utf-8"?>
-<p:sld xmlns:a="http://schemas.openxmlformats.org/drawingml/2006/main" xmlns:r="http://schemas.openxmlformats.org/officeDocument/2006/relationships" xmlns:p="http://schemas.openxmlformats.org/presentationml/2006/main">
-  <p:cSld>
-    <p:spTree>
-      <p:nvGrpSpPr>
-        <p:cNvPr id="1" name=""/>
-        <p:cNvGrpSpPr/>
-        <p:nvPr/>
-      </p:nvGrpSpPr>
-      <p:grpSpPr>
-        <a:xfrm>
-          <a:off x="0" y="0"/>
-          <a:ext cx="0" cy="0"/>
-          <a:chOff x="0" y="0"/>
-          <a:chExt cx="0" cy="0"/>
-        </a:xfrm>
-      </p:grpSpPr>
-      <p:sp>
-        <p:nvSpPr>
-          <p:cNvPr id="3" name="Title 2">
-            <a:extLst>
-              <a:ext uri="{FF2B5EF4-FFF2-40B4-BE49-F238E27FC236}">
-                <a16:creationId xmlns:a16="http://schemas.microsoft.com/office/drawing/2014/main" id="{4F465791-02C3-85CB-EC2D-AE1D097AD894}"/>
-              </a:ext>
-            </a:extLst>
-          </p:cNvPr>
-          <p:cNvSpPr>
-            <a:spLocks noGrp="1"/>
-          </p:cNvSpPr>
-          <p:nvPr>
-            <p:ph type="title"/>
-          </p:nvPr>
-        </p:nvSpPr>
-        <p:spPr/>
-        <p:txBody>
-          <a:bodyPr/>
-          <a:lstStyle/>
-          <a:p>
-            <a:r>
-              <a:rPr lang="en-US" dirty="0"/>
-              <a:t>Our competition</a:t>
-            </a:r>
-          </a:p>
-        </p:txBody>
-      </p:sp>
-      <p:sp>
-        <p:nvSpPr>
-          <p:cNvPr id="4" name="Content Placeholder 3">
-            <a:extLst>
-              <a:ext uri="{FF2B5EF4-FFF2-40B4-BE49-F238E27FC236}">
-                <a16:creationId xmlns:a16="http://schemas.microsoft.com/office/drawing/2014/main" id="{607CC286-7253-B31F-DFE6-802920A9FC68}"/>
-              </a:ext>
-            </a:extLst>
-          </p:cNvPr>
-          <p:cNvSpPr>
-            <a:spLocks noGrp="1"/>
-          </p:cNvSpPr>
-          <p:nvPr>
-            <p:ph sz="quarter" idx="10"/>
-          </p:nvPr>
-        </p:nvSpPr>
-        <p:spPr/>
-        <p:txBody>
-          <a:bodyPr/>
-          <a:lstStyle/>
-          <a:p>
-            <a:r>
-              <a:rPr lang="en-US" noProof="1"/>
-              <a:t>Our product is priced below that of other companies on the market</a:t>
-            </a:r>
-          </a:p>
-          <a:p>
-            <a:r>
-              <a:rPr lang="en-US" noProof="1"/>
-              <a:t>Design is simple and easy to use, compared to the complex designs of the competitors</a:t>
-            </a:r>
-          </a:p>
-          <a:p>
-            <a:r>
-              <a:rPr lang="en-US" noProof="1"/>
-              <a:t>Affordability is the main draw for our consumers to our product</a:t>
-            </a:r>
-          </a:p>
-        </p:txBody>
-      </p:sp>
-      <p:sp>
-        <p:nvSpPr>
-          <p:cNvPr id="5" name="Content Placeholder 4">
-            <a:extLst>
-              <a:ext uri="{FF2B5EF4-FFF2-40B4-BE49-F238E27FC236}">
-                <a16:creationId xmlns:a16="http://schemas.microsoft.com/office/drawing/2014/main" id="{A6D75BC5-46CC-A36D-B72E-AE0A832FACB9}"/>
-              </a:ext>
-            </a:extLst>
-          </p:cNvPr>
-          <p:cNvSpPr>
-            <a:spLocks noGrp="1"/>
-          </p:cNvSpPr>
-          <p:nvPr>
-            <p:ph sz="quarter" idx="11"/>
-          </p:nvPr>
-        </p:nvSpPr>
-        <p:spPr/>
-        <p:txBody>
-          <a:bodyPr/>
-          <a:lstStyle/>
-          <a:p>
-            <a:r>
-              <a:rPr lang="en-US" noProof="1"/>
-              <a:t>Company A product is more expensive</a:t>
-            </a:r>
-          </a:p>
-          <a:p>
-            <a:r>
-              <a:rPr lang="en-US" noProof="1"/>
-              <a:t>Companies B &amp; C product is expensive and inconvenient to use</a:t>
-            </a:r>
-          </a:p>
-          <a:p>
-            <a:r>
-              <a:rPr lang="en-US" noProof="1"/>
-              <a:t>Companies D &amp; E product is affordable, but inconvenient to use</a:t>
-            </a:r>
-          </a:p>
-        </p:txBody>
-      </p:sp>
-      <p:sp>
-        <p:nvSpPr>
-          <p:cNvPr id="2" name="Slide Number Placeholder 1">
-            <a:extLst>
-              <a:ext uri="{FF2B5EF4-FFF2-40B4-BE49-F238E27FC236}">
-                <a16:creationId xmlns:a16="http://schemas.microsoft.com/office/drawing/2014/main" id="{DFEF2AD9-EC94-1F3D-3B79-64938E47AD43}"/>
-              </a:ext>
-            </a:extLst>
-          </p:cNvPr>
-          <p:cNvSpPr>
-            <a:spLocks noGrp="1"/>
-          </p:cNvSpPr>
-          <p:nvPr>
-            <p:ph type="sldNum" sz="quarter" idx="4"/>
-          </p:nvPr>
-        </p:nvSpPr>
-        <p:spPr/>
-        <p:txBody>
-          <a:bodyPr/>
-          <a:lstStyle/>
-          <a:p>
-            <a:fld id="{08AB70BE-1769-45B8-85A6-0C837432C7E6}" type="slidenum">
-              <a:rPr lang="en-US" smtClean="0"/>
-              <a:pPr/>
-              <a:t>12</a:t>
-            </a:fld>
-            <a:endParaRPr lang="en-US" dirty="0"/>
-          </a:p>
-        </p:txBody>
-      </p:sp>
-    </p:spTree>
-    <p:extLst>
-      <p:ext uri="{BB962C8B-B14F-4D97-AF65-F5344CB8AC3E}">
-        <p14:creationId xmlns:p14="http://schemas.microsoft.com/office/powerpoint/2010/main" val="3421864832"/>
       </p:ext>
     </p:extLst>
   </p:cSld>
@@ -14717,10 +15217,10 @@
       </p:grpSpPr>
       <p:sp>
         <p:nvSpPr>
-          <p:cNvPr id="3" name="Title 2">
+          <p:cNvPr id="15" name="Title 14">
             <a:extLst>
               <a:ext uri="{FF2B5EF4-FFF2-40B4-BE49-F238E27FC236}">
-                <a16:creationId xmlns:a16="http://schemas.microsoft.com/office/drawing/2014/main" id="{B1945D54-A284-835B-B949-4F6D36F3825F}"/>
+                <a16:creationId xmlns:a16="http://schemas.microsoft.com/office/drawing/2014/main" id="{37F92FBB-F1A6-DCA3-4B03-5EA99AE4B0DD}"/>
               </a:ext>
             </a:extLst>
           </p:cNvPr>
@@ -14738,17 +15238,40 @@
           <a:p>
             <a:r>
               <a:rPr lang="en-US" dirty="0"/>
-              <a:t>Product overview </a:t>
+              <a:t>Product overview</a:t>
             </a:r>
           </a:p>
         </p:txBody>
       </p:sp>
-      <p:sp>
-        <p:nvSpPr>
-          <p:cNvPr id="4" name="Content Placeholder 3">
+      <p:pic>
+        <p:nvPicPr>
+          <p:cNvPr id="24" name="Picture Placeholder 23" descr="Green lights in the sky">
             <a:extLst>
               <a:ext uri="{FF2B5EF4-FFF2-40B4-BE49-F238E27FC236}">
-                <a16:creationId xmlns:a16="http://schemas.microsoft.com/office/drawing/2014/main" id="{89D80981-6211-B9EF-9A10-4D4B043758C4}"/>
+                <a16:creationId xmlns:a16="http://schemas.microsoft.com/office/drawing/2014/main" id="{61357E36-869D-B6D4-3E6E-ED43A227E59C}"/>
+              </a:ext>
+            </a:extLst>
+          </p:cNvPr>
+          <p:cNvPicPr>
+            <a:picLocks noGrp="1" noChangeAspect="1"/>
+          </p:cNvPicPr>
+          <p:nvPr>
+            <p:ph type="pic" sz="quarter" idx="11"/>
+          </p:nvPr>
+        </p:nvPicPr>
+        <p:blipFill>
+          <a:blip r:embed="rId3"/>
+          <a:srcRect t="37" b="37"/>
+          <a:stretch/>
+        </p:blipFill>
+        <p:spPr/>
+      </p:pic>
+      <p:sp>
+        <p:nvSpPr>
+          <p:cNvPr id="16" name="Content Placeholder 15">
+            <a:extLst>
+              <a:ext uri="{FF2B5EF4-FFF2-40B4-BE49-F238E27FC236}">
+                <a16:creationId xmlns:a16="http://schemas.microsoft.com/office/drawing/2014/main" id="{43E47AC3-3E43-6A30-A709-127578992F3E}"/>
               </a:ext>
             </a:extLst>
           </p:cNvPr>
@@ -14761,76 +15284,14 @@
         </p:nvSpPr>
         <p:spPr/>
         <p:txBody>
-          <a:bodyPr/>
+          <a:bodyPr>
+            <a:normAutofit/>
+          </a:bodyPr>
           <a:lstStyle/>
-          <a:p>
-            <a:r>
-              <a:rPr lang="en-US" dirty="0"/>
-              <a:t>Unique</a:t>
-            </a:r>
-          </a:p>
-          <a:p>
-            <a:r>
-              <a:rPr lang="en-US" dirty="0"/>
-              <a:t>First to market</a:t>
-            </a:r>
-          </a:p>
-          <a:p>
-            <a:r>
-              <a:rPr lang="en-US" dirty="0"/>
-              <a:t>Tested</a:t>
-            </a:r>
-          </a:p>
-          <a:p>
-            <a:r>
-              <a:rPr lang="en-US" dirty="0"/>
-              <a:t>Authentic</a:t>
-            </a:r>
-          </a:p>
-        </p:txBody>
-      </p:sp>
-      <p:sp>
-        <p:nvSpPr>
-          <p:cNvPr id="5" name="Content Placeholder 4">
-            <a:extLst>
-              <a:ext uri="{FF2B5EF4-FFF2-40B4-BE49-F238E27FC236}">
-                <a16:creationId xmlns:a16="http://schemas.microsoft.com/office/drawing/2014/main" id="{24041F6D-09FB-DE91-905B-ACA52F64E5B8}"/>
-              </a:ext>
-            </a:extLst>
-          </p:cNvPr>
-          <p:cNvSpPr>
-            <a:spLocks noGrp="1"/>
-          </p:cNvSpPr>
-          <p:nvPr>
-            <p:ph sz="quarter" idx="11"/>
-          </p:nvPr>
-        </p:nvSpPr>
-        <p:spPr/>
-        <p:txBody>
-          <a:bodyPr/>
-          <a:lstStyle/>
-          <a:p>
-            <a:r>
-              <a:rPr lang="en-US" dirty="0"/>
-              <a:t>Only product specifically dedicated to this niche market</a:t>
-            </a:r>
-          </a:p>
           <a:p>
             <a:r>
               <a:rPr lang="en-US" dirty="0"/>
               <a:t>First beautifully designed product that's both stylish and functional</a:t>
-            </a:r>
-          </a:p>
-          <a:p>
-            <a:r>
-              <a:rPr lang="en-US" dirty="0"/>
-              <a:t>Conducted testing with college students in the area</a:t>
-            </a:r>
-          </a:p>
-          <a:p>
-            <a:r>
-              <a:rPr lang="en-US" dirty="0"/>
-              <a:t>Designed with the help and input of experts in the field </a:t>
             </a:r>
           </a:p>
         </p:txBody>
@@ -14840,7 +15301,7 @@
           <p:cNvPr id="2" name="Slide Number Placeholder 1">
             <a:extLst>
               <a:ext uri="{FF2B5EF4-FFF2-40B4-BE49-F238E27FC236}">
-                <a16:creationId xmlns:a16="http://schemas.microsoft.com/office/drawing/2014/main" id="{71E04509-99F0-B7A3-5C7A-C5A63504613A}"/>
+                <a16:creationId xmlns:a16="http://schemas.microsoft.com/office/drawing/2014/main" id="{06BE44FC-E43E-3153-168E-0A84BD9E6516}"/>
               </a:ext>
             </a:extLst>
           </p:cNvPr>
@@ -14868,7 +15329,7 @@
     </p:spTree>
     <p:extLst>
       <p:ext uri="{BB962C8B-B14F-4D97-AF65-F5344CB8AC3E}">
-        <p14:creationId xmlns:p14="http://schemas.microsoft.com/office/powerpoint/2010/main" val="4154249392"/>
+        <p14:creationId xmlns:p14="http://schemas.microsoft.com/office/powerpoint/2010/main" val="2701710032"/>
       </p:ext>
     </p:extLst>
   </p:cSld>
@@ -14909,6 +15370,378 @@
       </p:grpSpPr>
       <p:sp>
         <p:nvSpPr>
+          <p:cNvPr id="3" name="Title 2">
+            <a:extLst>
+              <a:ext uri="{FF2B5EF4-FFF2-40B4-BE49-F238E27FC236}">
+                <a16:creationId xmlns:a16="http://schemas.microsoft.com/office/drawing/2014/main" id="{4F465791-02C3-85CB-EC2D-AE1D097AD894}"/>
+              </a:ext>
+            </a:extLst>
+          </p:cNvPr>
+          <p:cNvSpPr>
+            <a:spLocks noGrp="1"/>
+          </p:cNvSpPr>
+          <p:nvPr>
+            <p:ph type="title"/>
+          </p:nvPr>
+        </p:nvSpPr>
+        <p:spPr/>
+        <p:txBody>
+          <a:bodyPr/>
+          <a:lstStyle/>
+          <a:p>
+            <a:r>
+              <a:rPr lang="en-US" dirty="0"/>
+              <a:t>Our competition</a:t>
+            </a:r>
+          </a:p>
+        </p:txBody>
+      </p:sp>
+      <p:sp>
+        <p:nvSpPr>
+          <p:cNvPr id="4" name="Content Placeholder 3">
+            <a:extLst>
+              <a:ext uri="{FF2B5EF4-FFF2-40B4-BE49-F238E27FC236}">
+                <a16:creationId xmlns:a16="http://schemas.microsoft.com/office/drawing/2014/main" id="{607CC286-7253-B31F-DFE6-802920A9FC68}"/>
+              </a:ext>
+            </a:extLst>
+          </p:cNvPr>
+          <p:cNvSpPr>
+            <a:spLocks noGrp="1"/>
+          </p:cNvSpPr>
+          <p:nvPr>
+            <p:ph sz="quarter" idx="10"/>
+          </p:nvPr>
+        </p:nvSpPr>
+        <p:spPr/>
+        <p:txBody>
+          <a:bodyPr/>
+          <a:lstStyle/>
+          <a:p>
+            <a:r>
+              <a:rPr lang="en-US" noProof="1"/>
+              <a:t>Our product is priced below that of other companies on the market</a:t>
+            </a:r>
+          </a:p>
+          <a:p>
+            <a:r>
+              <a:rPr lang="en-US" noProof="1"/>
+              <a:t>Design is simple and easy to use, compared to the complex designs of the competitors</a:t>
+            </a:r>
+          </a:p>
+          <a:p>
+            <a:r>
+              <a:rPr lang="en-US" noProof="1"/>
+              <a:t>Affordability is the main draw for our consumers to our product</a:t>
+            </a:r>
+          </a:p>
+        </p:txBody>
+      </p:sp>
+      <p:sp>
+        <p:nvSpPr>
+          <p:cNvPr id="5" name="Content Placeholder 4">
+            <a:extLst>
+              <a:ext uri="{FF2B5EF4-FFF2-40B4-BE49-F238E27FC236}">
+                <a16:creationId xmlns:a16="http://schemas.microsoft.com/office/drawing/2014/main" id="{A6D75BC5-46CC-A36D-B72E-AE0A832FACB9}"/>
+              </a:ext>
+            </a:extLst>
+          </p:cNvPr>
+          <p:cNvSpPr>
+            <a:spLocks noGrp="1"/>
+          </p:cNvSpPr>
+          <p:nvPr>
+            <p:ph sz="quarter" idx="11"/>
+          </p:nvPr>
+        </p:nvSpPr>
+        <p:spPr/>
+        <p:txBody>
+          <a:bodyPr/>
+          <a:lstStyle/>
+          <a:p>
+            <a:r>
+              <a:rPr lang="en-US" noProof="1"/>
+              <a:t>Company A product is more expensive</a:t>
+            </a:r>
+          </a:p>
+          <a:p>
+            <a:r>
+              <a:rPr lang="en-US" noProof="1"/>
+              <a:t>Companies B &amp; C product is expensive and inconvenient to use</a:t>
+            </a:r>
+          </a:p>
+          <a:p>
+            <a:r>
+              <a:rPr lang="en-US" noProof="1"/>
+              <a:t>Companies D &amp; E product is affordable, but inconvenient to use</a:t>
+            </a:r>
+          </a:p>
+        </p:txBody>
+      </p:sp>
+      <p:sp>
+        <p:nvSpPr>
+          <p:cNvPr id="2" name="Slide Number Placeholder 1">
+            <a:extLst>
+              <a:ext uri="{FF2B5EF4-FFF2-40B4-BE49-F238E27FC236}">
+                <a16:creationId xmlns:a16="http://schemas.microsoft.com/office/drawing/2014/main" id="{DFEF2AD9-EC94-1F3D-3B79-64938E47AD43}"/>
+              </a:ext>
+            </a:extLst>
+          </p:cNvPr>
+          <p:cNvSpPr>
+            <a:spLocks noGrp="1"/>
+          </p:cNvSpPr>
+          <p:nvPr>
+            <p:ph type="sldNum" sz="quarter" idx="4"/>
+          </p:nvPr>
+        </p:nvSpPr>
+        <p:spPr/>
+        <p:txBody>
+          <a:bodyPr/>
+          <a:lstStyle/>
+          <a:p>
+            <a:fld id="{08AB70BE-1769-45B8-85A6-0C837432C7E6}" type="slidenum">
+              <a:rPr lang="en-US" smtClean="0"/>
+              <a:pPr/>
+              <a:t>14</a:t>
+            </a:fld>
+            <a:endParaRPr lang="en-US" dirty="0"/>
+          </a:p>
+        </p:txBody>
+      </p:sp>
+    </p:spTree>
+    <p:extLst>
+      <p:ext uri="{BB962C8B-B14F-4D97-AF65-F5344CB8AC3E}">
+        <p14:creationId xmlns:p14="http://schemas.microsoft.com/office/powerpoint/2010/main" val="3421864832"/>
+      </p:ext>
+    </p:extLst>
+  </p:cSld>
+  <p:clrMapOvr>
+    <a:masterClrMapping/>
+  </p:clrMapOvr>
+  <mc:AlternateContent xmlns:mc="http://schemas.openxmlformats.org/markup-compatibility/2006" xmlns:p14="http://schemas.microsoft.com/office/powerpoint/2010/main">
+    <mc:Choice Requires="p14">
+      <p:transition p14:dur="350">
+        <p:push dir="u"/>
+      </p:transition>
+    </mc:Choice>
+    <mc:Fallback xmlns="">
+      <p:transition>
+        <p:push dir="u"/>
+      </p:transition>
+    </mc:Fallback>
+  </mc:AlternateContent>
+</p:sld>
+</file>
+
+<file path=ppt/slides/slide15.xml><?xml version="1.0" encoding="utf-8"?>
+<p:sld xmlns:a="http://schemas.openxmlformats.org/drawingml/2006/main" xmlns:r="http://schemas.openxmlformats.org/officeDocument/2006/relationships" xmlns:p="http://schemas.openxmlformats.org/presentationml/2006/main">
+  <p:cSld>
+    <p:spTree>
+      <p:nvGrpSpPr>
+        <p:cNvPr id="1" name=""/>
+        <p:cNvGrpSpPr/>
+        <p:nvPr/>
+      </p:nvGrpSpPr>
+      <p:grpSpPr>
+        <a:xfrm>
+          <a:off x="0" y="0"/>
+          <a:ext cx="0" cy="0"/>
+          <a:chOff x="0" y="0"/>
+          <a:chExt cx="0" cy="0"/>
+        </a:xfrm>
+      </p:grpSpPr>
+      <p:sp>
+        <p:nvSpPr>
+          <p:cNvPr id="3" name="Title 2">
+            <a:extLst>
+              <a:ext uri="{FF2B5EF4-FFF2-40B4-BE49-F238E27FC236}">
+                <a16:creationId xmlns:a16="http://schemas.microsoft.com/office/drawing/2014/main" id="{B1945D54-A284-835B-B949-4F6D36F3825F}"/>
+              </a:ext>
+            </a:extLst>
+          </p:cNvPr>
+          <p:cNvSpPr>
+            <a:spLocks noGrp="1"/>
+          </p:cNvSpPr>
+          <p:nvPr>
+            <p:ph type="title"/>
+          </p:nvPr>
+        </p:nvSpPr>
+        <p:spPr/>
+        <p:txBody>
+          <a:bodyPr/>
+          <a:lstStyle/>
+          <a:p>
+            <a:r>
+              <a:rPr lang="en-US" dirty="0"/>
+              <a:t>Product overview </a:t>
+            </a:r>
+          </a:p>
+        </p:txBody>
+      </p:sp>
+      <p:sp>
+        <p:nvSpPr>
+          <p:cNvPr id="4" name="Content Placeholder 3">
+            <a:extLst>
+              <a:ext uri="{FF2B5EF4-FFF2-40B4-BE49-F238E27FC236}">
+                <a16:creationId xmlns:a16="http://schemas.microsoft.com/office/drawing/2014/main" id="{89D80981-6211-B9EF-9A10-4D4B043758C4}"/>
+              </a:ext>
+            </a:extLst>
+          </p:cNvPr>
+          <p:cNvSpPr>
+            <a:spLocks noGrp="1"/>
+          </p:cNvSpPr>
+          <p:nvPr>
+            <p:ph sz="quarter" idx="10"/>
+          </p:nvPr>
+        </p:nvSpPr>
+        <p:spPr/>
+        <p:txBody>
+          <a:bodyPr/>
+          <a:lstStyle/>
+          <a:p>
+            <a:r>
+              <a:rPr lang="en-US" dirty="0"/>
+              <a:t>Unique</a:t>
+            </a:r>
+          </a:p>
+          <a:p>
+            <a:r>
+              <a:rPr lang="en-US" dirty="0"/>
+              <a:t>First to market</a:t>
+            </a:r>
+          </a:p>
+          <a:p>
+            <a:r>
+              <a:rPr lang="en-US" dirty="0"/>
+              <a:t>Tested</a:t>
+            </a:r>
+          </a:p>
+          <a:p>
+            <a:r>
+              <a:rPr lang="en-US" dirty="0"/>
+              <a:t>Authentic</a:t>
+            </a:r>
+          </a:p>
+        </p:txBody>
+      </p:sp>
+      <p:sp>
+        <p:nvSpPr>
+          <p:cNvPr id="5" name="Content Placeholder 4">
+            <a:extLst>
+              <a:ext uri="{FF2B5EF4-FFF2-40B4-BE49-F238E27FC236}">
+                <a16:creationId xmlns:a16="http://schemas.microsoft.com/office/drawing/2014/main" id="{24041F6D-09FB-DE91-905B-ACA52F64E5B8}"/>
+              </a:ext>
+            </a:extLst>
+          </p:cNvPr>
+          <p:cNvSpPr>
+            <a:spLocks noGrp="1"/>
+          </p:cNvSpPr>
+          <p:nvPr>
+            <p:ph sz="quarter" idx="11"/>
+          </p:nvPr>
+        </p:nvSpPr>
+        <p:spPr/>
+        <p:txBody>
+          <a:bodyPr/>
+          <a:lstStyle/>
+          <a:p>
+            <a:r>
+              <a:rPr lang="en-US" dirty="0"/>
+              <a:t>Only product specifically dedicated to this niche market</a:t>
+            </a:r>
+          </a:p>
+          <a:p>
+            <a:r>
+              <a:rPr lang="en-US" dirty="0"/>
+              <a:t>First beautifully designed product that's both stylish and functional</a:t>
+            </a:r>
+          </a:p>
+          <a:p>
+            <a:r>
+              <a:rPr lang="en-US" dirty="0"/>
+              <a:t>Conducted testing with college students in the area</a:t>
+            </a:r>
+          </a:p>
+          <a:p>
+            <a:r>
+              <a:rPr lang="en-US" dirty="0"/>
+              <a:t>Designed with the help and input of experts in the field </a:t>
+            </a:r>
+          </a:p>
+        </p:txBody>
+      </p:sp>
+      <p:sp>
+        <p:nvSpPr>
+          <p:cNvPr id="2" name="Slide Number Placeholder 1">
+            <a:extLst>
+              <a:ext uri="{FF2B5EF4-FFF2-40B4-BE49-F238E27FC236}">
+                <a16:creationId xmlns:a16="http://schemas.microsoft.com/office/drawing/2014/main" id="{71E04509-99F0-B7A3-5C7A-C5A63504613A}"/>
+              </a:ext>
+            </a:extLst>
+          </p:cNvPr>
+          <p:cNvSpPr>
+            <a:spLocks noGrp="1"/>
+          </p:cNvSpPr>
+          <p:nvPr>
+            <p:ph type="sldNum" sz="quarter" idx="4"/>
+          </p:nvPr>
+        </p:nvSpPr>
+        <p:spPr/>
+        <p:txBody>
+          <a:bodyPr/>
+          <a:lstStyle/>
+          <a:p>
+            <a:fld id="{08AB70BE-1769-45B8-85A6-0C837432C7E6}" type="slidenum">
+              <a:rPr lang="en-US" smtClean="0"/>
+              <a:pPr/>
+              <a:t>15</a:t>
+            </a:fld>
+            <a:endParaRPr lang="en-US" dirty="0"/>
+          </a:p>
+        </p:txBody>
+      </p:sp>
+    </p:spTree>
+    <p:extLst>
+      <p:ext uri="{BB962C8B-B14F-4D97-AF65-F5344CB8AC3E}">
+        <p14:creationId xmlns:p14="http://schemas.microsoft.com/office/powerpoint/2010/main" val="4154249392"/>
+      </p:ext>
+    </p:extLst>
+  </p:cSld>
+  <p:clrMapOvr>
+    <a:masterClrMapping/>
+  </p:clrMapOvr>
+  <mc:AlternateContent xmlns:mc="http://schemas.openxmlformats.org/markup-compatibility/2006" xmlns:p14="http://schemas.microsoft.com/office/powerpoint/2010/main">
+    <mc:Choice Requires="p14">
+      <p:transition p14:dur="350">
+        <p:push dir="u"/>
+      </p:transition>
+    </mc:Choice>
+    <mc:Fallback xmlns="">
+      <p:transition>
+        <p:push dir="u"/>
+      </p:transition>
+    </mc:Fallback>
+  </mc:AlternateContent>
+</p:sld>
+</file>
+
+<file path=ppt/slides/slide16.xml><?xml version="1.0" encoding="utf-8"?>
+<p:sld xmlns:a="http://schemas.openxmlformats.org/drawingml/2006/main" xmlns:r="http://schemas.openxmlformats.org/officeDocument/2006/relationships" xmlns:p="http://schemas.openxmlformats.org/presentationml/2006/main">
+  <p:cSld>
+    <p:spTree>
+      <p:nvGrpSpPr>
+        <p:cNvPr id="1" name=""/>
+        <p:cNvGrpSpPr/>
+        <p:nvPr/>
+      </p:nvGrpSpPr>
+      <p:grpSpPr>
+        <a:xfrm>
+          <a:off x="0" y="0"/>
+          <a:ext cx="0" cy="0"/>
+          <a:chOff x="0" y="0"/>
+          <a:chExt cx="0" cy="0"/>
+        </a:xfrm>
+      </p:grpSpPr>
+      <p:sp>
+        <p:nvSpPr>
           <p:cNvPr id="9" name="Title 8">
             <a:extLst>
               <a:ext uri="{FF2B5EF4-FFF2-40B4-BE49-F238E27FC236}">
@@ -15034,7 +15867,7 @@
             <a:fld id="{08AB70BE-1769-45B8-85A6-0C837432C7E6}" type="slidenum">
               <a:rPr lang="en-US" smtClean="0"/>
               <a:pPr/>
-              <a:t>14</a:t>
+              <a:t>16</a:t>
             </a:fld>
             <a:endParaRPr lang="en-US" dirty="0"/>
           </a:p>
@@ -15065,7 +15898,7 @@
 </p:sld>
 </file>
 
-<file path=ppt/slides/slide15.xml><?xml version="1.0" encoding="utf-8"?>
+<file path=ppt/slides/slide17.xml><?xml version="1.0" encoding="utf-8"?>
 <p:sld xmlns:a="http://schemas.openxmlformats.org/drawingml/2006/main" xmlns:r="http://schemas.openxmlformats.org/officeDocument/2006/relationships" xmlns:p="http://schemas.openxmlformats.org/presentationml/2006/main">
   <p:cSld>
     <p:spTree>
@@ -15963,7 +16796,7 @@
             <a:fld id="{08AB70BE-1769-45B8-85A6-0C837432C7E6}" type="slidenum">
               <a:rPr lang="en-US" smtClean="0"/>
               <a:pPr/>
-              <a:t>15</a:t>
+              <a:t>17</a:t>
             </a:fld>
             <a:endParaRPr lang="en-US" dirty="0"/>
           </a:p>
@@ -15994,7 +16827,7 @@
 </p:sld>
 </file>
 
-<file path=ppt/slides/slide16.xml><?xml version="1.0" encoding="utf-8"?>
+<file path=ppt/slides/slide18.xml><?xml version="1.0" encoding="utf-8"?>
 <p:sld xmlns:a="http://schemas.openxmlformats.org/drawingml/2006/main" xmlns:r="http://schemas.openxmlformats.org/officeDocument/2006/relationships" xmlns:p="http://schemas.openxmlformats.org/presentationml/2006/main">
   <p:cSld>
     <p:spTree>
@@ -16155,7 +16988,7 @@
             <a:fld id="{08AB70BE-1769-45B8-85A6-0C837432C7E6}" type="slidenum">
               <a:rPr lang="en-US" smtClean="0"/>
               <a:pPr/>
-              <a:t>16</a:t>
+              <a:t>18</a:t>
             </a:fld>
             <a:endParaRPr lang="en-US" dirty="0"/>
           </a:p>
@@ -16186,7 +17019,7 @@
 </p:sld>
 </file>
 
-<file path=ppt/slides/slide17.xml><?xml version="1.0" encoding="utf-8"?>
+<file path=ppt/slides/slide19.xml><?xml version="1.0" encoding="utf-8"?>
 <p:sld xmlns:a="http://schemas.openxmlformats.org/drawingml/2006/main" xmlns:r="http://schemas.openxmlformats.org/officeDocument/2006/relationships" xmlns:p="http://schemas.openxmlformats.org/presentationml/2006/main">
   <p:cSld>
     <p:spTree>
@@ -17061,7 +17894,7 @@
             <a:fld id="{08AB70BE-1769-45B8-85A6-0C837432C7E6}" type="slidenum">
               <a:rPr lang="en-US" smtClean="0"/>
               <a:pPr/>
-              <a:t>17</a:t>
+              <a:t>19</a:t>
             </a:fld>
             <a:endParaRPr lang="en-US" dirty="0"/>
           </a:p>
@@ -17071,130 +17904,6 @@
     <p:extLst>
       <p:ext uri="{BB962C8B-B14F-4D97-AF65-F5344CB8AC3E}">
         <p14:creationId xmlns:p14="http://schemas.microsoft.com/office/powerpoint/2010/main" val="1631804628"/>
-      </p:ext>
-    </p:extLst>
-  </p:cSld>
-  <p:clrMapOvr>
-    <a:masterClrMapping/>
-  </p:clrMapOvr>
-  <mc:AlternateContent xmlns:mc="http://schemas.openxmlformats.org/markup-compatibility/2006" xmlns:p14="http://schemas.microsoft.com/office/powerpoint/2010/main">
-    <mc:Choice Requires="p14">
-      <p:transition p14:dur="350">
-        <p:push dir="u"/>
-      </p:transition>
-    </mc:Choice>
-    <mc:Fallback xmlns="">
-      <p:transition>
-        <p:push dir="u"/>
-      </p:transition>
-    </mc:Fallback>
-  </mc:AlternateContent>
-</p:sld>
-</file>
-
-<file path=ppt/slides/slide18.xml><?xml version="1.0" encoding="utf-8"?>
-<p:sld xmlns:a="http://schemas.openxmlformats.org/drawingml/2006/main" xmlns:r="http://schemas.openxmlformats.org/officeDocument/2006/relationships" xmlns:p="http://schemas.openxmlformats.org/presentationml/2006/main">
-  <p:cSld>
-    <p:bg>
-      <p:bgPr>
-        <a:solidFill>
-          <a:schemeClr val="accent2"/>
-        </a:solidFill>
-        <a:effectLst/>
-      </p:bgPr>
-    </p:bg>
-    <p:spTree>
-      <p:nvGrpSpPr>
-        <p:cNvPr id="1" name=""/>
-        <p:cNvGrpSpPr/>
-        <p:nvPr/>
-      </p:nvGrpSpPr>
-      <p:grpSpPr>
-        <a:xfrm>
-          <a:off x="0" y="0"/>
-          <a:ext cx="0" cy="0"/>
-          <a:chOff x="0" y="0"/>
-          <a:chExt cx="0" cy="0"/>
-        </a:xfrm>
-      </p:grpSpPr>
-      <p:sp>
-        <p:nvSpPr>
-          <p:cNvPr id="6" name="Title 5">
-            <a:extLst>
-              <a:ext uri="{FF2B5EF4-FFF2-40B4-BE49-F238E27FC236}">
-                <a16:creationId xmlns:a16="http://schemas.microsoft.com/office/drawing/2014/main" id="{6C71D8FC-E122-CABE-6FCE-615B2C341934}"/>
-              </a:ext>
-            </a:extLst>
-          </p:cNvPr>
-          <p:cNvSpPr>
-            <a:spLocks noGrp="1"/>
-          </p:cNvSpPr>
-          <p:nvPr>
-            <p:ph type="title"/>
-          </p:nvPr>
-        </p:nvSpPr>
-        <p:spPr/>
-        <p:txBody>
-          <a:bodyPr/>
-          <a:lstStyle/>
-          <a:p>
-            <a:r>
-              <a:rPr lang="en-US" dirty="0"/>
-              <a:t>Thank you</a:t>
-            </a:r>
-          </a:p>
-        </p:txBody>
-      </p:sp>
-      <p:sp>
-        <p:nvSpPr>
-          <p:cNvPr id="9" name="Content Placeholder 8">
-            <a:extLst>
-              <a:ext uri="{FF2B5EF4-FFF2-40B4-BE49-F238E27FC236}">
-                <a16:creationId xmlns:a16="http://schemas.microsoft.com/office/drawing/2014/main" id="{581F7719-973C-41CB-9EA9-DC7CEC76A077}"/>
-              </a:ext>
-            </a:extLst>
-          </p:cNvPr>
-          <p:cNvSpPr>
-            <a:spLocks noGrp="1"/>
-          </p:cNvSpPr>
-          <p:nvPr>
-            <p:ph sz="quarter" idx="10"/>
-          </p:nvPr>
-        </p:nvSpPr>
-        <p:spPr/>
-        <p:txBody>
-          <a:bodyPr/>
-          <a:lstStyle/>
-          <a:p>
-            <a:r>
-              <a:rPr lang="en-US" dirty="0"/>
-              <a:t>Brita Tamm </a:t>
-            </a:r>
-          </a:p>
-          <a:p>
-            <a:r>
-              <a:rPr lang="en-US" dirty="0"/>
-              <a:t>502-555-0152 </a:t>
-            </a:r>
-          </a:p>
-          <a:p>
-            <a:r>
-              <a:rPr lang="en-US" dirty="0"/>
-              <a:t>brita@firstupconsultants.com </a:t>
-            </a:r>
-          </a:p>
-          <a:p>
-            <a:r>
-              <a:rPr lang="en-US" dirty="0"/>
-              <a:t>www.firstupconsultants.com</a:t>
-            </a:r>
-          </a:p>
-        </p:txBody>
-      </p:sp>
-    </p:spTree>
-    <p:extLst>
-      <p:ext uri="{BB962C8B-B14F-4D97-AF65-F5344CB8AC3E}">
-        <p14:creationId xmlns:p14="http://schemas.microsoft.com/office/powerpoint/2010/main" val="2280806097"/>
       </p:ext>
     </p:extLst>
   </p:cSld>
@@ -18563,6 +19272,130 @@
 </p:sld>
 </file>
 
+<file path=ppt/slides/slide20.xml><?xml version="1.0" encoding="utf-8"?>
+<p:sld xmlns:a="http://schemas.openxmlformats.org/drawingml/2006/main" xmlns:r="http://schemas.openxmlformats.org/officeDocument/2006/relationships" xmlns:p="http://schemas.openxmlformats.org/presentationml/2006/main">
+  <p:cSld>
+    <p:bg>
+      <p:bgPr>
+        <a:solidFill>
+          <a:schemeClr val="accent2"/>
+        </a:solidFill>
+        <a:effectLst/>
+      </p:bgPr>
+    </p:bg>
+    <p:spTree>
+      <p:nvGrpSpPr>
+        <p:cNvPr id="1" name=""/>
+        <p:cNvGrpSpPr/>
+        <p:nvPr/>
+      </p:nvGrpSpPr>
+      <p:grpSpPr>
+        <a:xfrm>
+          <a:off x="0" y="0"/>
+          <a:ext cx="0" cy="0"/>
+          <a:chOff x="0" y="0"/>
+          <a:chExt cx="0" cy="0"/>
+        </a:xfrm>
+      </p:grpSpPr>
+      <p:sp>
+        <p:nvSpPr>
+          <p:cNvPr id="6" name="Title 5">
+            <a:extLst>
+              <a:ext uri="{FF2B5EF4-FFF2-40B4-BE49-F238E27FC236}">
+                <a16:creationId xmlns:a16="http://schemas.microsoft.com/office/drawing/2014/main" id="{6C71D8FC-E122-CABE-6FCE-615B2C341934}"/>
+              </a:ext>
+            </a:extLst>
+          </p:cNvPr>
+          <p:cNvSpPr>
+            <a:spLocks noGrp="1"/>
+          </p:cNvSpPr>
+          <p:nvPr>
+            <p:ph type="title"/>
+          </p:nvPr>
+        </p:nvSpPr>
+        <p:spPr/>
+        <p:txBody>
+          <a:bodyPr/>
+          <a:lstStyle/>
+          <a:p>
+            <a:r>
+              <a:rPr lang="en-US" dirty="0"/>
+              <a:t>Thank you</a:t>
+            </a:r>
+          </a:p>
+        </p:txBody>
+      </p:sp>
+      <p:sp>
+        <p:nvSpPr>
+          <p:cNvPr id="9" name="Content Placeholder 8">
+            <a:extLst>
+              <a:ext uri="{FF2B5EF4-FFF2-40B4-BE49-F238E27FC236}">
+                <a16:creationId xmlns:a16="http://schemas.microsoft.com/office/drawing/2014/main" id="{581F7719-973C-41CB-9EA9-DC7CEC76A077}"/>
+              </a:ext>
+            </a:extLst>
+          </p:cNvPr>
+          <p:cNvSpPr>
+            <a:spLocks noGrp="1"/>
+          </p:cNvSpPr>
+          <p:nvPr>
+            <p:ph sz="quarter" idx="10"/>
+          </p:nvPr>
+        </p:nvSpPr>
+        <p:spPr/>
+        <p:txBody>
+          <a:bodyPr/>
+          <a:lstStyle/>
+          <a:p>
+            <a:r>
+              <a:rPr lang="en-US" dirty="0"/>
+              <a:t>Brita Tamm </a:t>
+            </a:r>
+          </a:p>
+          <a:p>
+            <a:r>
+              <a:rPr lang="en-US" dirty="0"/>
+              <a:t>502-555-0152 </a:t>
+            </a:r>
+          </a:p>
+          <a:p>
+            <a:r>
+              <a:rPr lang="en-US" dirty="0"/>
+              <a:t>brita@firstupconsultants.com </a:t>
+            </a:r>
+          </a:p>
+          <a:p>
+            <a:r>
+              <a:rPr lang="en-US" dirty="0"/>
+              <a:t>www.firstupconsultants.com</a:t>
+            </a:r>
+          </a:p>
+        </p:txBody>
+      </p:sp>
+    </p:spTree>
+    <p:extLst>
+      <p:ext uri="{BB962C8B-B14F-4D97-AF65-F5344CB8AC3E}">
+        <p14:creationId xmlns:p14="http://schemas.microsoft.com/office/powerpoint/2010/main" val="2280806097"/>
+      </p:ext>
+    </p:extLst>
+  </p:cSld>
+  <p:clrMapOvr>
+    <a:masterClrMapping/>
+  </p:clrMapOvr>
+  <mc:AlternateContent xmlns:mc="http://schemas.openxmlformats.org/markup-compatibility/2006" xmlns:p14="http://schemas.microsoft.com/office/powerpoint/2010/main">
+    <mc:Choice Requires="p14">
+      <p:transition p14:dur="350">
+        <p:push dir="u"/>
+      </p:transition>
+    </mc:Choice>
+    <mc:Fallback xmlns="">
+      <p:transition>
+        <p:push dir="u"/>
+      </p:transition>
+    </mc:Fallback>
+  </mc:AlternateContent>
+</p:sld>
+</file>
+
 <file path=ppt/slides/slide3.xml><?xml version="1.0" encoding="utf-8"?>
 <p:sld xmlns:a="http://schemas.openxmlformats.org/drawingml/2006/main" xmlns:r="http://schemas.openxmlformats.org/officeDocument/2006/relationships" xmlns:p="http://schemas.openxmlformats.org/presentationml/2006/main">
   <p:cSld>
@@ -19233,6 +20066,14 @@
           <a:bodyPr/>
           <a:lstStyle/>
           <a:p>
+            <a:r>
+              <a:rPr lang="hr-HR" sz="2400" dirty="0">
+                <a:solidFill>
+                  <a:schemeClr val="bg1"/>
+                </a:solidFill>
+              </a:rPr>
+              <a:t>Prikupljeni podaci za različite rizične i druge faktore za dijabetes – kolesterol, fizičko i mentalno zdravlje, pokriće zdravstvenim osiguranjem, ekonomski i socijalni status…</a:t>
+            </a:r>
             <a:endParaRPr lang="en-US" sz="2400" dirty="0">
               <a:solidFill>
                 <a:schemeClr val="bg1"/>
@@ -19412,7 +20253,7 @@
         </p:spPr>
         <p:txBody>
           <a:bodyPr>
-            <a:normAutofit fontScale="92500" lnSpcReduction="10000"/>
+            <a:normAutofit fontScale="92500" lnSpcReduction="20000"/>
           </a:bodyPr>
           <a:lstStyle>
             <a:lvl1pPr marL="228600" indent="-228600" algn="l" defTabSz="914400" rtl="0" eaLnBrk="1" latinLnBrk="0" hangingPunct="1">
@@ -19649,7 +20490,7 @@
                   <a:schemeClr val="bg2"/>
                 </a:solidFill>
               </a:rPr>
-              <a:t>(podaci su odgovori ili izračunati obzirom na odgovore)</a:t>
+              <a:t>(podaci su odgovori ili izračunati s obzirom na odgovore)</a:t>
             </a:r>
           </a:p>
           <a:p>
@@ -19700,7 +20541,7 @@
                   <a:schemeClr val="bg2"/>
                 </a:solidFill>
               </a:rPr>
-              <a:t> nema, </a:t>
+              <a:t> – nema dijabetes, </a:t>
             </a:r>
             <a:r>
               <a:rPr lang="hr-HR" sz="1700" b="1" dirty="0">
@@ -19719,7 +20560,7 @@
                   <a:schemeClr val="bg2"/>
                 </a:solidFill>
               </a:rPr>
-              <a:t> ima </a:t>
+              <a:t> - ima </a:t>
             </a:r>
             <a:r>
               <a:rPr lang="hr-HR" sz="1700" b="1" dirty="0" err="1">
@@ -19849,6 +20690,375 @@
           </a:p>
         </p:txBody>
       </p:sp>
+    </p:spTree>
+    <p:extLst>
+      <p:ext uri="{BB962C8B-B14F-4D97-AF65-F5344CB8AC3E}">
+        <p14:creationId xmlns:p14="http://schemas.microsoft.com/office/powerpoint/2010/main" val="1725067987"/>
+      </p:ext>
+    </p:extLst>
+  </p:cSld>
+  <p:clrMapOvr>
+    <a:masterClrMapping/>
+  </p:clrMapOvr>
+  <mc:AlternateContent xmlns:mc="http://schemas.openxmlformats.org/markup-compatibility/2006" xmlns:p14="http://schemas.microsoft.com/office/powerpoint/2010/main">
+    <mc:Choice Requires="p14">
+      <p:transition p14:dur="350">
+        <p:push dir="u"/>
+      </p:transition>
+    </mc:Choice>
+    <mc:Fallback xmlns="">
+      <p:transition>
+        <p:push dir="u"/>
+      </p:transition>
+    </mc:Fallback>
+  </mc:AlternateContent>
+</p:sld>
+</file>
+
+<file path=ppt/slides/slide4.xml><?xml version="1.0" encoding="utf-8"?>
+<p:sld xmlns:a="http://schemas.openxmlformats.org/drawingml/2006/main" xmlns:r="http://schemas.openxmlformats.org/officeDocument/2006/relationships" xmlns:p="http://schemas.openxmlformats.org/presentationml/2006/main">
+  <p:cSld>
+    <p:spTree>
+      <p:nvGrpSpPr>
+        <p:cNvPr id="1" name=""/>
+        <p:cNvGrpSpPr/>
+        <p:nvPr/>
+      </p:nvGrpSpPr>
+      <p:grpSpPr>
+        <a:xfrm>
+          <a:off x="0" y="0"/>
+          <a:ext cx="0" cy="0"/>
+          <a:chOff x="0" y="0"/>
+          <a:chExt cx="0" cy="0"/>
+        </a:xfrm>
+      </p:grpSpPr>
+      <p:sp>
+        <p:nvSpPr>
+          <p:cNvPr id="12" name="Picture Placeholder 2">
+            <a:extLst>
+              <a:ext uri="{FF2B5EF4-FFF2-40B4-BE49-F238E27FC236}">
+                <a16:creationId xmlns:a16="http://schemas.microsoft.com/office/drawing/2014/main" id="{DA3184E7-3B80-4F5E-B022-D76EDD900C15}"/>
+              </a:ext>
+            </a:extLst>
+          </p:cNvPr>
+          <p:cNvSpPr txBox="1">
+            <a:spLocks/>
+          </p:cNvSpPr>
+          <p:nvPr/>
+        </p:nvSpPr>
+        <p:spPr>
+          <a:xfrm flipH="1" flipV="1">
+            <a:off x="0" y="0"/>
+            <a:ext cx="12191999" cy="16681138"/>
+          </a:xfrm>
+          <a:custGeom>
+            <a:avLst/>
+            <a:gdLst>
+              <a:gd name="connsiteX0" fmla="*/ 3466352 w 4267200"/>
+              <a:gd name="connsiteY0" fmla="*/ 0 h 6858000"/>
+              <a:gd name="connsiteX1" fmla="*/ 4267200 w 4267200"/>
+              <a:gd name="connsiteY1" fmla="*/ 0 h 6858000"/>
+              <a:gd name="connsiteX2" fmla="*/ 4267200 w 4267200"/>
+              <a:gd name="connsiteY2" fmla="*/ 6858000 h 6858000"/>
+              <a:gd name="connsiteX3" fmla="*/ 0 w 4267200"/>
+              <a:gd name="connsiteY3" fmla="*/ 6858000 h 6858000"/>
+              <a:gd name="connsiteX4" fmla="*/ 0 w 4267200"/>
+              <a:gd name="connsiteY4" fmla="*/ 3338980 h 6858000"/>
+              <a:gd name="connsiteX5" fmla="*/ 8352 w 4267200"/>
+              <a:gd name="connsiteY5" fmla="*/ 3162578 h 6858000"/>
+              <a:gd name="connsiteX6" fmla="*/ 3132972 w 4267200"/>
+              <a:gd name="connsiteY6" fmla="*/ 18059 h 6858000"/>
+              <a:gd name="connsiteX7" fmla="*/ 3466352 w 4267200"/>
+              <a:gd name="connsiteY7" fmla="*/ 1225 h 6858000"/>
+            </a:gdLst>
+            <a:ahLst/>
+            <a:cxnLst>
+              <a:cxn ang="0">
+                <a:pos x="connsiteX0" y="connsiteY0"/>
+              </a:cxn>
+              <a:cxn ang="0">
+                <a:pos x="connsiteX1" y="connsiteY1"/>
+              </a:cxn>
+              <a:cxn ang="0">
+                <a:pos x="connsiteX2" y="connsiteY2"/>
+              </a:cxn>
+              <a:cxn ang="0">
+                <a:pos x="connsiteX3" y="connsiteY3"/>
+              </a:cxn>
+              <a:cxn ang="0">
+                <a:pos x="connsiteX4" y="connsiteY4"/>
+              </a:cxn>
+              <a:cxn ang="0">
+                <a:pos x="connsiteX5" y="connsiteY5"/>
+              </a:cxn>
+              <a:cxn ang="0">
+                <a:pos x="connsiteX6" y="connsiteY6"/>
+              </a:cxn>
+              <a:cxn ang="0">
+                <a:pos x="connsiteX7" y="connsiteY7"/>
+              </a:cxn>
+            </a:cxnLst>
+            <a:rect l="l" t="t" r="r" b="b"/>
+            <a:pathLst>
+              <a:path w="4267200" h="6858000">
+                <a:moveTo>
+                  <a:pt x="3466352" y="0"/>
+                </a:moveTo>
+                <a:lnTo>
+                  <a:pt x="4267200" y="0"/>
+                </a:lnTo>
+                <a:lnTo>
+                  <a:pt x="4267200" y="6858000"/>
+                </a:lnTo>
+                <a:lnTo>
+                  <a:pt x="0" y="6858000"/>
+                </a:lnTo>
+                <a:lnTo>
+                  <a:pt x="0" y="3338980"/>
+                </a:lnTo>
+                <a:lnTo>
+                  <a:pt x="8352" y="3162578"/>
+                </a:lnTo>
+                <a:cubicBezTo>
+                  <a:pt x="166042" y="1505839"/>
+                  <a:pt x="1479242" y="186005"/>
+                  <a:pt x="3132972" y="18059"/>
+                </a:cubicBezTo>
+                <a:lnTo>
+                  <a:pt x="3466352" y="1225"/>
+                </a:lnTo>
+                <a:close/>
+              </a:path>
+            </a:pathLst>
+          </a:custGeom>
+          <a:solidFill>
+            <a:schemeClr val="accent2">
+              <a:lumMod val="50000"/>
+            </a:schemeClr>
+          </a:solidFill>
+        </p:spPr>
+        <p:txBody>
+          <a:bodyPr vert="horz" wrap="square" lIns="1463040" tIns="822960" rIns="1463040" bIns="45720" rtlCol="0" anchor="t" anchorCtr="0">
+            <a:noAutofit/>
+          </a:bodyPr>
+          <a:lstStyle>
+            <a:lvl1pPr marL="0" indent="0" algn="ctr" defTabSz="914400" rtl="0" eaLnBrk="1" latinLnBrk="0" hangingPunct="1">
+              <a:lnSpc>
+                <a:spcPct val="120000"/>
+              </a:lnSpc>
+              <a:spcBef>
+                <a:spcPts val="1000"/>
+              </a:spcBef>
+              <a:buClr>
+                <a:schemeClr val="accent5"/>
+              </a:buClr>
+              <a:buFont typeface="Arial" panose="020B0604020202020204" pitchFamily="34" charset="0"/>
+              <a:buNone/>
+              <a:defRPr sz="1600" kern="1200">
+                <a:solidFill>
+                  <a:schemeClr val="bg2"/>
+                </a:solidFill>
+                <a:latin typeface="+mn-lt"/>
+                <a:ea typeface="+mn-ea"/>
+                <a:cs typeface="+mn-cs"/>
+              </a:defRPr>
+            </a:lvl1pPr>
+            <a:lvl2pPr marL="685800" indent="-228600" algn="l" defTabSz="914400" rtl="0" eaLnBrk="1" latinLnBrk="0" hangingPunct="1">
+              <a:lnSpc>
+                <a:spcPct val="120000"/>
+              </a:lnSpc>
+              <a:spcBef>
+                <a:spcPts val="500"/>
+              </a:spcBef>
+              <a:buClr>
+                <a:schemeClr val="accent5"/>
+              </a:buClr>
+              <a:buFont typeface="Arial" panose="020B0604020202020204" pitchFamily="34" charset="0"/>
+              <a:buChar char="•"/>
+              <a:defRPr sz="1800" kern="1200">
+                <a:solidFill>
+                  <a:schemeClr val="tx2"/>
+                </a:solidFill>
+                <a:latin typeface="+mn-lt"/>
+                <a:ea typeface="+mn-ea"/>
+                <a:cs typeface="+mn-cs"/>
+              </a:defRPr>
+            </a:lvl2pPr>
+            <a:lvl3pPr marL="1143000" indent="-228600" algn="l" defTabSz="914400" rtl="0" eaLnBrk="1" latinLnBrk="0" hangingPunct="1">
+              <a:lnSpc>
+                <a:spcPct val="120000"/>
+              </a:lnSpc>
+              <a:spcBef>
+                <a:spcPts val="500"/>
+              </a:spcBef>
+              <a:buClr>
+                <a:schemeClr val="accent5"/>
+              </a:buClr>
+              <a:buFont typeface="Arial" panose="020B0604020202020204" pitchFamily="34" charset="0"/>
+              <a:buChar char="•"/>
+              <a:defRPr sz="1600" kern="1200">
+                <a:solidFill>
+                  <a:schemeClr val="tx2"/>
+                </a:solidFill>
+                <a:latin typeface="+mn-lt"/>
+                <a:ea typeface="+mn-ea"/>
+                <a:cs typeface="+mn-cs"/>
+              </a:defRPr>
+            </a:lvl3pPr>
+            <a:lvl4pPr marL="1600200" indent="-228600" algn="l" defTabSz="914400" rtl="0" eaLnBrk="1" latinLnBrk="0" hangingPunct="1">
+              <a:lnSpc>
+                <a:spcPct val="120000"/>
+              </a:lnSpc>
+              <a:spcBef>
+                <a:spcPts val="500"/>
+              </a:spcBef>
+              <a:buClr>
+                <a:schemeClr val="accent5"/>
+              </a:buClr>
+              <a:buFont typeface="Arial" panose="020B0604020202020204" pitchFamily="34" charset="0"/>
+              <a:buChar char="•"/>
+              <a:defRPr sz="1400" kern="1200">
+                <a:solidFill>
+                  <a:schemeClr val="tx2"/>
+                </a:solidFill>
+                <a:latin typeface="+mn-lt"/>
+                <a:ea typeface="+mn-ea"/>
+                <a:cs typeface="+mn-cs"/>
+              </a:defRPr>
+            </a:lvl4pPr>
+            <a:lvl5pPr marL="2057400" indent="-228600" algn="l" defTabSz="914400" rtl="0" eaLnBrk="1" latinLnBrk="0" hangingPunct="1">
+              <a:lnSpc>
+                <a:spcPct val="120000"/>
+              </a:lnSpc>
+              <a:spcBef>
+                <a:spcPts val="500"/>
+              </a:spcBef>
+              <a:buClr>
+                <a:schemeClr val="accent5"/>
+              </a:buClr>
+              <a:buFont typeface="Arial" panose="020B0604020202020204" pitchFamily="34" charset="0"/>
+              <a:buChar char="•"/>
+              <a:defRPr sz="1400" kern="1200">
+                <a:solidFill>
+                  <a:schemeClr val="tx2"/>
+                </a:solidFill>
+                <a:latin typeface="+mn-lt"/>
+                <a:ea typeface="+mn-ea"/>
+                <a:cs typeface="+mn-cs"/>
+              </a:defRPr>
+            </a:lvl5pPr>
+            <a:lvl6pPr marL="2514600" indent="-228600" algn="l" defTabSz="914400" rtl="0" eaLnBrk="1" latinLnBrk="0" hangingPunct="1">
+              <a:lnSpc>
+                <a:spcPct val="90000"/>
+              </a:lnSpc>
+              <a:spcBef>
+                <a:spcPts val="500"/>
+              </a:spcBef>
+              <a:buFont typeface="Arial" panose="020B0604020202020204" pitchFamily="34" charset="0"/>
+              <a:buChar char="•"/>
+              <a:defRPr sz="1800" kern="1200">
+                <a:solidFill>
+                  <a:schemeClr val="tx1"/>
+                </a:solidFill>
+                <a:latin typeface="+mn-lt"/>
+                <a:ea typeface="+mn-ea"/>
+                <a:cs typeface="+mn-cs"/>
+              </a:defRPr>
+            </a:lvl6pPr>
+            <a:lvl7pPr marL="2971800" indent="-228600" algn="l" defTabSz="914400" rtl="0" eaLnBrk="1" latinLnBrk="0" hangingPunct="1">
+              <a:lnSpc>
+                <a:spcPct val="90000"/>
+              </a:lnSpc>
+              <a:spcBef>
+                <a:spcPts val="500"/>
+              </a:spcBef>
+              <a:buFont typeface="Arial" panose="020B0604020202020204" pitchFamily="34" charset="0"/>
+              <a:buChar char="•"/>
+              <a:defRPr sz="1800" kern="1200">
+                <a:solidFill>
+                  <a:schemeClr val="tx1"/>
+                </a:solidFill>
+                <a:latin typeface="+mn-lt"/>
+                <a:ea typeface="+mn-ea"/>
+                <a:cs typeface="+mn-cs"/>
+              </a:defRPr>
+            </a:lvl7pPr>
+            <a:lvl8pPr marL="3429000" indent="-228600" algn="l" defTabSz="914400" rtl="0" eaLnBrk="1" latinLnBrk="0" hangingPunct="1">
+              <a:lnSpc>
+                <a:spcPct val="90000"/>
+              </a:lnSpc>
+              <a:spcBef>
+                <a:spcPts val="500"/>
+              </a:spcBef>
+              <a:buFont typeface="Arial" panose="020B0604020202020204" pitchFamily="34" charset="0"/>
+              <a:buChar char="•"/>
+              <a:defRPr sz="1800" kern="1200">
+                <a:solidFill>
+                  <a:schemeClr val="tx1"/>
+                </a:solidFill>
+                <a:latin typeface="+mn-lt"/>
+                <a:ea typeface="+mn-ea"/>
+                <a:cs typeface="+mn-cs"/>
+              </a:defRPr>
+            </a:lvl8pPr>
+            <a:lvl9pPr marL="3886200" indent="-228600" algn="l" defTabSz="914400" rtl="0" eaLnBrk="1" latinLnBrk="0" hangingPunct="1">
+              <a:lnSpc>
+                <a:spcPct val="90000"/>
+              </a:lnSpc>
+              <a:spcBef>
+                <a:spcPts val="500"/>
+              </a:spcBef>
+              <a:buFont typeface="Arial" panose="020B0604020202020204" pitchFamily="34" charset="0"/>
+              <a:buChar char="•"/>
+              <a:defRPr sz="1800" kern="1200">
+                <a:solidFill>
+                  <a:schemeClr val="tx1"/>
+                </a:solidFill>
+                <a:latin typeface="+mn-lt"/>
+                <a:ea typeface="+mn-ea"/>
+                <a:cs typeface="+mn-cs"/>
+              </a:defRPr>
+            </a:lvl9pPr>
+          </a:lstStyle>
+          <a:p>
+            <a:endParaRPr lang="en-US">
+              <a:solidFill>
+                <a:schemeClr val="bg1"/>
+              </a:solidFill>
+            </a:endParaRPr>
+          </a:p>
+        </p:txBody>
+      </p:sp>
+      <p:sp>
+        <p:nvSpPr>
+          <p:cNvPr id="4" name="Slide Number Placeholder 3">
+            <a:extLst>
+              <a:ext uri="{FF2B5EF4-FFF2-40B4-BE49-F238E27FC236}">
+                <a16:creationId xmlns:a16="http://schemas.microsoft.com/office/drawing/2014/main" id="{258ECD88-7563-0E2D-38D6-262477CFE5A5}"/>
+              </a:ext>
+            </a:extLst>
+          </p:cNvPr>
+          <p:cNvSpPr>
+            <a:spLocks noGrp="1"/>
+          </p:cNvSpPr>
+          <p:nvPr>
+            <p:ph type="sldNum" sz="quarter" idx="4"/>
+          </p:nvPr>
+        </p:nvSpPr>
+        <p:spPr/>
+        <p:txBody>
+          <a:bodyPr/>
+          <a:lstStyle/>
+          <a:p>
+            <a:fld id="{08AB70BE-1769-45B8-85A6-0C837432C7E6}" type="slidenum">
+              <a:rPr lang="en-US" smtClean="0"/>
+              <a:pPr/>
+              <a:t>4</a:t>
+            </a:fld>
+            <a:endParaRPr lang="en-US" dirty="0"/>
+          </a:p>
+        </p:txBody>
+      </p:sp>
       <p:sp>
         <p:nvSpPr>
           <p:cNvPr id="5" name="TextBox 4">
@@ -19863,7 +21073,7 @@
         </p:nvSpPr>
         <p:spPr>
           <a:xfrm>
-            <a:off x="7063154" y="792834"/>
+            <a:off x="3312037" y="301386"/>
             <a:ext cx="4982308" cy="461665"/>
           </a:xfrm>
           <a:prstGeom prst="rect">
@@ -19915,14 +21125,14 @@
           <p:nvPr>
             <p:extLst>
               <p:ext uri="{D42A27DB-BD31-4B8C-83A1-F6EECF244321}">
-                <p14:modId xmlns:p14="http://schemas.microsoft.com/office/powerpoint/2010/main" val="2411547777"/>
+                <p14:modId xmlns:p14="http://schemas.microsoft.com/office/powerpoint/2010/main" val="1084542109"/>
               </p:ext>
             </p:extLst>
           </p:nvPr>
         </p:nvGraphicFramePr>
         <p:xfrm>
-          <a:off x="6478978" y="1959713"/>
-          <a:ext cx="5233768" cy="4079240"/>
+          <a:off x="338693" y="1039091"/>
+          <a:ext cx="11514611" cy="5517523"/>
         </p:xfrm>
         <a:graphic>
           <a:graphicData uri="http://schemas.openxmlformats.org/drawingml/2006/table">
@@ -19931,36 +21141,43 @@
                 <a:tableStyleId>{0E3FDE45-AF77-4B5C-9715-49D594BDF05E}</a:tableStyleId>
               </a:tblPr>
               <a:tblGrid>
-                <a:gridCol w="2440305">
+                <a:gridCol w="2487199">
                   <a:extLst>
                     <a:ext uri="{9D8B030D-6E8A-4147-A177-3AD203B41FA5}">
                       <a16:colId xmlns:a16="http://schemas.microsoft.com/office/drawing/2014/main" val="2231459869"/>
                     </a:ext>
                   </a:extLst>
                 </a:gridCol>
-                <a:gridCol w="1314963">
+                <a:gridCol w="5141212">
                   <a:extLst>
                     <a:ext uri="{9D8B030D-6E8A-4147-A177-3AD203B41FA5}">
                       <a16:colId xmlns:a16="http://schemas.microsoft.com/office/drawing/2014/main" val="1100011103"/>
                     </a:ext>
                   </a:extLst>
                 </a:gridCol>
-                <a:gridCol w="1478500">
+                <a:gridCol w="1828800">
                   <a:extLst>
                     <a:ext uri="{9D8B030D-6E8A-4147-A177-3AD203B41FA5}">
                       <a16:colId xmlns:a16="http://schemas.microsoft.com/office/drawing/2014/main" val="1425641421"/>
                     </a:ext>
                   </a:extLst>
                 </a:gridCol>
+                <a:gridCol w="2057400">
+                  <a:extLst>
+                    <a:ext uri="{9D8B030D-6E8A-4147-A177-3AD203B41FA5}">
+                      <a16:colId xmlns:a16="http://schemas.microsoft.com/office/drawing/2014/main" val="1745749721"/>
+                    </a:ext>
+                  </a:extLst>
+                </a:gridCol>
               </a:tblGrid>
-              <a:tr h="370840">
+              <a:tr h="713533">
                 <a:tc>
                   <a:txBody>
                     <a:bodyPr/>
                     <a:lstStyle/>
                     <a:p>
                       <a:r>
-                        <a:rPr lang="hr-HR" b="1" dirty="0">
+                        <a:rPr lang="hr-HR" sz="1600" b="1" dirty="0">
                           <a:solidFill>
                             <a:schemeClr val="accent5">
                               <a:lumMod val="60000"/>
@@ -19971,7 +21188,7 @@
                         </a:rPr>
                         <a:t>Varijabla</a:t>
                       </a:r>
-                      <a:endParaRPr lang="en-US" b="1" dirty="0">
+                      <a:endParaRPr lang="en-US" sz="1600" b="1" dirty="0">
                         <a:solidFill>
                           <a:schemeClr val="accent5">
                             <a:lumMod val="60000"/>
@@ -19990,7 +21207,7 @@
                     <a:lstStyle/>
                     <a:p>
                       <a:r>
-                        <a:rPr lang="hr-HR" dirty="0">
+                        <a:rPr lang="hr-HR" sz="1600" dirty="0">
                           <a:solidFill>
                             <a:schemeClr val="accent5">
                               <a:lumMod val="60000"/>
@@ -19999,9 +21216,9 @@
                           </a:solidFill>
                           <a:latin typeface="Consolas" panose="020B0609020204030204" pitchFamily="49" charset="0"/>
                         </a:rPr>
-                        <a:t>Dok 0</a:t>
+                        <a:t>Značenje</a:t>
                       </a:r>
-                      <a:endParaRPr lang="en-US" dirty="0">
+                      <a:endParaRPr lang="en-US" sz="1600" dirty="0">
                         <a:solidFill>
                           <a:schemeClr val="accent5">
                             <a:lumMod val="60000"/>
@@ -20014,396 +21231,6 @@
                   </a:txBody>
                   <a:tcPr/>
                 </a:tc>
-                <a:tc>
-                  <a:txBody>
-                    <a:bodyPr/>
-                    <a:lstStyle/>
-                    <a:p>
-                      <a:r>
-                        <a:rPr lang="hr-HR" dirty="0">
-                          <a:solidFill>
-                            <a:schemeClr val="accent5">
-                              <a:lumMod val="60000"/>
-                              <a:lumOff val="40000"/>
-                            </a:schemeClr>
-                          </a:solidFill>
-                          <a:latin typeface="Consolas" panose="020B0609020204030204" pitchFamily="49" charset="0"/>
-                        </a:rPr>
-                        <a:t>Dok 1</a:t>
-                      </a:r>
-                      <a:endParaRPr lang="en-US" dirty="0">
-                        <a:solidFill>
-                          <a:schemeClr val="accent5">
-                            <a:lumMod val="60000"/>
-                            <a:lumOff val="40000"/>
-                          </a:schemeClr>
-                        </a:solidFill>
-                        <a:latin typeface="Consolas" panose="020B0609020204030204" pitchFamily="49" charset="0"/>
-                      </a:endParaRPr>
-                    </a:p>
-                  </a:txBody>
-                  <a:tcPr/>
-                </a:tc>
-                <a:extLst>
-                  <a:ext uri="{0D108BD9-81ED-4DB2-BD59-A6C34878D82A}">
-                    <a16:rowId xmlns:a16="http://schemas.microsoft.com/office/drawing/2014/main" val="2610600896"/>
-                  </a:ext>
-                </a:extLst>
-              </a:tr>
-              <a:tr h="370840">
-                <a:tc>
-                  <a:txBody>
-                    <a:bodyPr/>
-                    <a:lstStyle/>
-                    <a:p>
-                      <a:r>
-                        <a:rPr lang="hr-HR" b="0" dirty="0" err="1">
-                          <a:solidFill>
-                            <a:schemeClr val="accent2">
-                              <a:lumMod val="20000"/>
-                              <a:lumOff val="80000"/>
-                            </a:schemeClr>
-                          </a:solidFill>
-                          <a:latin typeface="Consolas" panose="020B0609020204030204" pitchFamily="49" charset="0"/>
-                        </a:rPr>
-                        <a:t>HighChol</a:t>
-                      </a:r>
-                      <a:endParaRPr lang="en-US" b="0" dirty="0">
-                        <a:solidFill>
-                          <a:schemeClr val="accent2">
-                            <a:lumMod val="20000"/>
-                            <a:lumOff val="80000"/>
-                          </a:schemeClr>
-                        </a:solidFill>
-                        <a:latin typeface="Consolas" panose="020B0609020204030204" pitchFamily="49" charset="0"/>
-                      </a:endParaRPr>
-                    </a:p>
-                  </a:txBody>
-                  <a:tcPr/>
-                </a:tc>
-                <a:tc>
-                  <a:txBody>
-                    <a:bodyPr/>
-                    <a:lstStyle/>
-                    <a:p>
-                      <a:r>
-                        <a:rPr lang="hr-HR" dirty="0">
-                          <a:solidFill>
-                            <a:schemeClr val="bg1"/>
-                          </a:solidFill>
-                          <a:latin typeface="Consolas" panose="020B0609020204030204" pitchFamily="49" charset="0"/>
-                        </a:rPr>
-                        <a:t>Nije</a:t>
-                      </a:r>
-                      <a:endParaRPr lang="en-US" dirty="0">
-                        <a:solidFill>
-                          <a:schemeClr val="bg1"/>
-                        </a:solidFill>
-                        <a:latin typeface="Consolas" panose="020B0609020204030204" pitchFamily="49" charset="0"/>
-                      </a:endParaRPr>
-                    </a:p>
-                  </a:txBody>
-                  <a:tcPr/>
-                </a:tc>
-                <a:tc>
-                  <a:txBody>
-                    <a:bodyPr/>
-                    <a:lstStyle/>
-                    <a:p>
-                      <a:r>
-                        <a:rPr lang="hr-HR" dirty="0">
-                          <a:solidFill>
-                            <a:schemeClr val="bg1"/>
-                          </a:solidFill>
-                          <a:latin typeface="Consolas" panose="020B0609020204030204" pitchFamily="49" charset="0"/>
-                        </a:rPr>
-                        <a:t>Je</a:t>
-                      </a:r>
-                      <a:endParaRPr lang="en-US" dirty="0">
-                        <a:solidFill>
-                          <a:schemeClr val="bg1"/>
-                        </a:solidFill>
-                        <a:latin typeface="Consolas" panose="020B0609020204030204" pitchFamily="49" charset="0"/>
-                      </a:endParaRPr>
-                    </a:p>
-                  </a:txBody>
-                  <a:tcPr/>
-                </a:tc>
-                <a:extLst>
-                  <a:ext uri="{0D108BD9-81ED-4DB2-BD59-A6C34878D82A}">
-                    <a16:rowId xmlns:a16="http://schemas.microsoft.com/office/drawing/2014/main" val="1725269232"/>
-                  </a:ext>
-                </a:extLst>
-              </a:tr>
-              <a:tr h="370840">
-                <a:tc>
-                  <a:txBody>
-                    <a:bodyPr/>
-                    <a:lstStyle/>
-                    <a:p>
-                      <a:r>
-                        <a:rPr lang="hr-HR" b="0" dirty="0" err="1">
-                          <a:solidFill>
-                            <a:schemeClr val="accent2">
-                              <a:lumMod val="20000"/>
-                              <a:lumOff val="80000"/>
-                            </a:schemeClr>
-                          </a:solidFill>
-                          <a:latin typeface="Consolas" panose="020B0609020204030204" pitchFamily="49" charset="0"/>
-                        </a:rPr>
-                        <a:t>CholCheck</a:t>
-                      </a:r>
-                      <a:endParaRPr lang="en-US" b="0" dirty="0">
-                        <a:solidFill>
-                          <a:schemeClr val="accent2">
-                            <a:lumMod val="20000"/>
-                            <a:lumOff val="80000"/>
-                          </a:schemeClr>
-                        </a:solidFill>
-                        <a:latin typeface="Consolas" panose="020B0609020204030204" pitchFamily="49" charset="0"/>
-                      </a:endParaRPr>
-                    </a:p>
-                  </a:txBody>
-                  <a:tcPr/>
-                </a:tc>
-                <a:tc>
-                  <a:txBody>
-                    <a:bodyPr/>
-                    <a:lstStyle/>
-                    <a:p>
-                      <a:endParaRPr lang="en-US" dirty="0">
-                        <a:solidFill>
-                          <a:schemeClr val="bg1"/>
-                        </a:solidFill>
-                        <a:latin typeface="Consolas" panose="020B0609020204030204" pitchFamily="49" charset="0"/>
-                      </a:endParaRPr>
-                    </a:p>
-                  </a:txBody>
-                  <a:tcPr/>
-                </a:tc>
-                <a:tc>
-                  <a:txBody>
-                    <a:bodyPr/>
-                    <a:lstStyle/>
-                    <a:p>
-                      <a:endParaRPr lang="en-US" dirty="0">
-                        <a:solidFill>
-                          <a:schemeClr val="bg1"/>
-                        </a:solidFill>
-                        <a:latin typeface="Consolas" panose="020B0609020204030204" pitchFamily="49" charset="0"/>
-                      </a:endParaRPr>
-                    </a:p>
-                  </a:txBody>
-                  <a:tcPr/>
-                </a:tc>
-                <a:extLst>
-                  <a:ext uri="{0D108BD9-81ED-4DB2-BD59-A6C34878D82A}">
-                    <a16:rowId xmlns:a16="http://schemas.microsoft.com/office/drawing/2014/main" val="2240883439"/>
-                  </a:ext>
-                </a:extLst>
-              </a:tr>
-              <a:tr h="370840">
-                <a:tc>
-                  <a:txBody>
-                    <a:bodyPr/>
-                    <a:lstStyle/>
-                    <a:p>
-                      <a:r>
-                        <a:rPr lang="hr-HR" b="0" dirty="0" err="1">
-                          <a:solidFill>
-                            <a:schemeClr val="accent2">
-                              <a:lumMod val="20000"/>
-                              <a:lumOff val="80000"/>
-                            </a:schemeClr>
-                          </a:solidFill>
-                          <a:latin typeface="Consolas" panose="020B0609020204030204" pitchFamily="49" charset="0"/>
-                        </a:rPr>
-                        <a:t>BMI_Group</a:t>
-                      </a:r>
-                      <a:endParaRPr lang="en-US" b="0" dirty="0">
-                        <a:solidFill>
-                          <a:schemeClr val="accent2">
-                            <a:lumMod val="20000"/>
-                            <a:lumOff val="80000"/>
-                          </a:schemeClr>
-                        </a:solidFill>
-                        <a:latin typeface="Consolas" panose="020B0609020204030204" pitchFamily="49" charset="0"/>
-                      </a:endParaRPr>
-                    </a:p>
-                  </a:txBody>
-                  <a:tcPr/>
-                </a:tc>
-                <a:tc>
-                  <a:txBody>
-                    <a:bodyPr/>
-                    <a:lstStyle/>
-                    <a:p>
-                      <a:endParaRPr lang="en-US">
-                        <a:solidFill>
-                          <a:schemeClr val="bg1"/>
-                        </a:solidFill>
-                        <a:latin typeface="Consolas" panose="020B0609020204030204" pitchFamily="49" charset="0"/>
-                      </a:endParaRPr>
-                    </a:p>
-                  </a:txBody>
-                  <a:tcPr/>
-                </a:tc>
-                <a:tc>
-                  <a:txBody>
-                    <a:bodyPr/>
-                    <a:lstStyle/>
-                    <a:p>
-                      <a:endParaRPr lang="en-US" dirty="0">
-                        <a:solidFill>
-                          <a:schemeClr val="bg1"/>
-                        </a:solidFill>
-                        <a:latin typeface="Consolas" panose="020B0609020204030204" pitchFamily="49" charset="0"/>
-                      </a:endParaRPr>
-                    </a:p>
-                  </a:txBody>
-                  <a:tcPr/>
-                </a:tc>
-                <a:extLst>
-                  <a:ext uri="{0D108BD9-81ED-4DB2-BD59-A6C34878D82A}">
-                    <a16:rowId xmlns:a16="http://schemas.microsoft.com/office/drawing/2014/main" val="1560354739"/>
-                  </a:ext>
-                </a:extLst>
-              </a:tr>
-              <a:tr h="370840">
-                <a:tc>
-                  <a:txBody>
-                    <a:bodyPr/>
-                    <a:lstStyle/>
-                    <a:p>
-                      <a:r>
-                        <a:rPr lang="hr-HR" b="0" dirty="0" err="1">
-                          <a:solidFill>
-                            <a:schemeClr val="accent2">
-                              <a:lumMod val="20000"/>
-                              <a:lumOff val="80000"/>
-                            </a:schemeClr>
-                          </a:solidFill>
-                          <a:latin typeface="Consolas" panose="020B0609020204030204" pitchFamily="49" charset="0"/>
-                        </a:rPr>
-                        <a:t>HvyAlcoholConsump</a:t>
-                      </a:r>
-                      <a:endParaRPr lang="en-US" b="0" dirty="0">
-                        <a:solidFill>
-                          <a:schemeClr val="accent2">
-                            <a:lumMod val="20000"/>
-                            <a:lumOff val="80000"/>
-                          </a:schemeClr>
-                        </a:solidFill>
-                        <a:latin typeface="Consolas" panose="020B0609020204030204" pitchFamily="49" charset="0"/>
-                      </a:endParaRPr>
-                    </a:p>
-                  </a:txBody>
-                  <a:tcPr/>
-                </a:tc>
-                <a:tc>
-                  <a:txBody>
-                    <a:bodyPr/>
-                    <a:lstStyle/>
-                    <a:p>
-                      <a:endParaRPr lang="en-US" dirty="0">
-                        <a:solidFill>
-                          <a:schemeClr val="bg1"/>
-                        </a:solidFill>
-                        <a:latin typeface="Consolas" panose="020B0609020204030204" pitchFamily="49" charset="0"/>
-                      </a:endParaRPr>
-                    </a:p>
-                  </a:txBody>
-                  <a:tcPr/>
-                </a:tc>
-                <a:tc>
-                  <a:txBody>
-                    <a:bodyPr/>
-                    <a:lstStyle/>
-                    <a:p>
-                      <a:endParaRPr lang="en-US" dirty="0">
-                        <a:solidFill>
-                          <a:schemeClr val="bg1"/>
-                        </a:solidFill>
-                        <a:latin typeface="Consolas" panose="020B0609020204030204" pitchFamily="49" charset="0"/>
-                      </a:endParaRPr>
-                    </a:p>
-                  </a:txBody>
-                  <a:tcPr/>
-                </a:tc>
-                <a:extLst>
-                  <a:ext uri="{0D108BD9-81ED-4DB2-BD59-A6C34878D82A}">
-                    <a16:rowId xmlns:a16="http://schemas.microsoft.com/office/drawing/2014/main" val="118314908"/>
-                  </a:ext>
-                </a:extLst>
-              </a:tr>
-              <a:tr h="370840">
-                <a:tc>
-                  <a:txBody>
-                    <a:bodyPr/>
-                    <a:lstStyle/>
-                    <a:p>
-                      <a:r>
-                        <a:rPr lang="hr-HR" b="0" dirty="0" err="1">
-                          <a:solidFill>
-                            <a:schemeClr val="accent2">
-                              <a:lumMod val="20000"/>
-                              <a:lumOff val="80000"/>
-                            </a:schemeClr>
-                          </a:solidFill>
-                          <a:latin typeface="Consolas" panose="020B0609020204030204" pitchFamily="49" charset="0"/>
-                        </a:rPr>
-                        <a:t>AnyHealthcare</a:t>
-                      </a:r>
-                      <a:endParaRPr lang="en-US" b="0" dirty="0">
-                        <a:solidFill>
-                          <a:schemeClr val="accent2">
-                            <a:lumMod val="20000"/>
-                            <a:lumOff val="80000"/>
-                          </a:schemeClr>
-                        </a:solidFill>
-                        <a:latin typeface="Consolas" panose="020B0609020204030204" pitchFamily="49" charset="0"/>
-                      </a:endParaRPr>
-                    </a:p>
-                  </a:txBody>
-                  <a:tcPr/>
-                </a:tc>
-                <a:tc>
-                  <a:txBody>
-                    <a:bodyPr/>
-                    <a:lstStyle/>
-                    <a:p>
-                      <a:endParaRPr lang="en-US" dirty="0">
-                        <a:solidFill>
-                          <a:schemeClr val="bg1"/>
-                        </a:solidFill>
-                        <a:latin typeface="Consolas" panose="020B0609020204030204" pitchFamily="49" charset="0"/>
-                      </a:endParaRPr>
-                    </a:p>
-                  </a:txBody>
-                  <a:tcPr/>
-                </a:tc>
-                <a:tc>
-                  <a:txBody>
-                    <a:bodyPr/>
-                    <a:lstStyle/>
-                    <a:p>
-                      <a:endParaRPr lang="en-US" dirty="0">
-                        <a:solidFill>
-                          <a:schemeClr val="bg1"/>
-                        </a:solidFill>
-                        <a:latin typeface="Consolas" panose="020B0609020204030204" pitchFamily="49" charset="0"/>
-                      </a:endParaRPr>
-                    </a:p>
-                  </a:txBody>
-                  <a:tcPr/>
-                </a:tc>
-                <a:extLst>
-                  <a:ext uri="{0D108BD9-81ED-4DB2-BD59-A6C34878D82A}">
-                    <a16:rowId xmlns:a16="http://schemas.microsoft.com/office/drawing/2014/main" val="1575990506"/>
-                  </a:ext>
-                </a:extLst>
-              </a:tr>
-              <a:tr h="370840">
                 <a:tc>
                   <a:txBody>
                     <a:bodyPr/>
@@ -20427,7 +21254,65 @@
                         <a:defRPr/>
                       </a:pPr>
                       <a:r>
-                        <a:rPr lang="en-US" b="0" dirty="0" err="1">
+                        <a:rPr lang="hr-HR" sz="1600" dirty="0">
+                          <a:solidFill>
+                            <a:schemeClr val="accent5">
+                              <a:lumMod val="60000"/>
+                              <a:lumOff val="40000"/>
+                            </a:schemeClr>
+                          </a:solidFill>
+                          <a:latin typeface="Consolas" panose="020B0609020204030204" pitchFamily="49" charset="0"/>
+                        </a:rPr>
+                        <a:t>Vrsta varijable</a:t>
+                      </a:r>
+                      <a:endParaRPr lang="en-US" sz="1600" dirty="0">
+                        <a:solidFill>
+                          <a:schemeClr val="accent5">
+                            <a:lumMod val="60000"/>
+                            <a:lumOff val="40000"/>
+                          </a:schemeClr>
+                        </a:solidFill>
+                        <a:latin typeface="Consolas" panose="020B0609020204030204" pitchFamily="49" charset="0"/>
+                      </a:endParaRPr>
+                    </a:p>
+                  </a:txBody>
+                  <a:tcPr/>
+                </a:tc>
+                <a:tc>
+                  <a:txBody>
+                    <a:bodyPr/>
+                    <a:lstStyle/>
+                    <a:p>
+                      <a:r>
+                        <a:rPr lang="hr-HR" sz="1600" dirty="0">
+                          <a:solidFill>
+                            <a:schemeClr val="accent5">
+                              <a:lumMod val="60000"/>
+                              <a:lumOff val="40000"/>
+                            </a:schemeClr>
+                          </a:solidFill>
+                          <a:latin typeface="Consolas" panose="020B0609020204030204" pitchFamily="49" charset="0"/>
+                        </a:rPr>
+                        <a:t>Vrijednosti koje poprima</a:t>
+                      </a:r>
+                    </a:p>
+                  </a:txBody>
+                  <a:tcPr/>
+                </a:tc>
+                <a:extLst>
+                  <a:ext uri="{0D108BD9-81ED-4DB2-BD59-A6C34878D82A}">
+                    <a16:rowId xmlns:a16="http://schemas.microsoft.com/office/drawing/2014/main" val="2610600896"/>
+                  </a:ext>
+                </a:extLst>
+              </a:tr>
+              <a:tr h="663394">
+                <a:tc>
+                  <a:txBody>
+                    <a:bodyPr/>
+                    <a:lstStyle/>
+                    <a:p>
+                      <a:r>
+                        <a:rPr lang="hr-HR" sz="1600" b="0" dirty="0" err="1">
                           <a:solidFill>
                             <a:schemeClr val="accent2">
                               <a:lumMod val="20000"/>
@@ -20436,9 +21321,9 @@
                           </a:solidFill>
                           <a:latin typeface="Consolas" panose="020B0609020204030204" pitchFamily="49" charset="0"/>
                         </a:rPr>
-                        <a:t>NoDocbcCost</a:t>
+                        <a:t>HighChol</a:t>
                       </a:r>
-                      <a:endParaRPr lang="en-US" b="0" dirty="0">
+                      <a:endParaRPr lang="en-US" sz="1600" b="0" dirty="0">
                         <a:solidFill>
                           <a:schemeClr val="accent2">
                             <a:lumMod val="20000"/>
@@ -20456,7 +21341,16 @@
                     <a:bodyPr/>
                     <a:lstStyle/>
                     <a:p>
-                      <a:endParaRPr lang="en-US" dirty="0">
+                      <a:r>
+                        <a:rPr lang="hr-HR" sz="1600" dirty="0">
+                          <a:solidFill>
+                            <a:schemeClr val="bg1"/>
+                          </a:solidFill>
+                          <a:latin typeface="Consolas" panose="020B0609020204030204" pitchFamily="49" charset="0"/>
+                        </a:rPr>
+                        <a:t>Razina kolesterola</a:t>
+                      </a:r>
+                      <a:endParaRPr lang="en-US" sz="1600" dirty="0">
                         <a:solidFill>
                           <a:schemeClr val="bg1"/>
                         </a:solidFill>
@@ -20466,28 +21360,6 @@
                   </a:txBody>
                   <a:tcPr/>
                 </a:tc>
-                <a:tc>
-                  <a:txBody>
-                    <a:bodyPr/>
-                    <a:lstStyle/>
-                    <a:p>
-                      <a:endParaRPr lang="en-US" dirty="0">
-                        <a:solidFill>
-                          <a:schemeClr val="bg1"/>
-                        </a:solidFill>
-                        <a:latin typeface="Consolas" panose="020B0609020204030204" pitchFamily="49" charset="0"/>
-                      </a:endParaRPr>
-                    </a:p>
-                  </a:txBody>
-                  <a:tcPr/>
-                </a:tc>
-                <a:extLst>
-                  <a:ext uri="{0D108BD9-81ED-4DB2-BD59-A6C34878D82A}">
-                    <a16:rowId xmlns:a16="http://schemas.microsoft.com/office/drawing/2014/main" val="2793863395"/>
-                  </a:ext>
-                </a:extLst>
-              </a:tr>
-              <a:tr h="370840">
                 <a:tc>
                   <a:txBody>
                     <a:bodyPr/>
@@ -20511,7 +21383,754 @@
                         <a:defRPr/>
                       </a:pPr>
                       <a:r>
-                        <a:rPr kumimoji="0" lang="en-US" sz="1800" b="0" i="0" u="none" strike="noStrike" kern="1200" cap="none" spc="0" normalizeH="0" baseline="0" noProof="0" dirty="0">
+                        <a:rPr lang="hr-HR" sz="1600" dirty="0">
+                          <a:solidFill>
+                            <a:schemeClr val="bg1"/>
+                          </a:solidFill>
+                          <a:latin typeface="Consolas" panose="020B0609020204030204" pitchFamily="49" charset="0"/>
+                        </a:rPr>
+                        <a:t>Kvalitativna, nominalna</a:t>
+                      </a:r>
+                      <a:endParaRPr lang="en-US" sz="1600" dirty="0">
+                        <a:solidFill>
+                          <a:schemeClr val="bg1"/>
+                        </a:solidFill>
+                        <a:latin typeface="Consolas" panose="020B0609020204030204" pitchFamily="49" charset="0"/>
+                      </a:endParaRPr>
+                    </a:p>
+                  </a:txBody>
+                  <a:tcPr/>
+                </a:tc>
+                <a:tc>
+                  <a:txBody>
+                    <a:bodyPr/>
+                    <a:lstStyle/>
+                    <a:p>
+                      <a:r>
+                        <a:rPr lang="hr-HR" sz="1600" dirty="0">
+                          <a:solidFill>
+                            <a:schemeClr val="bg1"/>
+                          </a:solidFill>
+                          <a:latin typeface="Consolas" panose="020B0609020204030204" pitchFamily="49" charset="0"/>
+                        </a:rPr>
+                        <a:t>0 (nizak), 1 (visok)</a:t>
+                      </a:r>
+                      <a:endParaRPr lang="en-US" sz="1600" dirty="0">
+                        <a:solidFill>
+                          <a:schemeClr val="bg1"/>
+                        </a:solidFill>
+                        <a:latin typeface="Consolas" panose="020B0609020204030204" pitchFamily="49" charset="0"/>
+                      </a:endParaRPr>
+                    </a:p>
+                  </a:txBody>
+                  <a:tcPr/>
+                </a:tc>
+                <a:extLst>
+                  <a:ext uri="{0D108BD9-81ED-4DB2-BD59-A6C34878D82A}">
+                    <a16:rowId xmlns:a16="http://schemas.microsoft.com/office/drawing/2014/main" val="1725269232"/>
+                  </a:ext>
+                </a:extLst>
+              </a:tr>
+              <a:tr h="895228">
+                <a:tc>
+                  <a:txBody>
+                    <a:bodyPr/>
+                    <a:lstStyle/>
+                    <a:p>
+                      <a:r>
+                        <a:rPr lang="hr-HR" sz="1600" b="0" dirty="0" err="1">
+                          <a:solidFill>
+                            <a:schemeClr val="accent2">
+                              <a:lumMod val="20000"/>
+                              <a:lumOff val="80000"/>
+                            </a:schemeClr>
+                          </a:solidFill>
+                          <a:latin typeface="Consolas" panose="020B0609020204030204" pitchFamily="49" charset="0"/>
+                        </a:rPr>
+                        <a:t>CholCheck</a:t>
+                      </a:r>
+                      <a:endParaRPr lang="en-US" sz="1600" b="0" dirty="0">
+                        <a:solidFill>
+                          <a:schemeClr val="accent2">
+                            <a:lumMod val="20000"/>
+                            <a:lumOff val="80000"/>
+                          </a:schemeClr>
+                        </a:solidFill>
+                        <a:latin typeface="Consolas" panose="020B0609020204030204" pitchFamily="49" charset="0"/>
+                      </a:endParaRPr>
+                    </a:p>
+                  </a:txBody>
+                  <a:tcPr/>
+                </a:tc>
+                <a:tc>
+                  <a:txBody>
+                    <a:bodyPr/>
+                    <a:lstStyle/>
+                    <a:p>
+                      <a:r>
+                        <a:rPr lang="hr-HR" sz="1600" dirty="0">
+                          <a:solidFill>
+                            <a:schemeClr val="bg1"/>
+                          </a:solidFill>
+                          <a:latin typeface="Consolas" panose="020B0609020204030204" pitchFamily="49" charset="0"/>
+                        </a:rPr>
+                        <a:t>Pregledan kolesterol u zadnjih 5 godina?</a:t>
+                      </a:r>
+                      <a:endParaRPr lang="en-US" sz="1600" dirty="0">
+                        <a:solidFill>
+                          <a:schemeClr val="bg1"/>
+                        </a:solidFill>
+                        <a:latin typeface="Consolas" panose="020B0609020204030204" pitchFamily="49" charset="0"/>
+                      </a:endParaRPr>
+                    </a:p>
+                  </a:txBody>
+                  <a:tcPr/>
+                </a:tc>
+                <a:tc>
+                  <a:txBody>
+                    <a:bodyPr/>
+                    <a:lstStyle/>
+                    <a:p>
+                      <a:r>
+                        <a:rPr lang="hr-HR" sz="1600" dirty="0">
+                          <a:solidFill>
+                            <a:schemeClr val="bg1"/>
+                          </a:solidFill>
+                          <a:latin typeface="Consolas" panose="020B0609020204030204" pitchFamily="49" charset="0"/>
+                        </a:rPr>
+                        <a:t>Kvalitativna, nominalna</a:t>
+                      </a:r>
+                      <a:endParaRPr lang="en-US" sz="1600" dirty="0">
+                        <a:solidFill>
+                          <a:schemeClr val="bg1"/>
+                        </a:solidFill>
+                        <a:latin typeface="Consolas" panose="020B0609020204030204" pitchFamily="49" charset="0"/>
+                      </a:endParaRPr>
+                    </a:p>
+                  </a:txBody>
+                  <a:tcPr/>
+                </a:tc>
+                <a:tc>
+                  <a:txBody>
+                    <a:bodyPr/>
+                    <a:lstStyle/>
+                    <a:p>
+                      <a:r>
+                        <a:rPr lang="hr-HR" sz="1600" dirty="0">
+                          <a:solidFill>
+                            <a:schemeClr val="bg1"/>
+                          </a:solidFill>
+                          <a:latin typeface="Consolas" panose="020B0609020204030204" pitchFamily="49" charset="0"/>
+                        </a:rPr>
+                        <a:t>0 (jest), 1 (nije)</a:t>
+                      </a:r>
+                      <a:endParaRPr lang="en-US" sz="1600" dirty="0">
+                        <a:solidFill>
+                          <a:schemeClr val="bg1"/>
+                        </a:solidFill>
+                        <a:latin typeface="Consolas" panose="020B0609020204030204" pitchFamily="49" charset="0"/>
+                      </a:endParaRPr>
+                    </a:p>
+                  </a:txBody>
+                  <a:tcPr/>
+                </a:tc>
+                <a:extLst>
+                  <a:ext uri="{0D108BD9-81ED-4DB2-BD59-A6C34878D82A}">
+                    <a16:rowId xmlns:a16="http://schemas.microsoft.com/office/drawing/2014/main" val="2240883439"/>
+                  </a:ext>
+                </a:extLst>
+              </a:tr>
+              <a:tr h="420718">
+                <a:tc>
+                  <a:txBody>
+                    <a:bodyPr/>
+                    <a:lstStyle/>
+                    <a:p>
+                      <a:r>
+                        <a:rPr lang="hr-HR" sz="1600" b="0" dirty="0" err="1">
+                          <a:solidFill>
+                            <a:schemeClr val="accent2">
+                              <a:lumMod val="20000"/>
+                              <a:lumOff val="80000"/>
+                            </a:schemeClr>
+                          </a:solidFill>
+                          <a:latin typeface="Consolas" panose="020B0609020204030204" pitchFamily="49" charset="0"/>
+                        </a:rPr>
+                        <a:t>BMI_Group</a:t>
+                      </a:r>
+                      <a:endParaRPr lang="en-US" sz="1600" b="0" dirty="0">
+                        <a:solidFill>
+                          <a:schemeClr val="accent2">
+                            <a:lumMod val="20000"/>
+                            <a:lumOff val="80000"/>
+                          </a:schemeClr>
+                        </a:solidFill>
+                        <a:latin typeface="Consolas" panose="020B0609020204030204" pitchFamily="49" charset="0"/>
+                      </a:endParaRPr>
+                    </a:p>
+                  </a:txBody>
+                  <a:tcPr/>
+                </a:tc>
+                <a:tc>
+                  <a:txBody>
+                    <a:bodyPr/>
+                    <a:lstStyle/>
+                    <a:p>
+                      <a:r>
+                        <a:rPr lang="hr-HR" sz="1600" dirty="0">
+                          <a:solidFill>
+                            <a:schemeClr val="bg1"/>
+                          </a:solidFill>
+                          <a:latin typeface="Consolas" panose="020B0609020204030204" pitchFamily="49" charset="0"/>
+                        </a:rPr>
+                        <a:t>Indeks tjelesne mase</a:t>
+                      </a:r>
+                      <a:endParaRPr lang="en-US" sz="1600" dirty="0">
+                        <a:solidFill>
+                          <a:schemeClr val="bg1"/>
+                        </a:solidFill>
+                        <a:latin typeface="Consolas" panose="020B0609020204030204" pitchFamily="49" charset="0"/>
+                      </a:endParaRPr>
+                    </a:p>
+                  </a:txBody>
+                  <a:tcPr/>
+                </a:tc>
+                <a:tc>
+                  <a:txBody>
+                    <a:bodyPr/>
+                    <a:lstStyle/>
+                    <a:p>
+                      <a:r>
+                        <a:rPr lang="hr-HR" sz="1600" dirty="0">
+                          <a:solidFill>
+                            <a:schemeClr val="bg1"/>
+                          </a:solidFill>
+                          <a:latin typeface="Consolas" panose="020B0609020204030204" pitchFamily="49" charset="0"/>
+                        </a:rPr>
+                        <a:t>Numerička, diskretna</a:t>
+                      </a:r>
+                      <a:endParaRPr lang="en-US" sz="1600" dirty="0">
+                        <a:solidFill>
+                          <a:schemeClr val="bg1"/>
+                        </a:solidFill>
+                        <a:latin typeface="Consolas" panose="020B0609020204030204" pitchFamily="49" charset="0"/>
+                      </a:endParaRPr>
+                    </a:p>
+                  </a:txBody>
+                  <a:tcPr/>
+                </a:tc>
+                <a:tc>
+                  <a:txBody>
+                    <a:bodyPr/>
+                    <a:lstStyle/>
+                    <a:p>
+                      <a:r>
+                        <a:rPr lang="hr-HR" sz="1600" dirty="0">
+                          <a:solidFill>
+                            <a:schemeClr val="bg1"/>
+                          </a:solidFill>
+                          <a:latin typeface="Consolas" panose="020B0609020204030204" pitchFamily="49" charset="0"/>
+                        </a:rPr>
+                        <a:t>12-98</a:t>
+                      </a:r>
+                      <a:endParaRPr lang="en-US" sz="1600" dirty="0">
+                        <a:solidFill>
+                          <a:schemeClr val="bg1"/>
+                        </a:solidFill>
+                        <a:latin typeface="Consolas" panose="020B0609020204030204" pitchFamily="49" charset="0"/>
+                      </a:endParaRPr>
+                    </a:p>
+                  </a:txBody>
+                  <a:tcPr/>
+                </a:tc>
+                <a:extLst>
+                  <a:ext uri="{0D108BD9-81ED-4DB2-BD59-A6C34878D82A}">
+                    <a16:rowId xmlns:a16="http://schemas.microsoft.com/office/drawing/2014/main" val="1560354739"/>
+                  </a:ext>
+                </a:extLst>
+              </a:tr>
+              <a:tr h="669730">
+                <a:tc>
+                  <a:txBody>
+                    <a:bodyPr/>
+                    <a:lstStyle/>
+                    <a:p>
+                      <a:r>
+                        <a:rPr lang="hr-HR" sz="1600" b="0" dirty="0" err="1">
+                          <a:solidFill>
+                            <a:schemeClr val="accent2">
+                              <a:lumMod val="20000"/>
+                              <a:lumOff val="80000"/>
+                            </a:schemeClr>
+                          </a:solidFill>
+                          <a:latin typeface="Consolas" panose="020B0609020204030204" pitchFamily="49" charset="0"/>
+                        </a:rPr>
+                        <a:t>HvyAlcoholConsump</a:t>
+                      </a:r>
+                      <a:endParaRPr lang="en-US" sz="1600" b="0" dirty="0">
+                        <a:solidFill>
+                          <a:schemeClr val="accent2">
+                            <a:lumMod val="20000"/>
+                            <a:lumOff val="80000"/>
+                          </a:schemeClr>
+                        </a:solidFill>
+                        <a:latin typeface="Consolas" panose="020B0609020204030204" pitchFamily="49" charset="0"/>
+                      </a:endParaRPr>
+                    </a:p>
+                  </a:txBody>
+                  <a:tcPr/>
+                </a:tc>
+                <a:tc>
+                  <a:txBody>
+                    <a:bodyPr/>
+                    <a:lstStyle/>
+                    <a:p>
+                      <a:r>
+                        <a:rPr lang="hr-HR" sz="1600" dirty="0">
+                          <a:solidFill>
+                            <a:schemeClr val="bg1"/>
+                          </a:solidFill>
+                          <a:latin typeface="Consolas" panose="020B0609020204030204" pitchFamily="49" charset="0"/>
+                        </a:rPr>
+                        <a:t>Žene &gt;= 7 pića tjedno</a:t>
+                      </a:r>
+                    </a:p>
+                    <a:p>
+                      <a:r>
+                        <a:rPr lang="hr-HR" sz="1600" dirty="0">
+                          <a:solidFill>
+                            <a:schemeClr val="bg1"/>
+                          </a:solidFill>
+                          <a:latin typeface="Consolas" panose="020B0609020204030204" pitchFamily="49" charset="0"/>
+                        </a:rPr>
+                        <a:t>Muškarci &gt;= 14 pića tjedno</a:t>
+                      </a:r>
+                      <a:endParaRPr lang="en-US" sz="1600" dirty="0">
+                        <a:solidFill>
+                          <a:schemeClr val="bg1"/>
+                        </a:solidFill>
+                        <a:latin typeface="Consolas" panose="020B0609020204030204" pitchFamily="49" charset="0"/>
+                      </a:endParaRPr>
+                    </a:p>
+                  </a:txBody>
+                  <a:tcPr/>
+                </a:tc>
+                <a:tc>
+                  <a:txBody>
+                    <a:bodyPr/>
+                    <a:lstStyle/>
+                    <a:p>
+                      <a:pPr marL="0" marR="0" lvl="0" indent="0" algn="l" defTabSz="914400" rtl="0" eaLnBrk="1" fontAlgn="auto" latinLnBrk="0" hangingPunct="1">
+                        <a:lnSpc>
+                          <a:spcPct val="100000"/>
+                        </a:lnSpc>
+                        <a:spcBef>
+                          <a:spcPts val="0"/>
+                        </a:spcBef>
+                        <a:spcAft>
+                          <a:spcPts val="0"/>
+                        </a:spcAft>
+                        <a:buClrTx/>
+                        <a:buSzTx/>
+                        <a:buFontTx/>
+                        <a:buNone/>
+                        <a:tabLst/>
+                        <a:defRPr/>
+                      </a:pPr>
+                      <a:r>
+                        <a:rPr lang="hr-HR" sz="1600" dirty="0">
+                          <a:solidFill>
+                            <a:schemeClr val="bg1"/>
+                          </a:solidFill>
+                          <a:latin typeface="Consolas" panose="020B0609020204030204" pitchFamily="49" charset="0"/>
+                        </a:rPr>
+                        <a:t>Kvalitativna, nominalna</a:t>
+                      </a:r>
+                      <a:endParaRPr lang="en-US" sz="1600" dirty="0">
+                        <a:solidFill>
+                          <a:schemeClr val="bg1"/>
+                        </a:solidFill>
+                        <a:latin typeface="Consolas" panose="020B0609020204030204" pitchFamily="49" charset="0"/>
+                      </a:endParaRPr>
+                    </a:p>
+                  </a:txBody>
+                  <a:tcPr/>
+                </a:tc>
+                <a:tc>
+                  <a:txBody>
+                    <a:bodyPr/>
+                    <a:lstStyle/>
+                    <a:p>
+                      <a:pPr marL="0" marR="0" lvl="0" indent="0" algn="l" defTabSz="914400" rtl="0" eaLnBrk="1" fontAlgn="auto" latinLnBrk="0" hangingPunct="1">
+                        <a:lnSpc>
+                          <a:spcPct val="100000"/>
+                        </a:lnSpc>
+                        <a:spcBef>
+                          <a:spcPts val="0"/>
+                        </a:spcBef>
+                        <a:spcAft>
+                          <a:spcPts val="0"/>
+                        </a:spcAft>
+                        <a:buClrTx/>
+                        <a:buSzTx/>
+                        <a:buFontTx/>
+                        <a:buNone/>
+                        <a:tabLst/>
+                        <a:defRPr/>
+                      </a:pPr>
+                      <a:r>
+                        <a:rPr lang="hr-HR" sz="1600" dirty="0">
+                          <a:solidFill>
+                            <a:schemeClr val="bg1"/>
+                          </a:solidFill>
+                          <a:latin typeface="Consolas" panose="020B0609020204030204" pitchFamily="49" charset="0"/>
+                        </a:rPr>
+                        <a:t>0 (ne), 1 (da)</a:t>
+                      </a:r>
+                      <a:endParaRPr lang="en-US" sz="1600" dirty="0">
+                        <a:solidFill>
+                          <a:schemeClr val="bg1"/>
+                        </a:solidFill>
+                        <a:latin typeface="Consolas" panose="020B0609020204030204" pitchFamily="49" charset="0"/>
+                      </a:endParaRPr>
+                    </a:p>
+                  </a:txBody>
+                  <a:tcPr/>
+                </a:tc>
+                <a:extLst>
+                  <a:ext uri="{0D108BD9-81ED-4DB2-BD59-A6C34878D82A}">
+                    <a16:rowId xmlns:a16="http://schemas.microsoft.com/office/drawing/2014/main" val="118314908"/>
+                  </a:ext>
+                </a:extLst>
+              </a:tr>
+              <a:tr h="669730">
+                <a:tc>
+                  <a:txBody>
+                    <a:bodyPr/>
+                    <a:lstStyle/>
+                    <a:p>
+                      <a:r>
+                        <a:rPr lang="hr-HR" sz="1600" b="0" dirty="0" err="1">
+                          <a:solidFill>
+                            <a:schemeClr val="accent2">
+                              <a:lumMod val="20000"/>
+                              <a:lumOff val="80000"/>
+                            </a:schemeClr>
+                          </a:solidFill>
+                          <a:latin typeface="Consolas" panose="020B0609020204030204" pitchFamily="49" charset="0"/>
+                        </a:rPr>
+                        <a:t>AnyHealthcare</a:t>
+                      </a:r>
+                      <a:endParaRPr lang="en-US" sz="1600" b="0" dirty="0">
+                        <a:solidFill>
+                          <a:schemeClr val="accent2">
+                            <a:lumMod val="20000"/>
+                            <a:lumOff val="80000"/>
+                          </a:schemeClr>
+                        </a:solidFill>
+                        <a:latin typeface="Consolas" panose="020B0609020204030204" pitchFamily="49" charset="0"/>
+                      </a:endParaRPr>
+                    </a:p>
+                  </a:txBody>
+                  <a:tcPr/>
+                </a:tc>
+                <a:tc>
+                  <a:txBody>
+                    <a:bodyPr/>
+                    <a:lstStyle/>
+                    <a:p>
+                      <a:r>
+                        <a:rPr lang="hr-HR" sz="1600" dirty="0">
+                          <a:solidFill>
+                            <a:schemeClr val="bg1"/>
+                          </a:solidFill>
+                          <a:latin typeface="Consolas" panose="020B0609020204030204" pitchFamily="49" charset="0"/>
+                        </a:rPr>
+                        <a:t>Ima li zdravstveno osiguranje?</a:t>
+                      </a:r>
+                      <a:endParaRPr lang="en-US" sz="1600" dirty="0">
+                        <a:solidFill>
+                          <a:schemeClr val="bg1"/>
+                        </a:solidFill>
+                        <a:latin typeface="Consolas" panose="020B0609020204030204" pitchFamily="49" charset="0"/>
+                      </a:endParaRPr>
+                    </a:p>
+                  </a:txBody>
+                  <a:tcPr/>
+                </a:tc>
+                <a:tc>
+                  <a:txBody>
+                    <a:bodyPr/>
+                    <a:lstStyle/>
+                    <a:p>
+                      <a:pPr marL="0" marR="0" lvl="0" indent="0" algn="l" defTabSz="914400" rtl="0" eaLnBrk="1" fontAlgn="auto" latinLnBrk="0" hangingPunct="1">
+                        <a:lnSpc>
+                          <a:spcPct val="100000"/>
+                        </a:lnSpc>
+                        <a:spcBef>
+                          <a:spcPts val="0"/>
+                        </a:spcBef>
+                        <a:spcAft>
+                          <a:spcPts val="0"/>
+                        </a:spcAft>
+                        <a:buClrTx/>
+                        <a:buSzTx/>
+                        <a:buFontTx/>
+                        <a:buNone/>
+                        <a:tabLst/>
+                        <a:defRPr/>
+                      </a:pPr>
+                      <a:r>
+                        <a:rPr lang="hr-HR" sz="1600" dirty="0">
+                          <a:solidFill>
+                            <a:schemeClr val="bg1"/>
+                          </a:solidFill>
+                          <a:latin typeface="Consolas" panose="020B0609020204030204" pitchFamily="49" charset="0"/>
+                        </a:rPr>
+                        <a:t>Kvalitativna, nominalna</a:t>
+                      </a:r>
+                      <a:endParaRPr lang="en-US" sz="1600" dirty="0">
+                        <a:solidFill>
+                          <a:schemeClr val="bg1"/>
+                        </a:solidFill>
+                        <a:latin typeface="Consolas" panose="020B0609020204030204" pitchFamily="49" charset="0"/>
+                      </a:endParaRPr>
+                    </a:p>
+                  </a:txBody>
+                  <a:tcPr/>
+                </a:tc>
+                <a:tc>
+                  <a:txBody>
+                    <a:bodyPr/>
+                    <a:lstStyle/>
+                    <a:p>
+                      <a:pPr marL="0" marR="0" lvl="0" indent="0" algn="l" defTabSz="914400" rtl="0" eaLnBrk="1" fontAlgn="auto" latinLnBrk="0" hangingPunct="1">
+                        <a:lnSpc>
+                          <a:spcPct val="100000"/>
+                        </a:lnSpc>
+                        <a:spcBef>
+                          <a:spcPts val="0"/>
+                        </a:spcBef>
+                        <a:spcAft>
+                          <a:spcPts val="0"/>
+                        </a:spcAft>
+                        <a:buClrTx/>
+                        <a:buSzTx/>
+                        <a:buFontTx/>
+                        <a:buNone/>
+                        <a:tabLst/>
+                        <a:defRPr/>
+                      </a:pPr>
+                      <a:r>
+                        <a:rPr lang="hr-HR" sz="1600" dirty="0">
+                          <a:solidFill>
+                            <a:schemeClr val="bg1"/>
+                          </a:solidFill>
+                          <a:latin typeface="Consolas" panose="020B0609020204030204" pitchFamily="49" charset="0"/>
+                        </a:rPr>
+                        <a:t>0 (ne), 1 (da)</a:t>
+                      </a:r>
+                      <a:endParaRPr lang="en-US" sz="1600" dirty="0">
+                        <a:solidFill>
+                          <a:schemeClr val="bg1"/>
+                        </a:solidFill>
+                        <a:latin typeface="Consolas" panose="020B0609020204030204" pitchFamily="49" charset="0"/>
+                      </a:endParaRPr>
+                    </a:p>
+                  </a:txBody>
+                  <a:tcPr/>
+                </a:tc>
+                <a:extLst>
+                  <a:ext uri="{0D108BD9-81ED-4DB2-BD59-A6C34878D82A}">
+                    <a16:rowId xmlns:a16="http://schemas.microsoft.com/office/drawing/2014/main" val="1575990506"/>
+                  </a:ext>
+                </a:extLst>
+              </a:tr>
+              <a:tr h="663394">
+                <a:tc>
+                  <a:txBody>
+                    <a:bodyPr/>
+                    <a:lstStyle/>
+                    <a:p>
+                      <a:pPr marL="0" marR="0" lvl="0" indent="0" algn="l" defTabSz="914400" rtl="0" eaLnBrk="1" fontAlgn="auto" latinLnBrk="0" hangingPunct="1">
+                        <a:lnSpc>
+                          <a:spcPct val="100000"/>
+                        </a:lnSpc>
+                        <a:spcBef>
+                          <a:spcPts val="0"/>
+                        </a:spcBef>
+                        <a:spcAft>
+                          <a:spcPts val="0"/>
+                        </a:spcAft>
+                        <a:buClrTx/>
+                        <a:buSzTx/>
+                        <a:buFontTx/>
+                        <a:buNone/>
+                        <a:tabLst/>
+                        <a:defRPr/>
+                      </a:pPr>
+                      <a:r>
+                        <a:rPr lang="en-US" sz="1600" b="0" dirty="0" err="1">
+                          <a:solidFill>
+                            <a:schemeClr val="accent2">
+                              <a:lumMod val="20000"/>
+                              <a:lumOff val="80000"/>
+                            </a:schemeClr>
+                          </a:solidFill>
+                          <a:latin typeface="Consolas" panose="020B0609020204030204" pitchFamily="49" charset="0"/>
+                        </a:rPr>
+                        <a:t>NoDocbcCost</a:t>
+                      </a:r>
+                      <a:endParaRPr lang="en-US" sz="1600" b="0" dirty="0">
+                        <a:solidFill>
+                          <a:schemeClr val="accent2">
+                            <a:lumMod val="20000"/>
+                            <a:lumOff val="80000"/>
+                          </a:schemeClr>
+                        </a:solidFill>
+                        <a:latin typeface="Consolas" panose="020B0609020204030204" pitchFamily="49" charset="0"/>
+                      </a:endParaRPr>
+                    </a:p>
+                  </a:txBody>
+                  <a:tcPr/>
+                </a:tc>
+                <a:tc>
+                  <a:txBody>
+                    <a:bodyPr/>
+                    <a:lstStyle/>
+                    <a:p>
+                      <a:r>
+                        <a:rPr lang="hr-HR" sz="1600" dirty="0">
+                          <a:solidFill>
+                            <a:schemeClr val="bg1"/>
+                          </a:solidFill>
+                          <a:latin typeface="Consolas" panose="020B0609020204030204" pitchFamily="49" charset="0"/>
+                        </a:rPr>
+                        <a:t>U zadnjih godinu dana, nemogućnost odlaska doktoru zbog cijene?</a:t>
+                      </a:r>
+                      <a:endParaRPr lang="en-US" sz="1600" dirty="0">
+                        <a:solidFill>
+                          <a:schemeClr val="bg1"/>
+                        </a:solidFill>
+                        <a:latin typeface="Consolas" panose="020B0609020204030204" pitchFamily="49" charset="0"/>
+                      </a:endParaRPr>
+                    </a:p>
+                  </a:txBody>
+                  <a:tcPr/>
+                </a:tc>
+                <a:tc>
+                  <a:txBody>
+                    <a:bodyPr/>
+                    <a:lstStyle/>
+                    <a:p>
+                      <a:pPr marL="0" marR="0" lvl="0" indent="0" algn="l" defTabSz="914400" rtl="0" eaLnBrk="1" fontAlgn="auto" latinLnBrk="0" hangingPunct="1">
+                        <a:lnSpc>
+                          <a:spcPct val="100000"/>
+                        </a:lnSpc>
+                        <a:spcBef>
+                          <a:spcPts val="0"/>
+                        </a:spcBef>
+                        <a:spcAft>
+                          <a:spcPts val="0"/>
+                        </a:spcAft>
+                        <a:buClrTx/>
+                        <a:buSzTx/>
+                        <a:buFontTx/>
+                        <a:buNone/>
+                        <a:tabLst/>
+                        <a:defRPr/>
+                      </a:pPr>
+                      <a:r>
+                        <a:rPr lang="hr-HR" sz="1600" dirty="0">
+                          <a:solidFill>
+                            <a:schemeClr val="bg1"/>
+                          </a:solidFill>
+                          <a:latin typeface="Consolas" panose="020B0609020204030204" pitchFamily="49" charset="0"/>
+                        </a:rPr>
+                        <a:t>Kvalitativna, nominalna</a:t>
+                      </a:r>
+                      <a:endParaRPr lang="en-US" sz="1600" dirty="0">
+                        <a:solidFill>
+                          <a:schemeClr val="bg1"/>
+                        </a:solidFill>
+                        <a:latin typeface="Consolas" panose="020B0609020204030204" pitchFamily="49" charset="0"/>
+                      </a:endParaRPr>
+                    </a:p>
+                  </a:txBody>
+                  <a:tcPr/>
+                </a:tc>
+                <a:tc>
+                  <a:txBody>
+                    <a:bodyPr/>
+                    <a:lstStyle/>
+                    <a:p>
+                      <a:pPr marL="0" marR="0" lvl="0" indent="0" algn="l" defTabSz="914400" rtl="0" eaLnBrk="1" fontAlgn="auto" latinLnBrk="0" hangingPunct="1">
+                        <a:lnSpc>
+                          <a:spcPct val="100000"/>
+                        </a:lnSpc>
+                        <a:spcBef>
+                          <a:spcPts val="0"/>
+                        </a:spcBef>
+                        <a:spcAft>
+                          <a:spcPts val="0"/>
+                        </a:spcAft>
+                        <a:buClrTx/>
+                        <a:buSzTx/>
+                        <a:buFontTx/>
+                        <a:buNone/>
+                        <a:tabLst/>
+                        <a:defRPr/>
+                      </a:pPr>
+                      <a:r>
+                        <a:rPr lang="hr-HR" sz="1600" dirty="0">
+                          <a:solidFill>
+                            <a:schemeClr val="bg1"/>
+                          </a:solidFill>
+                          <a:latin typeface="Consolas" panose="020B0609020204030204" pitchFamily="49" charset="0"/>
+                        </a:rPr>
+                        <a:t>0 (ne), 1 (da)</a:t>
+                      </a:r>
+                      <a:endParaRPr lang="en-US" sz="1600" dirty="0">
+                        <a:solidFill>
+                          <a:schemeClr val="bg1"/>
+                        </a:solidFill>
+                        <a:latin typeface="Consolas" panose="020B0609020204030204" pitchFamily="49" charset="0"/>
+                      </a:endParaRPr>
+                    </a:p>
+                  </a:txBody>
+                  <a:tcPr/>
+                </a:tc>
+                <a:extLst>
+                  <a:ext uri="{0D108BD9-81ED-4DB2-BD59-A6C34878D82A}">
+                    <a16:rowId xmlns:a16="http://schemas.microsoft.com/office/drawing/2014/main" val="2793863395"/>
+                  </a:ext>
+                </a:extLst>
+              </a:tr>
+              <a:tr h="663394">
+                <a:tc>
+                  <a:txBody>
+                    <a:bodyPr/>
+                    <a:lstStyle/>
+                    <a:p>
+                      <a:pPr marL="0" marR="0" lvl="0" indent="0" algn="l" defTabSz="914400" rtl="0" eaLnBrk="1" fontAlgn="auto" latinLnBrk="0" hangingPunct="1">
+                        <a:lnSpc>
+                          <a:spcPct val="100000"/>
+                        </a:lnSpc>
+                        <a:spcBef>
+                          <a:spcPts val="0"/>
+                        </a:spcBef>
+                        <a:spcAft>
+                          <a:spcPts val="0"/>
+                        </a:spcAft>
+                        <a:buClrTx/>
+                        <a:buSzTx/>
+                        <a:buFontTx/>
+                        <a:buNone/>
+                        <a:tabLst/>
+                        <a:defRPr/>
+                      </a:pPr>
+                      <a:r>
+                        <a:rPr kumimoji="0" lang="en-US" sz="1600" b="0" i="0" u="none" strike="noStrike" kern="1200" cap="none" spc="0" normalizeH="0" baseline="0" noProof="0" dirty="0">
                           <a:ln>
                             <a:noFill/>
                           </a:ln>
@@ -20539,7 +22158,16 @@
                     <a:bodyPr/>
                     <a:lstStyle/>
                     <a:p>
-                      <a:endParaRPr lang="en-US" dirty="0">
+                      <a:r>
+                        <a:rPr lang="hr-HR" sz="1600" dirty="0">
+                          <a:solidFill>
+                            <a:schemeClr val="bg1"/>
+                          </a:solidFill>
+                          <a:latin typeface="Consolas" panose="020B0609020204030204" pitchFamily="49" charset="0"/>
+                        </a:rPr>
+                        <a:t>Spol</a:t>
+                      </a:r>
+                      <a:endParaRPr lang="en-US" sz="1600" dirty="0">
                         <a:solidFill>
                           <a:schemeClr val="bg1"/>
                         </a:solidFill>
@@ -20554,7 +22182,40 @@
                     <a:bodyPr/>
                     <a:lstStyle/>
                     <a:p>
-                      <a:endParaRPr lang="en-US">
+                      <a:r>
+                        <a:rPr lang="hr-HR" sz="1600" dirty="0">
+                          <a:solidFill>
+                            <a:schemeClr val="bg1"/>
+                          </a:solidFill>
+                          <a:latin typeface="Consolas" panose="020B0609020204030204" pitchFamily="49" charset="0"/>
+                        </a:rPr>
+                        <a:t>Kvalitativna, nominalna</a:t>
+                      </a:r>
+                      <a:endParaRPr lang="en-US" sz="1600" dirty="0">
+                        <a:solidFill>
+                          <a:schemeClr val="bg1"/>
+                        </a:solidFill>
+                        <a:latin typeface="Consolas" panose="020B0609020204030204" pitchFamily="49" charset="0"/>
+                      </a:endParaRPr>
+                    </a:p>
+                  </a:txBody>
+                  <a:tcPr/>
+                </a:tc>
+                <a:tc>
+                  <a:txBody>
+                    <a:bodyPr/>
+                    <a:lstStyle/>
+                    <a:p>
+                      <a:r>
+                        <a:rPr lang="hr-HR" sz="1600" dirty="0">
+                          <a:solidFill>
+                            <a:schemeClr val="bg1"/>
+                          </a:solidFill>
+                          <a:latin typeface="Consolas" panose="020B0609020204030204" pitchFamily="49" charset="0"/>
+                        </a:rPr>
+                        <a:t>0 (žena), 1 (muškarac)</a:t>
+                      </a:r>
+                      <a:endParaRPr lang="en-US" sz="1600" dirty="0">
                         <a:solidFill>
                           <a:schemeClr val="bg1"/>
                         </a:solidFill>
@@ -20570,7 +22231,551 @@
                   </a:ext>
                 </a:extLst>
               </a:tr>
-              <a:tr h="370840">
+            </a:tbl>
+          </a:graphicData>
+        </a:graphic>
+      </p:graphicFrame>
+    </p:spTree>
+    <p:extLst>
+      <p:ext uri="{BB962C8B-B14F-4D97-AF65-F5344CB8AC3E}">
+        <p14:creationId xmlns:p14="http://schemas.microsoft.com/office/powerpoint/2010/main" val="750311187"/>
+      </p:ext>
+    </p:extLst>
+  </p:cSld>
+  <p:clrMapOvr>
+    <a:masterClrMapping/>
+  </p:clrMapOvr>
+  <mc:AlternateContent xmlns:mc="http://schemas.openxmlformats.org/markup-compatibility/2006" xmlns:p14="http://schemas.microsoft.com/office/powerpoint/2010/main">
+    <mc:Choice Requires="p14">
+      <p:transition p14:dur="350">
+        <p:push dir="u"/>
+      </p:transition>
+    </mc:Choice>
+    <mc:Fallback xmlns="">
+      <p:transition>
+        <p:push dir="u"/>
+      </p:transition>
+    </mc:Fallback>
+  </mc:AlternateContent>
+</p:sld>
+</file>
+
+<file path=ppt/slides/slide5.xml><?xml version="1.0" encoding="utf-8"?>
+<p:sld xmlns:a="http://schemas.openxmlformats.org/drawingml/2006/main" xmlns:r="http://schemas.openxmlformats.org/officeDocument/2006/relationships" xmlns:p="http://schemas.openxmlformats.org/presentationml/2006/main">
+  <p:cSld>
+    <p:spTree>
+      <p:nvGrpSpPr>
+        <p:cNvPr id="1" name=""/>
+        <p:cNvGrpSpPr/>
+        <p:nvPr/>
+      </p:nvGrpSpPr>
+      <p:grpSpPr>
+        <a:xfrm>
+          <a:off x="0" y="0"/>
+          <a:ext cx="0" cy="0"/>
+          <a:chOff x="0" y="0"/>
+          <a:chExt cx="0" cy="0"/>
+        </a:xfrm>
+      </p:grpSpPr>
+      <p:sp>
+        <p:nvSpPr>
+          <p:cNvPr id="12" name="Picture Placeholder 2">
+            <a:extLst>
+              <a:ext uri="{FF2B5EF4-FFF2-40B4-BE49-F238E27FC236}">
+                <a16:creationId xmlns:a16="http://schemas.microsoft.com/office/drawing/2014/main" id="{DA3184E7-3B80-4F5E-B022-D76EDD900C15}"/>
+              </a:ext>
+            </a:extLst>
+          </p:cNvPr>
+          <p:cNvSpPr txBox="1">
+            <a:spLocks/>
+          </p:cNvSpPr>
+          <p:nvPr/>
+        </p:nvSpPr>
+        <p:spPr>
+          <a:xfrm flipH="1" flipV="1">
+            <a:off x="1" y="0"/>
+            <a:ext cx="12191999" cy="16681138"/>
+          </a:xfrm>
+          <a:custGeom>
+            <a:avLst/>
+            <a:gdLst>
+              <a:gd name="connsiteX0" fmla="*/ 3466352 w 4267200"/>
+              <a:gd name="connsiteY0" fmla="*/ 0 h 6858000"/>
+              <a:gd name="connsiteX1" fmla="*/ 4267200 w 4267200"/>
+              <a:gd name="connsiteY1" fmla="*/ 0 h 6858000"/>
+              <a:gd name="connsiteX2" fmla="*/ 4267200 w 4267200"/>
+              <a:gd name="connsiteY2" fmla="*/ 6858000 h 6858000"/>
+              <a:gd name="connsiteX3" fmla="*/ 0 w 4267200"/>
+              <a:gd name="connsiteY3" fmla="*/ 6858000 h 6858000"/>
+              <a:gd name="connsiteX4" fmla="*/ 0 w 4267200"/>
+              <a:gd name="connsiteY4" fmla="*/ 3338980 h 6858000"/>
+              <a:gd name="connsiteX5" fmla="*/ 8352 w 4267200"/>
+              <a:gd name="connsiteY5" fmla="*/ 3162578 h 6858000"/>
+              <a:gd name="connsiteX6" fmla="*/ 3132972 w 4267200"/>
+              <a:gd name="connsiteY6" fmla="*/ 18059 h 6858000"/>
+              <a:gd name="connsiteX7" fmla="*/ 3466352 w 4267200"/>
+              <a:gd name="connsiteY7" fmla="*/ 1225 h 6858000"/>
+            </a:gdLst>
+            <a:ahLst/>
+            <a:cxnLst>
+              <a:cxn ang="0">
+                <a:pos x="connsiteX0" y="connsiteY0"/>
+              </a:cxn>
+              <a:cxn ang="0">
+                <a:pos x="connsiteX1" y="connsiteY1"/>
+              </a:cxn>
+              <a:cxn ang="0">
+                <a:pos x="connsiteX2" y="connsiteY2"/>
+              </a:cxn>
+              <a:cxn ang="0">
+                <a:pos x="connsiteX3" y="connsiteY3"/>
+              </a:cxn>
+              <a:cxn ang="0">
+                <a:pos x="connsiteX4" y="connsiteY4"/>
+              </a:cxn>
+              <a:cxn ang="0">
+                <a:pos x="connsiteX5" y="connsiteY5"/>
+              </a:cxn>
+              <a:cxn ang="0">
+                <a:pos x="connsiteX6" y="connsiteY6"/>
+              </a:cxn>
+              <a:cxn ang="0">
+                <a:pos x="connsiteX7" y="connsiteY7"/>
+              </a:cxn>
+            </a:cxnLst>
+            <a:rect l="l" t="t" r="r" b="b"/>
+            <a:pathLst>
+              <a:path w="4267200" h="6858000">
+                <a:moveTo>
+                  <a:pt x="3466352" y="0"/>
+                </a:moveTo>
+                <a:lnTo>
+                  <a:pt x="4267200" y="0"/>
+                </a:lnTo>
+                <a:lnTo>
+                  <a:pt x="4267200" y="6858000"/>
+                </a:lnTo>
+                <a:lnTo>
+                  <a:pt x="0" y="6858000"/>
+                </a:lnTo>
+                <a:lnTo>
+                  <a:pt x="0" y="3338980"/>
+                </a:lnTo>
+                <a:lnTo>
+                  <a:pt x="8352" y="3162578"/>
+                </a:lnTo>
+                <a:cubicBezTo>
+                  <a:pt x="166042" y="1505839"/>
+                  <a:pt x="1479242" y="186005"/>
+                  <a:pt x="3132972" y="18059"/>
+                </a:cubicBezTo>
+                <a:lnTo>
+                  <a:pt x="3466352" y="1225"/>
+                </a:lnTo>
+                <a:close/>
+              </a:path>
+            </a:pathLst>
+          </a:custGeom>
+          <a:solidFill>
+            <a:schemeClr val="accent2">
+              <a:lumMod val="50000"/>
+            </a:schemeClr>
+          </a:solidFill>
+        </p:spPr>
+        <p:txBody>
+          <a:bodyPr vert="horz" wrap="square" lIns="1463040" tIns="822960" rIns="1463040" bIns="45720" rtlCol="0" anchor="t" anchorCtr="0">
+            <a:noAutofit/>
+          </a:bodyPr>
+          <a:lstStyle>
+            <a:lvl1pPr marL="0" indent="0" algn="ctr" defTabSz="914400" rtl="0" eaLnBrk="1" latinLnBrk="0" hangingPunct="1">
+              <a:lnSpc>
+                <a:spcPct val="120000"/>
+              </a:lnSpc>
+              <a:spcBef>
+                <a:spcPts val="1000"/>
+              </a:spcBef>
+              <a:buClr>
+                <a:schemeClr val="accent5"/>
+              </a:buClr>
+              <a:buFont typeface="Arial" panose="020B0604020202020204" pitchFamily="34" charset="0"/>
+              <a:buNone/>
+              <a:defRPr sz="1600" kern="1200">
+                <a:solidFill>
+                  <a:schemeClr val="bg2"/>
+                </a:solidFill>
+                <a:latin typeface="+mn-lt"/>
+                <a:ea typeface="+mn-ea"/>
+                <a:cs typeface="+mn-cs"/>
+              </a:defRPr>
+            </a:lvl1pPr>
+            <a:lvl2pPr marL="685800" indent="-228600" algn="l" defTabSz="914400" rtl="0" eaLnBrk="1" latinLnBrk="0" hangingPunct="1">
+              <a:lnSpc>
+                <a:spcPct val="120000"/>
+              </a:lnSpc>
+              <a:spcBef>
+                <a:spcPts val="500"/>
+              </a:spcBef>
+              <a:buClr>
+                <a:schemeClr val="accent5"/>
+              </a:buClr>
+              <a:buFont typeface="Arial" panose="020B0604020202020204" pitchFamily="34" charset="0"/>
+              <a:buChar char="•"/>
+              <a:defRPr sz="1800" kern="1200">
+                <a:solidFill>
+                  <a:schemeClr val="tx2"/>
+                </a:solidFill>
+                <a:latin typeface="+mn-lt"/>
+                <a:ea typeface="+mn-ea"/>
+                <a:cs typeface="+mn-cs"/>
+              </a:defRPr>
+            </a:lvl2pPr>
+            <a:lvl3pPr marL="1143000" indent="-228600" algn="l" defTabSz="914400" rtl="0" eaLnBrk="1" latinLnBrk="0" hangingPunct="1">
+              <a:lnSpc>
+                <a:spcPct val="120000"/>
+              </a:lnSpc>
+              <a:spcBef>
+                <a:spcPts val="500"/>
+              </a:spcBef>
+              <a:buClr>
+                <a:schemeClr val="accent5"/>
+              </a:buClr>
+              <a:buFont typeface="Arial" panose="020B0604020202020204" pitchFamily="34" charset="0"/>
+              <a:buChar char="•"/>
+              <a:defRPr sz="1600" kern="1200">
+                <a:solidFill>
+                  <a:schemeClr val="tx2"/>
+                </a:solidFill>
+                <a:latin typeface="+mn-lt"/>
+                <a:ea typeface="+mn-ea"/>
+                <a:cs typeface="+mn-cs"/>
+              </a:defRPr>
+            </a:lvl3pPr>
+            <a:lvl4pPr marL="1600200" indent="-228600" algn="l" defTabSz="914400" rtl="0" eaLnBrk="1" latinLnBrk="0" hangingPunct="1">
+              <a:lnSpc>
+                <a:spcPct val="120000"/>
+              </a:lnSpc>
+              <a:spcBef>
+                <a:spcPts val="500"/>
+              </a:spcBef>
+              <a:buClr>
+                <a:schemeClr val="accent5"/>
+              </a:buClr>
+              <a:buFont typeface="Arial" panose="020B0604020202020204" pitchFamily="34" charset="0"/>
+              <a:buChar char="•"/>
+              <a:defRPr sz="1400" kern="1200">
+                <a:solidFill>
+                  <a:schemeClr val="tx2"/>
+                </a:solidFill>
+                <a:latin typeface="+mn-lt"/>
+                <a:ea typeface="+mn-ea"/>
+                <a:cs typeface="+mn-cs"/>
+              </a:defRPr>
+            </a:lvl4pPr>
+            <a:lvl5pPr marL="2057400" indent="-228600" algn="l" defTabSz="914400" rtl="0" eaLnBrk="1" latinLnBrk="0" hangingPunct="1">
+              <a:lnSpc>
+                <a:spcPct val="120000"/>
+              </a:lnSpc>
+              <a:spcBef>
+                <a:spcPts val="500"/>
+              </a:spcBef>
+              <a:buClr>
+                <a:schemeClr val="accent5"/>
+              </a:buClr>
+              <a:buFont typeface="Arial" panose="020B0604020202020204" pitchFamily="34" charset="0"/>
+              <a:buChar char="•"/>
+              <a:defRPr sz="1400" kern="1200">
+                <a:solidFill>
+                  <a:schemeClr val="tx2"/>
+                </a:solidFill>
+                <a:latin typeface="+mn-lt"/>
+                <a:ea typeface="+mn-ea"/>
+                <a:cs typeface="+mn-cs"/>
+              </a:defRPr>
+            </a:lvl5pPr>
+            <a:lvl6pPr marL="2514600" indent="-228600" algn="l" defTabSz="914400" rtl="0" eaLnBrk="1" latinLnBrk="0" hangingPunct="1">
+              <a:lnSpc>
+                <a:spcPct val="90000"/>
+              </a:lnSpc>
+              <a:spcBef>
+                <a:spcPts val="500"/>
+              </a:spcBef>
+              <a:buFont typeface="Arial" panose="020B0604020202020204" pitchFamily="34" charset="0"/>
+              <a:buChar char="•"/>
+              <a:defRPr sz="1800" kern="1200">
+                <a:solidFill>
+                  <a:schemeClr val="tx1"/>
+                </a:solidFill>
+                <a:latin typeface="+mn-lt"/>
+                <a:ea typeface="+mn-ea"/>
+                <a:cs typeface="+mn-cs"/>
+              </a:defRPr>
+            </a:lvl6pPr>
+            <a:lvl7pPr marL="2971800" indent="-228600" algn="l" defTabSz="914400" rtl="0" eaLnBrk="1" latinLnBrk="0" hangingPunct="1">
+              <a:lnSpc>
+                <a:spcPct val="90000"/>
+              </a:lnSpc>
+              <a:spcBef>
+                <a:spcPts val="500"/>
+              </a:spcBef>
+              <a:buFont typeface="Arial" panose="020B0604020202020204" pitchFamily="34" charset="0"/>
+              <a:buChar char="•"/>
+              <a:defRPr sz="1800" kern="1200">
+                <a:solidFill>
+                  <a:schemeClr val="tx1"/>
+                </a:solidFill>
+                <a:latin typeface="+mn-lt"/>
+                <a:ea typeface="+mn-ea"/>
+                <a:cs typeface="+mn-cs"/>
+              </a:defRPr>
+            </a:lvl7pPr>
+            <a:lvl8pPr marL="3429000" indent="-228600" algn="l" defTabSz="914400" rtl="0" eaLnBrk="1" latinLnBrk="0" hangingPunct="1">
+              <a:lnSpc>
+                <a:spcPct val="90000"/>
+              </a:lnSpc>
+              <a:spcBef>
+                <a:spcPts val="500"/>
+              </a:spcBef>
+              <a:buFont typeface="Arial" panose="020B0604020202020204" pitchFamily="34" charset="0"/>
+              <a:buChar char="•"/>
+              <a:defRPr sz="1800" kern="1200">
+                <a:solidFill>
+                  <a:schemeClr val="tx1"/>
+                </a:solidFill>
+                <a:latin typeface="+mn-lt"/>
+                <a:ea typeface="+mn-ea"/>
+                <a:cs typeface="+mn-cs"/>
+              </a:defRPr>
+            </a:lvl8pPr>
+            <a:lvl9pPr marL="3886200" indent="-228600" algn="l" defTabSz="914400" rtl="0" eaLnBrk="1" latinLnBrk="0" hangingPunct="1">
+              <a:lnSpc>
+                <a:spcPct val="90000"/>
+              </a:lnSpc>
+              <a:spcBef>
+                <a:spcPts val="500"/>
+              </a:spcBef>
+              <a:buFont typeface="Arial" panose="020B0604020202020204" pitchFamily="34" charset="0"/>
+              <a:buChar char="•"/>
+              <a:defRPr sz="1800" kern="1200">
+                <a:solidFill>
+                  <a:schemeClr val="tx1"/>
+                </a:solidFill>
+                <a:latin typeface="+mn-lt"/>
+                <a:ea typeface="+mn-ea"/>
+                <a:cs typeface="+mn-cs"/>
+              </a:defRPr>
+            </a:lvl9pPr>
+          </a:lstStyle>
+          <a:p>
+            <a:endParaRPr lang="en-US">
+              <a:solidFill>
+                <a:schemeClr val="bg1"/>
+              </a:solidFill>
+            </a:endParaRPr>
+          </a:p>
+        </p:txBody>
+      </p:sp>
+      <p:sp>
+        <p:nvSpPr>
+          <p:cNvPr id="4" name="Slide Number Placeholder 3">
+            <a:extLst>
+              <a:ext uri="{FF2B5EF4-FFF2-40B4-BE49-F238E27FC236}">
+                <a16:creationId xmlns:a16="http://schemas.microsoft.com/office/drawing/2014/main" id="{258ECD88-7563-0E2D-38D6-262477CFE5A5}"/>
+              </a:ext>
+            </a:extLst>
+          </p:cNvPr>
+          <p:cNvSpPr>
+            <a:spLocks noGrp="1"/>
+          </p:cNvSpPr>
+          <p:nvPr>
+            <p:ph type="sldNum" sz="quarter" idx="4"/>
+          </p:nvPr>
+        </p:nvSpPr>
+        <p:spPr/>
+        <p:txBody>
+          <a:bodyPr/>
+          <a:lstStyle/>
+          <a:p>
+            <a:fld id="{08AB70BE-1769-45B8-85A6-0C837432C7E6}" type="slidenum">
+              <a:rPr lang="en-US" smtClean="0"/>
+              <a:pPr/>
+              <a:t>5</a:t>
+            </a:fld>
+            <a:endParaRPr lang="en-US" dirty="0"/>
+          </a:p>
+        </p:txBody>
+      </p:sp>
+      <p:sp>
+        <p:nvSpPr>
+          <p:cNvPr id="5" name="TextBox 4">
+            <a:extLst>
+              <a:ext uri="{FF2B5EF4-FFF2-40B4-BE49-F238E27FC236}">
+                <a16:creationId xmlns:a16="http://schemas.microsoft.com/office/drawing/2014/main" id="{EB9245DF-B1D9-BC32-92E2-F6E4D1966ABE}"/>
+              </a:ext>
+            </a:extLst>
+          </p:cNvPr>
+          <p:cNvSpPr txBox="1"/>
+          <p:nvPr/>
+        </p:nvSpPr>
+        <p:spPr>
+          <a:xfrm>
+            <a:off x="3249691" y="332230"/>
+            <a:ext cx="4982308" cy="461665"/>
+          </a:xfrm>
+          <a:prstGeom prst="rect">
+            <a:avLst/>
+          </a:prstGeom>
+          <a:noFill/>
+        </p:spPr>
+        <p:txBody>
+          <a:bodyPr wrap="square">
+            <a:spAutoFit/>
+          </a:bodyPr>
+          <a:lstStyle/>
+          <a:p>
+            <a:pPr algn="ctr"/>
+            <a:r>
+              <a:rPr lang="hr-HR" sz="2400" b="1" dirty="0">
+                <a:solidFill>
+                  <a:schemeClr val="accent5">
+                    <a:lumMod val="60000"/>
+                    <a:lumOff val="40000"/>
+                  </a:schemeClr>
+                </a:solidFill>
+              </a:rPr>
+              <a:t>Varijable koje ćemo analizirati</a:t>
+            </a:r>
+            <a:endParaRPr lang="en-US" sz="2400" b="1" dirty="0">
+              <a:solidFill>
+                <a:schemeClr val="accent5">
+                  <a:lumMod val="60000"/>
+                  <a:lumOff val="40000"/>
+                </a:schemeClr>
+              </a:solidFill>
+            </a:endParaRPr>
+          </a:p>
+        </p:txBody>
+      </p:sp>
+      <p:graphicFrame>
+        <p:nvGraphicFramePr>
+          <p:cNvPr id="2" name="Table 1">
+            <a:extLst>
+              <a:ext uri="{FF2B5EF4-FFF2-40B4-BE49-F238E27FC236}">
+                <a16:creationId xmlns:a16="http://schemas.microsoft.com/office/drawing/2014/main" id="{41AE02FE-3480-8C74-F1A4-4C7D66C07E7A}"/>
+              </a:ext>
+            </a:extLst>
+          </p:cNvPr>
+          <p:cNvGraphicFramePr>
+            <a:graphicFrameLocks noGrp="1"/>
+          </p:cNvGraphicFramePr>
+          <p:nvPr>
+            <p:extLst>
+              <p:ext uri="{D42A27DB-BD31-4B8C-83A1-F6EECF244321}">
+                <p14:modId xmlns:p14="http://schemas.microsoft.com/office/powerpoint/2010/main" val="2584850140"/>
+              </p:ext>
+            </p:extLst>
+          </p:nvPr>
+        </p:nvGraphicFramePr>
+        <p:xfrm>
+          <a:off x="338693" y="1209531"/>
+          <a:ext cx="11514611" cy="4448667"/>
+        </p:xfrm>
+        <a:graphic>
+          <a:graphicData uri="http://schemas.openxmlformats.org/drawingml/2006/table">
+            <a:tbl>
+              <a:tblPr firstRow="1" bandRow="1">
+                <a:tableStyleId>{0E3FDE45-AF77-4B5C-9715-49D594BDF05E}</a:tableStyleId>
+              </a:tblPr>
+              <a:tblGrid>
+                <a:gridCol w="2487199">
+                  <a:extLst>
+                    <a:ext uri="{9D8B030D-6E8A-4147-A177-3AD203B41FA5}">
+                      <a16:colId xmlns:a16="http://schemas.microsoft.com/office/drawing/2014/main" val="335123307"/>
+                    </a:ext>
+                  </a:extLst>
+                </a:gridCol>
+                <a:gridCol w="5141212">
+                  <a:extLst>
+                    <a:ext uri="{9D8B030D-6E8A-4147-A177-3AD203B41FA5}">
+                      <a16:colId xmlns:a16="http://schemas.microsoft.com/office/drawing/2014/main" val="2643690307"/>
+                    </a:ext>
+                  </a:extLst>
+                </a:gridCol>
+                <a:gridCol w="1828800">
+                  <a:extLst>
+                    <a:ext uri="{9D8B030D-6E8A-4147-A177-3AD203B41FA5}">
+                      <a16:colId xmlns:a16="http://schemas.microsoft.com/office/drawing/2014/main" val="200826938"/>
+                    </a:ext>
+                  </a:extLst>
+                </a:gridCol>
+                <a:gridCol w="2057400">
+                  <a:extLst>
+                    <a:ext uri="{9D8B030D-6E8A-4147-A177-3AD203B41FA5}">
+                      <a16:colId xmlns:a16="http://schemas.microsoft.com/office/drawing/2014/main" val="465451969"/>
+                    </a:ext>
+                  </a:extLst>
+                </a:gridCol>
+              </a:tblGrid>
+              <a:tr h="799123">
+                <a:tc>
+                  <a:txBody>
+                    <a:bodyPr/>
+                    <a:lstStyle/>
+                    <a:p>
+                      <a:r>
+                        <a:rPr lang="hr-HR" sz="1600" b="1" dirty="0">
+                          <a:solidFill>
+                            <a:schemeClr val="accent5">
+                              <a:lumMod val="60000"/>
+                              <a:lumOff val="40000"/>
+                            </a:schemeClr>
+                          </a:solidFill>
+                          <a:latin typeface="Consolas" panose="020B0609020204030204" pitchFamily="49" charset="0"/>
+                        </a:rPr>
+                        <a:t>Varijabla</a:t>
+                      </a:r>
+                      <a:endParaRPr lang="en-US" sz="1600" b="1" dirty="0">
+                        <a:solidFill>
+                          <a:schemeClr val="accent5">
+                            <a:lumMod val="60000"/>
+                            <a:lumOff val="40000"/>
+                          </a:schemeClr>
+                        </a:solidFill>
+                        <a:latin typeface="Consolas" panose="020B0609020204030204" pitchFamily="49" charset="0"/>
+                      </a:endParaRPr>
+                    </a:p>
+                  </a:txBody>
+                  <a:tcPr/>
+                </a:tc>
+                <a:tc>
+                  <a:txBody>
+                    <a:bodyPr/>
+                    <a:lstStyle/>
+                    <a:p>
+                      <a:r>
+                        <a:rPr lang="hr-HR" sz="1600" dirty="0">
+                          <a:solidFill>
+                            <a:schemeClr val="accent5">
+                              <a:lumMod val="60000"/>
+                              <a:lumOff val="40000"/>
+                            </a:schemeClr>
+                          </a:solidFill>
+                          <a:latin typeface="Consolas" panose="020B0609020204030204" pitchFamily="49" charset="0"/>
+                        </a:rPr>
+                        <a:t>Značenje</a:t>
+                      </a:r>
+                      <a:endParaRPr lang="en-US" sz="1600" dirty="0">
+                        <a:solidFill>
+                          <a:schemeClr val="accent5">
+                            <a:lumMod val="60000"/>
+                            <a:lumOff val="40000"/>
+                          </a:schemeClr>
+                        </a:solidFill>
+                        <a:latin typeface="Consolas" panose="020B0609020204030204" pitchFamily="49" charset="0"/>
+                      </a:endParaRPr>
+                    </a:p>
+                  </a:txBody>
+                  <a:tcPr/>
+                </a:tc>
                 <a:tc>
                   <a:txBody>
                     <a:bodyPr/>
@@ -20594,7 +22799,82 @@
                         <a:defRPr/>
                       </a:pPr>
                       <a:r>
-                        <a:rPr kumimoji="0" lang="en-US" sz="1800" b="0" i="0" u="none" strike="noStrike" kern="1200" cap="none" spc="0" normalizeH="0" baseline="0" noProof="0" dirty="0" err="1">
+                        <a:rPr lang="hr-HR" sz="1600" dirty="0">
+                          <a:solidFill>
+                            <a:schemeClr val="accent5">
+                              <a:lumMod val="60000"/>
+                              <a:lumOff val="40000"/>
+                            </a:schemeClr>
+                          </a:solidFill>
+                          <a:latin typeface="Consolas" panose="020B0609020204030204" pitchFamily="49" charset="0"/>
+                        </a:rPr>
+                        <a:t>Vrsta varijable</a:t>
+                      </a:r>
+                      <a:endParaRPr lang="en-US" sz="1600" dirty="0">
+                        <a:solidFill>
+                          <a:schemeClr val="accent5">
+                            <a:lumMod val="60000"/>
+                            <a:lumOff val="40000"/>
+                          </a:schemeClr>
+                        </a:solidFill>
+                        <a:latin typeface="Consolas" panose="020B0609020204030204" pitchFamily="49" charset="0"/>
+                      </a:endParaRPr>
+                    </a:p>
+                  </a:txBody>
+                  <a:tcPr/>
+                </a:tc>
+                <a:tc>
+                  <a:txBody>
+                    <a:bodyPr/>
+                    <a:lstStyle/>
+                    <a:p>
+                      <a:r>
+                        <a:rPr lang="hr-HR" sz="1600" dirty="0">
+                          <a:solidFill>
+                            <a:schemeClr val="accent5">
+                              <a:lumMod val="60000"/>
+                              <a:lumOff val="40000"/>
+                            </a:schemeClr>
+                          </a:solidFill>
+                          <a:latin typeface="Consolas" panose="020B0609020204030204" pitchFamily="49" charset="0"/>
+                        </a:rPr>
+                        <a:t>Vrijednosti koje poprima</a:t>
+                      </a:r>
+                    </a:p>
+                  </a:txBody>
+                  <a:tcPr/>
+                </a:tc>
+                <a:extLst>
+                  <a:ext uri="{0D108BD9-81ED-4DB2-BD59-A6C34878D82A}">
+                    <a16:rowId xmlns:a16="http://schemas.microsoft.com/office/drawing/2014/main" val="426742556"/>
+                  </a:ext>
+                </a:extLst>
+              </a:tr>
+              <a:tr h="799123">
+                <a:tc>
+                  <a:txBody>
+                    <a:bodyPr/>
+                    <a:lstStyle/>
+                    <a:p>
+                      <a:pPr marL="0" marR="0" lvl="0" indent="0" algn="l" defTabSz="914400" rtl="0" eaLnBrk="1" fontAlgn="auto" latinLnBrk="0" hangingPunct="1">
+                        <a:lnSpc>
+                          <a:spcPct val="100000"/>
+                        </a:lnSpc>
+                        <a:spcBef>
+                          <a:spcPts val="0"/>
+                        </a:spcBef>
+                        <a:spcAft>
+                          <a:spcPts val="0"/>
+                        </a:spcAft>
+                        <a:buClrTx/>
+                        <a:buSzTx/>
+                        <a:buFontTx/>
+                        <a:buNone/>
+                        <a:tabLst/>
+                        <a:defRPr/>
+                      </a:pPr>
+                      <a:r>
+                        <a:rPr kumimoji="0" lang="en-US" sz="1600" b="0" i="0" u="none" strike="noStrike" kern="1200" cap="none" spc="0" normalizeH="0" baseline="0" noProof="0" dirty="0" err="1">
                           <a:ln>
                             <a:noFill/>
                           </a:ln>
@@ -20613,7 +22893,7 @@
                         </a:rPr>
                         <a:t>Age_Group</a:t>
                       </a:r>
-                      <a:endParaRPr kumimoji="0" lang="en-US" sz="1800" b="0" i="0" u="none" strike="noStrike" kern="1200" cap="none" spc="0" normalizeH="0" baseline="0" noProof="0" dirty="0">
+                      <a:endParaRPr kumimoji="0" lang="en-US" sz="1600" b="0" i="0" u="none" strike="noStrike" kern="1200" cap="none" spc="0" normalizeH="0" baseline="0" noProof="0" dirty="0">
                         <a:ln>
                           <a:noFill/>
                         </a:ln>
@@ -20639,7 +22919,16 @@
                     <a:bodyPr/>
                     <a:lstStyle/>
                     <a:p>
-                      <a:endParaRPr lang="en-US" dirty="0">
+                      <a:r>
+                        <a:rPr lang="hr-HR" sz="1600" dirty="0">
+                          <a:solidFill>
+                            <a:schemeClr val="bg1"/>
+                          </a:solidFill>
+                          <a:latin typeface="Consolas" panose="020B0609020204030204" pitchFamily="49" charset="0"/>
+                        </a:rPr>
+                        <a:t>AGE5GYR skala dobi: 1 = 18-24, 2 = 25-29, 3 = 30-34, 4 = 35-39, 5 = 40-44, 6 = 45-49, 7 = 50-54, 8 = 55-59, 9 = 60-64, 10 = 65-69, 11 = 70-74, 12 = 75-79, 13 = 80+ godina</a:t>
+                      </a:r>
+                      <a:endParaRPr lang="en-US" sz="1600" dirty="0">
                         <a:solidFill>
                           <a:schemeClr val="bg1"/>
                         </a:solidFill>
@@ -20649,28 +22938,6 @@
                   </a:txBody>
                   <a:tcPr/>
                 </a:tc>
-                <a:tc>
-                  <a:txBody>
-                    <a:bodyPr/>
-                    <a:lstStyle/>
-                    <a:p>
-                      <a:endParaRPr lang="en-US" dirty="0">
-                        <a:solidFill>
-                          <a:schemeClr val="bg1"/>
-                        </a:solidFill>
-                        <a:latin typeface="Consolas" panose="020B0609020204030204" pitchFamily="49" charset="0"/>
-                      </a:endParaRPr>
-                    </a:p>
-                  </a:txBody>
-                  <a:tcPr/>
-                </a:tc>
-                <a:extLst>
-                  <a:ext uri="{0D108BD9-81ED-4DB2-BD59-A6C34878D82A}">
-                    <a16:rowId xmlns:a16="http://schemas.microsoft.com/office/drawing/2014/main" val="4019377302"/>
-                  </a:ext>
-                </a:extLst>
-              </a:tr>
-              <a:tr h="370840">
                 <a:tc>
                   <a:txBody>
                     <a:bodyPr/>
@@ -20694,7 +22961,79 @@
                         <a:defRPr/>
                       </a:pPr>
                       <a:r>
-                        <a:rPr kumimoji="0" lang="en-US" sz="1800" b="0" i="0" u="none" strike="noStrike" kern="1200" cap="none" spc="0" normalizeH="0" baseline="0" noProof="0" dirty="0" err="1">
+                        <a:rPr lang="hr-HR" sz="1600" dirty="0">
+                          <a:solidFill>
+                            <a:schemeClr val="bg1"/>
+                          </a:solidFill>
+                          <a:latin typeface="Consolas" panose="020B0609020204030204" pitchFamily="49" charset="0"/>
+                        </a:rPr>
+                        <a:t>Kvalitativna, redoslijedna</a:t>
+                      </a:r>
+                      <a:endParaRPr lang="en-US" sz="1600" dirty="0">
+                        <a:solidFill>
+                          <a:schemeClr val="bg1"/>
+                        </a:solidFill>
+                        <a:latin typeface="Consolas" panose="020B0609020204030204" pitchFamily="49" charset="0"/>
+                      </a:endParaRPr>
+                    </a:p>
+                  </a:txBody>
+                  <a:tcPr/>
+                </a:tc>
+                <a:tc>
+                  <a:txBody>
+                    <a:bodyPr/>
+                    <a:lstStyle/>
+                    <a:p>
+                      <a:r>
+                        <a:rPr lang="hr-HR" sz="1600" dirty="0">
+                          <a:solidFill>
+                            <a:schemeClr val="bg1"/>
+                          </a:solidFill>
+                          <a:latin typeface="Consolas" panose="020B0609020204030204" pitchFamily="49" charset="0"/>
+                        </a:rPr>
+                        <a:t>1-13</a:t>
+                      </a:r>
+                      <a:endParaRPr lang="en-US" sz="1600" dirty="0">
+                        <a:solidFill>
+                          <a:schemeClr val="bg1"/>
+                        </a:solidFill>
+                        <a:latin typeface="Consolas" panose="020B0609020204030204" pitchFamily="49" charset="0"/>
+                      </a:endParaRPr>
+                    </a:p>
+                  </a:txBody>
+                  <a:tcPr/>
+                </a:tc>
+                <a:extLst>
+                  <a:ext uri="{0D108BD9-81ED-4DB2-BD59-A6C34878D82A}">
+                    <a16:rowId xmlns:a16="http://schemas.microsoft.com/office/drawing/2014/main" val="3212685511"/>
+                  </a:ext>
+                </a:extLst>
+              </a:tr>
+              <a:tr h="1272104">
+                <a:tc>
+                  <a:txBody>
+                    <a:bodyPr/>
+                    <a:lstStyle/>
+                    <a:p>
+                      <a:pPr marL="0" marR="0" lvl="0" indent="0" algn="l" defTabSz="914400" rtl="0" eaLnBrk="1" fontAlgn="auto" latinLnBrk="0" hangingPunct="1">
+                        <a:lnSpc>
+                          <a:spcPct val="100000"/>
+                        </a:lnSpc>
+                        <a:spcBef>
+                          <a:spcPts val="0"/>
+                        </a:spcBef>
+                        <a:spcAft>
+                          <a:spcPts val="0"/>
+                        </a:spcAft>
+                        <a:buClrTx/>
+                        <a:buSzTx/>
+                        <a:buFontTx/>
+                        <a:buNone/>
+                        <a:tabLst/>
+                        <a:defRPr/>
+                      </a:pPr>
+                      <a:r>
+                        <a:rPr kumimoji="0" lang="en-US" sz="1600" b="0" i="0" u="none" strike="noStrike" kern="1200" cap="none" spc="0" normalizeH="0" baseline="0" noProof="0" dirty="0" err="1">
                           <a:ln>
                             <a:noFill/>
                           </a:ln>
@@ -20713,7 +23052,7 @@
                         </a:rPr>
                         <a:t>Education_Group</a:t>
                       </a:r>
-                      <a:endParaRPr kumimoji="0" lang="en-US" sz="1800" b="0" i="0" u="none" strike="noStrike" kern="1200" cap="none" spc="0" normalizeH="0" baseline="0" noProof="0" dirty="0">
+                      <a:endParaRPr kumimoji="0" lang="en-US" sz="1600" b="0" i="0" u="none" strike="noStrike" kern="1200" cap="none" spc="0" normalizeH="0" baseline="0" noProof="0" dirty="0">
                         <a:ln>
                           <a:noFill/>
                         </a:ln>
@@ -20739,7 +23078,16 @@
                     <a:bodyPr/>
                     <a:lstStyle/>
                     <a:p>
-                      <a:endParaRPr lang="en-US">
+                      <a:r>
+                        <a:rPr lang="hr-HR" sz="1600" dirty="0">
+                          <a:solidFill>
+                            <a:schemeClr val="bg1"/>
+                          </a:solidFill>
+                          <a:latin typeface="Consolas" panose="020B0609020204030204" pitchFamily="49" charset="0"/>
+                        </a:rPr>
+                        <a:t>EDUCA skala obrazovanja: 1 = samo vrtić, 2 = osnovna, 3 = nešto srednje škole, 4 = srednja škola, 5 = fakultet 1-3 godine, 6 = fakultet 4 godine ili više</a:t>
+                      </a:r>
+                      <a:endParaRPr lang="en-US" sz="1600" dirty="0">
                         <a:solidFill>
                           <a:schemeClr val="bg1"/>
                         </a:solidFill>
@@ -20749,28 +23097,6 @@
                   </a:txBody>
                   <a:tcPr/>
                 </a:tc>
-                <a:tc>
-                  <a:txBody>
-                    <a:bodyPr/>
-                    <a:lstStyle/>
-                    <a:p>
-                      <a:endParaRPr lang="en-US" dirty="0">
-                        <a:solidFill>
-                          <a:schemeClr val="bg1"/>
-                        </a:solidFill>
-                        <a:latin typeface="Consolas" panose="020B0609020204030204" pitchFamily="49" charset="0"/>
-                      </a:endParaRPr>
-                    </a:p>
-                  </a:txBody>
-                  <a:tcPr/>
-                </a:tc>
-                <a:extLst>
-                  <a:ext uri="{0D108BD9-81ED-4DB2-BD59-A6C34878D82A}">
-                    <a16:rowId xmlns:a16="http://schemas.microsoft.com/office/drawing/2014/main" val="3947661361"/>
-                  </a:ext>
-                </a:extLst>
-              </a:tr>
-              <a:tr h="370840">
                 <a:tc>
                   <a:txBody>
                     <a:bodyPr/>
@@ -20794,7 +23120,79 @@
                         <a:defRPr/>
                       </a:pPr>
                       <a:r>
-                        <a:rPr kumimoji="0" lang="en-US" sz="1800" b="0" i="0" u="none" strike="noStrike" kern="1200" cap="none" spc="0" normalizeH="0" baseline="0" noProof="0" dirty="0">
+                        <a:rPr lang="hr-HR" sz="1600" dirty="0">
+                          <a:solidFill>
+                            <a:schemeClr val="bg1"/>
+                          </a:solidFill>
+                          <a:latin typeface="Consolas" panose="020B0609020204030204" pitchFamily="49" charset="0"/>
+                        </a:rPr>
+                        <a:t>Kvalitativna, redoslijedna</a:t>
+                      </a:r>
+                      <a:endParaRPr lang="en-US" sz="1600" dirty="0">
+                        <a:solidFill>
+                          <a:schemeClr val="bg1"/>
+                        </a:solidFill>
+                        <a:latin typeface="Consolas" panose="020B0609020204030204" pitchFamily="49" charset="0"/>
+                      </a:endParaRPr>
+                    </a:p>
+                  </a:txBody>
+                  <a:tcPr/>
+                </a:tc>
+                <a:tc>
+                  <a:txBody>
+                    <a:bodyPr/>
+                    <a:lstStyle/>
+                    <a:p>
+                      <a:r>
+                        <a:rPr lang="hr-HR" sz="1600" dirty="0">
+                          <a:solidFill>
+                            <a:schemeClr val="bg1"/>
+                          </a:solidFill>
+                          <a:latin typeface="Consolas" panose="020B0609020204030204" pitchFamily="49" charset="0"/>
+                        </a:rPr>
+                        <a:t>1-6</a:t>
+                      </a:r>
+                      <a:endParaRPr lang="en-US" sz="1600" dirty="0">
+                        <a:solidFill>
+                          <a:schemeClr val="bg1"/>
+                        </a:solidFill>
+                        <a:latin typeface="Consolas" panose="020B0609020204030204" pitchFamily="49" charset="0"/>
+                      </a:endParaRPr>
+                    </a:p>
+                  </a:txBody>
+                  <a:tcPr/>
+                </a:tc>
+                <a:extLst>
+                  <a:ext uri="{0D108BD9-81ED-4DB2-BD59-A6C34878D82A}">
+                    <a16:rowId xmlns:a16="http://schemas.microsoft.com/office/drawing/2014/main" val="611931202"/>
+                  </a:ext>
+                </a:extLst>
+              </a:tr>
+              <a:tr h="1260069">
+                <a:tc>
+                  <a:txBody>
+                    <a:bodyPr/>
+                    <a:lstStyle/>
+                    <a:p>
+                      <a:pPr marL="0" marR="0" lvl="0" indent="0" algn="l" defTabSz="914400" rtl="0" eaLnBrk="1" fontAlgn="auto" latinLnBrk="0" hangingPunct="1">
+                        <a:lnSpc>
+                          <a:spcPct val="100000"/>
+                        </a:lnSpc>
+                        <a:spcBef>
+                          <a:spcPts val="0"/>
+                        </a:spcBef>
+                        <a:spcAft>
+                          <a:spcPts val="0"/>
+                        </a:spcAft>
+                        <a:buClrTx/>
+                        <a:buSzTx/>
+                        <a:buFontTx/>
+                        <a:buNone/>
+                        <a:tabLst/>
+                        <a:defRPr/>
+                      </a:pPr>
+                      <a:r>
+                        <a:rPr kumimoji="0" lang="en-US" sz="1600" b="0" i="0" u="none" strike="noStrike" kern="1200" cap="none" spc="0" normalizeH="0" baseline="0" noProof="0" dirty="0">
                           <a:ln>
                             <a:noFill/>
                           </a:ln>
@@ -20822,7 +23220,33 @@
                     <a:bodyPr/>
                     <a:lstStyle/>
                     <a:p>
-                      <a:endParaRPr lang="en-US">
+                      <a:pPr marL="0" marR="0" lvl="0" indent="0" algn="l" defTabSz="914400" rtl="0" eaLnBrk="1" fontAlgn="auto" latinLnBrk="0" hangingPunct="1">
+                        <a:lnSpc>
+                          <a:spcPct val="100000"/>
+                        </a:lnSpc>
+                        <a:spcBef>
+                          <a:spcPts val="0"/>
+                        </a:spcBef>
+                        <a:spcAft>
+                          <a:spcPts val="0"/>
+                        </a:spcAft>
+                        <a:buClrTx/>
+                        <a:buSzTx/>
+                        <a:buFontTx/>
+                        <a:buNone/>
+                        <a:tabLst/>
+                        <a:defRPr/>
+                      </a:pPr>
+                      <a:r>
+                        <a:rPr lang="hr-HR" sz="1600" dirty="0">
+                          <a:solidFill>
+                            <a:schemeClr val="bg1"/>
+                          </a:solidFill>
+                          <a:latin typeface="Consolas" panose="020B0609020204030204" pitchFamily="49" charset="0"/>
+                        </a:rPr>
+                        <a:t>INCOME2 skala zarade: 1 = manje od 10.000 dolara, 2 = 10.000-15.000 dolara, 3 = 15.000-20.000 dolara, 4 = 20.000-25.000, 5 = 25.000-35.000, 6 = 35.000-50.000, 7 = 50.000-75.000, 8 = 75.000 ili više dolara </a:t>
+                      </a:r>
+                      <a:endParaRPr lang="en-US" sz="1600" dirty="0">
                         <a:solidFill>
                           <a:schemeClr val="bg1"/>
                         </a:solidFill>
@@ -20837,7 +23261,40 @@
                     <a:bodyPr/>
                     <a:lstStyle/>
                     <a:p>
-                      <a:endParaRPr lang="en-US" dirty="0">
+                      <a:r>
+                        <a:rPr lang="hr-HR" sz="1600" dirty="0">
+                          <a:solidFill>
+                            <a:schemeClr val="bg1"/>
+                          </a:solidFill>
+                          <a:latin typeface="Consolas" panose="020B0609020204030204" pitchFamily="49" charset="0"/>
+                        </a:rPr>
+                        <a:t>Kvalitativna, redoslijedna</a:t>
+                      </a:r>
+                      <a:endParaRPr lang="en-US" sz="1600" dirty="0">
+                        <a:solidFill>
+                          <a:schemeClr val="bg1"/>
+                        </a:solidFill>
+                        <a:latin typeface="Consolas" panose="020B0609020204030204" pitchFamily="49" charset="0"/>
+                      </a:endParaRPr>
+                    </a:p>
+                  </a:txBody>
+                  <a:tcPr/>
+                </a:tc>
+                <a:tc>
+                  <a:txBody>
+                    <a:bodyPr/>
+                    <a:lstStyle/>
+                    <a:p>
+                      <a:r>
+                        <a:rPr lang="hr-HR" sz="1600" dirty="0">
+                          <a:solidFill>
+                            <a:schemeClr val="bg1"/>
+                          </a:solidFill>
+                          <a:latin typeface="Consolas" panose="020B0609020204030204" pitchFamily="49" charset="0"/>
+                        </a:rPr>
+                        <a:t>1-8</a:t>
+                      </a:r>
+                      <a:endParaRPr lang="en-US" sz="1600" dirty="0">
                         <a:solidFill>
                           <a:schemeClr val="bg1"/>
                         </a:solidFill>
@@ -20849,7 +23306,7 @@
                 </a:tc>
                 <a:extLst>
                   <a:ext uri="{0D108BD9-81ED-4DB2-BD59-A6C34878D82A}">
-                    <a16:rowId xmlns:a16="http://schemas.microsoft.com/office/drawing/2014/main" val="3821223320"/>
+                    <a16:rowId xmlns:a16="http://schemas.microsoft.com/office/drawing/2014/main" val="705421490"/>
                   </a:ext>
                 </a:extLst>
               </a:tr>
@@ -20860,7 +23317,7 @@
     </p:spTree>
     <p:extLst>
       <p:ext uri="{BB962C8B-B14F-4D97-AF65-F5344CB8AC3E}">
-        <p14:creationId xmlns:p14="http://schemas.microsoft.com/office/powerpoint/2010/main" val="1725067987"/>
+        <p14:creationId xmlns:p14="http://schemas.microsoft.com/office/powerpoint/2010/main" val="3511866393"/>
       </p:ext>
     </p:extLst>
   </p:cSld>
@@ -20882,7 +23339,7 @@
 </p:sld>
 </file>
 
-<file path=ppt/slides/slide4.xml><?xml version="1.0" encoding="utf-8"?>
+<file path=ppt/slides/slide6.xml><?xml version="1.0" encoding="utf-8"?>
 <p:sld xmlns:a="http://schemas.openxmlformats.org/drawingml/2006/main" xmlns:r="http://schemas.openxmlformats.org/officeDocument/2006/relationships" xmlns:p="http://schemas.openxmlformats.org/presentationml/2006/main">
   <p:cSld>
     <p:spTree>
@@ -21515,7 +23972,7 @@
             <a:fld id="{08AB70BE-1769-45B8-85A6-0C837432C7E6}" type="slidenum">
               <a:rPr lang="en-US" smtClean="0"/>
               <a:pPr/>
-              <a:t>4</a:t>
+              <a:t>6</a:t>
             </a:fld>
             <a:endParaRPr lang="en-US" dirty="0"/>
           </a:p>
@@ -21552,7 +24009,7 @@
           <a:bodyPr/>
           <a:lstStyle/>
           <a:p>
-            <a:endParaRPr lang="en-US">
+            <a:endParaRPr lang="en-US" dirty="0">
               <a:solidFill>
                 <a:schemeClr val="bg1"/>
               </a:solidFill>
@@ -23570,7 +26027,7 @@
 </p:sld>
 </file>
 
-<file path=ppt/slides/slide5.xml><?xml version="1.0" encoding="utf-8"?>
+<file path=ppt/slides/slide7.xml><?xml version="1.0" encoding="utf-8"?>
 <p:sld xmlns:a="http://schemas.openxmlformats.org/drawingml/2006/main" xmlns:r="http://schemas.openxmlformats.org/officeDocument/2006/relationships" xmlns:p="http://schemas.openxmlformats.org/presentationml/2006/main">
   <p:cSld>
     <p:spTree>
@@ -23736,6 +26193,11 @@
               <a:rPr lang="en-US" b="1" dirty="0"/>
               <a:t> – H1</a:t>
             </a:r>
+            <a:r>
+              <a:rPr lang="hr-HR" b="1" dirty="0"/>
+              <a:t> </a:t>
+            </a:r>
+            <a:endParaRPr lang="en-US" b="1" dirty="0"/>
           </a:p>
           <a:p>
             <a:r>
@@ -23845,7 +26307,7 @@
             <a:fld id="{08AB70BE-1769-45B8-85A6-0C837432C7E6}" type="slidenum">
               <a:rPr lang="en-US" smtClean="0"/>
               <a:pPr/>
-              <a:t>5</a:t>
+              <a:t>7</a:t>
             </a:fld>
             <a:endParaRPr lang="en-US" dirty="0"/>
           </a:p>
@@ -23876,7 +26338,7 @@
 </p:sld>
 </file>
 
-<file path=ppt/slides/slide6.xml><?xml version="1.0" encoding="utf-8"?>
+<file path=ppt/slides/slide8.xml><?xml version="1.0" encoding="utf-8"?>
 <p:sld xmlns:a="http://schemas.openxmlformats.org/drawingml/2006/main" xmlns:r="http://schemas.openxmlformats.org/officeDocument/2006/relationships" xmlns:p="http://schemas.openxmlformats.org/presentationml/2006/main">
   <p:cSld>
     <p:spTree>
@@ -24036,7 +26498,7 @@
             <a:fld id="{08AB70BE-1769-45B8-85A6-0C837432C7E6}" type="slidenum">
               <a:rPr lang="en-US" smtClean="0"/>
               <a:pPr/>
-              <a:t>6</a:t>
+              <a:t>8</a:t>
             </a:fld>
             <a:endParaRPr lang="en-US" dirty="0"/>
           </a:p>
@@ -24810,7 +27272,7 @@
 </p:sld>
 </file>
 
-<file path=ppt/slides/slide7.xml><?xml version="1.0" encoding="utf-8"?>
+<file path=ppt/slides/slide9.xml><?xml version="1.0" encoding="utf-8"?>
 <p:sld xmlns:a="http://schemas.openxmlformats.org/drawingml/2006/main" xmlns:r="http://schemas.openxmlformats.org/officeDocument/2006/relationships" xmlns:p="http://schemas.openxmlformats.org/presentationml/2006/main">
   <p:cSld>
     <p:spTree>
@@ -25064,7 +27526,7 @@
             <a:fld id="{08AB70BE-1769-45B8-85A6-0C837432C7E6}" type="slidenum">
               <a:rPr lang="en-US" smtClean="0"/>
               <a:pPr/>
-              <a:t>7</a:t>
+              <a:t>9</a:t>
             </a:fld>
             <a:endParaRPr lang="en-US" dirty="0"/>
           </a:p>
@@ -25815,669 +28277,6 @@
     <p:extLst>
       <p:ext uri="{BB962C8B-B14F-4D97-AF65-F5344CB8AC3E}">
         <p14:creationId xmlns:p14="http://schemas.microsoft.com/office/powerpoint/2010/main" val="2363017086"/>
-      </p:ext>
-    </p:extLst>
-  </p:cSld>
-  <p:clrMapOvr>
-    <a:masterClrMapping/>
-  </p:clrMapOvr>
-  <mc:AlternateContent xmlns:mc="http://schemas.openxmlformats.org/markup-compatibility/2006" xmlns:p159="http://schemas.microsoft.com/office/powerpoint/2015/09/main">
-    <mc:Choice Requires="p159">
-      <p:transition xmlns:p14="http://schemas.microsoft.com/office/powerpoint/2010/main" p14:dur="250">
-        <p159:morph option="byObject"/>
-      </p:transition>
-    </mc:Choice>
-    <mc:Fallback xmlns="">
-      <p:transition>
-        <p:fade/>
-      </p:transition>
-    </mc:Fallback>
-  </mc:AlternateContent>
-</p:sld>
-</file>
-
-<file path=ppt/slides/slide8.xml><?xml version="1.0" encoding="utf-8"?>
-<p:sld xmlns:a="http://schemas.openxmlformats.org/drawingml/2006/main" xmlns:r="http://schemas.openxmlformats.org/officeDocument/2006/relationships" xmlns:p="http://schemas.openxmlformats.org/presentationml/2006/main">
-  <p:cSld>
-    <p:spTree>
-      <p:nvGrpSpPr>
-        <p:cNvPr id="1" name=""/>
-        <p:cNvGrpSpPr/>
-        <p:nvPr/>
-      </p:nvGrpSpPr>
-      <p:grpSpPr>
-        <a:xfrm>
-          <a:off x="0" y="0"/>
-          <a:ext cx="0" cy="0"/>
-          <a:chOff x="0" y="0"/>
-          <a:chExt cx="0" cy="0"/>
-        </a:xfrm>
-      </p:grpSpPr>
-      <p:pic>
-        <p:nvPicPr>
-          <p:cNvPr id="5" name="Picture 4">
-            <a:extLst>
-              <a:ext uri="{FF2B5EF4-FFF2-40B4-BE49-F238E27FC236}">
-                <a16:creationId xmlns:a16="http://schemas.microsoft.com/office/drawing/2014/main" id="{EF6CFF8F-5938-61C4-27CA-9A87FE0DA9A9}"/>
-              </a:ext>
-            </a:extLst>
-          </p:cNvPr>
-          <p:cNvPicPr>
-            <a:picLocks noChangeAspect="1"/>
-          </p:cNvPicPr>
-          <p:nvPr/>
-        </p:nvPicPr>
-        <p:blipFill>
-          <a:blip r:embed="rId3"/>
-          <a:stretch>
-            <a:fillRect/>
-          </a:stretch>
-        </p:blipFill>
-        <p:spPr>
-          <a:xfrm>
-            <a:off x="1131851" y="2604980"/>
-            <a:ext cx="9541436" cy="3653764"/>
-          </a:xfrm>
-          <a:prstGeom prst="rect">
-            <a:avLst/>
-          </a:prstGeom>
-        </p:spPr>
-      </p:pic>
-      <p:sp>
-        <p:nvSpPr>
-          <p:cNvPr id="3" name="Title 2">
-            <a:extLst>
-              <a:ext uri="{FF2B5EF4-FFF2-40B4-BE49-F238E27FC236}">
-                <a16:creationId xmlns:a16="http://schemas.microsoft.com/office/drawing/2014/main" id="{160027CB-3C27-FC4C-AEF9-685A21EA1B94}"/>
-              </a:ext>
-            </a:extLst>
-          </p:cNvPr>
-          <p:cNvSpPr>
-            <a:spLocks noGrp="1"/>
-          </p:cNvSpPr>
-          <p:nvPr>
-            <p:ph type="title"/>
-          </p:nvPr>
-        </p:nvSpPr>
-        <p:spPr>
-          <a:xfrm>
-            <a:off x="1381748" y="246183"/>
-            <a:ext cx="9743452" cy="1919521"/>
-          </a:xfrm>
-        </p:spPr>
-        <p:txBody>
-          <a:bodyPr/>
-          <a:lstStyle/>
-          <a:p>
-            <a:r>
-              <a:rPr lang="en-US" dirty="0">
-                <a:latin typeface="Boucherie Block" panose="02000506000000020004" pitchFamily="2" charset="0"/>
-              </a:rPr>
-              <a:t>Hi-</a:t>
-            </a:r>
-            <a:r>
-              <a:rPr lang="en-US" dirty="0" err="1">
-                <a:latin typeface="Boucherie Block" panose="02000506000000020004" pitchFamily="2" charset="0"/>
-              </a:rPr>
-              <a:t>kvadrat</a:t>
-            </a:r>
-            <a:r>
-              <a:rPr lang="en-US" dirty="0">
-                <a:latin typeface="Boucherie Block" panose="02000506000000020004" pitchFamily="2" charset="0"/>
-              </a:rPr>
-              <a:t> </a:t>
-            </a:r>
-            <a:r>
-              <a:rPr lang="en-US" dirty="0" err="1">
-                <a:latin typeface="Boucherie Block" panose="02000506000000020004" pitchFamily="2" charset="0"/>
-              </a:rPr>
-              <a:t>testovi</a:t>
-            </a:r>
-            <a:r>
-              <a:rPr lang="en-US" dirty="0">
-                <a:latin typeface="Boucherie Block" panose="02000506000000020004" pitchFamily="2" charset="0"/>
-              </a:rPr>
-              <a:t> </a:t>
-            </a:r>
-            <a:r>
-              <a:rPr lang="en-US" dirty="0" err="1">
-                <a:solidFill>
-                  <a:schemeClr val="accent2"/>
-                </a:solidFill>
-                <a:latin typeface="Boucherie Block" panose="02000506000000020004" pitchFamily="2" charset="0"/>
-              </a:rPr>
-              <a:t>spol</a:t>
-            </a:r>
-            <a:endParaRPr lang="en-US" dirty="0">
-              <a:solidFill>
-                <a:schemeClr val="accent2"/>
-              </a:solidFill>
-              <a:latin typeface="Boucherie Block" panose="02000506000000020004" pitchFamily="2" charset="0"/>
-            </a:endParaRPr>
-          </a:p>
-        </p:txBody>
-      </p:sp>
-      <p:sp>
-        <p:nvSpPr>
-          <p:cNvPr id="4" name="Content Placeholder 3">
-            <a:extLst>
-              <a:ext uri="{FF2B5EF4-FFF2-40B4-BE49-F238E27FC236}">
-                <a16:creationId xmlns:a16="http://schemas.microsoft.com/office/drawing/2014/main" id="{7B25569D-4B51-26CD-C967-65D3F4059DB9}"/>
-              </a:ext>
-            </a:extLst>
-          </p:cNvPr>
-          <p:cNvSpPr>
-            <a:spLocks noGrp="1"/>
-          </p:cNvSpPr>
-          <p:nvPr>
-            <p:ph sz="quarter" idx="10"/>
-          </p:nvPr>
-        </p:nvSpPr>
-        <p:spPr>
-          <a:xfrm>
-            <a:off x="1371600" y="1580033"/>
-            <a:ext cx="5532293" cy="918074"/>
-          </a:xfrm>
-        </p:spPr>
-        <p:txBody>
-          <a:bodyPr>
-            <a:normAutofit fontScale="85000" lnSpcReduction="10000"/>
-          </a:bodyPr>
-          <a:lstStyle/>
-          <a:p>
-            <a:r>
-              <a:rPr lang="hr-HR" dirty="0"/>
-              <a:t>Na razini signifikantnosti 1% - odbačena je </a:t>
-            </a:r>
-            <a:r>
-              <a:rPr lang="hr-HR" dirty="0" err="1"/>
-              <a:t>nul</a:t>
-            </a:r>
-            <a:r>
-              <a:rPr lang="hr-HR" dirty="0"/>
-              <a:t>-hipoteza</a:t>
-            </a:r>
-          </a:p>
-          <a:p>
-            <a:r>
-              <a:rPr lang="hr-HR" dirty="0"/>
-              <a:t>Na razini signifikantnosti 5% - muškarci imaju veću tendenciju biti dijabetičari</a:t>
-            </a:r>
-          </a:p>
-        </p:txBody>
-      </p:sp>
-      <p:sp>
-        <p:nvSpPr>
-          <p:cNvPr id="2" name="Slide Number Placeholder 1">
-            <a:extLst>
-              <a:ext uri="{FF2B5EF4-FFF2-40B4-BE49-F238E27FC236}">
-                <a16:creationId xmlns:a16="http://schemas.microsoft.com/office/drawing/2014/main" id="{616BFA23-AB5B-BA88-E233-DE14DED5A297}"/>
-              </a:ext>
-            </a:extLst>
-          </p:cNvPr>
-          <p:cNvSpPr>
-            <a:spLocks noGrp="1"/>
-          </p:cNvSpPr>
-          <p:nvPr>
-            <p:ph type="sldNum" sz="quarter" idx="4"/>
-          </p:nvPr>
-        </p:nvSpPr>
-        <p:spPr/>
-        <p:txBody>
-          <a:bodyPr/>
-          <a:lstStyle/>
-          <a:p>
-            <a:fld id="{08AB70BE-1769-45B8-85A6-0C837432C7E6}" type="slidenum">
-              <a:rPr lang="en-US" smtClean="0"/>
-              <a:pPr/>
-              <a:t>8</a:t>
-            </a:fld>
-            <a:endParaRPr lang="en-US" dirty="0"/>
-          </a:p>
-        </p:txBody>
-      </p:sp>
-      <p:pic>
-        <p:nvPicPr>
-          <p:cNvPr id="8" name="Content Placeholder 5">
-            <a:extLst>
-              <a:ext uri="{FF2B5EF4-FFF2-40B4-BE49-F238E27FC236}">
-                <a16:creationId xmlns:a16="http://schemas.microsoft.com/office/drawing/2014/main" id="{43AEAF8F-0D76-9FE5-0842-C100CAD7A387}"/>
-              </a:ext>
-            </a:extLst>
-          </p:cNvPr>
-          <p:cNvPicPr>
-            <a:picLocks noChangeAspect="1"/>
-          </p:cNvPicPr>
-          <p:nvPr/>
-        </p:nvPicPr>
-        <p:blipFill rotWithShape="1">
-          <a:blip r:embed="rId4"/>
-          <a:srcRect l="6861" t="7317" r="8995" b="15329"/>
-          <a:stretch/>
-        </p:blipFill>
-        <p:spPr>
-          <a:xfrm>
-            <a:off x="6903893" y="843231"/>
-            <a:ext cx="4468818" cy="2905353"/>
-          </a:xfrm>
-          <a:prstGeom prst="rect">
-            <a:avLst/>
-          </a:prstGeom>
-        </p:spPr>
-      </p:pic>
-      <p:sp>
-        <p:nvSpPr>
-          <p:cNvPr id="9" name="TextBox 8">
-            <a:extLst>
-              <a:ext uri="{FF2B5EF4-FFF2-40B4-BE49-F238E27FC236}">
-                <a16:creationId xmlns:a16="http://schemas.microsoft.com/office/drawing/2014/main" id="{8E7A0B7F-726A-9648-1BCB-8E2FE251FE9C}"/>
-              </a:ext>
-            </a:extLst>
-          </p:cNvPr>
-          <p:cNvSpPr txBox="1"/>
-          <p:nvPr/>
-        </p:nvSpPr>
-        <p:spPr>
-          <a:xfrm>
-            <a:off x="8234267" y="3760810"/>
-            <a:ext cx="2301849" cy="369332"/>
-          </a:xfrm>
-          <a:prstGeom prst="rect">
-            <a:avLst/>
-          </a:prstGeom>
-          <a:noFill/>
-        </p:spPr>
-        <p:txBody>
-          <a:bodyPr wrap="none" rtlCol="0">
-            <a:spAutoFit/>
-          </a:bodyPr>
-          <a:lstStyle/>
-          <a:p>
-            <a:r>
-              <a:rPr lang="en-US" i="1" dirty="0" err="1">
-                <a:solidFill>
-                  <a:schemeClr val="accent2">
-                    <a:lumMod val="50000"/>
-                  </a:schemeClr>
-                </a:solidFill>
-              </a:rPr>
-              <a:t>Slika</a:t>
-            </a:r>
-            <a:r>
-              <a:rPr lang="en-US" i="1" dirty="0">
-                <a:solidFill>
-                  <a:schemeClr val="accent2">
-                    <a:lumMod val="50000"/>
-                  </a:schemeClr>
-                </a:solidFill>
-              </a:rPr>
-              <a:t> 3. </a:t>
-            </a:r>
-            <a:r>
-              <a:rPr lang="en-US" i="1" dirty="0" err="1">
-                <a:solidFill>
-                  <a:schemeClr val="accent2">
-                    <a:lumMod val="50000"/>
-                  </a:schemeClr>
-                </a:solidFill>
-              </a:rPr>
-              <a:t>Barplot</a:t>
-            </a:r>
-            <a:r>
-              <a:rPr lang="en-US" i="1" dirty="0">
-                <a:solidFill>
-                  <a:schemeClr val="accent2">
-                    <a:lumMod val="50000"/>
-                  </a:schemeClr>
-                </a:solidFill>
-              </a:rPr>
-              <a:t> za </a:t>
-            </a:r>
-            <a:r>
-              <a:rPr lang="en-US" i="1" dirty="0" err="1">
-                <a:solidFill>
-                  <a:schemeClr val="accent2">
-                    <a:lumMod val="50000"/>
-                  </a:schemeClr>
-                </a:solidFill>
-              </a:rPr>
-              <a:t>spol</a:t>
-            </a:r>
-            <a:endParaRPr lang="en-US" i="1" dirty="0">
-              <a:solidFill>
-                <a:schemeClr val="accent2">
-                  <a:lumMod val="50000"/>
-                </a:schemeClr>
-              </a:solidFill>
-            </a:endParaRPr>
-          </a:p>
-        </p:txBody>
-      </p:sp>
-    </p:spTree>
-    <p:extLst>
-      <p:ext uri="{BB962C8B-B14F-4D97-AF65-F5344CB8AC3E}">
-        <p14:creationId xmlns:p14="http://schemas.microsoft.com/office/powerpoint/2010/main" val="1051131639"/>
-      </p:ext>
-    </p:extLst>
-  </p:cSld>
-  <p:clrMapOvr>
-    <a:masterClrMapping/>
-  </p:clrMapOvr>
-  <mc:AlternateContent xmlns:mc="http://schemas.openxmlformats.org/markup-compatibility/2006" xmlns:p159="http://schemas.microsoft.com/office/powerpoint/2015/09/main">
-    <mc:Choice Requires="p159">
-      <p:transition xmlns:p14="http://schemas.microsoft.com/office/powerpoint/2010/main" p14:dur="250">
-        <p159:morph option="byObject"/>
-      </p:transition>
-    </mc:Choice>
-    <mc:Fallback xmlns="">
-      <p:transition>
-        <p:fade/>
-      </p:transition>
-    </mc:Fallback>
-  </mc:AlternateContent>
-</p:sld>
-</file>
-
-<file path=ppt/slides/slide9.xml><?xml version="1.0" encoding="utf-8"?>
-<p:sld xmlns:a="http://schemas.openxmlformats.org/drawingml/2006/main" xmlns:r="http://schemas.openxmlformats.org/officeDocument/2006/relationships" xmlns:p="http://schemas.openxmlformats.org/presentationml/2006/main">
-  <p:cSld>
-    <p:spTree>
-      <p:nvGrpSpPr>
-        <p:cNvPr id="1" name=""/>
-        <p:cNvGrpSpPr/>
-        <p:nvPr/>
-      </p:nvGrpSpPr>
-      <p:grpSpPr>
-        <a:xfrm>
-          <a:off x="0" y="0"/>
-          <a:ext cx="0" cy="0"/>
-          <a:chOff x="0" y="0"/>
-          <a:chExt cx="0" cy="0"/>
-        </a:xfrm>
-      </p:grpSpPr>
-      <p:sp>
-        <p:nvSpPr>
-          <p:cNvPr id="3" name="Title 2">
-            <a:extLst>
-              <a:ext uri="{FF2B5EF4-FFF2-40B4-BE49-F238E27FC236}">
-                <a16:creationId xmlns:a16="http://schemas.microsoft.com/office/drawing/2014/main" id="{160027CB-3C27-FC4C-AEF9-685A21EA1B94}"/>
-              </a:ext>
-            </a:extLst>
-          </p:cNvPr>
-          <p:cNvSpPr>
-            <a:spLocks noGrp="1"/>
-          </p:cNvSpPr>
-          <p:nvPr>
-            <p:ph type="title"/>
-          </p:nvPr>
-        </p:nvSpPr>
-        <p:spPr>
-          <a:xfrm>
-            <a:off x="1381748" y="246183"/>
-            <a:ext cx="9743452" cy="1919521"/>
-          </a:xfrm>
-        </p:spPr>
-        <p:txBody>
-          <a:bodyPr/>
-          <a:lstStyle/>
-          <a:p>
-            <a:r>
-              <a:rPr lang="en-US" dirty="0">
-                <a:latin typeface="Boucherie Block" panose="02000506000000020004" pitchFamily="2" charset="0"/>
-              </a:rPr>
-              <a:t>Hi-</a:t>
-            </a:r>
-            <a:r>
-              <a:rPr lang="en-US" dirty="0" err="1">
-                <a:latin typeface="Boucherie Block" panose="02000506000000020004" pitchFamily="2" charset="0"/>
-              </a:rPr>
-              <a:t>kvadrat</a:t>
-            </a:r>
-            <a:r>
-              <a:rPr lang="en-US" dirty="0">
-                <a:latin typeface="Boucherie Block" panose="02000506000000020004" pitchFamily="2" charset="0"/>
-              </a:rPr>
-              <a:t> </a:t>
-            </a:r>
-            <a:r>
-              <a:rPr lang="en-US" dirty="0" err="1">
-                <a:latin typeface="Boucherie Block" panose="02000506000000020004" pitchFamily="2" charset="0"/>
-              </a:rPr>
-              <a:t>testovi</a:t>
-            </a:r>
-            <a:r>
-              <a:rPr lang="en-US" dirty="0">
-                <a:latin typeface="Boucherie Block" panose="02000506000000020004" pitchFamily="2" charset="0"/>
-              </a:rPr>
-              <a:t> </a:t>
-            </a:r>
-            <a:r>
-              <a:rPr lang="en-US" dirty="0" err="1">
-                <a:solidFill>
-                  <a:schemeClr val="accent2"/>
-                </a:solidFill>
-                <a:latin typeface="Boucherie Block" panose="02000506000000020004" pitchFamily="2" charset="0"/>
-              </a:rPr>
-              <a:t>zarada</a:t>
-            </a:r>
-            <a:endParaRPr lang="en-US" dirty="0">
-              <a:solidFill>
-                <a:schemeClr val="accent2"/>
-              </a:solidFill>
-              <a:latin typeface="Boucherie Block" panose="02000506000000020004" pitchFamily="2" charset="0"/>
-            </a:endParaRPr>
-          </a:p>
-        </p:txBody>
-      </p:sp>
-      <p:sp>
-        <p:nvSpPr>
-          <p:cNvPr id="2" name="Slide Number Placeholder 1">
-            <a:extLst>
-              <a:ext uri="{FF2B5EF4-FFF2-40B4-BE49-F238E27FC236}">
-                <a16:creationId xmlns:a16="http://schemas.microsoft.com/office/drawing/2014/main" id="{616BFA23-AB5B-BA88-E233-DE14DED5A297}"/>
-              </a:ext>
-            </a:extLst>
-          </p:cNvPr>
-          <p:cNvSpPr>
-            <a:spLocks noGrp="1"/>
-          </p:cNvSpPr>
-          <p:nvPr>
-            <p:ph type="sldNum" sz="quarter" idx="4"/>
-          </p:nvPr>
-        </p:nvSpPr>
-        <p:spPr/>
-        <p:txBody>
-          <a:bodyPr/>
-          <a:lstStyle/>
-          <a:p>
-            <a:fld id="{08AB70BE-1769-45B8-85A6-0C837432C7E6}" type="slidenum">
-              <a:rPr lang="en-US" smtClean="0"/>
-              <a:pPr/>
-              <a:t>9</a:t>
-            </a:fld>
-            <a:endParaRPr lang="en-US" dirty="0"/>
-          </a:p>
-        </p:txBody>
-      </p:sp>
-      <p:pic>
-        <p:nvPicPr>
-          <p:cNvPr id="8" name="Content Placeholder 5">
-            <a:extLst>
-              <a:ext uri="{FF2B5EF4-FFF2-40B4-BE49-F238E27FC236}">
-                <a16:creationId xmlns:a16="http://schemas.microsoft.com/office/drawing/2014/main" id="{43AEAF8F-0D76-9FE5-0842-C100CAD7A387}"/>
-              </a:ext>
-            </a:extLst>
-          </p:cNvPr>
-          <p:cNvPicPr>
-            <a:picLocks noChangeAspect="1"/>
-          </p:cNvPicPr>
-          <p:nvPr/>
-        </p:nvPicPr>
-        <p:blipFill rotWithShape="1">
-          <a:blip r:embed="rId3"/>
-          <a:srcRect l="5269" t="4105" r="6982" b="11673"/>
-          <a:stretch/>
-        </p:blipFill>
-        <p:spPr>
-          <a:xfrm>
-            <a:off x="1268186" y="1953087"/>
-            <a:ext cx="5219343" cy="3548189"/>
-          </a:xfrm>
-          <a:prstGeom prst="rect">
-            <a:avLst/>
-          </a:prstGeom>
-        </p:spPr>
-      </p:pic>
-      <p:sp>
-        <p:nvSpPr>
-          <p:cNvPr id="9" name="TextBox 8">
-            <a:extLst>
-              <a:ext uri="{FF2B5EF4-FFF2-40B4-BE49-F238E27FC236}">
-                <a16:creationId xmlns:a16="http://schemas.microsoft.com/office/drawing/2014/main" id="{8E7A0B7F-726A-9648-1BCB-8E2FE251FE9C}"/>
-              </a:ext>
-            </a:extLst>
-          </p:cNvPr>
-          <p:cNvSpPr txBox="1"/>
-          <p:nvPr/>
-        </p:nvSpPr>
-        <p:spPr>
-          <a:xfrm>
-            <a:off x="2687539" y="5476309"/>
-            <a:ext cx="2552558" cy="369332"/>
-          </a:xfrm>
-          <a:prstGeom prst="rect">
-            <a:avLst/>
-          </a:prstGeom>
-          <a:noFill/>
-        </p:spPr>
-        <p:txBody>
-          <a:bodyPr wrap="none" rtlCol="0">
-            <a:spAutoFit/>
-          </a:bodyPr>
-          <a:lstStyle/>
-          <a:p>
-            <a:r>
-              <a:rPr lang="en-US" i="1" dirty="0" err="1">
-                <a:solidFill>
-                  <a:schemeClr val="accent2">
-                    <a:lumMod val="50000"/>
-                  </a:schemeClr>
-                </a:solidFill>
-              </a:rPr>
-              <a:t>Slika</a:t>
-            </a:r>
-            <a:r>
-              <a:rPr lang="en-US" i="1" dirty="0">
-                <a:solidFill>
-                  <a:schemeClr val="accent2">
-                    <a:lumMod val="50000"/>
-                  </a:schemeClr>
-                </a:solidFill>
-              </a:rPr>
-              <a:t> 3. </a:t>
-            </a:r>
-            <a:r>
-              <a:rPr lang="en-US" i="1" dirty="0" err="1">
-                <a:solidFill>
-                  <a:schemeClr val="accent2">
-                    <a:lumMod val="50000"/>
-                  </a:schemeClr>
-                </a:solidFill>
-              </a:rPr>
-              <a:t>Barplot</a:t>
-            </a:r>
-            <a:r>
-              <a:rPr lang="en-US" i="1" dirty="0">
-                <a:solidFill>
-                  <a:schemeClr val="accent2">
-                    <a:lumMod val="50000"/>
-                  </a:schemeClr>
-                </a:solidFill>
-              </a:rPr>
-              <a:t> za </a:t>
-            </a:r>
-            <a:r>
-              <a:rPr lang="en-US" i="1" dirty="0" err="1">
-                <a:solidFill>
-                  <a:schemeClr val="accent2">
-                    <a:lumMod val="50000"/>
-                  </a:schemeClr>
-                </a:solidFill>
-              </a:rPr>
-              <a:t>zaradu</a:t>
-            </a:r>
-            <a:endParaRPr lang="en-US" i="1" dirty="0">
-              <a:solidFill>
-                <a:schemeClr val="accent2">
-                  <a:lumMod val="50000"/>
-                </a:schemeClr>
-              </a:solidFill>
-            </a:endParaRPr>
-          </a:p>
-        </p:txBody>
-      </p:sp>
-      <p:pic>
-        <p:nvPicPr>
-          <p:cNvPr id="12" name="Picture 11">
-            <a:extLst>
-              <a:ext uri="{FF2B5EF4-FFF2-40B4-BE49-F238E27FC236}">
-                <a16:creationId xmlns:a16="http://schemas.microsoft.com/office/drawing/2014/main" id="{7DE414C5-8D58-C86F-5C27-EC63DACC2ABE}"/>
-              </a:ext>
-            </a:extLst>
-          </p:cNvPr>
-          <p:cNvPicPr>
-            <a:picLocks noChangeAspect="1"/>
-          </p:cNvPicPr>
-          <p:nvPr/>
-        </p:nvPicPr>
-        <p:blipFill rotWithShape="1">
-          <a:blip r:embed="rId4"/>
-          <a:srcRect l="66041"/>
-          <a:stretch/>
-        </p:blipFill>
-        <p:spPr>
-          <a:xfrm>
-            <a:off x="7764933" y="3167070"/>
-            <a:ext cx="2658668" cy="1368327"/>
-          </a:xfrm>
-          <a:prstGeom prst="rect">
-            <a:avLst/>
-          </a:prstGeom>
-        </p:spPr>
-      </p:pic>
-      <p:pic>
-        <p:nvPicPr>
-          <p:cNvPr id="13" name="Picture 12">
-            <a:extLst>
-              <a:ext uri="{FF2B5EF4-FFF2-40B4-BE49-F238E27FC236}">
-                <a16:creationId xmlns:a16="http://schemas.microsoft.com/office/drawing/2014/main" id="{068C5F1D-35AA-E523-88C8-8140E76A39F3}"/>
-              </a:ext>
-            </a:extLst>
-          </p:cNvPr>
-          <p:cNvPicPr>
-            <a:picLocks noChangeAspect="1"/>
-          </p:cNvPicPr>
-          <p:nvPr/>
-        </p:nvPicPr>
-        <p:blipFill rotWithShape="1">
-          <a:blip r:embed="rId4"/>
-          <a:srcRect r="34179"/>
-          <a:stretch/>
-        </p:blipFill>
-        <p:spPr>
-          <a:xfrm>
-            <a:off x="6729507" y="2951625"/>
-            <a:ext cx="5153080" cy="1368327"/>
-          </a:xfrm>
-          <a:prstGeom prst="rect">
-            <a:avLst/>
-          </a:prstGeom>
-        </p:spPr>
-      </p:pic>
-    </p:spTree>
-    <p:extLst>
-      <p:ext uri="{BB962C8B-B14F-4D97-AF65-F5344CB8AC3E}">
-        <p14:creationId xmlns:p14="http://schemas.microsoft.com/office/powerpoint/2010/main" val="996602895"/>
       </p:ext>
     </p:extLst>
   </p:cSld>
@@ -27291,12 +29090,23 @@
 </file>
 
 <file path=customXml/item1.xml><?xml version="1.0" encoding="utf-8"?>
-<?mso-contentType ?>
-<FormTemplates xmlns="http://schemas.microsoft.com/sharepoint/v3/contenttype/forms">
-  <Display>DocumentLibraryForm</Display>
-  <Edit>DocumentLibraryForm</Edit>
-  <New>DocumentLibraryForm</New>
-</FormTemplates>
+<p:properties xmlns:p="http://schemas.microsoft.com/office/2006/metadata/properties" xmlns:xsi="http://www.w3.org/2001/XMLSchema-instance" xmlns:pc="http://schemas.microsoft.com/office/infopath/2007/PartnerControls">
+  <documentManagement>
+    <Background xmlns="71af3243-3dd4-4a8d-8c0d-dd76da1f02a5">false</Background>
+    <Status xmlns="71af3243-3dd4-4a8d-8c0d-dd76da1f02a5">Not started</Status>
+    <_ip_UnifiedCompliancePolicyUIAction xmlns="http://schemas.microsoft.com/sharepoint/v3" xsi:nil="true"/>
+    <Image xmlns="71af3243-3dd4-4a8d-8c0d-dd76da1f02a5">
+      <Url xsi:nil="true"/>
+      <Description xsi:nil="true"/>
+    </Image>
+    <_ip_UnifiedCompliancePolicyProperties xmlns="http://schemas.microsoft.com/sharepoint/v3" xsi:nil="true"/>
+    <ImageTagsTaxHTField xmlns="71af3243-3dd4-4a8d-8c0d-dd76da1f02a5">
+      <Terms xmlns="http://schemas.microsoft.com/office/infopath/2007/PartnerControls"/>
+    </ImageTagsTaxHTField>
+    <TaxCatchAll xmlns="230e9df3-be65-4c73-a93b-d1236ebd677e" xsi:nil="true"/>
+    <MediaServiceKeyPoints xmlns="71af3243-3dd4-4a8d-8c0d-dd76da1f02a5" xsi:nil="true"/>
+  </documentManagement>
+</p:properties>
 </file>
 
 <file path=customXml/item2.xml><?xml version="1.0" encoding="utf-8"?>
@@ -27612,29 +29422,22 @@
 </file>
 
 <file path=customXml/item3.xml><?xml version="1.0" encoding="utf-8"?>
-<p:properties xmlns:p="http://schemas.microsoft.com/office/2006/metadata/properties" xmlns:xsi="http://www.w3.org/2001/XMLSchema-instance" xmlns:pc="http://schemas.microsoft.com/office/infopath/2007/PartnerControls">
-  <documentManagement>
-    <Background xmlns="71af3243-3dd4-4a8d-8c0d-dd76da1f02a5">false</Background>
-    <Status xmlns="71af3243-3dd4-4a8d-8c0d-dd76da1f02a5">Not started</Status>
-    <_ip_UnifiedCompliancePolicyUIAction xmlns="http://schemas.microsoft.com/sharepoint/v3" xsi:nil="true"/>
-    <Image xmlns="71af3243-3dd4-4a8d-8c0d-dd76da1f02a5">
-      <Url xsi:nil="true"/>
-      <Description xsi:nil="true"/>
-    </Image>
-    <_ip_UnifiedCompliancePolicyProperties xmlns="http://schemas.microsoft.com/sharepoint/v3" xsi:nil="true"/>
-    <ImageTagsTaxHTField xmlns="71af3243-3dd4-4a8d-8c0d-dd76da1f02a5">
-      <Terms xmlns="http://schemas.microsoft.com/office/infopath/2007/PartnerControls"/>
-    </ImageTagsTaxHTField>
-    <TaxCatchAll xmlns="230e9df3-be65-4c73-a93b-d1236ebd677e" xsi:nil="true"/>
-    <MediaServiceKeyPoints xmlns="71af3243-3dd4-4a8d-8c0d-dd76da1f02a5" xsi:nil="true"/>
-  </documentManagement>
-</p:properties>
+<?mso-contentType ?>
+<FormTemplates xmlns="http://schemas.microsoft.com/sharepoint/v3/contenttype/forms">
+  <Display>DocumentLibraryForm</Display>
+  <Edit>DocumentLibraryForm</Edit>
+  <New>DocumentLibraryForm</New>
+</FormTemplates>
 </file>
 
 <file path=customXml/itemProps1.xml><?xml version="1.0" encoding="utf-8"?>
-<ds:datastoreItem xmlns:ds="http://schemas.openxmlformats.org/officeDocument/2006/customXml" ds:itemID="{4C5C2001-E626-4890-B405-22B5BD1CB05A}">
+<ds:datastoreItem xmlns:ds="http://schemas.openxmlformats.org/officeDocument/2006/customXml" ds:itemID="{80D7C3E5-1734-4636-9EC5-AEB06BF1FB20}">
   <ds:schemaRefs>
-    <ds:schemaRef ds:uri="http://schemas.microsoft.com/sharepoint/v3/contenttype/forms"/>
+    <ds:schemaRef ds:uri="http://schemas.microsoft.com/office/2006/metadata/properties"/>
+    <ds:schemaRef ds:uri="http://schemas.microsoft.com/office/infopath/2007/PartnerControls"/>
+    <ds:schemaRef ds:uri="71af3243-3dd4-4a8d-8c0d-dd76da1f02a5"/>
+    <ds:schemaRef ds:uri="http://schemas.microsoft.com/sharepoint/v3"/>
+    <ds:schemaRef ds:uri="230e9df3-be65-4c73-a93b-d1236ebd677e"/>
   </ds:schemaRefs>
 </ds:datastoreItem>
 </file>
@@ -27661,13 +29464,9 @@
 </file>
 
 <file path=customXml/itemProps3.xml><?xml version="1.0" encoding="utf-8"?>
-<ds:datastoreItem xmlns:ds="http://schemas.openxmlformats.org/officeDocument/2006/customXml" ds:itemID="{80D7C3E5-1734-4636-9EC5-AEB06BF1FB20}">
+<ds:datastoreItem xmlns:ds="http://schemas.openxmlformats.org/officeDocument/2006/customXml" ds:itemID="{4C5C2001-E626-4890-B405-22B5BD1CB05A}">
   <ds:schemaRefs>
-    <ds:schemaRef ds:uri="http://schemas.microsoft.com/office/2006/metadata/properties"/>
-    <ds:schemaRef ds:uri="http://schemas.microsoft.com/office/infopath/2007/PartnerControls"/>
-    <ds:schemaRef ds:uri="71af3243-3dd4-4a8d-8c0d-dd76da1f02a5"/>
-    <ds:schemaRef ds:uri="http://schemas.microsoft.com/sharepoint/v3"/>
-    <ds:schemaRef ds:uri="230e9df3-be65-4c73-a93b-d1236ebd677e"/>
+    <ds:schemaRef ds:uri="http://schemas.microsoft.com/sharepoint/v3/contenttype/forms"/>
   </ds:schemaRefs>
 </ds:datastoreItem>
 </file>
